--- a/thesis/ukapp2/wqu_isc/sofware_design/Lesson 1 - Java.pptx
+++ b/thesis/ukapp2/wqu_isc/sofware_design/Lesson 1 - Java.pptx
@@ -6,21 +6,21 @@
   </p:sldMasterIdLst>
   <p:sldIdLst>
     <p:sldId id="256" r:id="rId5"/>
-    <p:sldId id="257" r:id="rId6"/>
-    <p:sldId id="261" r:id="rId7"/>
-    <p:sldId id="267" r:id="rId8"/>
-    <p:sldId id="268" r:id="rId9"/>
-    <p:sldId id="258" r:id="rId10"/>
-    <p:sldId id="259" r:id="rId11"/>
-    <p:sldId id="260" r:id="rId12"/>
-    <p:sldId id="262" r:id="rId13"/>
-    <p:sldId id="264" r:id="rId14"/>
-    <p:sldId id="265" r:id="rId15"/>
-    <p:sldId id="263" r:id="rId16"/>
-    <p:sldId id="269" r:id="rId17"/>
-    <p:sldId id="270" r:id="rId18"/>
-    <p:sldId id="271" r:id="rId19"/>
-    <p:sldId id="266" r:id="rId20"/>
+    <p:sldId id="272" r:id="rId6"/>
+    <p:sldId id="275" r:id="rId7"/>
+    <p:sldId id="258" r:id="rId8"/>
+    <p:sldId id="267" r:id="rId9"/>
+    <p:sldId id="273" r:id="rId10"/>
+    <p:sldId id="266" r:id="rId11"/>
+    <p:sldId id="270" r:id="rId12"/>
+    <p:sldId id="277" r:id="rId13"/>
+    <p:sldId id="271" r:id="rId14"/>
+    <p:sldId id="276" r:id="rId15"/>
+    <p:sldId id="274" r:id="rId16"/>
+    <p:sldId id="278" r:id="rId17"/>
+    <p:sldId id="279" r:id="rId18"/>
+    <p:sldId id="280" r:id="rId19"/>
+    <p:sldId id="281" r:id="rId20"/>
   </p:sldIdLst>
   <p:sldSz cx="9144000" cy="6858000" type="screen4x3"/>
   <p:notesSz cx="6858000" cy="9144000"/>
@@ -3881,8 +3881,13 @@
           <a:p>
             <a:r>
               <a:rPr lang="en-GB" dirty="0"/>
-              <a:t>An Introduction to object-orientation and software design</a:t>
-            </a:r>
+              <a:t>An Introduction to object-orientation and </a:t>
+            </a:r>
+            <a:r>
+              <a:rPr lang="en-GB" dirty="0" smtClean="0"/>
+              <a:t>the java programming language</a:t>
+            </a:r>
+            <a:endParaRPr lang="en-GB" dirty="0"/>
           </a:p>
         </p:txBody>
       </p:sp>
@@ -3953,6 +3958,13 @@
   <p:clrMapOvr>
     <a:masterClrMapping/>
   </p:clrMapOvr>
+  <p:timing>
+    <p:tnLst>
+      <p:par>
+        <p:cTn id="1" dur="indefinite" restart="never" nodeType="tmRoot"/>
+      </p:par>
+    </p:tnLst>
+  </p:timing>
 </p:sld>
 </file>
 
@@ -3978,7 +3990,7 @@
           <p:cNvPr id="2" name="Title 1">
             <a:extLst>
               <a:ext uri="{FF2B5EF4-FFF2-40B4-BE49-F238E27FC236}">
-                <a16:creationId xmlns:a16="http://schemas.microsoft.com/office/drawing/2014/main" id="{5BDCA054-9342-44AE-A971-9A61E8772B32}"/>
+                <a16:creationId xmlns:a16="http://schemas.microsoft.com/office/drawing/2014/main" id="{4DD0466D-37E0-4EE2-AE8B-91DBCDEE171A}"/>
               </a:ext>
             </a:extLst>
           </p:cNvPr>
@@ -3995,501 +4007,141 @@
           <a:lstStyle/>
           <a:p>
             <a:r>
-              <a:rPr lang="en-GB" dirty="0"/>
-              <a:t>Representations in UML.</a:t>
-            </a:r>
-          </a:p>
-        </p:txBody>
-      </p:sp>
-      <p:pic>
-        <p:nvPicPr>
-          <p:cNvPr id="4" name="Content Placeholder 3">
+              <a:rPr lang="en-GB" dirty="0" smtClean="0"/>
+              <a:t>Operations in Java are similar to that of C++</a:t>
+            </a:r>
+            <a:endParaRPr lang="en-GB" dirty="0"/>
+          </a:p>
+        </p:txBody>
+      </p:sp>
+      <p:sp>
+        <p:nvSpPr>
+          <p:cNvPr id="3" name="Content Placeholder 2">
             <a:extLst>
               <a:ext uri="{FF2B5EF4-FFF2-40B4-BE49-F238E27FC236}">
-                <a16:creationId xmlns:a16="http://schemas.microsoft.com/office/drawing/2014/main" id="{97005B22-17A7-4343-ADFC-926619C465F9}"/>
+                <a16:creationId xmlns:a16="http://schemas.microsoft.com/office/drawing/2014/main" id="{27BF4531-EE01-4075-9661-FC2CD1C514C3}"/>
               </a:ext>
             </a:extLst>
           </p:cNvPr>
-          <p:cNvPicPr>
-            <a:picLocks noGrp="1" noChangeAspect="1"/>
-          </p:cNvPicPr>
+          <p:cNvSpPr>
+            <a:spLocks noGrp="1"/>
+          </p:cNvSpPr>
           <p:nvPr>
             <p:ph idx="1"/>
           </p:nvPr>
-        </p:nvPicPr>
-        <p:blipFill>
-          <a:blip r:embed="rId2"/>
-          <a:stretch>
-            <a:fillRect/>
-          </a:stretch>
-        </p:blipFill>
+        </p:nvSpPr>
         <p:spPr>
           <a:xfrm>
-            <a:off x="822960" y="2550679"/>
-            <a:ext cx="2478454" cy="1614920"/>
+            <a:off x="800099" y="2279843"/>
+            <a:ext cx="7543801" cy="3095721"/>
           </a:xfrm>
-          <a:prstGeom prst="rect">
-            <a:avLst/>
-          </a:prstGeom>
         </p:spPr>
-      </p:pic>
-      <p:sp>
-        <p:nvSpPr>
-          <p:cNvPr id="5" name="TextBox 4">
-            <a:extLst>
-              <a:ext uri="{FF2B5EF4-FFF2-40B4-BE49-F238E27FC236}">
-                <a16:creationId xmlns:a16="http://schemas.microsoft.com/office/drawing/2014/main" id="{10265021-64DD-4C56-81E6-B8AAE49E1250}"/>
-              </a:ext>
-            </a:extLst>
-          </p:cNvPr>
-          <p:cNvSpPr txBox="1"/>
-          <p:nvPr/>
-        </p:nvSpPr>
-        <p:spPr>
-          <a:xfrm>
-            <a:off x="3509818" y="2292060"/>
-            <a:ext cx="1357746" cy="369332"/>
-          </a:xfrm>
-          <a:prstGeom prst="rect">
-            <a:avLst/>
-          </a:prstGeom>
-          <a:noFill/>
-          <a:ln>
-            <a:solidFill>
-              <a:schemeClr val="tx1"/>
-            </a:solidFill>
-          </a:ln>
-        </p:spPr>
-        <p:txBody>
-          <a:bodyPr wrap="square" rtlCol="0">
-            <a:spAutoFit/>
-          </a:bodyPr>
+        <p:txBody>
+          <a:bodyPr/>
           <a:lstStyle/>
           <a:p>
+            <a:pPr>
+              <a:buFont typeface="Wingdings" panose="05000000000000000000" pitchFamily="2" charset="2"/>
+              <a:buChar char="v"/>
+            </a:pPr>
             <a:r>
               <a:rPr lang="en-GB" dirty="0"/>
-              <a:t>Class name</a:t>
-            </a:r>
-          </a:p>
-        </p:txBody>
-      </p:sp>
-      <p:cxnSp>
-        <p:nvCxnSpPr>
-          <p:cNvPr id="7" name="Straight Arrow Connector 6">
-            <a:extLst>
-              <a:ext uri="{FF2B5EF4-FFF2-40B4-BE49-F238E27FC236}">
-                <a16:creationId xmlns:a16="http://schemas.microsoft.com/office/drawing/2014/main" id="{7461CF7D-90BF-44B1-AD77-BD88028091DC}"/>
-              </a:ext>
-            </a:extLst>
-          </p:cNvPr>
-          <p:cNvCxnSpPr>
-            <a:cxnSpLocks/>
-          </p:cNvCxnSpPr>
-          <p:nvPr/>
-        </p:nvCxnSpPr>
-        <p:spPr>
-          <a:xfrm flipH="1">
-            <a:off x="3205018" y="2476726"/>
-            <a:ext cx="304801" cy="184666"/>
-          </a:xfrm>
-          <a:prstGeom prst="straightConnector1">
-            <a:avLst/>
-          </a:prstGeom>
-          <a:ln>
-            <a:solidFill>
-              <a:schemeClr val="tx1"/>
-            </a:solidFill>
-            <a:tailEnd type="triangle"/>
-          </a:ln>
-        </p:spPr>
-        <p:style>
-          <a:lnRef idx="1">
-            <a:schemeClr val="accent1"/>
-          </a:lnRef>
-          <a:fillRef idx="0">
-            <a:schemeClr val="accent1"/>
-          </a:fillRef>
-          <a:effectRef idx="0">
-            <a:schemeClr val="accent1"/>
-          </a:effectRef>
-          <a:fontRef idx="minor">
-            <a:schemeClr val="tx1"/>
-          </a:fontRef>
-        </p:style>
-      </p:cxnSp>
-      <p:sp>
-        <p:nvSpPr>
-          <p:cNvPr id="10" name="TextBox 9">
-            <a:extLst>
-              <a:ext uri="{FF2B5EF4-FFF2-40B4-BE49-F238E27FC236}">
-                <a16:creationId xmlns:a16="http://schemas.microsoft.com/office/drawing/2014/main" id="{8F284DDB-0843-4EC8-85EA-2AF9FEDC0220}"/>
-              </a:ext>
-            </a:extLst>
-          </p:cNvPr>
-          <p:cNvSpPr txBox="1"/>
-          <p:nvPr/>
-        </p:nvSpPr>
-        <p:spPr>
-          <a:xfrm>
-            <a:off x="3509818" y="2883644"/>
-            <a:ext cx="1357746" cy="646331"/>
-          </a:xfrm>
-          <a:prstGeom prst="rect">
-            <a:avLst/>
-          </a:prstGeom>
-          <a:noFill/>
-          <a:ln>
-            <a:solidFill>
-              <a:schemeClr val="tx1"/>
-            </a:solidFill>
-          </a:ln>
-        </p:spPr>
-        <p:txBody>
-          <a:bodyPr wrap="square" rtlCol="0">
-            <a:spAutoFit/>
-          </a:bodyPr>
-          <a:lstStyle/>
-          <a:p>
+              <a:t> </a:t>
+            </a:r>
+            <a:r>
+              <a:rPr lang="en-GB" dirty="0" smtClean="0"/>
+              <a:t>Arithmetic Operators (+, -, /, *, %)</a:t>
+            </a:r>
+            <a:endParaRPr lang="en-GB" dirty="0"/>
+          </a:p>
+          <a:p>
+            <a:pPr>
+              <a:buFont typeface="Wingdings" panose="05000000000000000000" pitchFamily="2" charset="2"/>
+              <a:buChar char="v"/>
+            </a:pPr>
             <a:r>
               <a:rPr lang="en-GB" dirty="0"/>
-              <a:t>Class attributes</a:t>
-            </a:r>
-          </a:p>
-        </p:txBody>
-      </p:sp>
-      <p:cxnSp>
-        <p:nvCxnSpPr>
-          <p:cNvPr id="11" name="Straight Arrow Connector 10">
-            <a:extLst>
-              <a:ext uri="{FF2B5EF4-FFF2-40B4-BE49-F238E27FC236}">
-                <a16:creationId xmlns:a16="http://schemas.microsoft.com/office/drawing/2014/main" id="{2048E0B2-F90A-40B2-8B48-F71F23E9256D}"/>
-              </a:ext>
-            </a:extLst>
-          </p:cNvPr>
-          <p:cNvCxnSpPr>
-            <a:cxnSpLocks/>
-          </p:cNvCxnSpPr>
-          <p:nvPr/>
-        </p:nvCxnSpPr>
-        <p:spPr>
-          <a:xfrm flipH="1">
-            <a:off x="3205018" y="3068310"/>
-            <a:ext cx="304801" cy="184666"/>
-          </a:xfrm>
-          <a:prstGeom prst="straightConnector1">
-            <a:avLst/>
-          </a:prstGeom>
-          <a:ln>
-            <a:solidFill>
-              <a:schemeClr val="tx1"/>
-            </a:solidFill>
-            <a:tailEnd type="triangle"/>
-          </a:ln>
-        </p:spPr>
-        <p:style>
-          <a:lnRef idx="1">
-            <a:schemeClr val="accent1"/>
-          </a:lnRef>
-          <a:fillRef idx="0">
-            <a:schemeClr val="accent1"/>
-          </a:fillRef>
-          <a:effectRef idx="0">
-            <a:schemeClr val="accent1"/>
-          </a:effectRef>
-          <a:fontRef idx="minor">
-            <a:schemeClr val="tx1"/>
-          </a:fontRef>
-        </p:style>
-      </p:cxnSp>
-      <p:sp>
-        <p:nvSpPr>
-          <p:cNvPr id="12" name="TextBox 11">
-            <a:extLst>
-              <a:ext uri="{FF2B5EF4-FFF2-40B4-BE49-F238E27FC236}">
-                <a16:creationId xmlns:a16="http://schemas.microsoft.com/office/drawing/2014/main" id="{D69190A3-BAF9-4DB6-AA2B-8E966FB03A01}"/>
-              </a:ext>
-            </a:extLst>
-          </p:cNvPr>
-          <p:cNvSpPr txBox="1"/>
-          <p:nvPr/>
-        </p:nvSpPr>
-        <p:spPr>
-          <a:xfrm>
-            <a:off x="3509818" y="3622308"/>
-            <a:ext cx="1357746" cy="646331"/>
-          </a:xfrm>
-          <a:prstGeom prst="rect">
-            <a:avLst/>
-          </a:prstGeom>
-          <a:noFill/>
-          <a:ln>
-            <a:solidFill>
-              <a:schemeClr val="tx1"/>
-            </a:solidFill>
-          </a:ln>
-        </p:spPr>
-        <p:txBody>
-          <a:bodyPr wrap="square" rtlCol="0">
-            <a:spAutoFit/>
-          </a:bodyPr>
-          <a:lstStyle/>
-          <a:p>
+              <a:t> </a:t>
+            </a:r>
+            <a:r>
+              <a:rPr lang="en-GB" dirty="0" smtClean="0"/>
+              <a:t>Relational operators (==, !=, &gt;,&lt;,&gt;=,&lt;=)</a:t>
+            </a:r>
+            <a:endParaRPr lang="en-GB" dirty="0"/>
+          </a:p>
+          <a:p>
+            <a:pPr>
+              <a:buFont typeface="Wingdings" panose="05000000000000000000" pitchFamily="2" charset="2"/>
+              <a:buChar char="v"/>
+            </a:pPr>
             <a:r>
               <a:rPr lang="en-GB" dirty="0"/>
-              <a:t>Class methods</a:t>
-            </a:r>
-          </a:p>
-        </p:txBody>
-      </p:sp>
-      <p:cxnSp>
-        <p:nvCxnSpPr>
-          <p:cNvPr id="13" name="Straight Arrow Connector 12">
-            <a:extLst>
-              <a:ext uri="{FF2B5EF4-FFF2-40B4-BE49-F238E27FC236}">
-                <a16:creationId xmlns:a16="http://schemas.microsoft.com/office/drawing/2014/main" id="{442EC587-F806-420E-875C-2F2BC7212C8E}"/>
-              </a:ext>
-            </a:extLst>
-          </p:cNvPr>
-          <p:cNvCxnSpPr>
-            <a:cxnSpLocks/>
-          </p:cNvCxnSpPr>
-          <p:nvPr/>
-        </p:nvCxnSpPr>
-        <p:spPr>
-          <a:xfrm flipH="1">
-            <a:off x="3218871" y="3760807"/>
-            <a:ext cx="304801" cy="184666"/>
-          </a:xfrm>
-          <a:prstGeom prst="straightConnector1">
-            <a:avLst/>
-          </a:prstGeom>
-          <a:ln>
-            <a:solidFill>
-              <a:schemeClr val="tx1"/>
-            </a:solidFill>
-            <a:tailEnd type="triangle"/>
-          </a:ln>
-        </p:spPr>
-        <p:style>
-          <a:lnRef idx="1">
-            <a:schemeClr val="accent1"/>
-          </a:lnRef>
-          <a:fillRef idx="0">
-            <a:schemeClr val="accent1"/>
-          </a:fillRef>
-          <a:effectRef idx="0">
-            <a:schemeClr val="accent1"/>
-          </a:effectRef>
-          <a:fontRef idx="minor">
-            <a:schemeClr val="tx1"/>
-          </a:fontRef>
-        </p:style>
-      </p:cxnSp>
-      <p:sp>
-        <p:nvSpPr>
-          <p:cNvPr id="14" name="TextBox 13">
-            <a:extLst>
-              <a:ext uri="{FF2B5EF4-FFF2-40B4-BE49-F238E27FC236}">
-                <a16:creationId xmlns:a16="http://schemas.microsoft.com/office/drawing/2014/main" id="{651442E4-2AC1-438D-BC01-C36B0E5340B8}"/>
-              </a:ext>
-            </a:extLst>
-          </p:cNvPr>
-          <p:cNvSpPr txBox="1"/>
-          <p:nvPr/>
-        </p:nvSpPr>
-        <p:spPr>
-          <a:xfrm>
-            <a:off x="822960" y="2105830"/>
-            <a:ext cx="2603731" cy="369332"/>
-          </a:xfrm>
-          <a:prstGeom prst="rect">
-            <a:avLst/>
-          </a:prstGeom>
-          <a:noFill/>
-        </p:spPr>
-        <p:txBody>
-          <a:bodyPr wrap="square" rtlCol="0">
-            <a:spAutoFit/>
-          </a:bodyPr>
-          <a:lstStyle/>
-          <a:p>
+              <a:t> </a:t>
+            </a:r>
+            <a:r>
+              <a:rPr lang="en-GB" dirty="0" smtClean="0"/>
+              <a:t>Memory Operations (=, +=,-=, /=, *=, %=, ++, --)</a:t>
+            </a:r>
+            <a:endParaRPr lang="en-GB" dirty="0"/>
+          </a:p>
+          <a:p>
+            <a:pPr>
+              <a:buFont typeface="Wingdings" panose="05000000000000000000" pitchFamily="2" charset="2"/>
+              <a:buChar char="v"/>
+            </a:pPr>
             <a:r>
               <a:rPr lang="en-GB" dirty="0"/>
-              <a:t>Class Representation</a:t>
-            </a:r>
-          </a:p>
-        </p:txBody>
-      </p:sp>
-      <p:pic>
-        <p:nvPicPr>
-          <p:cNvPr id="15" name="Picture 14">
-            <a:extLst>
-              <a:ext uri="{FF2B5EF4-FFF2-40B4-BE49-F238E27FC236}">
-                <a16:creationId xmlns:a16="http://schemas.microsoft.com/office/drawing/2014/main" id="{7F9FDA3B-CF6B-4CC4-99FB-5C7B7C138D8F}"/>
-              </a:ext>
-            </a:extLst>
-          </p:cNvPr>
-          <p:cNvPicPr>
-            <a:picLocks noChangeAspect="1"/>
-          </p:cNvPicPr>
-          <p:nvPr/>
-        </p:nvPicPr>
-        <p:blipFill>
-          <a:blip r:embed="rId3"/>
-          <a:stretch>
-            <a:fillRect/>
-          </a:stretch>
-        </p:blipFill>
-        <p:spPr>
-          <a:xfrm>
-            <a:off x="5226709" y="2339089"/>
-            <a:ext cx="3509881" cy="2179821"/>
-          </a:xfrm>
-          <a:prstGeom prst="rect">
-            <a:avLst/>
-          </a:prstGeom>
-        </p:spPr>
-      </p:pic>
-      <p:sp>
-        <p:nvSpPr>
-          <p:cNvPr id="16" name="TextBox 15">
-            <a:extLst>
-              <a:ext uri="{FF2B5EF4-FFF2-40B4-BE49-F238E27FC236}">
-                <a16:creationId xmlns:a16="http://schemas.microsoft.com/office/drawing/2014/main" id="{E6A0AE91-0537-4FEF-AA50-3A43F0BBBFAB}"/>
-              </a:ext>
-            </a:extLst>
-          </p:cNvPr>
-          <p:cNvSpPr txBox="1"/>
-          <p:nvPr/>
-        </p:nvSpPr>
-        <p:spPr>
-          <a:xfrm>
-            <a:off x="5226709" y="1921164"/>
-            <a:ext cx="3509881" cy="369332"/>
-          </a:xfrm>
-          <a:prstGeom prst="rect">
-            <a:avLst/>
-          </a:prstGeom>
-          <a:noFill/>
-        </p:spPr>
-        <p:txBody>
-          <a:bodyPr wrap="square" rtlCol="0">
-            <a:spAutoFit/>
-          </a:bodyPr>
-          <a:lstStyle/>
-          <a:p>
-            <a:r>
-              <a:rPr lang="en-GB" dirty="0"/>
-              <a:t>Visibility of class members</a:t>
-            </a:r>
-          </a:p>
-        </p:txBody>
-      </p:sp>
-      <p:pic>
-        <p:nvPicPr>
-          <p:cNvPr id="17" name="Picture 16">
-            <a:extLst>
-              <a:ext uri="{FF2B5EF4-FFF2-40B4-BE49-F238E27FC236}">
-                <a16:creationId xmlns:a16="http://schemas.microsoft.com/office/drawing/2014/main" id="{24030782-55E7-49C9-BDF7-06C51E0C4999}"/>
-              </a:ext>
-            </a:extLst>
-          </p:cNvPr>
-          <p:cNvPicPr>
-            <a:picLocks noChangeAspect="1"/>
-          </p:cNvPicPr>
-          <p:nvPr/>
-        </p:nvPicPr>
-        <p:blipFill>
-          <a:blip r:embed="rId4"/>
-          <a:stretch>
-            <a:fillRect/>
-          </a:stretch>
-        </p:blipFill>
-        <p:spPr>
-          <a:xfrm>
-            <a:off x="5742422" y="4656520"/>
-            <a:ext cx="2478454" cy="1624764"/>
-          </a:xfrm>
-          <a:prstGeom prst="rect">
-            <a:avLst/>
-          </a:prstGeom>
-        </p:spPr>
-      </p:pic>
-      <p:pic>
-        <p:nvPicPr>
-          <p:cNvPr id="18" name="Picture 17">
-            <a:extLst>
-              <a:ext uri="{FF2B5EF4-FFF2-40B4-BE49-F238E27FC236}">
-                <a16:creationId xmlns:a16="http://schemas.microsoft.com/office/drawing/2014/main" id="{2104D945-5E62-4954-9537-2F01BEF15398}"/>
-              </a:ext>
-            </a:extLst>
-          </p:cNvPr>
-          <p:cNvPicPr>
-            <a:picLocks noChangeAspect="1"/>
-          </p:cNvPicPr>
-          <p:nvPr/>
-        </p:nvPicPr>
-        <p:blipFill>
-          <a:blip r:embed="rId5"/>
-          <a:stretch>
-            <a:fillRect/>
-          </a:stretch>
-        </p:blipFill>
-        <p:spPr>
-          <a:xfrm>
-            <a:off x="1449597" y="4656520"/>
-            <a:ext cx="2321091" cy="1624764"/>
-          </a:xfrm>
-          <a:prstGeom prst="rect">
-            <a:avLst/>
-          </a:prstGeom>
-        </p:spPr>
-      </p:pic>
-      <p:sp>
-        <p:nvSpPr>
-          <p:cNvPr id="19" name="TextBox 18">
-            <a:extLst>
-              <a:ext uri="{FF2B5EF4-FFF2-40B4-BE49-F238E27FC236}">
-                <a16:creationId xmlns:a16="http://schemas.microsoft.com/office/drawing/2014/main" id="{E15CC634-2B03-467D-A646-B8C5E64587B5}"/>
-              </a:ext>
-            </a:extLst>
-          </p:cNvPr>
-          <p:cNvSpPr txBox="1"/>
-          <p:nvPr/>
-        </p:nvSpPr>
-        <p:spPr>
-          <a:xfrm>
-            <a:off x="1903152" y="4351764"/>
-            <a:ext cx="2603731" cy="369332"/>
-          </a:xfrm>
-          <a:prstGeom prst="rect">
-            <a:avLst/>
-          </a:prstGeom>
-          <a:noFill/>
-        </p:spPr>
-        <p:txBody>
-          <a:bodyPr wrap="square" rtlCol="0">
-            <a:spAutoFit/>
-          </a:bodyPr>
-          <a:lstStyle/>
-          <a:p>
-            <a:r>
-              <a:rPr lang="en-GB" dirty="0"/>
-              <a:t>Relationships</a:t>
-            </a:r>
+              <a:t> </a:t>
+            </a:r>
+            <a:r>
+              <a:rPr lang="en-GB" dirty="0" smtClean="0"/>
+              <a:t>Logical operators (&amp;&amp;,||, !)</a:t>
+            </a:r>
+          </a:p>
+          <a:p>
+            <a:pPr>
+              <a:buFont typeface="Wingdings" panose="05000000000000000000" pitchFamily="2" charset="2"/>
+              <a:buChar char="v"/>
+            </a:pPr>
+            <a:r>
+              <a:rPr lang="en-GB" dirty="0" smtClean="0"/>
+              <a:t>Conditional (Ternary) Operator (?:)</a:t>
+            </a:r>
+            <a:r>
+              <a:rPr lang="en-GB" dirty="0" smtClean="0"/>
+              <a:t>.</a:t>
+            </a:r>
+          </a:p>
+          <a:p>
+            <a:pPr>
+              <a:buFont typeface="Wingdings" panose="05000000000000000000" pitchFamily="2" charset="2"/>
+              <a:buChar char="v"/>
+            </a:pPr>
+            <a:r>
+              <a:rPr lang="en-US" dirty="0" smtClean="0"/>
+              <a:t>Bitwise operators (&amp;, |, ^, ~, &gt;&gt;, &lt;&lt;)</a:t>
+            </a:r>
+            <a:endParaRPr lang="en-GB" dirty="0"/>
           </a:p>
         </p:txBody>
       </p:sp>
     </p:spTree>
     <p:extLst>
       <p:ext uri="{BB962C8B-B14F-4D97-AF65-F5344CB8AC3E}">
-        <p14:creationId xmlns:p14="http://schemas.microsoft.com/office/powerpoint/2010/main" val="733225213"/>
+        <p14:creationId xmlns:p14="http://schemas.microsoft.com/office/powerpoint/2010/main" val="4259390979"/>
       </p:ext>
     </p:extLst>
   </p:cSld>
   <p:clrMapOvr>
     <a:masterClrMapping/>
   </p:clrMapOvr>
+  <p:timing>
+    <p:tnLst>
+      <p:par>
+        <p:cTn id="1" dur="indefinite" restart="never" nodeType="tmRoot"/>
+      </p:par>
+    </p:tnLst>
+  </p:timing>
 </p:sld>
 </file>
 
@@ -4512,10 +4164,10 @@
       </p:grpSpPr>
       <p:sp>
         <p:nvSpPr>
-          <p:cNvPr id="2" name="Title 1">
+          <p:cNvPr id="3" name="Content Placeholder 2">
             <a:extLst>
               <a:ext uri="{FF2B5EF4-FFF2-40B4-BE49-F238E27FC236}">
-                <a16:creationId xmlns:a16="http://schemas.microsoft.com/office/drawing/2014/main" id="{039A1D65-6877-4E0D-AAED-136EB4DA660C}"/>
+                <a16:creationId xmlns:a16="http://schemas.microsoft.com/office/drawing/2014/main" id="{6C7F13ED-B066-4225-805E-0889FD78E024}"/>
               </a:ext>
             </a:extLst>
           </p:cNvPr>
@@ -4523,84 +4175,32 @@
             <a:spLocks noGrp="1"/>
           </p:cNvSpPr>
           <p:nvPr>
-            <p:ph type="title"/>
-          </p:nvPr>
-        </p:nvSpPr>
-        <p:spPr/>
-        <p:txBody>
-          <a:bodyPr/>
-          <a:lstStyle/>
-          <a:p>
-            <a:r>
-              <a:rPr lang="en-GB" dirty="0"/>
-              <a:t>Class Diagram – Example.</a:t>
-            </a:r>
-          </a:p>
-        </p:txBody>
-      </p:sp>
-      <p:pic>
-        <p:nvPicPr>
-          <p:cNvPr id="4" name="Content Placeholder 3">
-            <a:extLst>
-              <a:ext uri="{FF2B5EF4-FFF2-40B4-BE49-F238E27FC236}">
-                <a16:creationId xmlns:a16="http://schemas.microsoft.com/office/drawing/2014/main" id="{BE171412-B5F4-461C-AFB9-44BF743CA717}"/>
-              </a:ext>
-            </a:extLst>
-          </p:cNvPr>
-          <p:cNvPicPr>
-            <a:picLocks noGrp="1" noChangeAspect="1"/>
-          </p:cNvPicPr>
-          <p:nvPr>
             <p:ph idx="1"/>
           </p:nvPr>
-        </p:nvPicPr>
-        <p:blipFill>
-          <a:blip r:embed="rId2"/>
-          <a:stretch>
-            <a:fillRect/>
-          </a:stretch>
-        </p:blipFill>
-        <p:spPr>
-          <a:xfrm>
-            <a:off x="1274618" y="1828937"/>
-            <a:ext cx="5874328" cy="2996415"/>
-          </a:xfrm>
-          <a:prstGeom prst="rect">
-            <a:avLst/>
-          </a:prstGeom>
-        </p:spPr>
-      </p:pic>
-      <p:sp>
-        <p:nvSpPr>
-          <p:cNvPr id="5" name="TextBox 4">
-            <a:extLst>
-              <a:ext uri="{FF2B5EF4-FFF2-40B4-BE49-F238E27FC236}">
-                <a16:creationId xmlns:a16="http://schemas.microsoft.com/office/drawing/2014/main" id="{0313F0B1-4FAD-4465-95FB-8B718016DA91}"/>
-              </a:ext>
-            </a:extLst>
-          </p:cNvPr>
-          <p:cNvSpPr txBox="1"/>
-          <p:nvPr/>
-        </p:nvSpPr>
-        <p:spPr>
-          <a:xfrm>
-            <a:off x="1095087" y="5070764"/>
-            <a:ext cx="7543800" cy="923330"/>
-          </a:xfrm>
-          <a:prstGeom prst="rect">
-            <a:avLst/>
-          </a:prstGeom>
-          <a:noFill/>
-        </p:spPr>
-        <p:txBody>
-          <a:bodyPr wrap="square" rtlCol="0">
-            <a:spAutoFit/>
+        </p:nvSpPr>
+        <p:spPr/>
+        <p:txBody>
+          <a:bodyPr>
+            <a:normAutofit/>
           </a:bodyPr>
           <a:lstStyle/>
           <a:p>
-            <a:r>
-              <a:rPr lang="en-GB" dirty="0"/>
-              <a:t>Animal is the super class. Duck, Fish, and Zebra are subclasses and they inherit all the members from the superclass.  The subclasses also have their own attributes and methods. </a:t>
+            <a:pPr algn="ctr"/>
+            <a:endParaRPr lang="en-GB" sz="4800" dirty="0"/>
+          </a:p>
+          <a:p>
+            <a:pPr marL="0" indent="0" algn="ctr">
+              <a:buNone/>
+            </a:pPr>
+            <a:endParaRPr lang="en-GB" sz="4800" dirty="0"/>
+          </a:p>
+          <a:p>
+            <a:pPr marL="0" indent="0" algn="ctr">
+              <a:buNone/>
+            </a:pPr>
+            <a:r>
+              <a:rPr lang="en-GB" sz="4800" dirty="0"/>
+              <a:t>Any Questions?</a:t>
             </a:r>
           </a:p>
         </p:txBody>
@@ -4608,13 +4208,20 @@
     </p:spTree>
     <p:extLst>
       <p:ext uri="{BB962C8B-B14F-4D97-AF65-F5344CB8AC3E}">
-        <p14:creationId xmlns:p14="http://schemas.microsoft.com/office/powerpoint/2010/main" val="383230086"/>
+        <p14:creationId xmlns:p14="http://schemas.microsoft.com/office/powerpoint/2010/main" val="583694512"/>
       </p:ext>
     </p:extLst>
   </p:cSld>
   <p:clrMapOvr>
     <a:masterClrMapping/>
   </p:clrMapOvr>
+  <p:timing>
+    <p:tnLst>
+      <p:par>
+        <p:cTn id="1" dur="indefinite" restart="never" nodeType="tmRoot"/>
+      </p:par>
+    </p:tnLst>
+  </p:timing>
 </p:sld>
 </file>
 
@@ -4640,7 +4247,7 @@
           <p:cNvPr id="2" name="Title 1">
             <a:extLst>
               <a:ext uri="{FF2B5EF4-FFF2-40B4-BE49-F238E27FC236}">
-                <a16:creationId xmlns:a16="http://schemas.microsoft.com/office/drawing/2014/main" id="{7EBF46A5-ACAD-42D2-A1A6-ADC1140D4C5E}"/>
+                <a16:creationId xmlns:a16="http://schemas.microsoft.com/office/drawing/2014/main" id="{7304BBA7-9D5E-4B9A-95AF-2E54F4B41C0E}"/>
               </a:ext>
             </a:extLst>
           </p:cNvPr>
@@ -4657,9 +4264,10 @@
           <a:lstStyle/>
           <a:p>
             <a:r>
-              <a:rPr lang="en-GB" dirty="0"/>
-              <a:t>Drawing of Basic Class Diagram - Exercise</a:t>
-            </a:r>
+              <a:rPr lang="en-GB" dirty="0" smtClean="0"/>
+              <a:t>Let’s write a program</a:t>
+            </a:r>
+            <a:endParaRPr lang="en-GB" dirty="0"/>
           </a:p>
         </p:txBody>
       </p:sp>
@@ -4668,7 +4276,7 @@
           <p:cNvPr id="3" name="Content Placeholder 2">
             <a:extLst>
               <a:ext uri="{FF2B5EF4-FFF2-40B4-BE49-F238E27FC236}">
-                <a16:creationId xmlns:a16="http://schemas.microsoft.com/office/drawing/2014/main" id="{6F758064-4DD8-4663-BB30-51A3BFEDCA46}"/>
+                <a16:creationId xmlns:a16="http://schemas.microsoft.com/office/drawing/2014/main" id="{3AB586B9-467B-4F63-B336-2E9D19321584}"/>
               </a:ext>
             </a:extLst>
           </p:cNvPr>
@@ -4679,9 +4287,16 @@
             <p:ph idx="1"/>
           </p:nvPr>
         </p:nvSpPr>
-        <p:spPr/>
-        <p:txBody>
-          <a:bodyPr/>
+        <p:spPr>
+          <a:xfrm>
+            <a:off x="822960" y="1845734"/>
+            <a:ext cx="7086600" cy="4023360"/>
+          </a:xfrm>
+        </p:spPr>
+        <p:txBody>
+          <a:bodyPr>
+            <a:normAutofit fontScale="92500" lnSpcReduction="10000"/>
+          </a:bodyPr>
           <a:lstStyle/>
           <a:p>
             <a:pPr>
@@ -4689,69 +4304,159 @@
               <a:buChar char="v"/>
             </a:pPr>
             <a:r>
+              <a:rPr lang="en-US" dirty="0" smtClean="0"/>
+              <a:t>Write a program given any real variable declared as X, can convert that X from the Celsius for Fahrenheit.</a:t>
+            </a:r>
+            <a:endParaRPr lang="en-GB" dirty="0"/>
+          </a:p>
+          <a:p>
+            <a:endParaRPr lang="en-GB" dirty="0"/>
+          </a:p>
+          <a:p>
+            <a:r>
+              <a:rPr lang="en-GB" dirty="0" smtClean="0"/>
+              <a:t>public </a:t>
+            </a:r>
+            <a:r>
               <a:rPr lang="en-GB" dirty="0"/>
-              <a:t> Create a class diagram representing the transport options available for moving from Manchester to London using draw draw.io.</a:t>
-            </a:r>
-          </a:p>
-          <a:p>
-            <a:pPr>
-              <a:buFont typeface="Wingdings" panose="05000000000000000000" pitchFamily="2" charset="2"/>
-              <a:buChar char="v"/>
-            </a:pPr>
+              <a:t>class Main </a:t>
+            </a:r>
+            <a:r>
+              <a:rPr lang="en-GB" dirty="0" smtClean="0"/>
+              <a:t>{</a:t>
+            </a:r>
+            <a:endParaRPr lang="en-GB" dirty="0"/>
+          </a:p>
+          <a:p>
             <a:r>
               <a:rPr lang="en-GB" dirty="0"/>
-              <a:t> It should include a superclass whose fields can be inherited by other classes.</a:t>
-            </a:r>
-          </a:p>
-          <a:p>
-            <a:pPr>
-              <a:buFont typeface="Wingdings" panose="05000000000000000000" pitchFamily="2" charset="2"/>
-              <a:buChar char="v"/>
-            </a:pPr>
+              <a:t>    public static void main(String[] </a:t>
+            </a:r>
+            <a:r>
+              <a:rPr lang="en-GB" dirty="0" err="1"/>
+              <a:t>args</a:t>
+            </a:r>
             <a:r>
               <a:rPr lang="en-GB" dirty="0"/>
-              <a:t> Create three subclasses representing the means of transportation with their own unique fields in addition to those inherited from the superclass.</a:t>
-            </a:r>
-          </a:p>
-          <a:p>
-            <a:pPr>
-              <a:buFont typeface="Wingdings" panose="05000000000000000000" pitchFamily="2" charset="2"/>
-              <a:buChar char="v"/>
-            </a:pPr>
+              <a:t>) {</a:t>
+            </a:r>
+          </a:p>
+          <a:p>
             <a:r>
               <a:rPr lang="en-GB" dirty="0"/>
-              <a:t> Ensure that class name, attributes, methods, visibility and relationship are covered in your diagram.</a:t>
-            </a:r>
-          </a:p>
-          <a:p>
-            <a:pPr>
-              <a:buFont typeface="Wingdings" panose="05000000000000000000" pitchFamily="2" charset="2"/>
-              <a:buChar char="v"/>
-            </a:pPr>
+              <a:t>        float x = 5; </a:t>
+            </a:r>
+          </a:p>
+          <a:p>
             <a:r>
               <a:rPr lang="en-GB" dirty="0"/>
-              <a:t> Final model should be submitted on Brightspace. </a:t>
-            </a:r>
-          </a:p>
-          <a:p>
-            <a:pPr>
-              <a:buFont typeface="Wingdings" panose="05000000000000000000" pitchFamily="2" charset="2"/>
-              <a:buChar char="v"/>
-            </a:pPr>
+              <a:t>        float </a:t>
+            </a:r>
+            <a:r>
+              <a:rPr lang="en-GB" dirty="0" err="1"/>
+              <a:t>degF</a:t>
+            </a:r>
+            <a:r>
+              <a:rPr lang="en-GB" dirty="0"/>
+              <a:t> = 9/5*x+32;</a:t>
+            </a:r>
+          </a:p>
+          <a:p>
+            <a:r>
+              <a:rPr lang="en-GB" dirty="0"/>
+              <a:t>        </a:t>
+            </a:r>
+            <a:r>
+              <a:rPr lang="en-GB" dirty="0" err="1"/>
+              <a:t>System.out.println</a:t>
+            </a:r>
+            <a:r>
+              <a:rPr lang="en-GB" dirty="0"/>
+              <a:t>((x ) + " </a:t>
+            </a:r>
+            <a:r>
+              <a:rPr lang="en-GB" dirty="0" err="1"/>
+              <a:t>degC</a:t>
+            </a:r>
+            <a:r>
+              <a:rPr lang="en-GB" dirty="0"/>
+              <a:t> =  " + (</a:t>
+            </a:r>
+            <a:r>
+              <a:rPr lang="en-GB" dirty="0" err="1"/>
+              <a:t>degF</a:t>
+            </a:r>
+            <a:r>
+              <a:rPr lang="en-GB" dirty="0"/>
+              <a:t>) + " </a:t>
+            </a:r>
+            <a:r>
+              <a:rPr lang="en-GB" dirty="0" err="1"/>
+              <a:t>degF</a:t>
+            </a:r>
+            <a:r>
+              <a:rPr lang="en-GB" dirty="0"/>
+              <a:t>");</a:t>
+            </a:r>
+          </a:p>
+          <a:p>
+            <a:r>
+              <a:rPr lang="en-GB" dirty="0"/>
+              <a:t>    }</a:t>
+            </a:r>
+          </a:p>
+          <a:p>
+            <a:r>
+              <a:rPr lang="en-GB" dirty="0"/>
+              <a:t>}</a:t>
+            </a:r>
+          </a:p>
+          <a:p>
             <a:endParaRPr lang="en-GB" dirty="0"/>
           </a:p>
         </p:txBody>
       </p:sp>
+      <p:pic>
+        <p:nvPicPr>
+          <p:cNvPr id="5" name="Picture 4"/>
+          <p:cNvPicPr>
+            <a:picLocks noChangeAspect="1"/>
+          </p:cNvPicPr>
+          <p:nvPr/>
+        </p:nvPicPr>
+        <p:blipFill>
+          <a:blip r:embed="rId2"/>
+          <a:stretch>
+            <a:fillRect/>
+          </a:stretch>
+        </p:blipFill>
+        <p:spPr>
+          <a:xfrm>
+            <a:off x="6883717" y="2292627"/>
+            <a:ext cx="2260283" cy="4019023"/>
+          </a:xfrm>
+          <a:prstGeom prst="rect">
+            <a:avLst/>
+          </a:prstGeom>
+        </p:spPr>
+      </p:pic>
     </p:spTree>
     <p:extLst>
       <p:ext uri="{BB962C8B-B14F-4D97-AF65-F5344CB8AC3E}">
-        <p14:creationId xmlns:p14="http://schemas.microsoft.com/office/powerpoint/2010/main" val="3444286743"/>
+        <p14:creationId xmlns:p14="http://schemas.microsoft.com/office/powerpoint/2010/main" val="4182295945"/>
       </p:ext>
     </p:extLst>
   </p:cSld>
   <p:clrMapOvr>
     <a:masterClrMapping/>
   </p:clrMapOvr>
+  <p:timing>
+    <p:tnLst>
+      <p:par>
+        <p:cTn id="1" dur="indefinite" restart="never" nodeType="tmRoot"/>
+      </p:par>
+    </p:tnLst>
+  </p:timing>
 </p:sld>
 </file>
 
@@ -4777,7 +4482,7 @@
           <p:cNvPr id="2" name="Title 1">
             <a:extLst>
               <a:ext uri="{FF2B5EF4-FFF2-40B4-BE49-F238E27FC236}">
-                <a16:creationId xmlns:a16="http://schemas.microsoft.com/office/drawing/2014/main" id="{FA9B9E85-705F-41AD-8CDF-369FC49B7A65}"/>
+                <a16:creationId xmlns:a16="http://schemas.microsoft.com/office/drawing/2014/main" id="{7304BBA7-9D5E-4B9A-95AF-2E54F4B41C0E}"/>
               </a:ext>
             </a:extLst>
           </p:cNvPr>
@@ -4788,15 +4493,23 @@
             <p:ph type="title"/>
           </p:nvPr>
         </p:nvSpPr>
-        <p:spPr/>
-        <p:txBody>
-          <a:bodyPr/>
+        <p:spPr>
+          <a:xfrm>
+            <a:off x="822960" y="286605"/>
+            <a:ext cx="7543800" cy="673516"/>
+          </a:xfrm>
+        </p:spPr>
+        <p:txBody>
+          <a:bodyPr>
+            <a:normAutofit fontScale="90000"/>
+          </a:bodyPr>
           <a:lstStyle/>
           <a:p>
             <a:r>
-              <a:rPr lang="en-GB" dirty="0"/>
-              <a:t>Use Case Diagrams</a:t>
-            </a:r>
+              <a:rPr lang="en-GB" dirty="0" smtClean="0"/>
+              <a:t>Static methods in Java</a:t>
+            </a:r>
+            <a:endParaRPr lang="en-GB" dirty="0"/>
           </a:p>
         </p:txBody>
       </p:sp>
@@ -4805,7 +4518,7 @@
           <p:cNvPr id="3" name="Content Placeholder 2">
             <a:extLst>
               <a:ext uri="{FF2B5EF4-FFF2-40B4-BE49-F238E27FC236}">
-                <a16:creationId xmlns:a16="http://schemas.microsoft.com/office/drawing/2014/main" id="{9640A5AE-3E75-4FC4-AD1B-8E9CD93F0CC3}"/>
+                <a16:creationId xmlns:a16="http://schemas.microsoft.com/office/drawing/2014/main" id="{3AB586B9-467B-4F63-B336-2E9D19321584}"/>
               </a:ext>
             </a:extLst>
           </p:cNvPr>
@@ -4818,13 +4531,13 @@
         </p:nvSpPr>
         <p:spPr>
           <a:xfrm>
-            <a:off x="822959" y="1845733"/>
-            <a:ext cx="7543801" cy="1848812"/>
+            <a:off x="213360" y="944880"/>
+            <a:ext cx="8778240" cy="5760720"/>
           </a:xfrm>
         </p:spPr>
         <p:txBody>
           <a:bodyPr>
-            <a:normAutofit fontScale="85000" lnSpcReduction="20000"/>
+            <a:normAutofit fontScale="92500" lnSpcReduction="10000"/>
           </a:bodyPr>
           <a:lstStyle/>
           <a:p>
@@ -4833,8 +4546,8 @@
               <a:buChar char="v"/>
             </a:pPr>
             <a:r>
-              <a:rPr lang="en-GB" dirty="0"/>
-              <a:t> A UML use-case diagram is used to provide an overview of all or part of the usage requirements in the form of a model.</a:t>
+              <a:rPr lang="en-US" dirty="0" smtClean="0"/>
+              <a:t> Functions are Advanced operators  (they take input and return an output mapping)</a:t>
             </a:r>
           </a:p>
           <a:p>
@@ -4843,8 +4556,8 @@
               <a:buChar char="v"/>
             </a:pPr>
             <a:r>
-              <a:rPr lang="en-GB" dirty="0"/>
-              <a:t> It shows the relationship among actors and use cases within a system.</a:t>
+              <a:rPr lang="en-US" dirty="0" smtClean="0"/>
+              <a:t> In Java Functions are called methods</a:t>
             </a:r>
           </a:p>
           <a:p>
@@ -4853,8 +4566,12 @@
               <a:buChar char="v"/>
             </a:pPr>
             <a:r>
-              <a:rPr lang="en-GB" dirty="0"/>
-              <a:t> An actor is a person, organization, local processes ( e.g. system clock), or external system that plays a role in one or more interactions with your system.</a:t>
+              <a:rPr lang="en-US" dirty="0" smtClean="0"/>
+              <a:t> Methods</a:t>
+            </a:r>
+            <a:r>
+              <a:rPr lang="en-GB" dirty="0" smtClean="0"/>
+              <a:t> are the basic Algorithmic Units of a program</a:t>
             </a:r>
           </a:p>
           <a:p>
@@ -4863,64 +4580,229 @@
               <a:buChar char="v"/>
             </a:pPr>
             <a:r>
-              <a:rPr lang="en-GB" dirty="0"/>
-              <a:t>Actors are drawn as stick figures</a:t>
-            </a:r>
-          </a:p>
-          <a:p>
+              <a:rPr lang="en-US" dirty="0" smtClean="0"/>
+              <a:t> Method Concepts</a:t>
+            </a:r>
+          </a:p>
+          <a:p>
+            <a:pPr lvl="1">
+              <a:buFont typeface="Wingdings" panose="05000000000000000000" pitchFamily="2" charset="2"/>
+              <a:buChar char="v"/>
+            </a:pPr>
+            <a:r>
+              <a:rPr lang="en-US" dirty="0"/>
+              <a:t> </a:t>
+            </a:r>
+            <a:r>
+              <a:rPr lang="en-US" dirty="0" smtClean="0"/>
+              <a:t>Creating methods (composition)</a:t>
+            </a:r>
+          </a:p>
+          <a:p>
+            <a:pPr lvl="2">
+              <a:buFont typeface="Wingdings" panose="05000000000000000000" pitchFamily="2" charset="2"/>
+              <a:buChar char="v"/>
+            </a:pPr>
+            <a:r>
+              <a:rPr lang="en-US" dirty="0"/>
+              <a:t> </a:t>
+            </a:r>
+            <a:r>
+              <a:rPr lang="en-US" dirty="0" smtClean="0"/>
+              <a:t>Signature</a:t>
+            </a:r>
+          </a:p>
+          <a:p>
+            <a:pPr lvl="3">
+              <a:buFont typeface="Wingdings" panose="05000000000000000000" pitchFamily="2" charset="2"/>
+              <a:buChar char="v"/>
+            </a:pPr>
+            <a:r>
+              <a:rPr lang="en-US" dirty="0"/>
+              <a:t> </a:t>
+            </a:r>
+            <a:r>
+              <a:rPr lang="en-US" dirty="0" smtClean="0"/>
+              <a:t>Name</a:t>
+            </a:r>
+          </a:p>
+          <a:p>
+            <a:pPr lvl="3">
+              <a:buFont typeface="Wingdings" panose="05000000000000000000" pitchFamily="2" charset="2"/>
+              <a:buChar char="v"/>
+            </a:pPr>
+            <a:r>
+              <a:rPr lang="en-US" dirty="0"/>
+              <a:t> </a:t>
+            </a:r>
+            <a:r>
+              <a:rPr lang="en-US" dirty="0" smtClean="0"/>
+              <a:t>Return type</a:t>
+            </a:r>
+          </a:p>
+          <a:p>
+            <a:pPr lvl="3">
+              <a:buFont typeface="Wingdings" panose="05000000000000000000" pitchFamily="2" charset="2"/>
+              <a:buChar char="v"/>
+            </a:pPr>
+            <a:r>
+              <a:rPr lang="en-US" dirty="0"/>
+              <a:t> </a:t>
+            </a:r>
+            <a:r>
+              <a:rPr lang="en-US" dirty="0" smtClean="0"/>
+              <a:t>Type modifiers</a:t>
+            </a:r>
+          </a:p>
+          <a:p>
+            <a:pPr lvl="3">
+              <a:buFont typeface="Wingdings" panose="05000000000000000000" pitchFamily="2" charset="2"/>
+              <a:buChar char="v"/>
+            </a:pPr>
+            <a:r>
+              <a:rPr lang="en-US" dirty="0"/>
+              <a:t> </a:t>
+            </a:r>
+            <a:r>
+              <a:rPr lang="en-US" dirty="0" smtClean="0"/>
+              <a:t>Input parameters</a:t>
+            </a:r>
+          </a:p>
+          <a:p>
+            <a:pPr lvl="2">
+              <a:buFont typeface="Wingdings" panose="05000000000000000000" pitchFamily="2" charset="2"/>
+              <a:buChar char="v"/>
+            </a:pPr>
+            <a:r>
+              <a:rPr lang="en-US" dirty="0"/>
+              <a:t> </a:t>
+            </a:r>
+            <a:r>
+              <a:rPr lang="en-US" dirty="0" smtClean="0"/>
+              <a:t>Method body</a:t>
+            </a:r>
+          </a:p>
+          <a:p>
+            <a:pPr lvl="3">
+              <a:buFont typeface="Wingdings" panose="05000000000000000000" pitchFamily="2" charset="2"/>
+              <a:buChar char="v"/>
+            </a:pPr>
+            <a:r>
+              <a:rPr lang="en-US" dirty="0" smtClean="0"/>
+              <a:t>Algorithmic contents</a:t>
+            </a:r>
+            <a:endParaRPr lang="en-US" dirty="0" smtClean="0"/>
+          </a:p>
+          <a:p>
+            <a:pPr lvl="1">
+              <a:buFont typeface="Wingdings" panose="05000000000000000000" pitchFamily="2" charset="2"/>
+              <a:buChar char="v"/>
+            </a:pPr>
+            <a:r>
+              <a:rPr lang="en-US" dirty="0"/>
+              <a:t> </a:t>
+            </a:r>
+            <a:r>
+              <a:rPr lang="en-US" dirty="0" smtClean="0"/>
+              <a:t>Using methods</a:t>
+            </a:r>
+          </a:p>
+          <a:p>
+            <a:pPr lvl="2">
+              <a:buFont typeface="Wingdings" panose="05000000000000000000" pitchFamily="2" charset="2"/>
+              <a:buChar char="v"/>
+            </a:pPr>
+            <a:r>
+              <a:rPr lang="en-US" dirty="0" smtClean="0"/>
+              <a:t>Method declaration</a:t>
+            </a:r>
+          </a:p>
+          <a:p>
+            <a:pPr lvl="2">
+              <a:buFont typeface="Wingdings" panose="05000000000000000000" pitchFamily="2" charset="2"/>
+              <a:buChar char="v"/>
+            </a:pPr>
+            <a:r>
+              <a:rPr lang="en-US" dirty="0" smtClean="0"/>
+              <a:t>Method definition</a:t>
+            </a:r>
+          </a:p>
+          <a:p>
+            <a:pPr lvl="2">
+              <a:buFont typeface="Wingdings" panose="05000000000000000000" pitchFamily="2" charset="2"/>
+              <a:buChar char="v"/>
+            </a:pPr>
+            <a:r>
+              <a:rPr lang="en-US" dirty="0" smtClean="0"/>
+              <a:t>Method call</a:t>
+            </a:r>
+          </a:p>
+          <a:p>
+            <a:pPr>
+              <a:buFont typeface="Wingdings" panose="05000000000000000000" pitchFamily="2" charset="2"/>
+              <a:buChar char="v"/>
+            </a:pPr>
+            <a:r>
+              <a:rPr lang="en-US" dirty="0"/>
+              <a:t> </a:t>
+            </a:r>
+            <a:r>
+              <a:rPr lang="en-US" dirty="0" smtClean="0"/>
+              <a:t>What is a static method</a:t>
+            </a:r>
+          </a:p>
+          <a:p>
+            <a:pPr lvl="1">
+              <a:buFont typeface="Wingdings" panose="05000000000000000000" pitchFamily="2" charset="2"/>
+              <a:buChar char="v"/>
+            </a:pPr>
+            <a:r>
+              <a:rPr lang="en-US" dirty="0"/>
+              <a:t> </a:t>
+            </a:r>
+            <a:r>
+              <a:rPr lang="en-US" dirty="0" smtClean="0"/>
+              <a:t>Static methods can be called without an object instance variable</a:t>
+            </a:r>
+          </a:p>
+          <a:p>
+            <a:pPr lvl="1">
+              <a:buFont typeface="Wingdings" panose="05000000000000000000" pitchFamily="2" charset="2"/>
+              <a:buChar char="v"/>
+            </a:pPr>
+            <a:r>
+              <a:rPr lang="en-US" dirty="0" smtClean="0"/>
+              <a:t>Private methods are called within the class and Public me </a:t>
+            </a:r>
+            <a:r>
+              <a:rPr lang="en-US" dirty="0" err="1" smtClean="0"/>
+              <a:t>thods</a:t>
+            </a:r>
+            <a:r>
+              <a:rPr lang="en-US" dirty="0" smtClean="0"/>
+              <a:t> can be called outside the class</a:t>
+            </a:r>
             <a:endParaRPr lang="en-GB" dirty="0"/>
           </a:p>
-          <a:p>
-            <a:endParaRPr lang="en-GB" dirty="0"/>
-          </a:p>
-        </p:txBody>
-      </p:sp>
-      <p:pic>
-        <p:nvPicPr>
-          <p:cNvPr id="5" name="Picture 4">
-            <a:extLst>
-              <a:ext uri="{FF2B5EF4-FFF2-40B4-BE49-F238E27FC236}">
-                <a16:creationId xmlns:a16="http://schemas.microsoft.com/office/drawing/2014/main" id="{407822FF-B483-4F6F-ABA6-9FBE37857A54}"/>
-              </a:ext>
-            </a:extLst>
-          </p:cNvPr>
-          <p:cNvPicPr>
-            <a:picLocks noChangeAspect="1"/>
-          </p:cNvPicPr>
-          <p:nvPr/>
-        </p:nvPicPr>
-        <p:blipFill>
-          <a:blip r:embed="rId2">
-            <a:extLst>
-              <a:ext uri="{28A0092B-C50C-407E-A947-70E740481C1C}">
-                <a14:useLocalDpi xmlns:a14="http://schemas.microsoft.com/office/drawing/2010/main" val="0"/>
-              </a:ext>
-            </a:extLst>
-          </a:blip>
-          <a:stretch>
-            <a:fillRect/>
-          </a:stretch>
-        </p:blipFill>
-        <p:spPr>
-          <a:xfrm>
-            <a:off x="2045854" y="3611419"/>
-            <a:ext cx="4727257" cy="2531052"/>
-          </a:xfrm>
-          <a:prstGeom prst="rect">
-            <a:avLst/>
-          </a:prstGeom>
-        </p:spPr>
-      </p:pic>
+        </p:txBody>
+      </p:sp>
     </p:spTree>
     <p:extLst>
       <p:ext uri="{BB962C8B-B14F-4D97-AF65-F5344CB8AC3E}">
-        <p14:creationId xmlns:p14="http://schemas.microsoft.com/office/powerpoint/2010/main" val="3969889544"/>
+        <p14:creationId xmlns:p14="http://schemas.microsoft.com/office/powerpoint/2010/main" val="1733749980"/>
       </p:ext>
     </p:extLst>
   </p:cSld>
   <p:clrMapOvr>
     <a:masterClrMapping/>
   </p:clrMapOvr>
+  <p:timing>
+    <p:tnLst>
+      <p:par>
+        <p:cTn id="1" dur="indefinite" restart="never" nodeType="tmRoot"/>
+      </p:par>
+    </p:tnLst>
+  </p:timing>
 </p:sld>
 </file>
 
@@ -4946,7 +4828,7 @@
           <p:cNvPr id="2" name="Title 1">
             <a:extLst>
               <a:ext uri="{FF2B5EF4-FFF2-40B4-BE49-F238E27FC236}">
-                <a16:creationId xmlns:a16="http://schemas.microsoft.com/office/drawing/2014/main" id="{93A9E1EF-E3F0-4AA8-9EAF-C9FB1371ECAB}"/>
+                <a16:creationId xmlns:a16="http://schemas.microsoft.com/office/drawing/2014/main" id="{7304BBA7-9D5E-4B9A-95AF-2E54F4B41C0E}"/>
               </a:ext>
             </a:extLst>
           </p:cNvPr>
@@ -4963,9 +4845,10 @@
           <a:lstStyle/>
           <a:p>
             <a:r>
-              <a:rPr lang="en-GB" dirty="0"/>
-              <a:t>Use Case Diagrams – Relationship Guidelines</a:t>
-            </a:r>
+              <a:rPr lang="en-GB" dirty="0" smtClean="0"/>
+              <a:t>Static method example</a:t>
+            </a:r>
+            <a:endParaRPr lang="en-GB" dirty="0"/>
           </a:p>
         </p:txBody>
       </p:sp>
@@ -4974,7 +4857,7 @@
           <p:cNvPr id="3" name="Content Placeholder 2">
             <a:extLst>
               <a:ext uri="{FF2B5EF4-FFF2-40B4-BE49-F238E27FC236}">
-                <a16:creationId xmlns:a16="http://schemas.microsoft.com/office/drawing/2014/main" id="{AC09147C-8B4C-48B6-810A-685E35B43689}"/>
+                <a16:creationId xmlns:a16="http://schemas.microsoft.com/office/drawing/2014/main" id="{3AB586B9-467B-4F63-B336-2E9D19321584}"/>
               </a:ext>
             </a:extLst>
           </p:cNvPr>
@@ -4987,147 +4870,243 @@
         </p:nvSpPr>
         <p:spPr>
           <a:xfrm>
-            <a:off x="4064001" y="1874982"/>
-            <a:ext cx="4302760" cy="3994112"/>
+            <a:off x="822960" y="1800014"/>
+            <a:ext cx="7086600" cy="4023360"/>
           </a:xfrm>
         </p:spPr>
         <p:txBody>
           <a:bodyPr>
-            <a:normAutofit lnSpcReduction="10000"/>
+            <a:noAutofit/>
           </a:bodyPr>
           <a:lstStyle/>
           <a:p>
-            <a:pPr>
-              <a:buFont typeface="Wingdings" panose="05000000000000000000" pitchFamily="2" charset="2"/>
-              <a:buChar char="v"/>
+            <a:pPr marL="0" indent="0">
+              <a:buNone/>
             </a:pPr>
             <a:r>
-              <a:rPr lang="en-GB" dirty="0"/>
-              <a:t>  Solid lines are used when an actor supplies or receives information or initiates the use case</a:t>
-            </a:r>
-          </a:p>
-          <a:p>
-            <a:pPr>
-              <a:buFont typeface="Wingdings" panose="05000000000000000000" pitchFamily="2" charset="2"/>
-              <a:buChar char="v"/>
+              <a:rPr lang="en-US" sz="1800" dirty="0"/>
+              <a:t>public class Main </a:t>
+            </a:r>
+            <a:r>
+              <a:rPr lang="en-US" sz="1800" dirty="0" smtClean="0"/>
+              <a:t>{</a:t>
+            </a:r>
+            <a:endParaRPr lang="en-US" sz="1800" dirty="0"/>
+          </a:p>
+          <a:p>
+            <a:pPr marL="0" indent="0">
+              <a:buNone/>
             </a:pPr>
             <a:r>
-              <a:rPr lang="en-GB" dirty="0"/>
-              <a:t>Used case description is represented in an oval.</a:t>
-            </a:r>
-          </a:p>
-          <a:p>
-            <a:pPr>
-              <a:buFont typeface="Wingdings" panose="05000000000000000000" pitchFamily="2" charset="2"/>
-              <a:buChar char="v"/>
+              <a:rPr lang="en-US" sz="1800" dirty="0"/>
+              <a:t>    public static void main(String[] </a:t>
+            </a:r>
+            <a:r>
+              <a:rPr lang="en-US" sz="1800" dirty="0" err="1"/>
+              <a:t>args</a:t>
+            </a:r>
+            <a:r>
+              <a:rPr lang="en-US" sz="1800" dirty="0"/>
+              <a:t>) {</a:t>
+            </a:r>
+          </a:p>
+          <a:p>
+            <a:pPr marL="0" indent="0">
+              <a:buNone/>
             </a:pPr>
             <a:r>
-              <a:rPr lang="en-GB" dirty="0"/>
-              <a:t> </a:t>
-            </a:r>
-            <a:r>
-              <a:rPr lang="en-GB" i="1" dirty="0"/>
-              <a:t>Include</a:t>
-            </a:r>
-            <a:r>
-              <a:rPr lang="en-GB" dirty="0"/>
-              <a:t> is used to attach a smaller use case to a base use case, this makes them more manageable.</a:t>
-            </a:r>
-          </a:p>
-          <a:p>
-            <a:pPr>
-              <a:buFont typeface="Wingdings" panose="05000000000000000000" pitchFamily="2" charset="2"/>
-              <a:buChar char="v"/>
+              <a:rPr lang="en-US" sz="1800" dirty="0"/>
+              <a:t>        float x = 5;</a:t>
+            </a:r>
+          </a:p>
+          <a:p>
+            <a:pPr marL="0" indent="0">
+              <a:buNone/>
             </a:pPr>
             <a:r>
-              <a:rPr lang="en-GB" dirty="0"/>
-              <a:t> </a:t>
-            </a:r>
-            <a:r>
-              <a:rPr lang="en-GB" i="1" dirty="0"/>
-              <a:t>Extend </a:t>
-            </a:r>
-            <a:r>
-              <a:rPr lang="en-GB" dirty="0"/>
-              <a:t>is used when an optional use case is needed under certain conditions.</a:t>
-            </a:r>
-          </a:p>
-          <a:p>
-            <a:pPr>
-              <a:buFont typeface="Wingdings" panose="05000000000000000000" pitchFamily="2" charset="2"/>
-              <a:buChar char="v"/>
+              <a:rPr lang="en-US" sz="1800" dirty="0"/>
+              <a:t>        float </a:t>
+            </a:r>
+            <a:r>
+              <a:rPr lang="en-US" sz="1800" dirty="0" err="1"/>
+              <a:t>degF</a:t>
+            </a:r>
+            <a:r>
+              <a:rPr lang="en-US" sz="1800" dirty="0"/>
+              <a:t> = </a:t>
+            </a:r>
+            <a:r>
+              <a:rPr lang="en-US" sz="1800" dirty="0" err="1"/>
+              <a:t>degF</a:t>
+            </a:r>
+            <a:r>
+              <a:rPr lang="en-US" sz="1800" dirty="0"/>
+              <a:t>(x);</a:t>
+            </a:r>
+          </a:p>
+          <a:p>
+            <a:pPr marL="0" indent="0">
+              <a:buNone/>
             </a:pPr>
             <a:r>
-              <a:rPr lang="en-GB" i="1" dirty="0"/>
-              <a:t>Include </a:t>
-            </a:r>
-            <a:r>
-              <a:rPr lang="en-GB" dirty="0"/>
-              <a:t>and </a:t>
-            </a:r>
-            <a:r>
-              <a:rPr lang="en-GB" i="1" dirty="0"/>
-              <a:t>extend </a:t>
-            </a:r>
-            <a:r>
-              <a:rPr lang="en-GB" dirty="0"/>
-              <a:t> are represented with dashed arrows.</a:t>
-            </a:r>
-            <a:endParaRPr lang="en-GB" i="1" dirty="0"/>
+              <a:rPr lang="en-US" sz="1800" dirty="0"/>
+              <a:t>        </a:t>
+            </a:r>
+            <a:r>
+              <a:rPr lang="en-US" sz="1800" dirty="0" err="1"/>
+              <a:t>System.out.println</a:t>
+            </a:r>
+            <a:r>
+              <a:rPr lang="en-US" sz="1800" dirty="0"/>
+              <a:t>((x ) + " </a:t>
+            </a:r>
+            <a:r>
+              <a:rPr lang="en-US" sz="1800" dirty="0" err="1"/>
+              <a:t>degC</a:t>
+            </a:r>
+            <a:r>
+              <a:rPr lang="en-US" sz="1800" dirty="0"/>
+              <a:t> =  " + (</a:t>
+            </a:r>
+            <a:r>
+              <a:rPr lang="en-US" sz="1800" dirty="0" err="1"/>
+              <a:t>degF</a:t>
+            </a:r>
+            <a:r>
+              <a:rPr lang="en-US" sz="1800" dirty="0"/>
+              <a:t>) + " </a:t>
+            </a:r>
+            <a:r>
+              <a:rPr lang="en-US" sz="1800" dirty="0" err="1"/>
+              <a:t>degF</a:t>
+            </a:r>
+            <a:r>
+              <a:rPr lang="en-US" sz="1800" dirty="0"/>
+              <a:t>");</a:t>
+            </a:r>
+          </a:p>
+          <a:p>
+            <a:pPr marL="0" indent="0">
+              <a:buNone/>
+            </a:pPr>
+            <a:r>
+              <a:rPr lang="en-US" sz="1800" dirty="0"/>
+              <a:t>    }</a:t>
+            </a:r>
+          </a:p>
+          <a:p>
+            <a:pPr marL="0" indent="0">
+              <a:buNone/>
+            </a:pPr>
+            <a:r>
+              <a:rPr lang="en-US" sz="1800" dirty="0"/>
+              <a:t>    public static float </a:t>
+            </a:r>
+            <a:r>
+              <a:rPr lang="en-US" sz="1800" dirty="0" err="1"/>
+              <a:t>degF</a:t>
+            </a:r>
+            <a:r>
+              <a:rPr lang="en-US" sz="1800" dirty="0"/>
+              <a:t>(float x) {</a:t>
+            </a:r>
+          </a:p>
+          <a:p>
+            <a:pPr marL="0" indent="0">
+              <a:buNone/>
+            </a:pPr>
+            <a:r>
+              <a:rPr lang="en-US" sz="1800" dirty="0"/>
+              <a:t>        float </a:t>
+            </a:r>
+            <a:r>
+              <a:rPr lang="en-US" sz="1800" dirty="0" err="1"/>
+              <a:t>degF</a:t>
+            </a:r>
+            <a:r>
+              <a:rPr lang="en-US" sz="1800" dirty="0"/>
+              <a:t> = 9/5*x+32;</a:t>
+            </a:r>
+          </a:p>
+          <a:p>
+            <a:pPr marL="0" indent="0">
+              <a:buNone/>
+            </a:pPr>
+            <a:r>
+              <a:rPr lang="en-US" sz="1800" dirty="0"/>
+              <a:t>        return </a:t>
+            </a:r>
+            <a:r>
+              <a:rPr lang="en-US" sz="1800" dirty="0" err="1"/>
+              <a:t>degF</a:t>
+            </a:r>
+            <a:r>
+              <a:rPr lang="en-US" sz="1800" dirty="0"/>
+              <a:t>;</a:t>
+            </a:r>
+          </a:p>
+          <a:p>
+            <a:pPr marL="0" indent="0">
+              <a:buNone/>
+            </a:pPr>
+            <a:r>
+              <a:rPr lang="en-US" sz="1800" dirty="0"/>
+              <a:t>    }</a:t>
+            </a:r>
+          </a:p>
+          <a:p>
+            <a:pPr marL="0" indent="0">
+              <a:buNone/>
+            </a:pPr>
+            <a:r>
+              <a:rPr lang="en-US" sz="1800" dirty="0"/>
+              <a:t>}</a:t>
+            </a:r>
+            <a:endParaRPr lang="en-GB" sz="1800" dirty="0"/>
           </a:p>
         </p:txBody>
       </p:sp>
       <p:pic>
         <p:nvPicPr>
-          <p:cNvPr id="5" name="Picture 4">
-            <a:extLst>
-              <a:ext uri="{FF2B5EF4-FFF2-40B4-BE49-F238E27FC236}">
-                <a16:creationId xmlns:a16="http://schemas.microsoft.com/office/drawing/2014/main" id="{13E04619-F647-4700-A476-8E3EAE1A2063}"/>
-              </a:ext>
-            </a:extLst>
-          </p:cNvPr>
+          <p:cNvPr id="5" name="Picture 4"/>
           <p:cNvPicPr>
             <a:picLocks noChangeAspect="1"/>
           </p:cNvPicPr>
           <p:nvPr/>
         </p:nvPicPr>
         <p:blipFill>
-          <a:blip r:embed="rId2">
-            <a:extLst>
-              <a:ext uri="{28A0092B-C50C-407E-A947-70E740481C1C}">
-                <a14:useLocalDpi xmlns:a14="http://schemas.microsoft.com/office/drawing/2010/main" val="0"/>
-              </a:ext>
-            </a:extLst>
-          </a:blip>
+          <a:blip r:embed="rId2"/>
           <a:stretch>
             <a:fillRect/>
           </a:stretch>
         </p:blipFill>
         <p:spPr>
           <a:xfrm>
-            <a:off x="483634" y="2224132"/>
-            <a:ext cx="3399651" cy="2409736"/>
+            <a:off x="6883717" y="2292627"/>
+            <a:ext cx="2260283" cy="4019023"/>
           </a:xfrm>
           <a:prstGeom prst="rect">
             <a:avLst/>
           </a:prstGeom>
-          <a:ln>
-            <a:solidFill>
-              <a:schemeClr val="tx1"/>
-            </a:solidFill>
-          </a:ln>
         </p:spPr>
       </p:pic>
     </p:spTree>
     <p:extLst>
       <p:ext uri="{BB962C8B-B14F-4D97-AF65-F5344CB8AC3E}">
-        <p14:creationId xmlns:p14="http://schemas.microsoft.com/office/powerpoint/2010/main" val="2228244434"/>
+        <p14:creationId xmlns:p14="http://schemas.microsoft.com/office/powerpoint/2010/main" val="4268850150"/>
       </p:ext>
     </p:extLst>
   </p:cSld>
   <p:clrMapOvr>
     <a:masterClrMapping/>
   </p:clrMapOvr>
+  <p:timing>
+    <p:tnLst>
+      <p:par>
+        <p:cTn id="1" dur="indefinite" restart="never" nodeType="tmRoot"/>
+      </p:par>
+    </p:tnLst>
+  </p:timing>
 </p:sld>
 </file>
 
@@ -5150,38 +5129,10 @@
       </p:grpSpPr>
       <p:sp>
         <p:nvSpPr>
-          <p:cNvPr id="2" name="Title 1">
-            <a:extLst>
-              <a:ext uri="{FF2B5EF4-FFF2-40B4-BE49-F238E27FC236}">
-                <a16:creationId xmlns:a16="http://schemas.microsoft.com/office/drawing/2014/main" id="{4DD0466D-37E0-4EE2-AE8B-91DBCDEE171A}"/>
-              </a:ext>
-            </a:extLst>
-          </p:cNvPr>
-          <p:cNvSpPr>
-            <a:spLocks noGrp="1"/>
-          </p:cNvSpPr>
-          <p:nvPr>
-            <p:ph type="title"/>
-          </p:nvPr>
-        </p:nvSpPr>
-        <p:spPr/>
-        <p:txBody>
-          <a:bodyPr/>
-          <a:lstStyle/>
-          <a:p>
-            <a:r>
-              <a:rPr lang="en-GB" dirty="0"/>
-              <a:t>Use Case Diagram – Exercise </a:t>
-            </a:r>
-          </a:p>
-        </p:txBody>
-      </p:sp>
-      <p:sp>
-        <p:nvSpPr>
           <p:cNvPr id="3" name="Content Placeholder 2">
             <a:extLst>
               <a:ext uri="{FF2B5EF4-FFF2-40B4-BE49-F238E27FC236}">
-                <a16:creationId xmlns:a16="http://schemas.microsoft.com/office/drawing/2014/main" id="{27BF4531-EE01-4075-9661-FC2CD1C514C3}"/>
+                <a16:creationId xmlns:a16="http://schemas.microsoft.com/office/drawing/2014/main" id="{6C7F13ED-B066-4225-805E-0889FD78E024}"/>
               </a:ext>
             </a:extLst>
           </p:cNvPr>
@@ -5192,63 +5143,29 @@
             <p:ph idx="1"/>
           </p:nvPr>
         </p:nvSpPr>
-        <p:spPr>
-          <a:xfrm>
-            <a:off x="800099" y="2279843"/>
-            <a:ext cx="7543801" cy="3095721"/>
-          </a:xfrm>
-        </p:spPr>
-        <p:txBody>
-          <a:bodyPr/>
+        <p:spPr/>
+        <p:txBody>
+          <a:bodyPr>
+            <a:normAutofit/>
+          </a:bodyPr>
           <a:lstStyle/>
           <a:p>
-            <a:pPr>
-              <a:buFont typeface="Wingdings" panose="05000000000000000000" pitchFamily="2" charset="2"/>
-              <a:buChar char="v"/>
+            <a:pPr algn="ctr"/>
+            <a:endParaRPr lang="en-GB" sz="4800" dirty="0"/>
+          </a:p>
+          <a:p>
+            <a:pPr marL="0" indent="0" algn="ctr">
+              <a:buNone/>
             </a:pPr>
-            <a:r>
-              <a:rPr lang="en-GB" dirty="0"/>
-              <a:t> Create a use case diagram on </a:t>
-            </a:r>
-            <a:r>
-              <a:rPr lang="en-GB" dirty="0">
-                <a:hlinkClick r:id="rId2"/>
-              </a:rPr>
-              <a:t>www.draw.io</a:t>
-            </a:r>
-            <a:r>
-              <a:rPr lang="en-GB" dirty="0"/>
-              <a:t> that represents students and teacher’s interaction with the Software Design Module Brightspace Page.</a:t>
-            </a:r>
-          </a:p>
-          <a:p>
-            <a:pPr>
-              <a:buFont typeface="Wingdings" panose="05000000000000000000" pitchFamily="2" charset="2"/>
-              <a:buChar char="v"/>
+            <a:endParaRPr lang="en-GB" sz="4800" dirty="0"/>
+          </a:p>
+          <a:p>
+            <a:pPr marL="0" indent="0" algn="ctr">
+              <a:buNone/>
             </a:pPr>
             <a:r>
-              <a:rPr lang="en-GB" dirty="0"/>
-              <a:t> It should show the actors.</a:t>
-            </a:r>
-          </a:p>
-          <a:p>
-            <a:pPr>
-              <a:buFont typeface="Wingdings" panose="05000000000000000000" pitchFamily="2" charset="2"/>
-              <a:buChar char="v"/>
-            </a:pPr>
-            <a:r>
-              <a:rPr lang="en-GB" dirty="0"/>
-              <a:t> Think of a minimum of four use cases that involves at least one of the actors and include these in your diagram.</a:t>
-            </a:r>
-          </a:p>
-          <a:p>
-            <a:pPr>
-              <a:buFont typeface="Wingdings" panose="05000000000000000000" pitchFamily="2" charset="2"/>
-              <a:buChar char="v"/>
-            </a:pPr>
-            <a:r>
-              <a:rPr lang="en-GB" dirty="0"/>
-              <a:t> Think of one use case that involves two of the actors and represent this as well.</a:t>
+              <a:rPr lang="en-GB" sz="4800" dirty="0"/>
+              <a:t>Any Questions?</a:t>
             </a:r>
           </a:p>
         </p:txBody>
@@ -5256,13 +5173,20 @@
     </p:spTree>
     <p:extLst>
       <p:ext uri="{BB962C8B-B14F-4D97-AF65-F5344CB8AC3E}">
-        <p14:creationId xmlns:p14="http://schemas.microsoft.com/office/powerpoint/2010/main" val="4259390979"/>
+        <p14:creationId xmlns:p14="http://schemas.microsoft.com/office/powerpoint/2010/main" val="3655932154"/>
       </p:ext>
     </p:extLst>
   </p:cSld>
   <p:clrMapOvr>
     <a:masterClrMapping/>
   </p:clrMapOvr>
+  <p:timing>
+    <p:tnLst>
+      <p:par>
+        <p:cTn id="1" dur="indefinite" restart="never" nodeType="tmRoot"/>
+      </p:par>
+    </p:tnLst>
+  </p:timing>
 </p:sld>
 </file>
 
@@ -5285,10 +5209,46 @@
       </p:grpSpPr>
       <p:sp>
         <p:nvSpPr>
+          <p:cNvPr id="2" name="Title 1">
+            <a:extLst>
+              <a:ext uri="{FF2B5EF4-FFF2-40B4-BE49-F238E27FC236}">
+                <a16:creationId xmlns:a16="http://schemas.microsoft.com/office/drawing/2014/main" id="{7304BBA7-9D5E-4B9A-95AF-2E54F4B41C0E}"/>
+              </a:ext>
+            </a:extLst>
+          </p:cNvPr>
+          <p:cNvSpPr>
+            <a:spLocks noGrp="1"/>
+          </p:cNvSpPr>
+          <p:nvPr>
+            <p:ph type="title"/>
+          </p:nvPr>
+        </p:nvSpPr>
+        <p:spPr>
+          <a:xfrm>
+            <a:off x="822960" y="286605"/>
+            <a:ext cx="7543800" cy="673515"/>
+          </a:xfrm>
+        </p:spPr>
+        <p:txBody>
+          <a:bodyPr>
+            <a:normAutofit fontScale="90000"/>
+          </a:bodyPr>
+          <a:lstStyle/>
+          <a:p>
+            <a:r>
+              <a:rPr lang="en-GB" dirty="0" smtClean="0"/>
+              <a:t>Exercises</a:t>
+            </a:r>
+            <a:endParaRPr lang="en-GB" dirty="0"/>
+          </a:p>
+        </p:txBody>
+      </p:sp>
+      <p:sp>
+        <p:nvSpPr>
           <p:cNvPr id="3" name="Content Placeholder 2">
             <a:extLst>
               <a:ext uri="{FF2B5EF4-FFF2-40B4-BE49-F238E27FC236}">
-                <a16:creationId xmlns:a16="http://schemas.microsoft.com/office/drawing/2014/main" id="{6C7F13ED-B066-4225-805E-0889FD78E024}"/>
+                <a16:creationId xmlns:a16="http://schemas.microsoft.com/office/drawing/2014/main" id="{3AB586B9-467B-4F63-B336-2E9D19321584}"/>
               </a:ext>
             </a:extLst>
           </p:cNvPr>
@@ -5299,43 +5259,131 @@
             <p:ph idx="1"/>
           </p:nvPr>
         </p:nvSpPr>
-        <p:spPr/>
+        <p:spPr>
+          <a:xfrm>
+            <a:off x="822960" y="990600"/>
+            <a:ext cx="7086600" cy="4863254"/>
+          </a:xfrm>
+        </p:spPr>
         <p:txBody>
           <a:bodyPr>
-            <a:normAutofit/>
+            <a:noAutofit/>
           </a:bodyPr>
           <a:lstStyle/>
           <a:p>
-            <a:pPr algn="ctr"/>
-            <a:endParaRPr lang="en-GB" sz="4800" dirty="0"/>
-          </a:p>
-          <a:p>
-            <a:pPr marL="0" indent="0" algn="ctr">
-              <a:buNone/>
+            <a:pPr marL="342900" indent="-342900">
+              <a:buAutoNum type="arabicPeriod"/>
             </a:pPr>
-            <a:endParaRPr lang="en-GB" sz="4800" dirty="0"/>
-          </a:p>
-          <a:p>
-            <a:pPr marL="0" indent="0" algn="ctr">
-              <a:buNone/>
+            <a:r>
+              <a:rPr lang="en-US" dirty="0" smtClean="0"/>
+              <a:t>Write a simple Java program that prints “Hello from Java”</a:t>
+            </a:r>
+          </a:p>
+          <a:p>
+            <a:pPr marL="342900" indent="-342900">
+              <a:buAutoNum type="arabicPeriod"/>
             </a:pPr>
             <a:r>
-              <a:rPr lang="en-GB" sz="4800" dirty="0"/>
-              <a:t>Any Questions?</a:t>
-            </a:r>
+              <a:rPr lang="en-US" dirty="0" smtClean="0"/>
+              <a:t>Write a program that gives the sum, product, subtraction and division of two numbers</a:t>
+            </a:r>
+          </a:p>
+          <a:p>
+            <a:pPr marL="342900" indent="-342900">
+              <a:buAutoNum type="arabicPeriod"/>
+            </a:pPr>
+            <a:r>
+              <a:rPr lang="en-US" dirty="0" smtClean="0"/>
+              <a:t>Write a program that takes a real number variable X and converts the value from degrees Celsius to degrees Fahrenheit.</a:t>
+            </a:r>
+          </a:p>
+          <a:p>
+            <a:pPr marL="0" indent="0">
+              <a:buNone/>
+            </a:pPr>
+            <a:r>
+              <a:rPr lang="en-US" dirty="0" smtClean="0"/>
+              <a:t>Advanced Questions</a:t>
+            </a:r>
+          </a:p>
+          <a:p>
+            <a:pPr marL="342900" indent="-342900">
+              <a:buAutoNum type="arabicPeriod"/>
+            </a:pPr>
+            <a:r>
+              <a:rPr lang="en-GB" dirty="0"/>
+              <a:t>Write a program that takes a real number variable X and converts the value from degrees Fahrenheit to degrees Celsius.</a:t>
+            </a:r>
+          </a:p>
+          <a:p>
+            <a:pPr marL="342900" indent="-342900">
+              <a:buAutoNum type="arabicPeriod"/>
+            </a:pPr>
+            <a:r>
+              <a:rPr lang="en-US" dirty="0" smtClean="0"/>
+              <a:t>Write seven static methods in a single </a:t>
+            </a:r>
+            <a:r>
+              <a:rPr lang="en-US" dirty="0" smtClean="0"/>
+              <a:t>Main class, </a:t>
+            </a:r>
+            <a:r>
+              <a:rPr lang="en-US" dirty="0" smtClean="0"/>
+              <a:t>and then, call them all from the main method displaying their results.  The statics methods should comprise all the above four programs.  One static method for each question. The static method for question 1 should be called “</a:t>
+            </a:r>
+            <a:r>
+              <a:rPr lang="en-US" dirty="0" err="1" smtClean="0"/>
+              <a:t>sayHello</a:t>
+            </a:r>
+            <a:r>
+              <a:rPr lang="en-US" dirty="0" smtClean="0"/>
+              <a:t>” the arithmetic operator methods should be called “add”, “sub”, “</a:t>
+            </a:r>
+            <a:r>
+              <a:rPr lang="en-US" dirty="0" err="1" smtClean="0"/>
+              <a:t>mult</a:t>
+            </a:r>
+            <a:r>
+              <a:rPr lang="en-US" dirty="0" smtClean="0"/>
+              <a:t>” and “div” and the temperature methods should be called </a:t>
+            </a:r>
+            <a:r>
+              <a:rPr lang="en-US" dirty="0" err="1" smtClean="0"/>
+              <a:t>toCelsius</a:t>
+            </a:r>
+            <a:r>
+              <a:rPr lang="en-US" dirty="0" smtClean="0"/>
+              <a:t> and </a:t>
+            </a:r>
+            <a:r>
+              <a:rPr lang="en-US" dirty="0" err="1" smtClean="0"/>
+              <a:t>toFahrenheit</a:t>
+            </a:r>
+            <a:r>
+              <a:rPr lang="en-US" dirty="0" smtClean="0"/>
+              <a:t>.</a:t>
+            </a:r>
+            <a:endParaRPr lang="en-GB" dirty="0"/>
           </a:p>
         </p:txBody>
       </p:sp>
     </p:spTree>
     <p:extLst>
       <p:ext uri="{BB962C8B-B14F-4D97-AF65-F5344CB8AC3E}">
-        <p14:creationId xmlns:p14="http://schemas.microsoft.com/office/powerpoint/2010/main" val="1021398088"/>
+        <p14:creationId xmlns:p14="http://schemas.microsoft.com/office/powerpoint/2010/main" val="150376687"/>
       </p:ext>
     </p:extLst>
   </p:cSld>
   <p:clrMapOvr>
     <a:masterClrMapping/>
   </p:clrMapOvr>
+  <p:timing>
+    <p:tnLst>
+      <p:par>
+        <p:cTn id="1" dur="indefinite" restart="never" nodeType="tmRoot"/>
+      </p:par>
+    </p:tnLst>
+  </p:timing>
 </p:sld>
 </file>
 
@@ -5361,7 +5409,7 @@
           <p:cNvPr id="2" name="Title 1">
             <a:extLst>
               <a:ext uri="{FF2B5EF4-FFF2-40B4-BE49-F238E27FC236}">
-                <a16:creationId xmlns:a16="http://schemas.microsoft.com/office/drawing/2014/main" id="{292AB18B-D4C6-4BAF-B7D7-603788621F92}"/>
+                <a16:creationId xmlns:a16="http://schemas.microsoft.com/office/drawing/2014/main" id="{7304BBA7-9D5E-4B9A-95AF-2E54F4B41C0E}"/>
               </a:ext>
             </a:extLst>
           </p:cNvPr>
@@ -5378,9 +5426,10 @@
           <a:lstStyle/>
           <a:p>
             <a:r>
-              <a:rPr lang="en-GB" dirty="0"/>
-              <a:t>Module Specification.</a:t>
-            </a:r>
+              <a:rPr lang="en-GB" dirty="0" smtClean="0"/>
+              <a:t>Outline</a:t>
+            </a:r>
+            <a:endParaRPr lang="en-GB" dirty="0"/>
           </a:p>
         </p:txBody>
       </p:sp>
@@ -5389,7 +5438,7 @@
           <p:cNvPr id="3" name="Content Placeholder 2">
             <a:extLst>
               <a:ext uri="{FF2B5EF4-FFF2-40B4-BE49-F238E27FC236}">
-                <a16:creationId xmlns:a16="http://schemas.microsoft.com/office/drawing/2014/main" id="{D8AE9433-19E1-48C2-8716-2CC924C0D3B5}"/>
+                <a16:creationId xmlns:a16="http://schemas.microsoft.com/office/drawing/2014/main" id="{3AB586B9-467B-4F63-B336-2E9D19321584}"/>
               </a:ext>
             </a:extLst>
           </p:cNvPr>
@@ -5400,91 +5449,115 @@
             <p:ph idx="1"/>
           </p:nvPr>
         </p:nvSpPr>
-        <p:spPr/>
+        <p:spPr>
+          <a:xfrm>
+            <a:off x="822960" y="1845734"/>
+            <a:ext cx="7086600" cy="4023360"/>
+          </a:xfrm>
+        </p:spPr>
         <p:txBody>
           <a:bodyPr/>
           <a:lstStyle/>
           <a:p>
             <a:pPr>
               <a:buFont typeface="Wingdings" panose="05000000000000000000" pitchFamily="2" charset="2"/>
-              <a:buChar char="q"/>
+              <a:buChar char="v"/>
             </a:pPr>
             <a:r>
-              <a:rPr lang="en-GB" sz="2800" dirty="0"/>
-              <a:t> Module indicative content.</a:t>
+              <a:rPr lang="en-GB" dirty="0" smtClean="0"/>
+              <a:t> Java programming revolves around  classes and objects</a:t>
             </a:r>
           </a:p>
           <a:p>
             <a:pPr>
               <a:buFont typeface="Wingdings" panose="05000000000000000000" pitchFamily="2" charset="2"/>
-              <a:buChar char="q"/>
+              <a:buChar char="v"/>
             </a:pPr>
             <a:r>
-              <a:rPr lang="en-GB" sz="2800" dirty="0"/>
-              <a:t> Assessments types: Logbook and in </a:t>
-            </a:r>
-            <a:r>
-              <a:rPr lang="en-GB" sz="2800" dirty="0" smtClean="0"/>
-              <a:t>course work.</a:t>
-            </a:r>
-            <a:endParaRPr lang="en-GB" sz="2800" dirty="0"/>
+              <a:rPr lang="en-GB" dirty="0" smtClean="0"/>
+              <a:t> </a:t>
+            </a:r>
+            <a:r>
+              <a:rPr lang="en-GB" dirty="0" smtClean="0"/>
+              <a:t>Java Variables and Datatypes.</a:t>
+            </a:r>
+            <a:endParaRPr lang="en-GB" dirty="0"/>
           </a:p>
           <a:p>
             <a:pPr>
               <a:buFont typeface="Wingdings" panose="05000000000000000000" pitchFamily="2" charset="2"/>
-              <a:buChar char="q"/>
+              <a:buChar char="v"/>
             </a:pPr>
             <a:r>
-              <a:rPr lang="en-GB" sz="2800" dirty="0"/>
-              <a:t> How to fill logbooks.</a:t>
+              <a:rPr lang="en-GB" dirty="0" smtClean="0"/>
+              <a:t> </a:t>
+            </a:r>
+            <a:r>
+              <a:rPr lang="en-GB" dirty="0" smtClean="0"/>
+              <a:t>The hello Java class.</a:t>
             </a:r>
           </a:p>
           <a:p>
             <a:pPr>
               <a:buFont typeface="Wingdings" panose="05000000000000000000" pitchFamily="2" charset="2"/>
-              <a:buChar char="q"/>
+              <a:buChar char="v"/>
             </a:pPr>
             <a:r>
-              <a:rPr lang="en-GB" sz="2800" dirty="0"/>
-              <a:t> draw.io for practical exercises</a:t>
+              <a:rPr lang="en-US" dirty="0" smtClean="0"/>
+              <a:t> Comparing Java to  C++</a:t>
             </a:r>
           </a:p>
           <a:p>
             <a:pPr>
               <a:buFont typeface="Wingdings" panose="05000000000000000000" pitchFamily="2" charset="2"/>
-              <a:buChar char="q"/>
+              <a:buChar char="v"/>
             </a:pPr>
             <a:r>
-              <a:rPr lang="en-GB" sz="2800" dirty="0"/>
-              <a:t>In class </a:t>
-            </a:r>
-            <a:r>
-              <a:rPr lang="en-GB" sz="2800" dirty="0" smtClean="0"/>
-              <a:t>exercises and tests.</a:t>
-            </a:r>
-            <a:endParaRPr lang="en-GB" sz="2800" dirty="0"/>
-          </a:p>
-          <a:p>
-            <a:pPr marL="0" indent="0">
-              <a:buNone/>
+              <a:rPr lang="en-US" dirty="0"/>
+              <a:t> </a:t>
+            </a:r>
+            <a:r>
+              <a:rPr lang="en-US" dirty="0" smtClean="0"/>
+              <a:t>Operations in Java</a:t>
+            </a:r>
+          </a:p>
+          <a:p>
+            <a:pPr>
+              <a:buFont typeface="Wingdings" panose="05000000000000000000" pitchFamily="2" charset="2"/>
+              <a:buChar char="v"/>
             </a:pPr>
             <a:r>
-              <a:rPr lang="en-GB" dirty="0"/>
+              <a:rPr lang="en-US" dirty="0"/>
               <a:t> </a:t>
             </a:r>
+            <a:r>
+              <a:rPr lang="en-US" dirty="0" smtClean="0"/>
+              <a:t>Functions in Java (they are now called methods)</a:t>
+            </a:r>
+            <a:endParaRPr lang="en-GB" dirty="0"/>
+          </a:p>
+          <a:p>
+            <a:endParaRPr lang="en-GB" dirty="0"/>
           </a:p>
         </p:txBody>
       </p:sp>
     </p:spTree>
     <p:extLst>
       <p:ext uri="{BB962C8B-B14F-4D97-AF65-F5344CB8AC3E}">
-        <p14:creationId xmlns:p14="http://schemas.microsoft.com/office/powerpoint/2010/main" val="500134768"/>
+        <p14:creationId xmlns:p14="http://schemas.microsoft.com/office/powerpoint/2010/main" val="129472628"/>
       </p:ext>
     </p:extLst>
   </p:cSld>
   <p:clrMapOvr>
     <a:masterClrMapping/>
   </p:clrMapOvr>
+  <p:timing>
+    <p:tnLst>
+      <p:par>
+        <p:cTn id="1" dur="indefinite" restart="never" nodeType="tmRoot"/>
+      </p:par>
+    </p:tnLst>
+  </p:timing>
 </p:sld>
 </file>
 
@@ -5510,7 +5583,7 @@
           <p:cNvPr id="2" name="Title 1">
             <a:extLst>
               <a:ext uri="{FF2B5EF4-FFF2-40B4-BE49-F238E27FC236}">
-                <a16:creationId xmlns:a16="http://schemas.microsoft.com/office/drawing/2014/main" id="{3435FEA7-5931-4532-8A5A-BFEAA59A6427}"/>
+                <a16:creationId xmlns:a16="http://schemas.microsoft.com/office/drawing/2014/main" id="{7304BBA7-9D5E-4B9A-95AF-2E54F4B41C0E}"/>
               </a:ext>
             </a:extLst>
           </p:cNvPr>
@@ -5527,9 +5600,10 @@
           <a:lstStyle/>
           <a:p>
             <a:r>
-              <a:rPr lang="en-GB" dirty="0"/>
-              <a:t>Software Design.</a:t>
-            </a:r>
+              <a:rPr lang="en-GB" dirty="0" smtClean="0"/>
+              <a:t>Hello Java</a:t>
+            </a:r>
+            <a:endParaRPr lang="en-GB" dirty="0"/>
           </a:p>
         </p:txBody>
       </p:sp>
@@ -5538,7 +5612,7 @@
           <p:cNvPr id="3" name="Content Placeholder 2">
             <a:extLst>
               <a:ext uri="{FF2B5EF4-FFF2-40B4-BE49-F238E27FC236}">
-                <a16:creationId xmlns:a16="http://schemas.microsoft.com/office/drawing/2014/main" id="{50850208-4A4C-40A3-B1D3-6BDA102AEEF4}"/>
+                <a16:creationId xmlns:a16="http://schemas.microsoft.com/office/drawing/2014/main" id="{3AB586B9-467B-4F63-B336-2E9D19321584}"/>
               </a:ext>
             </a:extLst>
           </p:cNvPr>
@@ -5549,54 +5623,615 @@
             <p:ph idx="1"/>
           </p:nvPr>
         </p:nvSpPr>
-        <p:spPr/>
-        <p:txBody>
-          <a:bodyPr/>
+        <p:spPr>
+          <a:xfrm>
+            <a:off x="853440" y="1791547"/>
+            <a:ext cx="7086600" cy="1500293"/>
+          </a:xfrm>
+        </p:spPr>
+        <p:txBody>
+          <a:bodyPr>
+            <a:normAutofit/>
+          </a:bodyPr>
           <a:lstStyle/>
           <a:p>
             <a:pPr marL="0" indent="0">
+              <a:lnSpc>
+                <a:spcPct val="100000"/>
+              </a:lnSpc>
+              <a:spcBef>
+                <a:spcPts val="0"/>
+              </a:spcBef>
+              <a:spcAft>
+                <a:spcPts val="0"/>
+              </a:spcAft>
               <a:buNone/>
             </a:pPr>
+            <a:r>
+              <a:rPr lang="en-GB" sz="1800" dirty="0"/>
+              <a:t>class Main {</a:t>
+            </a:r>
+          </a:p>
+          <a:p>
+            <a:pPr marL="0" indent="0">
+              <a:lnSpc>
+                <a:spcPct val="100000"/>
+              </a:lnSpc>
+              <a:spcBef>
+                <a:spcPts val="0"/>
+              </a:spcBef>
+              <a:spcAft>
+                <a:spcPts val="0"/>
+              </a:spcAft>
+              <a:buNone/>
+            </a:pPr>
+            <a:r>
+              <a:rPr lang="en-GB" sz="1800" dirty="0"/>
+              <a:t>  public static void main(String[] </a:t>
+            </a:r>
+            <a:r>
+              <a:rPr lang="en-GB" sz="1800" dirty="0" err="1"/>
+              <a:t>args</a:t>
+            </a:r>
+            <a:r>
+              <a:rPr lang="en-GB" sz="1800" dirty="0"/>
+              <a:t>) {</a:t>
+            </a:r>
+          </a:p>
+          <a:p>
+            <a:pPr marL="0" indent="0">
+              <a:lnSpc>
+                <a:spcPct val="100000"/>
+              </a:lnSpc>
+              <a:spcBef>
+                <a:spcPts val="0"/>
+              </a:spcBef>
+              <a:spcAft>
+                <a:spcPts val="0"/>
+              </a:spcAft>
+              <a:buNone/>
+            </a:pPr>
+            <a:r>
+              <a:rPr lang="en-GB" sz="1800" dirty="0"/>
+              <a:t>    </a:t>
+            </a:r>
+            <a:r>
+              <a:rPr lang="en-GB" sz="1800" dirty="0" err="1"/>
+              <a:t>System.out.println</a:t>
+            </a:r>
+            <a:r>
+              <a:rPr lang="en-GB" sz="1800" dirty="0"/>
+              <a:t>("Hello world!");</a:t>
+            </a:r>
+          </a:p>
+          <a:p>
+            <a:pPr marL="0" indent="0">
+              <a:lnSpc>
+                <a:spcPct val="100000"/>
+              </a:lnSpc>
+              <a:spcBef>
+                <a:spcPts val="0"/>
+              </a:spcBef>
+              <a:spcAft>
+                <a:spcPts val="0"/>
+              </a:spcAft>
+              <a:buNone/>
+            </a:pPr>
+            <a:r>
+              <a:rPr lang="en-GB" sz="1800" dirty="0"/>
+              <a:t>  }</a:t>
+            </a:r>
+          </a:p>
+          <a:p>
+            <a:pPr marL="0" indent="0">
+              <a:lnSpc>
+                <a:spcPct val="100000"/>
+              </a:lnSpc>
+              <a:spcBef>
+                <a:spcPts val="0"/>
+              </a:spcBef>
+              <a:spcAft>
+                <a:spcPts val="0"/>
+              </a:spcAft>
+              <a:buNone/>
+            </a:pPr>
+            <a:r>
+              <a:rPr lang="en-GB" sz="1800" dirty="0"/>
+              <a:t>}</a:t>
+            </a:r>
+            <a:endParaRPr lang="en-GB" sz="1800" dirty="0"/>
+          </a:p>
+        </p:txBody>
+      </p:sp>
+      <p:sp>
+        <p:nvSpPr>
+          <p:cNvPr id="4" name="Title 1">
+            <a:extLst>
+              <a:ext uri="{FF2B5EF4-FFF2-40B4-BE49-F238E27FC236}">
+                <a16:creationId xmlns:a16="http://schemas.microsoft.com/office/drawing/2014/main" id="{7304BBA7-9D5E-4B9A-95AF-2E54F4B41C0E}"/>
+              </a:ext>
+            </a:extLst>
+          </p:cNvPr>
+          <p:cNvSpPr txBox="1">
+            <a:spLocks/>
+          </p:cNvSpPr>
+          <p:nvPr/>
+        </p:nvSpPr>
+        <p:spPr>
+          <a:xfrm>
+            <a:off x="731520" y="3505200"/>
+            <a:ext cx="7543800" cy="609601"/>
+          </a:xfrm>
+          <a:prstGeom prst="rect">
+            <a:avLst/>
+          </a:prstGeom>
+        </p:spPr>
+        <p:txBody>
+          <a:bodyPr vert="horz" lIns="91440" tIns="45720" rIns="91440" bIns="45720" rtlCol="0" anchor="b">
+            <a:normAutofit fontScale="92500" lnSpcReduction="10000"/>
+          </a:bodyPr>
+          <a:lstStyle>
+            <a:lvl1pPr algn="l" defTabSz="914400" rtl="0" eaLnBrk="1" latinLnBrk="0" hangingPunct="1">
+              <a:lnSpc>
+                <a:spcPct val="85000"/>
+              </a:lnSpc>
+              <a:spcBef>
+                <a:spcPct val="0"/>
+              </a:spcBef>
+              <a:buNone/>
+              <a:defRPr sz="4800" kern="1200" spc="-50" baseline="0">
+                <a:solidFill>
+                  <a:schemeClr val="tx1">
+                    <a:lumMod val="75000"/>
+                    <a:lumOff val="25000"/>
+                  </a:schemeClr>
+                </a:solidFill>
+                <a:latin typeface="+mj-lt"/>
+                <a:ea typeface="+mj-ea"/>
+                <a:cs typeface="+mj-cs"/>
+              </a:defRPr>
+            </a:lvl1pPr>
+          </a:lstStyle>
+          <a:p>
+            <a:r>
+              <a:rPr lang="en-GB" dirty="0" smtClean="0"/>
+              <a:t>Hello C++</a:t>
+            </a:r>
             <a:endParaRPr lang="en-GB" dirty="0"/>
           </a:p>
-          <a:p>
-            <a:pPr>
-              <a:buFont typeface="Wingdings" panose="05000000000000000000" pitchFamily="2" charset="2"/>
-              <a:buChar char="v"/>
+        </p:txBody>
+      </p:sp>
+      <p:sp>
+        <p:nvSpPr>
+          <p:cNvPr id="5" name="Content Placeholder 2">
+            <a:extLst>
+              <a:ext uri="{FF2B5EF4-FFF2-40B4-BE49-F238E27FC236}">
+                <a16:creationId xmlns:a16="http://schemas.microsoft.com/office/drawing/2014/main" id="{3AB586B9-467B-4F63-B336-2E9D19321584}"/>
+              </a:ext>
+            </a:extLst>
+          </p:cNvPr>
+          <p:cNvSpPr txBox="1">
+            <a:spLocks/>
+          </p:cNvSpPr>
+          <p:nvPr/>
+        </p:nvSpPr>
+        <p:spPr>
+          <a:xfrm>
+            <a:off x="822960" y="4114801"/>
+            <a:ext cx="7086600" cy="2284306"/>
+          </a:xfrm>
+          <a:prstGeom prst="rect">
+            <a:avLst/>
+          </a:prstGeom>
+        </p:spPr>
+        <p:txBody>
+          <a:bodyPr vert="horz" lIns="0" tIns="45720" rIns="0" bIns="45720" rtlCol="0">
+            <a:noAutofit/>
+          </a:bodyPr>
+          <a:lstStyle>
+            <a:lvl1pPr marL="91440" indent="-91440" algn="l" defTabSz="914400" rtl="0" eaLnBrk="1" latinLnBrk="0" hangingPunct="1">
+              <a:lnSpc>
+                <a:spcPct val="90000"/>
+              </a:lnSpc>
+              <a:spcBef>
+                <a:spcPts val="1200"/>
+              </a:spcBef>
+              <a:spcAft>
+                <a:spcPts val="200"/>
+              </a:spcAft>
+              <a:buClr>
+                <a:schemeClr val="accent1"/>
+              </a:buClr>
+              <a:buSzPct val="100000"/>
+              <a:buFont typeface="Calibri" panose="020F0502020204030204" pitchFamily="34" charset="0"/>
+              <a:buChar char=" "/>
+              <a:defRPr sz="2000" kern="1200">
+                <a:solidFill>
+                  <a:schemeClr val="tx1">
+                    <a:lumMod val="75000"/>
+                    <a:lumOff val="25000"/>
+                  </a:schemeClr>
+                </a:solidFill>
+                <a:latin typeface="+mn-lt"/>
+                <a:ea typeface="+mn-ea"/>
+                <a:cs typeface="+mn-cs"/>
+              </a:defRPr>
+            </a:lvl1pPr>
+            <a:lvl2pPr marL="384048" indent="-182880" algn="l" defTabSz="914400" rtl="0" eaLnBrk="1" latinLnBrk="0" hangingPunct="1">
+              <a:lnSpc>
+                <a:spcPct val="90000"/>
+              </a:lnSpc>
+              <a:spcBef>
+                <a:spcPts val="200"/>
+              </a:spcBef>
+              <a:spcAft>
+                <a:spcPts val="400"/>
+              </a:spcAft>
+              <a:buClr>
+                <a:schemeClr val="accent1"/>
+              </a:buClr>
+              <a:buFont typeface="Calibri" pitchFamily="34" charset="0"/>
+              <a:buChar char="◦"/>
+              <a:defRPr sz="1800" kern="1200">
+                <a:solidFill>
+                  <a:schemeClr val="tx1">
+                    <a:lumMod val="75000"/>
+                    <a:lumOff val="25000"/>
+                  </a:schemeClr>
+                </a:solidFill>
+                <a:latin typeface="+mn-lt"/>
+                <a:ea typeface="+mn-ea"/>
+                <a:cs typeface="+mn-cs"/>
+              </a:defRPr>
+            </a:lvl2pPr>
+            <a:lvl3pPr marL="566928" indent="-182880" algn="l" defTabSz="914400" rtl="0" eaLnBrk="1" latinLnBrk="0" hangingPunct="1">
+              <a:lnSpc>
+                <a:spcPct val="90000"/>
+              </a:lnSpc>
+              <a:spcBef>
+                <a:spcPts val="200"/>
+              </a:spcBef>
+              <a:spcAft>
+                <a:spcPts val="400"/>
+              </a:spcAft>
+              <a:buClr>
+                <a:schemeClr val="accent1"/>
+              </a:buClr>
+              <a:buFont typeface="Calibri" pitchFamily="34" charset="0"/>
+              <a:buChar char="◦"/>
+              <a:defRPr sz="1400" kern="1200">
+                <a:solidFill>
+                  <a:schemeClr val="tx1">
+                    <a:lumMod val="75000"/>
+                    <a:lumOff val="25000"/>
+                  </a:schemeClr>
+                </a:solidFill>
+                <a:latin typeface="+mn-lt"/>
+                <a:ea typeface="+mn-ea"/>
+                <a:cs typeface="+mn-cs"/>
+              </a:defRPr>
+            </a:lvl3pPr>
+            <a:lvl4pPr marL="749808" indent="-182880" algn="l" defTabSz="914400" rtl="0" eaLnBrk="1" latinLnBrk="0" hangingPunct="1">
+              <a:lnSpc>
+                <a:spcPct val="90000"/>
+              </a:lnSpc>
+              <a:spcBef>
+                <a:spcPts val="200"/>
+              </a:spcBef>
+              <a:spcAft>
+                <a:spcPts val="400"/>
+              </a:spcAft>
+              <a:buClr>
+                <a:schemeClr val="accent1"/>
+              </a:buClr>
+              <a:buFont typeface="Calibri" pitchFamily="34" charset="0"/>
+              <a:buChar char="◦"/>
+              <a:defRPr sz="1400" kern="1200">
+                <a:solidFill>
+                  <a:schemeClr val="tx1">
+                    <a:lumMod val="75000"/>
+                    <a:lumOff val="25000"/>
+                  </a:schemeClr>
+                </a:solidFill>
+                <a:latin typeface="+mn-lt"/>
+                <a:ea typeface="+mn-ea"/>
+                <a:cs typeface="+mn-cs"/>
+              </a:defRPr>
+            </a:lvl4pPr>
+            <a:lvl5pPr marL="932688" indent="-182880" algn="l" defTabSz="914400" rtl="0" eaLnBrk="1" latinLnBrk="0" hangingPunct="1">
+              <a:lnSpc>
+                <a:spcPct val="90000"/>
+              </a:lnSpc>
+              <a:spcBef>
+                <a:spcPts val="200"/>
+              </a:spcBef>
+              <a:spcAft>
+                <a:spcPts val="400"/>
+              </a:spcAft>
+              <a:buClr>
+                <a:schemeClr val="accent1"/>
+              </a:buClr>
+              <a:buFont typeface="Calibri" pitchFamily="34" charset="0"/>
+              <a:buChar char="◦"/>
+              <a:defRPr sz="1400" kern="1200">
+                <a:solidFill>
+                  <a:schemeClr val="tx1">
+                    <a:lumMod val="75000"/>
+                    <a:lumOff val="25000"/>
+                  </a:schemeClr>
+                </a:solidFill>
+                <a:latin typeface="+mn-lt"/>
+                <a:ea typeface="+mn-ea"/>
+                <a:cs typeface="+mn-cs"/>
+              </a:defRPr>
+            </a:lvl5pPr>
+            <a:lvl6pPr marL="1100000" indent="-228600" algn="l" defTabSz="914400" rtl="0" eaLnBrk="1" latinLnBrk="0" hangingPunct="1">
+              <a:lnSpc>
+                <a:spcPct val="90000"/>
+              </a:lnSpc>
+              <a:spcBef>
+                <a:spcPts val="200"/>
+              </a:spcBef>
+              <a:spcAft>
+                <a:spcPts val="400"/>
+              </a:spcAft>
+              <a:buClr>
+                <a:schemeClr val="accent1"/>
+              </a:buClr>
+              <a:buFont typeface="Calibri" pitchFamily="34" charset="0"/>
+              <a:buChar char="◦"/>
+              <a:defRPr sz="1400" kern="1200">
+                <a:solidFill>
+                  <a:schemeClr val="tx1">
+                    <a:lumMod val="75000"/>
+                    <a:lumOff val="25000"/>
+                  </a:schemeClr>
+                </a:solidFill>
+                <a:latin typeface="+mn-lt"/>
+                <a:ea typeface="+mn-ea"/>
+                <a:cs typeface="+mn-cs"/>
+              </a:defRPr>
+            </a:lvl6pPr>
+            <a:lvl7pPr marL="1300000" indent="-228600" algn="l" defTabSz="914400" rtl="0" eaLnBrk="1" latinLnBrk="0" hangingPunct="1">
+              <a:lnSpc>
+                <a:spcPct val="90000"/>
+              </a:lnSpc>
+              <a:spcBef>
+                <a:spcPts val="200"/>
+              </a:spcBef>
+              <a:spcAft>
+                <a:spcPts val="400"/>
+              </a:spcAft>
+              <a:buClr>
+                <a:schemeClr val="accent1"/>
+              </a:buClr>
+              <a:buFont typeface="Calibri" pitchFamily="34" charset="0"/>
+              <a:buChar char="◦"/>
+              <a:defRPr sz="1400" kern="1200">
+                <a:solidFill>
+                  <a:schemeClr val="tx1">
+                    <a:lumMod val="75000"/>
+                    <a:lumOff val="25000"/>
+                  </a:schemeClr>
+                </a:solidFill>
+                <a:latin typeface="+mn-lt"/>
+                <a:ea typeface="+mn-ea"/>
+                <a:cs typeface="+mn-cs"/>
+              </a:defRPr>
+            </a:lvl7pPr>
+            <a:lvl8pPr marL="1500000" indent="-228600" algn="l" defTabSz="914400" rtl="0" eaLnBrk="1" latinLnBrk="0" hangingPunct="1">
+              <a:lnSpc>
+                <a:spcPct val="90000"/>
+              </a:lnSpc>
+              <a:spcBef>
+                <a:spcPts val="200"/>
+              </a:spcBef>
+              <a:spcAft>
+                <a:spcPts val="400"/>
+              </a:spcAft>
+              <a:buClr>
+                <a:schemeClr val="accent1"/>
+              </a:buClr>
+              <a:buFont typeface="Calibri" pitchFamily="34" charset="0"/>
+              <a:buChar char="◦"/>
+              <a:defRPr sz="1400" kern="1200">
+                <a:solidFill>
+                  <a:schemeClr val="tx1">
+                    <a:lumMod val="75000"/>
+                    <a:lumOff val="25000"/>
+                  </a:schemeClr>
+                </a:solidFill>
+                <a:latin typeface="+mn-lt"/>
+                <a:ea typeface="+mn-ea"/>
+                <a:cs typeface="+mn-cs"/>
+              </a:defRPr>
+            </a:lvl8pPr>
+            <a:lvl9pPr marL="1700000" indent="-228600" algn="l" defTabSz="914400" rtl="0" eaLnBrk="1" latinLnBrk="0" hangingPunct="1">
+              <a:lnSpc>
+                <a:spcPct val="90000"/>
+              </a:lnSpc>
+              <a:spcBef>
+                <a:spcPts val="200"/>
+              </a:spcBef>
+              <a:spcAft>
+                <a:spcPts val="400"/>
+              </a:spcAft>
+              <a:buClr>
+                <a:schemeClr val="accent1"/>
+              </a:buClr>
+              <a:buFont typeface="Calibri" pitchFamily="34" charset="0"/>
+              <a:buChar char="◦"/>
+              <a:defRPr sz="1400" kern="1200">
+                <a:solidFill>
+                  <a:schemeClr val="tx1">
+                    <a:lumMod val="75000"/>
+                    <a:lumOff val="25000"/>
+                  </a:schemeClr>
+                </a:solidFill>
+                <a:latin typeface="+mn-lt"/>
+                <a:ea typeface="+mn-ea"/>
+                <a:cs typeface="+mn-cs"/>
+              </a:defRPr>
+            </a:lvl9pPr>
+          </a:lstStyle>
+          <a:p>
+            <a:pPr marL="0" indent="0">
+              <a:lnSpc>
+                <a:spcPct val="100000"/>
+              </a:lnSpc>
+              <a:spcBef>
+                <a:spcPts val="0"/>
+              </a:spcBef>
+              <a:spcAft>
+                <a:spcPts val="0"/>
+              </a:spcAft>
+              <a:buNone/>
             </a:pPr>
             <a:r>
-              <a:rPr lang="en-GB" dirty="0"/>
-              <a:t>Software design is the process of transforming the customer requirements into a form implementable using a programming language.</a:t>
-            </a:r>
-          </a:p>
-          <a:p>
-            <a:pPr>
-              <a:buFont typeface="Wingdings" panose="05000000000000000000" pitchFamily="2" charset="2"/>
-              <a:buChar char="v"/>
+              <a:rPr lang="en-GB" sz="1800" dirty="0"/>
+              <a:t>#include &lt;</a:t>
+            </a:r>
+            <a:r>
+              <a:rPr lang="en-GB" sz="1800" dirty="0" err="1"/>
+              <a:t>iostream</a:t>
+            </a:r>
+            <a:r>
+              <a:rPr lang="en-GB" sz="1800" dirty="0"/>
+              <a:t>&gt;</a:t>
+            </a:r>
+          </a:p>
+          <a:p>
+            <a:pPr marL="0" indent="0">
+              <a:lnSpc>
+                <a:spcPct val="100000"/>
+              </a:lnSpc>
+              <a:spcBef>
+                <a:spcPts val="0"/>
+              </a:spcBef>
+              <a:spcAft>
+                <a:spcPts val="0"/>
+              </a:spcAft>
+              <a:buNone/>
             </a:pPr>
             <a:r>
-              <a:rPr lang="en-GB" dirty="0"/>
-              <a:t> This includes defining the classes, methods, functions, objects and the overall structure and interaction that will be translated into codes.</a:t>
-            </a:r>
-          </a:p>
-          <a:p>
-            <a:pPr>
-              <a:buFont typeface="Wingdings" panose="05000000000000000000" pitchFamily="2" charset="2"/>
-              <a:buChar char="v"/>
+              <a:rPr lang="en-GB" sz="1800" dirty="0"/>
+              <a:t>using namespace </a:t>
+            </a:r>
+            <a:r>
+              <a:rPr lang="en-GB" sz="1800" dirty="0" err="1"/>
+              <a:t>std</a:t>
+            </a:r>
+            <a:r>
+              <a:rPr lang="en-GB" sz="1800" dirty="0" smtClean="0"/>
+              <a:t>;</a:t>
+            </a:r>
+            <a:endParaRPr lang="en-GB" sz="1800" dirty="0"/>
+          </a:p>
+          <a:p>
+            <a:pPr marL="0" indent="0">
+              <a:lnSpc>
+                <a:spcPct val="100000"/>
+              </a:lnSpc>
+              <a:spcBef>
+                <a:spcPts val="0"/>
+              </a:spcBef>
+              <a:spcAft>
+                <a:spcPts val="0"/>
+              </a:spcAft>
+              <a:buNone/>
             </a:pPr>
             <a:r>
-              <a:rPr lang="en-GB" dirty="0"/>
-              <a:t> For object-oriented software, an object modelling language such as UML is used to develop and express the software design.</a:t>
-            </a:r>
-          </a:p>
-          <a:p>
-            <a:pPr>
-              <a:buFont typeface="Wingdings" panose="05000000000000000000" pitchFamily="2" charset="2"/>
-              <a:buChar char="v"/>
+              <a:rPr lang="en-GB" sz="1800" dirty="0" err="1"/>
+              <a:t>int</a:t>
+            </a:r>
+            <a:r>
+              <a:rPr lang="en-GB" sz="1800" dirty="0"/>
+              <a:t> main()</a:t>
+            </a:r>
+          </a:p>
+          <a:p>
+            <a:pPr marL="0" indent="0">
+              <a:lnSpc>
+                <a:spcPct val="100000"/>
+              </a:lnSpc>
+              <a:spcBef>
+                <a:spcPts val="0"/>
+              </a:spcBef>
+              <a:spcAft>
+                <a:spcPts val="0"/>
+              </a:spcAft>
+              <a:buNone/>
             </a:pPr>
             <a:r>
-              <a:rPr lang="en-GB" dirty="0"/>
-              <a:t> draw.io will be used in this class for object-oriented software modelling.</a:t>
+              <a:rPr lang="en-GB" sz="1800" dirty="0"/>
+              <a:t>{</a:t>
+            </a:r>
+          </a:p>
+          <a:p>
+            <a:pPr marL="0" indent="0">
+              <a:lnSpc>
+                <a:spcPct val="100000"/>
+              </a:lnSpc>
+              <a:spcBef>
+                <a:spcPts val="0"/>
+              </a:spcBef>
+              <a:spcAft>
+                <a:spcPts val="0"/>
+              </a:spcAft>
+              <a:buNone/>
+            </a:pPr>
+            <a:r>
+              <a:rPr lang="en-GB" sz="1800" dirty="0" err="1" smtClean="0"/>
+              <a:t>cout</a:t>
+            </a:r>
+            <a:r>
+              <a:rPr lang="en-GB" sz="1800" dirty="0" smtClean="0"/>
+              <a:t> </a:t>
+            </a:r>
+            <a:r>
+              <a:rPr lang="en-GB" sz="1800" dirty="0"/>
+              <a:t>&lt;&lt; </a:t>
+            </a:r>
+            <a:r>
+              <a:rPr lang="en-GB" sz="1800" dirty="0" smtClean="0"/>
+              <a:t>Hello World";</a:t>
+            </a:r>
+            <a:endParaRPr lang="en-GB" sz="1800" dirty="0"/>
+          </a:p>
+          <a:p>
+            <a:pPr marL="0" indent="0">
+              <a:lnSpc>
+                <a:spcPct val="100000"/>
+              </a:lnSpc>
+              <a:spcBef>
+                <a:spcPts val="0"/>
+              </a:spcBef>
+              <a:spcAft>
+                <a:spcPts val="0"/>
+              </a:spcAft>
+              <a:buNone/>
+            </a:pPr>
+            <a:r>
+              <a:rPr lang="en-GB" sz="1800" dirty="0"/>
+              <a:t>  return 0;</a:t>
+            </a:r>
+          </a:p>
+          <a:p>
+            <a:pPr marL="0" indent="0">
+              <a:lnSpc>
+                <a:spcPct val="100000"/>
+              </a:lnSpc>
+              <a:spcBef>
+                <a:spcPts val="0"/>
+              </a:spcBef>
+              <a:spcAft>
+                <a:spcPts val="0"/>
+              </a:spcAft>
+              <a:buNone/>
+            </a:pPr>
+            <a:r>
+              <a:rPr lang="en-GB" sz="1800" dirty="0"/>
+              <a:t>}</a:t>
             </a:r>
           </a:p>
         </p:txBody>
@@ -5604,17 +6239,753 @@
     </p:spTree>
     <p:extLst>
       <p:ext uri="{BB962C8B-B14F-4D97-AF65-F5344CB8AC3E}">
-        <p14:creationId xmlns:p14="http://schemas.microsoft.com/office/powerpoint/2010/main" val="2587548588"/>
+        <p14:creationId xmlns:p14="http://schemas.microsoft.com/office/powerpoint/2010/main" val="462713268"/>
       </p:ext>
     </p:extLst>
   </p:cSld>
   <p:clrMapOvr>
     <a:masterClrMapping/>
   </p:clrMapOvr>
+  <p:timing>
+    <p:tnLst>
+      <p:par>
+        <p:cTn id="1" dur="indefinite" restart="never" nodeType="tmRoot"/>
+      </p:par>
+    </p:tnLst>
+  </p:timing>
 </p:sld>
 </file>
 
 <file path=ppt/slides/slide4.xml><?xml version="1.0" encoding="utf-8"?>
+<p:sld xmlns:a="http://schemas.openxmlformats.org/drawingml/2006/main" xmlns:r="http://schemas.openxmlformats.org/officeDocument/2006/relationships" xmlns:p="http://schemas.openxmlformats.org/presentationml/2006/main">
+  <p:cSld>
+    <p:spTree>
+      <p:nvGrpSpPr>
+        <p:cNvPr id="1" name=""/>
+        <p:cNvGrpSpPr/>
+        <p:nvPr/>
+      </p:nvGrpSpPr>
+      <p:grpSpPr>
+        <a:xfrm>
+          <a:off x="0" y="0"/>
+          <a:ext cx="0" cy="0"/>
+          <a:chOff x="0" y="0"/>
+          <a:chExt cx="0" cy="0"/>
+        </a:xfrm>
+      </p:grpSpPr>
+      <p:sp>
+        <p:nvSpPr>
+          <p:cNvPr id="2" name="Title 1">
+            <a:extLst>
+              <a:ext uri="{FF2B5EF4-FFF2-40B4-BE49-F238E27FC236}">
+                <a16:creationId xmlns:a16="http://schemas.microsoft.com/office/drawing/2014/main" id="{7304BBA7-9D5E-4B9A-95AF-2E54F4B41C0E}"/>
+              </a:ext>
+            </a:extLst>
+          </p:cNvPr>
+          <p:cNvSpPr>
+            <a:spLocks noGrp="1"/>
+          </p:cNvSpPr>
+          <p:nvPr>
+            <p:ph type="title"/>
+          </p:nvPr>
+        </p:nvSpPr>
+        <p:spPr/>
+        <p:txBody>
+          <a:bodyPr/>
+          <a:lstStyle/>
+          <a:p>
+            <a:r>
+              <a:rPr lang="en-US" dirty="0" smtClean="0"/>
+              <a:t>What is a variable? </a:t>
+            </a:r>
+            <a:endParaRPr lang="en-GB" dirty="0"/>
+          </a:p>
+        </p:txBody>
+      </p:sp>
+      <p:sp>
+        <p:nvSpPr>
+          <p:cNvPr id="3" name="Content Placeholder 2">
+            <a:extLst>
+              <a:ext uri="{FF2B5EF4-FFF2-40B4-BE49-F238E27FC236}">
+                <a16:creationId xmlns:a16="http://schemas.microsoft.com/office/drawing/2014/main" id="{3AB586B9-467B-4F63-B336-2E9D19321584}"/>
+              </a:ext>
+            </a:extLst>
+          </p:cNvPr>
+          <p:cNvSpPr>
+            <a:spLocks noGrp="1"/>
+          </p:cNvSpPr>
+          <p:nvPr>
+            <p:ph idx="1"/>
+          </p:nvPr>
+        </p:nvSpPr>
+        <p:spPr>
+          <a:xfrm>
+            <a:off x="822960" y="1845734"/>
+            <a:ext cx="7863840" cy="4023360"/>
+          </a:xfrm>
+        </p:spPr>
+        <p:txBody>
+          <a:bodyPr>
+            <a:normAutofit/>
+          </a:bodyPr>
+          <a:lstStyle/>
+          <a:p>
+            <a:pPr>
+              <a:buFont typeface="Wingdings" panose="05000000000000000000" pitchFamily="2" charset="2"/>
+              <a:buChar char="v"/>
+            </a:pPr>
+            <a:r>
+              <a:rPr lang="en-GB" dirty="0" smtClean="0"/>
+              <a:t> A name given by the programmer within a program that is not reserved and can store values. Identify the variables in the following program:</a:t>
+            </a:r>
+          </a:p>
+          <a:p>
+            <a:pPr marL="292608" lvl="1" indent="0">
+              <a:buNone/>
+            </a:pPr>
+            <a:r>
+              <a:rPr lang="en-GB" dirty="0"/>
+              <a:t>package </a:t>
+            </a:r>
+            <a:r>
+              <a:rPr lang="en-GB" dirty="0" err="1"/>
+              <a:t>com.studygroup</a:t>
+            </a:r>
+            <a:r>
+              <a:rPr lang="en-GB" dirty="0"/>
+              <a:t>;</a:t>
+            </a:r>
+          </a:p>
+          <a:p>
+            <a:pPr marL="292608" lvl="1" indent="0">
+              <a:buNone/>
+            </a:pPr>
+            <a:endParaRPr lang="en-GB" dirty="0"/>
+          </a:p>
+          <a:p>
+            <a:pPr marL="292608" lvl="1" indent="0">
+              <a:buNone/>
+            </a:pPr>
+            <a:r>
+              <a:rPr lang="en-GB" dirty="0"/>
+              <a:t>public class Main </a:t>
+            </a:r>
+            <a:r>
+              <a:rPr lang="en-GB" dirty="0" smtClean="0"/>
+              <a:t>{</a:t>
+            </a:r>
+          </a:p>
+          <a:p>
+            <a:pPr marL="292608" lvl="1" indent="0">
+              <a:buNone/>
+            </a:pPr>
+            <a:endParaRPr lang="en-GB" dirty="0"/>
+          </a:p>
+          <a:p>
+            <a:pPr marL="292608" lvl="1" indent="0">
+              <a:buNone/>
+            </a:pPr>
+            <a:r>
+              <a:rPr lang="en-GB" dirty="0"/>
+              <a:t>    public static void main(String[] </a:t>
+            </a:r>
+            <a:r>
+              <a:rPr lang="en-GB" dirty="0" err="1"/>
+              <a:t>args</a:t>
+            </a:r>
+            <a:r>
+              <a:rPr lang="en-GB" dirty="0"/>
+              <a:t>) {</a:t>
+            </a:r>
+          </a:p>
+          <a:p>
+            <a:pPr marL="292608" lvl="1" indent="0">
+              <a:buNone/>
+            </a:pPr>
+            <a:r>
+              <a:rPr lang="en-GB" dirty="0"/>
+              <a:t>        float x = 5; //</a:t>
+            </a:r>
+            <a:r>
+              <a:rPr lang="en-GB" dirty="0" err="1"/>
+              <a:t>int</a:t>
+            </a:r>
+            <a:r>
+              <a:rPr lang="en-GB" dirty="0"/>
+              <a:t> = integer type (whole numbers)</a:t>
+            </a:r>
+          </a:p>
+          <a:p>
+            <a:pPr marL="292608" lvl="1" indent="0">
+              <a:buNone/>
+            </a:pPr>
+            <a:r>
+              <a:rPr lang="en-GB" dirty="0"/>
+              <a:t>        float y = 7;// = is assignment</a:t>
+            </a:r>
+          </a:p>
+          <a:p>
+            <a:pPr marL="292608" lvl="1" indent="0">
+              <a:buNone/>
+            </a:pPr>
+            <a:r>
+              <a:rPr lang="en-GB" dirty="0"/>
+              <a:t>        </a:t>
+            </a:r>
+            <a:r>
+              <a:rPr lang="en-GB" dirty="0" err="1"/>
+              <a:t>System.out.println</a:t>
+            </a:r>
+            <a:r>
+              <a:rPr lang="en-GB" dirty="0"/>
+              <a:t>((x + y) + " " + (x / y));</a:t>
+            </a:r>
+          </a:p>
+          <a:p>
+            <a:pPr marL="292608" lvl="1" indent="0">
+              <a:buNone/>
+            </a:pPr>
+            <a:r>
+              <a:rPr lang="en-GB" dirty="0"/>
+              <a:t>    }</a:t>
+            </a:r>
+          </a:p>
+          <a:p>
+            <a:pPr marL="292608" lvl="1" indent="0">
+              <a:buNone/>
+            </a:pPr>
+            <a:r>
+              <a:rPr lang="en-GB" dirty="0"/>
+              <a:t>}</a:t>
+            </a:r>
+          </a:p>
+          <a:p>
+            <a:pPr marL="0" indent="0">
+              <a:buNone/>
+            </a:pPr>
+            <a:endParaRPr lang="en-GB" dirty="0"/>
+          </a:p>
+          <a:p>
+            <a:endParaRPr lang="en-GB" dirty="0"/>
+          </a:p>
+        </p:txBody>
+      </p:sp>
+      <p:sp>
+        <p:nvSpPr>
+          <p:cNvPr id="4" name="Oval 3"/>
+          <p:cNvSpPr/>
+          <p:nvPr/>
+        </p:nvSpPr>
+        <p:spPr>
+          <a:xfrm>
+            <a:off x="2164080" y="3093720"/>
+            <a:ext cx="609600" cy="289560"/>
+          </a:xfrm>
+          <a:prstGeom prst="ellipse">
+            <a:avLst/>
+          </a:prstGeom>
+          <a:solidFill>
+            <a:srgbClr val="BD582C">
+              <a:alpha val="32157"/>
+            </a:srgbClr>
+          </a:solidFill>
+        </p:spPr>
+        <p:style>
+          <a:lnRef idx="2">
+            <a:schemeClr val="accent1">
+              <a:shade val="50000"/>
+            </a:schemeClr>
+          </a:lnRef>
+          <a:fillRef idx="1">
+            <a:schemeClr val="accent1"/>
+          </a:fillRef>
+          <a:effectRef idx="0">
+            <a:schemeClr val="accent1"/>
+          </a:effectRef>
+          <a:fontRef idx="minor">
+            <a:schemeClr val="lt1"/>
+          </a:fontRef>
+        </p:style>
+        <p:txBody>
+          <a:bodyPr rtlCol="0" anchor="ctr"/>
+          <a:lstStyle/>
+          <a:p>
+            <a:pPr algn="ctr"/>
+            <a:endParaRPr lang="en-GB"/>
+          </a:p>
+        </p:txBody>
+      </p:sp>
+      <p:sp>
+        <p:nvSpPr>
+          <p:cNvPr id="6" name="Oval 5"/>
+          <p:cNvSpPr/>
+          <p:nvPr/>
+        </p:nvSpPr>
+        <p:spPr>
+          <a:xfrm>
+            <a:off x="2895600" y="3779520"/>
+            <a:ext cx="487680" cy="222674"/>
+          </a:xfrm>
+          <a:prstGeom prst="ellipse">
+            <a:avLst/>
+          </a:prstGeom>
+          <a:solidFill>
+            <a:srgbClr val="BD582C">
+              <a:alpha val="32157"/>
+            </a:srgbClr>
+          </a:solidFill>
+        </p:spPr>
+        <p:style>
+          <a:lnRef idx="2">
+            <a:schemeClr val="accent1">
+              <a:shade val="50000"/>
+            </a:schemeClr>
+          </a:lnRef>
+          <a:fillRef idx="1">
+            <a:schemeClr val="accent1"/>
+          </a:fillRef>
+          <a:effectRef idx="0">
+            <a:schemeClr val="accent1"/>
+          </a:effectRef>
+          <a:fontRef idx="minor">
+            <a:schemeClr val="lt1"/>
+          </a:fontRef>
+        </p:style>
+        <p:txBody>
+          <a:bodyPr rtlCol="0" anchor="ctr"/>
+          <a:lstStyle/>
+          <a:p>
+            <a:pPr algn="ctr"/>
+            <a:endParaRPr lang="en-GB"/>
+          </a:p>
+        </p:txBody>
+      </p:sp>
+      <p:sp>
+        <p:nvSpPr>
+          <p:cNvPr id="7" name="Oval 6"/>
+          <p:cNvSpPr/>
+          <p:nvPr/>
+        </p:nvSpPr>
+        <p:spPr>
+          <a:xfrm>
+            <a:off x="3383280" y="3746076"/>
+            <a:ext cx="609600" cy="256117"/>
+          </a:xfrm>
+          <a:prstGeom prst="ellipse">
+            <a:avLst/>
+          </a:prstGeom>
+          <a:solidFill>
+            <a:srgbClr val="BD582C">
+              <a:alpha val="32157"/>
+            </a:srgbClr>
+          </a:solidFill>
+        </p:spPr>
+        <p:style>
+          <a:lnRef idx="2">
+            <a:schemeClr val="accent1">
+              <a:shade val="50000"/>
+            </a:schemeClr>
+          </a:lnRef>
+          <a:fillRef idx="1">
+            <a:schemeClr val="accent1"/>
+          </a:fillRef>
+          <a:effectRef idx="0">
+            <a:schemeClr val="accent1"/>
+          </a:effectRef>
+          <a:fontRef idx="minor">
+            <a:schemeClr val="lt1"/>
+          </a:fontRef>
+        </p:style>
+        <p:txBody>
+          <a:bodyPr rtlCol="0" anchor="ctr"/>
+          <a:lstStyle/>
+          <a:p>
+            <a:pPr algn="ctr"/>
+            <a:endParaRPr lang="en-GB"/>
+          </a:p>
+        </p:txBody>
+      </p:sp>
+      <p:sp>
+        <p:nvSpPr>
+          <p:cNvPr id="8" name="Oval 7"/>
+          <p:cNvSpPr/>
+          <p:nvPr/>
+        </p:nvSpPr>
+        <p:spPr>
+          <a:xfrm>
+            <a:off x="4069080" y="3758352"/>
+            <a:ext cx="609600" cy="256117"/>
+          </a:xfrm>
+          <a:prstGeom prst="ellipse">
+            <a:avLst/>
+          </a:prstGeom>
+          <a:solidFill>
+            <a:srgbClr val="BD582C">
+              <a:alpha val="32157"/>
+            </a:srgbClr>
+          </a:solidFill>
+        </p:spPr>
+        <p:style>
+          <a:lnRef idx="2">
+            <a:schemeClr val="accent1">
+              <a:shade val="50000"/>
+            </a:schemeClr>
+          </a:lnRef>
+          <a:fillRef idx="1">
+            <a:schemeClr val="accent1"/>
+          </a:fillRef>
+          <a:effectRef idx="0">
+            <a:schemeClr val="accent1"/>
+          </a:effectRef>
+          <a:fontRef idx="minor">
+            <a:schemeClr val="lt1"/>
+          </a:fontRef>
+        </p:style>
+        <p:txBody>
+          <a:bodyPr rtlCol="0" anchor="ctr"/>
+          <a:lstStyle/>
+          <a:p>
+            <a:pPr algn="ctr"/>
+            <a:endParaRPr lang="en-GB"/>
+          </a:p>
+        </p:txBody>
+      </p:sp>
+      <p:sp>
+        <p:nvSpPr>
+          <p:cNvPr id="9" name="Oval 8"/>
+          <p:cNvSpPr/>
+          <p:nvPr/>
+        </p:nvSpPr>
+        <p:spPr>
+          <a:xfrm>
+            <a:off x="1859280" y="4124113"/>
+            <a:ext cx="304800" cy="204048"/>
+          </a:xfrm>
+          <a:prstGeom prst="ellipse">
+            <a:avLst/>
+          </a:prstGeom>
+          <a:solidFill>
+            <a:srgbClr val="BD582C">
+              <a:alpha val="32157"/>
+            </a:srgbClr>
+          </a:solidFill>
+        </p:spPr>
+        <p:style>
+          <a:lnRef idx="2">
+            <a:schemeClr val="accent1">
+              <a:shade val="50000"/>
+            </a:schemeClr>
+          </a:lnRef>
+          <a:fillRef idx="1">
+            <a:schemeClr val="accent1"/>
+          </a:fillRef>
+          <a:effectRef idx="0">
+            <a:schemeClr val="accent1"/>
+          </a:effectRef>
+          <a:fontRef idx="minor">
+            <a:schemeClr val="lt1"/>
+          </a:fontRef>
+        </p:style>
+        <p:txBody>
+          <a:bodyPr rtlCol="0" anchor="ctr"/>
+          <a:lstStyle/>
+          <a:p>
+            <a:pPr algn="ctr"/>
+            <a:endParaRPr lang="en-GB"/>
+          </a:p>
+        </p:txBody>
+      </p:sp>
+      <p:sp>
+        <p:nvSpPr>
+          <p:cNvPr id="10" name="Oval 9"/>
+          <p:cNvSpPr/>
+          <p:nvPr/>
+        </p:nvSpPr>
+        <p:spPr>
+          <a:xfrm>
+            <a:off x="1905000" y="4463203"/>
+            <a:ext cx="304800" cy="204048"/>
+          </a:xfrm>
+          <a:prstGeom prst="ellipse">
+            <a:avLst/>
+          </a:prstGeom>
+          <a:solidFill>
+            <a:srgbClr val="BD582C">
+              <a:alpha val="32157"/>
+            </a:srgbClr>
+          </a:solidFill>
+        </p:spPr>
+        <p:style>
+          <a:lnRef idx="2">
+            <a:schemeClr val="accent1">
+              <a:shade val="50000"/>
+            </a:schemeClr>
+          </a:lnRef>
+          <a:fillRef idx="1">
+            <a:schemeClr val="accent1"/>
+          </a:fillRef>
+          <a:effectRef idx="0">
+            <a:schemeClr val="accent1"/>
+          </a:effectRef>
+          <a:fontRef idx="minor">
+            <a:schemeClr val="lt1"/>
+          </a:fontRef>
+        </p:style>
+        <p:txBody>
+          <a:bodyPr rtlCol="0" anchor="ctr"/>
+          <a:lstStyle/>
+          <a:p>
+            <a:pPr algn="ctr"/>
+            <a:endParaRPr lang="en-GB"/>
+          </a:p>
+        </p:txBody>
+      </p:sp>
+      <p:sp>
+        <p:nvSpPr>
+          <p:cNvPr id="11" name="Oval 10"/>
+          <p:cNvSpPr/>
+          <p:nvPr/>
+        </p:nvSpPr>
+        <p:spPr>
+          <a:xfrm>
+            <a:off x="1493520" y="4741332"/>
+            <a:ext cx="762000" cy="266701"/>
+          </a:xfrm>
+          <a:prstGeom prst="ellipse">
+            <a:avLst/>
+          </a:prstGeom>
+          <a:solidFill>
+            <a:srgbClr val="BD582C">
+              <a:alpha val="32157"/>
+            </a:srgbClr>
+          </a:solidFill>
+        </p:spPr>
+        <p:style>
+          <a:lnRef idx="2">
+            <a:schemeClr val="accent1">
+              <a:shade val="50000"/>
+            </a:schemeClr>
+          </a:lnRef>
+          <a:fillRef idx="1">
+            <a:schemeClr val="accent1"/>
+          </a:fillRef>
+          <a:effectRef idx="0">
+            <a:schemeClr val="accent1"/>
+          </a:effectRef>
+          <a:fontRef idx="minor">
+            <a:schemeClr val="lt1"/>
+          </a:fontRef>
+        </p:style>
+        <p:txBody>
+          <a:bodyPr rtlCol="0" anchor="ctr"/>
+          <a:lstStyle/>
+          <a:p>
+            <a:pPr algn="ctr"/>
+            <a:endParaRPr lang="en-GB"/>
+          </a:p>
+        </p:txBody>
+      </p:sp>
+      <p:sp>
+        <p:nvSpPr>
+          <p:cNvPr id="12" name="Oval 11"/>
+          <p:cNvSpPr/>
+          <p:nvPr/>
+        </p:nvSpPr>
+        <p:spPr>
+          <a:xfrm>
+            <a:off x="2209800" y="4775624"/>
+            <a:ext cx="441960" cy="232409"/>
+          </a:xfrm>
+          <a:prstGeom prst="ellipse">
+            <a:avLst/>
+          </a:prstGeom>
+          <a:solidFill>
+            <a:srgbClr val="BD582C">
+              <a:alpha val="32157"/>
+            </a:srgbClr>
+          </a:solidFill>
+        </p:spPr>
+        <p:style>
+          <a:lnRef idx="2">
+            <a:schemeClr val="accent1">
+              <a:shade val="50000"/>
+            </a:schemeClr>
+          </a:lnRef>
+          <a:fillRef idx="1">
+            <a:schemeClr val="accent1"/>
+          </a:fillRef>
+          <a:effectRef idx="0">
+            <a:schemeClr val="accent1"/>
+          </a:effectRef>
+          <a:fontRef idx="minor">
+            <a:schemeClr val="lt1"/>
+          </a:fontRef>
+        </p:style>
+        <p:txBody>
+          <a:bodyPr rtlCol="0" anchor="ctr"/>
+          <a:lstStyle/>
+          <a:p>
+            <a:pPr algn="ctr"/>
+            <a:endParaRPr lang="en-GB"/>
+          </a:p>
+        </p:txBody>
+      </p:sp>
+      <p:sp>
+        <p:nvSpPr>
+          <p:cNvPr id="13" name="Oval 12"/>
+          <p:cNvSpPr/>
+          <p:nvPr/>
+        </p:nvSpPr>
+        <p:spPr>
+          <a:xfrm>
+            <a:off x="2674620" y="4775624"/>
+            <a:ext cx="586740" cy="232409"/>
+          </a:xfrm>
+          <a:prstGeom prst="ellipse">
+            <a:avLst/>
+          </a:prstGeom>
+          <a:solidFill>
+            <a:srgbClr val="BD582C">
+              <a:alpha val="32157"/>
+            </a:srgbClr>
+          </a:solidFill>
+        </p:spPr>
+        <p:style>
+          <a:lnRef idx="2">
+            <a:schemeClr val="accent1">
+              <a:shade val="50000"/>
+            </a:schemeClr>
+          </a:lnRef>
+          <a:fillRef idx="1">
+            <a:schemeClr val="accent1"/>
+          </a:fillRef>
+          <a:effectRef idx="0">
+            <a:schemeClr val="accent1"/>
+          </a:effectRef>
+          <a:fontRef idx="minor">
+            <a:schemeClr val="lt1"/>
+          </a:fontRef>
+        </p:style>
+        <p:txBody>
+          <a:bodyPr rtlCol="0" anchor="ctr"/>
+          <a:lstStyle/>
+          <a:p>
+            <a:pPr algn="ctr"/>
+            <a:endParaRPr lang="en-GB"/>
+          </a:p>
+        </p:txBody>
+      </p:sp>
+      <p:sp>
+        <p:nvSpPr>
+          <p:cNvPr id="14" name="Oval 13"/>
+          <p:cNvSpPr/>
+          <p:nvPr/>
+        </p:nvSpPr>
+        <p:spPr>
+          <a:xfrm>
+            <a:off x="3352800" y="4741332"/>
+            <a:ext cx="1722120" cy="266702"/>
+          </a:xfrm>
+          <a:prstGeom prst="ellipse">
+            <a:avLst/>
+          </a:prstGeom>
+          <a:solidFill>
+            <a:srgbClr val="BD582C">
+              <a:alpha val="32157"/>
+            </a:srgbClr>
+          </a:solidFill>
+        </p:spPr>
+        <p:style>
+          <a:lnRef idx="2">
+            <a:schemeClr val="accent1">
+              <a:shade val="50000"/>
+            </a:schemeClr>
+          </a:lnRef>
+          <a:fillRef idx="1">
+            <a:schemeClr val="accent1"/>
+          </a:fillRef>
+          <a:effectRef idx="0">
+            <a:schemeClr val="accent1"/>
+          </a:effectRef>
+          <a:fontRef idx="minor">
+            <a:schemeClr val="lt1"/>
+          </a:fontRef>
+        </p:style>
+        <p:txBody>
+          <a:bodyPr rtlCol="0" anchor="ctr"/>
+          <a:lstStyle/>
+          <a:p>
+            <a:pPr algn="ctr"/>
+            <a:endParaRPr lang="en-GB"/>
+          </a:p>
+        </p:txBody>
+      </p:sp>
+      <p:sp>
+        <p:nvSpPr>
+          <p:cNvPr id="15" name="Oval 14"/>
+          <p:cNvSpPr/>
+          <p:nvPr/>
+        </p:nvSpPr>
+        <p:spPr>
+          <a:xfrm>
+            <a:off x="1920240" y="2514388"/>
+            <a:ext cx="1615440" cy="166161"/>
+          </a:xfrm>
+          <a:prstGeom prst="ellipse">
+            <a:avLst/>
+          </a:prstGeom>
+          <a:solidFill>
+            <a:srgbClr val="BD582C">
+              <a:alpha val="32157"/>
+            </a:srgbClr>
+          </a:solidFill>
+        </p:spPr>
+        <p:style>
+          <a:lnRef idx="2">
+            <a:schemeClr val="accent1">
+              <a:shade val="50000"/>
+            </a:schemeClr>
+          </a:lnRef>
+          <a:fillRef idx="1">
+            <a:schemeClr val="accent1"/>
+          </a:fillRef>
+          <a:effectRef idx="0">
+            <a:schemeClr val="accent1"/>
+          </a:effectRef>
+          <a:fontRef idx="minor">
+            <a:schemeClr val="lt1"/>
+          </a:fontRef>
+        </p:style>
+        <p:txBody>
+          <a:bodyPr rtlCol="0" anchor="ctr"/>
+          <a:lstStyle/>
+          <a:p>
+            <a:pPr algn="ctr"/>
+            <a:endParaRPr lang="en-GB"/>
+          </a:p>
+        </p:txBody>
+      </p:sp>
+    </p:spTree>
+    <p:extLst>
+      <p:ext uri="{BB962C8B-B14F-4D97-AF65-F5344CB8AC3E}">
+        <p14:creationId xmlns:p14="http://schemas.microsoft.com/office/powerpoint/2010/main" val="3407798903"/>
+      </p:ext>
+    </p:extLst>
+  </p:cSld>
+  <p:clrMapOvr>
+    <a:masterClrMapping/>
+  </p:clrMapOvr>
+  <p:timing>
+    <p:tnLst>
+      <p:par>
+        <p:cTn id="1" dur="indefinite" restart="never" nodeType="tmRoot"/>
+      </p:par>
+    </p:tnLst>
+  </p:timing>
+</p:sld>
+</file>
+
+<file path=ppt/slides/slide5.xml><?xml version="1.0" encoding="utf-8"?>
 <p:sld xmlns:a="http://schemas.openxmlformats.org/drawingml/2006/main" xmlns:r="http://schemas.openxmlformats.org/officeDocument/2006/relationships" xmlns:p="http://schemas.openxmlformats.org/presentationml/2006/main">
   <p:cSld>
     <p:spTree>
@@ -5817,7 +7188,11 @@
             </a:p>
             <a:p>
               <a:r>
-                <a:rPr lang="en-GB" dirty="0"/>
+                <a:rPr lang="en-GB" strike="sngStrike" dirty="0">
+                  <a:solidFill>
+                    <a:srgbClr val="FF0000"/>
+                  </a:solidFill>
+                </a:rPr>
                 <a:t>Wide Character</a:t>
               </a:r>
             </a:p>
@@ -5885,13 +7260,21 @@
             </a:p>
             <a:p>
               <a:r>
-                <a:rPr lang="en-GB" dirty="0"/>
+                <a:rPr lang="en-GB" strike="sngStrike" dirty="0">
+                  <a:solidFill>
+                    <a:srgbClr val="FF0000"/>
+                  </a:solidFill>
+                </a:rPr>
                 <a:t>Pointer</a:t>
               </a:r>
             </a:p>
             <a:p>
               <a:r>
-                <a:rPr lang="en-GB" dirty="0"/>
+                <a:rPr lang="en-GB" strike="sngStrike" dirty="0">
+                  <a:solidFill>
+                    <a:srgbClr val="FF0000"/>
+                  </a:solidFill>
+                </a:rPr>
                 <a:t>Reference</a:t>
               </a:r>
             </a:p>
@@ -5952,42 +7335,72 @@
             </a:p>
             <a:p>
               <a:r>
-                <a:rPr lang="en-GB" dirty="0"/>
+                <a:rPr lang="en-GB" dirty="0" smtClean="0"/>
                 <a:t>Class</a:t>
               </a:r>
             </a:p>
             <a:p>
               <a:r>
-                <a:rPr lang="en-GB" dirty="0"/>
+                <a:rPr lang="en-US" dirty="0" smtClean="0"/>
+                <a:t>Object</a:t>
+              </a:r>
+              <a:endParaRPr lang="en-GB" dirty="0"/>
+            </a:p>
+            <a:p>
+              <a:r>
+                <a:rPr lang="en-GB" strike="sngStrike" dirty="0">
+                  <a:solidFill>
+                    <a:srgbClr val="FF0000"/>
+                  </a:solidFill>
+                </a:rPr>
                 <a:t>Structure</a:t>
               </a:r>
             </a:p>
             <a:p>
               <a:r>
-                <a:rPr lang="en-GB" dirty="0"/>
+                <a:rPr lang="en-GB" strike="sngStrike" dirty="0">
+                  <a:solidFill>
+                    <a:srgbClr val="FF0000"/>
+                  </a:solidFill>
+                </a:rPr>
                 <a:t>Union</a:t>
               </a:r>
             </a:p>
             <a:p>
               <a:r>
-                <a:rPr lang="en-GB" dirty="0" err="1"/>
+                <a:rPr lang="en-GB" strike="sngStrike" dirty="0" err="1">
+                  <a:solidFill>
+                    <a:srgbClr val="FF0000"/>
+                  </a:solidFill>
+                </a:rPr>
                 <a:t>Enum</a:t>
               </a:r>
-              <a:endParaRPr lang="en-GB" dirty="0"/>
+              <a:endParaRPr lang="en-GB" strike="sngStrike" dirty="0">
+                <a:solidFill>
+                  <a:srgbClr val="FF0000"/>
+                </a:solidFill>
+              </a:endParaRPr>
             </a:p>
             <a:p>
               <a:r>
-                <a:rPr lang="en-GB" dirty="0" err="1" smtClean="0"/>
+                <a:rPr lang="en-GB" strike="sngStrike" dirty="0" err="1" smtClean="0">
+                  <a:solidFill>
+                    <a:srgbClr val="FF0000"/>
+                  </a:solidFill>
+                </a:rPr>
                 <a:t>Typedef</a:t>
               </a:r>
-              <a:endParaRPr lang="en-GB" dirty="0" smtClean="0"/>
+              <a:endParaRPr lang="en-GB" strike="sngStrike" dirty="0" smtClean="0">
+                <a:solidFill>
+                  <a:srgbClr val="FF0000"/>
+                </a:solidFill>
+              </a:endParaRPr>
             </a:p>
             <a:p>
               <a:r>
-                <a:rPr lang="en-GB"/>
+                <a:rPr lang="en-GB" dirty="0"/>
                 <a:t>Function</a:t>
               </a:r>
-              <a:endParaRPr lang="en-GB" dirty="0"/>
             </a:p>
           </p:txBody>
         </p:sp>
@@ -6129,261 +7542,13 @@
   <p:clrMapOvr>
     <a:masterClrMapping/>
   </p:clrMapOvr>
-</p:sld>
-</file>
-
-<file path=ppt/slides/slide5.xml><?xml version="1.0" encoding="utf-8"?>
-<p:sld xmlns:a="http://schemas.openxmlformats.org/drawingml/2006/main" xmlns:r="http://schemas.openxmlformats.org/officeDocument/2006/relationships" xmlns:p="http://schemas.openxmlformats.org/presentationml/2006/main">
-  <p:cSld>
-    <p:spTree>
-      <p:nvGrpSpPr>
-        <p:cNvPr id="1" name=""/>
-        <p:cNvGrpSpPr/>
-        <p:nvPr/>
-      </p:nvGrpSpPr>
-      <p:grpSpPr>
-        <a:xfrm>
-          <a:off x="0" y="0"/>
-          <a:ext cx="0" cy="0"/>
-          <a:chOff x="0" y="0"/>
-          <a:chExt cx="0" cy="0"/>
-        </a:xfrm>
-      </p:grpSpPr>
-      <p:sp>
-        <p:nvSpPr>
-          <p:cNvPr id="2" name="Title 1">
-            <a:extLst>
-              <a:ext uri="{FF2B5EF4-FFF2-40B4-BE49-F238E27FC236}">
-                <a16:creationId xmlns:a16="http://schemas.microsoft.com/office/drawing/2014/main" id="{0944335C-8DE2-4926-A149-58F5D306F0D3}"/>
-              </a:ext>
-            </a:extLst>
-          </p:cNvPr>
-          <p:cNvSpPr>
-            <a:spLocks noGrp="1"/>
-          </p:cNvSpPr>
-          <p:nvPr>
-            <p:ph type="title"/>
-          </p:nvPr>
-        </p:nvSpPr>
-        <p:spPr/>
-        <p:txBody>
-          <a:bodyPr/>
-          <a:lstStyle/>
-          <a:p>
-            <a:r>
-              <a:rPr lang="en-GB" dirty="0"/>
-              <a:t>Flowcharts</a:t>
-            </a:r>
-          </a:p>
-        </p:txBody>
-      </p:sp>
-      <p:pic>
-        <p:nvPicPr>
-          <p:cNvPr id="5" name="Content Placeholder 4">
-            <a:extLst>
-              <a:ext uri="{FF2B5EF4-FFF2-40B4-BE49-F238E27FC236}">
-                <a16:creationId xmlns:a16="http://schemas.microsoft.com/office/drawing/2014/main" id="{C57304B5-FA89-4D67-B97B-6F2C61D1F3CC}"/>
-              </a:ext>
-            </a:extLst>
-          </p:cNvPr>
-          <p:cNvPicPr>
-            <a:picLocks noGrp="1" noChangeAspect="1"/>
-          </p:cNvPicPr>
-          <p:nvPr>
-            <p:ph idx="1"/>
-          </p:nvPr>
-        </p:nvPicPr>
-        <p:blipFill>
-          <a:blip r:embed="rId2" cstate="hqprint">
-            <a:extLst>
-              <a:ext uri="{28A0092B-C50C-407E-A947-70E740481C1C}">
-                <a14:useLocalDpi xmlns:a14="http://schemas.microsoft.com/office/drawing/2010/main" val="0"/>
-              </a:ext>
-              <a:ext uri="{96DAC541-7B7A-43D3-8B79-37D633B846F1}">
-                <asvg:svgBlip xmlns:asvg="http://schemas.microsoft.com/office/drawing/2016/SVG/main" xmlns="" r:embed="rId3"/>
-              </a:ext>
-            </a:extLst>
-          </a:blip>
-          <a:stretch>
-            <a:fillRect/>
-          </a:stretch>
-        </p:blipFill>
-        <p:spPr>
-          <a:xfrm>
-            <a:off x="822960" y="2199179"/>
-            <a:ext cx="3419316" cy="4022725"/>
-          </a:xfrm>
-        </p:spPr>
-      </p:pic>
-      <p:sp>
-        <p:nvSpPr>
-          <p:cNvPr id="6" name="TextBox 5">
-            <a:extLst>
-              <a:ext uri="{FF2B5EF4-FFF2-40B4-BE49-F238E27FC236}">
-                <a16:creationId xmlns:a16="http://schemas.microsoft.com/office/drawing/2014/main" id="{FCBD4C7D-40E4-4403-AF7F-929E5E144B68}"/>
-              </a:ext>
-            </a:extLst>
-          </p:cNvPr>
-          <p:cNvSpPr txBox="1"/>
-          <p:nvPr/>
-        </p:nvSpPr>
-        <p:spPr>
-          <a:xfrm>
-            <a:off x="1052946" y="1921687"/>
-            <a:ext cx="2004290" cy="369332"/>
-          </a:xfrm>
-          <a:prstGeom prst="rect">
-            <a:avLst/>
-          </a:prstGeom>
-          <a:noFill/>
-        </p:spPr>
-        <p:txBody>
-          <a:bodyPr wrap="square" rtlCol="0">
-            <a:spAutoFit/>
-          </a:bodyPr>
-          <a:lstStyle/>
-          <a:p>
-            <a:r>
-              <a:rPr lang="en-GB" dirty="0"/>
-              <a:t>Flowchart example</a:t>
-            </a:r>
-          </a:p>
-        </p:txBody>
-      </p:sp>
-      <p:sp>
-        <p:nvSpPr>
-          <p:cNvPr id="7" name="TextBox 6">
-            <a:extLst>
-              <a:ext uri="{FF2B5EF4-FFF2-40B4-BE49-F238E27FC236}">
-                <a16:creationId xmlns:a16="http://schemas.microsoft.com/office/drawing/2014/main" id="{A186598B-6D95-4E28-8459-424ACB02D53E}"/>
-              </a:ext>
-            </a:extLst>
-          </p:cNvPr>
-          <p:cNvSpPr txBox="1"/>
-          <p:nvPr/>
-        </p:nvSpPr>
-        <p:spPr>
-          <a:xfrm>
-            <a:off x="4901726" y="2106353"/>
-            <a:ext cx="3634509" cy="3908762"/>
-          </a:xfrm>
-          <a:prstGeom prst="rect">
-            <a:avLst/>
-          </a:prstGeom>
-          <a:noFill/>
-          <a:ln>
-            <a:solidFill>
-              <a:schemeClr val="tx1"/>
-            </a:solidFill>
-          </a:ln>
-        </p:spPr>
-        <p:txBody>
-          <a:bodyPr wrap="square" rtlCol="0">
-            <a:spAutoFit/>
-          </a:bodyPr>
-          <a:lstStyle/>
-          <a:p>
-            <a:r>
-              <a:rPr lang="en-GB" u="sng" dirty="0"/>
-              <a:t>Task:</a:t>
-            </a:r>
-          </a:p>
-          <a:p>
-            <a:endParaRPr lang="en-GB" u="sng" dirty="0"/>
-          </a:p>
-          <a:p>
-            <a:pPr marL="285750" indent="-285750">
-              <a:buFont typeface="Arial" panose="020B0604020202020204" pitchFamily="34" charset="0"/>
-              <a:buChar char="•"/>
-            </a:pPr>
-            <a:r>
-              <a:rPr lang="en-GB" sz="1600" dirty="0"/>
-              <a:t>Go to </a:t>
-            </a:r>
-            <a:r>
-              <a:rPr lang="en-GB" sz="1600" dirty="0">
-                <a:hlinkClick r:id="rId4"/>
-              </a:rPr>
-              <a:t>www.draw.io</a:t>
-            </a:r>
-            <a:endParaRPr lang="en-GB" sz="1600" dirty="0"/>
-          </a:p>
-          <a:p>
-            <a:pPr marL="285750" indent="-285750">
-              <a:buFont typeface="Arial" panose="020B0604020202020204" pitchFamily="34" charset="0"/>
-              <a:buChar char="•"/>
-            </a:pPr>
-            <a:r>
-              <a:rPr lang="en-GB" sz="1600" dirty="0"/>
-              <a:t>Click ‘Save diagrams to Device’ </a:t>
-            </a:r>
-          </a:p>
-          <a:p>
-            <a:pPr marL="285750" indent="-285750">
-              <a:buFont typeface="Arial" panose="020B0604020202020204" pitchFamily="34" charset="0"/>
-              <a:buChar char="•"/>
-            </a:pPr>
-            <a:r>
-              <a:rPr lang="en-GB" sz="1600" dirty="0"/>
-              <a:t>Create New diagram</a:t>
-            </a:r>
-          </a:p>
-          <a:p>
-            <a:pPr marL="285750" indent="-285750">
-              <a:buFont typeface="Arial" panose="020B0604020202020204" pitchFamily="34" charset="0"/>
-              <a:buChar char="•"/>
-            </a:pPr>
-            <a:r>
-              <a:rPr lang="en-GB" sz="1600" dirty="0"/>
-              <a:t>Select ‘Flowchart’</a:t>
-            </a:r>
-          </a:p>
-          <a:p>
-            <a:pPr marL="285750" indent="-285750">
-              <a:buFont typeface="Arial" panose="020B0604020202020204" pitchFamily="34" charset="0"/>
-              <a:buChar char="•"/>
-            </a:pPr>
-            <a:r>
-              <a:rPr lang="en-GB" sz="1600" dirty="0"/>
-              <a:t>Delete the displayed flowchart</a:t>
-            </a:r>
-          </a:p>
-          <a:p>
-            <a:pPr marL="285750" indent="-285750">
-              <a:buFont typeface="Arial" panose="020B0604020202020204" pitchFamily="34" charset="0"/>
-              <a:buChar char="•"/>
-            </a:pPr>
-            <a:r>
-              <a:rPr lang="en-GB" sz="1600" dirty="0"/>
-              <a:t>Create a flowchart that asks user for login details, checks if the details are correct, grants access for correct details, denies access for incorrect details and blocks user after 3 unsuccessful attempts.</a:t>
-            </a:r>
-          </a:p>
-          <a:p>
-            <a:pPr marL="285750" indent="-285750">
-              <a:buFont typeface="Arial" panose="020B0604020202020204" pitchFamily="34" charset="0"/>
-              <a:buChar char="•"/>
-            </a:pPr>
-            <a:endParaRPr lang="en-GB" dirty="0"/>
-          </a:p>
-          <a:p>
-            <a:pPr marL="285750" indent="-285750">
-              <a:buFont typeface="Arial" panose="020B0604020202020204" pitchFamily="34" charset="0"/>
-              <a:buChar char="•"/>
-            </a:pPr>
-            <a:endParaRPr lang="en-GB" dirty="0"/>
-          </a:p>
-        </p:txBody>
-      </p:sp>
-    </p:spTree>
-    <p:extLst>
-      <p:ext uri="{BB962C8B-B14F-4D97-AF65-F5344CB8AC3E}">
-        <p14:creationId xmlns:p14="http://schemas.microsoft.com/office/powerpoint/2010/main" val="2460551237"/>
-      </p:ext>
-    </p:extLst>
-  </p:cSld>
-  <p:clrMapOvr>
-    <a:masterClrMapping/>
-  </p:clrMapOvr>
+  <p:timing>
+    <p:tnLst>
+      <p:par>
+        <p:cTn id="1" dur="indefinite" restart="never" nodeType="tmRoot"/>
+      </p:par>
+    </p:tnLst>
+  </p:timing>
 </p:sld>
 </file>
 
@@ -6409,7 +7574,7 @@
           <p:cNvPr id="2" name="Title 1">
             <a:extLst>
               <a:ext uri="{FF2B5EF4-FFF2-40B4-BE49-F238E27FC236}">
-                <a16:creationId xmlns:a16="http://schemas.microsoft.com/office/drawing/2014/main" id="{7304BBA7-9D5E-4B9A-95AF-2E54F4B41C0E}"/>
+                <a16:creationId xmlns:a16="http://schemas.microsoft.com/office/drawing/2014/main" id="{27E44846-EE23-4B7D-B117-6BD3695FB65C}"/>
               </a:ext>
             </a:extLst>
           </p:cNvPr>
@@ -6426,15 +7591,16 @@
           <a:lstStyle/>
           <a:p>
             <a:r>
-              <a:rPr lang="en-GB" dirty="0"/>
-              <a:t>Object-Orientation.</a:t>
-            </a:r>
-          </a:p>
-        </p:txBody>
-      </p:sp>
-      <p:sp>
-        <p:nvSpPr>
-          <p:cNvPr id="3" name="Content Placeholder 2">
+              <a:rPr lang="en-GB" dirty="0" smtClean="0"/>
+              <a:t>Java primitive data types</a:t>
+            </a:r>
+            <a:endParaRPr lang="en-GB" dirty="0"/>
+          </a:p>
+        </p:txBody>
+      </p:sp>
+      <p:sp>
+        <p:nvSpPr>
+          <p:cNvPr id="12" name="Content Placeholder 2">
             <a:extLst>
               <a:ext uri="{FF2B5EF4-FFF2-40B4-BE49-F238E27FC236}">
                 <a16:creationId xmlns:a16="http://schemas.microsoft.com/office/drawing/2014/main" id="{3AB586B9-467B-4F63-B336-2E9D19321584}"/>
@@ -6451,7 +7617,7 @@
         <p:spPr>
           <a:xfrm>
             <a:off x="822960" y="1845734"/>
-            <a:ext cx="4423296" cy="4023360"/>
+            <a:ext cx="7254240" cy="4023360"/>
           </a:xfrm>
         </p:spPr>
         <p:txBody>
@@ -6464,7 +7630,11 @@
             </a:pPr>
             <a:r>
               <a:rPr lang="en-GB" dirty="0"/>
-              <a:t> Object-orientation is a software design concept which is used to build systems from a collection of reusable components called objects.</a:t>
+              <a:t> </a:t>
+            </a:r>
+            <a:r>
+              <a:rPr lang="en-GB" dirty="0" smtClean="0"/>
+              <a:t>byte - </a:t>
             </a:r>
           </a:p>
           <a:p>
@@ -6473,8 +7643,8 @@
               <a:buChar char="v"/>
             </a:pPr>
             <a:r>
-              <a:rPr lang="en-GB" dirty="0"/>
-              <a:t> Objects contain data in the form of fields and functionality in the form of procedures. These are grouped together to represent an entity.</a:t>
+              <a:rPr lang="en-US" dirty="0" smtClean="0"/>
+              <a:t> short - </a:t>
             </a:r>
           </a:p>
           <a:p>
@@ -6483,61 +7653,108 @@
               <a:buChar char="v"/>
             </a:pPr>
             <a:r>
-              <a:rPr lang="en-GB" dirty="0"/>
-              <a:t>Object-oriented design involves defining the objects and their interactions to solve a problem.</a:t>
-            </a:r>
-          </a:p>
-          <a:p>
+              <a:rPr lang="en-US" dirty="0" smtClean="0"/>
+              <a:t> </a:t>
+            </a:r>
+            <a:r>
+              <a:rPr lang="en-US" dirty="0" err="1" smtClean="0"/>
+              <a:t>int</a:t>
+            </a:r>
+            <a:r>
+              <a:rPr lang="en-US" dirty="0" smtClean="0"/>
+              <a:t> - </a:t>
+            </a:r>
+          </a:p>
+          <a:p>
+            <a:pPr>
+              <a:buFont typeface="Wingdings" panose="05000000000000000000" pitchFamily="2" charset="2"/>
+              <a:buChar char="v"/>
+            </a:pPr>
+            <a:r>
+              <a:rPr lang="en-US" dirty="0"/>
+              <a:t> </a:t>
+            </a:r>
+            <a:r>
+              <a:rPr lang="en-US" dirty="0" smtClean="0"/>
+              <a:t>long - </a:t>
+            </a:r>
+            <a:endParaRPr lang="en-US" dirty="0" smtClean="0"/>
+          </a:p>
+          <a:p>
+            <a:pPr>
+              <a:buFont typeface="Wingdings" panose="05000000000000000000" pitchFamily="2" charset="2"/>
+              <a:buChar char="v"/>
+            </a:pPr>
+            <a:r>
+              <a:rPr lang="en-US" dirty="0" smtClean="0"/>
+              <a:t> float - </a:t>
+            </a:r>
+          </a:p>
+          <a:p>
+            <a:pPr>
+              <a:buFont typeface="Wingdings" panose="05000000000000000000" pitchFamily="2" charset="2"/>
+              <a:buChar char="v"/>
+            </a:pPr>
+            <a:r>
+              <a:rPr lang="en-US" dirty="0"/>
+              <a:t> </a:t>
+            </a:r>
+            <a:r>
+              <a:rPr lang="en-US" dirty="0" smtClean="0"/>
+              <a:t>double - </a:t>
+            </a:r>
+          </a:p>
+          <a:p>
+            <a:pPr>
+              <a:buFont typeface="Wingdings" panose="05000000000000000000" pitchFamily="2" charset="2"/>
+              <a:buChar char="v"/>
+            </a:pPr>
+            <a:r>
+              <a:rPr lang="en-US" dirty="0"/>
+              <a:t> </a:t>
+            </a:r>
+            <a:r>
+              <a:rPr lang="en-US" dirty="0" smtClean="0"/>
+              <a:t>char - </a:t>
+            </a:r>
+          </a:p>
+          <a:p>
+            <a:pPr>
+              <a:buFont typeface="Wingdings" panose="05000000000000000000" pitchFamily="2" charset="2"/>
+              <a:buChar char="v"/>
+            </a:pPr>
+            <a:r>
+              <a:rPr lang="en-US" dirty="0"/>
+              <a:t> </a:t>
+            </a:r>
+            <a:r>
+              <a:rPr lang="en-US" dirty="0" smtClean="0"/>
+              <a:t>bool - </a:t>
+            </a:r>
             <a:endParaRPr lang="en-GB" dirty="0"/>
           </a:p>
-        </p:txBody>
-      </p:sp>
-      <p:pic>
-        <p:nvPicPr>
-          <p:cNvPr id="5" name="Picture 4">
-            <a:extLst>
-              <a:ext uri="{FF2B5EF4-FFF2-40B4-BE49-F238E27FC236}">
-                <a16:creationId xmlns:a16="http://schemas.microsoft.com/office/drawing/2014/main" id="{D645E9A0-8E32-4C1B-A14D-87821C97FB30}"/>
-              </a:ext>
-            </a:extLst>
-          </p:cNvPr>
-          <p:cNvPicPr>
-            <a:picLocks noChangeAspect="1"/>
-          </p:cNvPicPr>
-          <p:nvPr/>
-        </p:nvPicPr>
-        <p:blipFill>
-          <a:blip r:embed="rId2">
-            <a:extLst>
-              <a:ext uri="{28A0092B-C50C-407E-A947-70E740481C1C}">
-                <a14:useLocalDpi xmlns:a14="http://schemas.microsoft.com/office/drawing/2010/main" val="0"/>
-              </a:ext>
-            </a:extLst>
-          </a:blip>
-          <a:stretch>
-            <a:fillRect/>
-          </a:stretch>
-        </p:blipFill>
-        <p:spPr>
-          <a:xfrm>
-            <a:off x="5465618" y="2134183"/>
-            <a:ext cx="3446462" cy="3446462"/>
-          </a:xfrm>
-          <a:prstGeom prst="rect">
-            <a:avLst/>
-          </a:prstGeom>
-        </p:spPr>
-      </p:pic>
+          <a:p>
+            <a:endParaRPr lang="en-GB" dirty="0"/>
+          </a:p>
+        </p:txBody>
+      </p:sp>
     </p:spTree>
     <p:extLst>
       <p:ext uri="{BB962C8B-B14F-4D97-AF65-F5344CB8AC3E}">
-        <p14:creationId xmlns:p14="http://schemas.microsoft.com/office/powerpoint/2010/main" val="3407798903"/>
+        <p14:creationId xmlns:p14="http://schemas.microsoft.com/office/powerpoint/2010/main" val="3936938403"/>
       </p:ext>
     </p:extLst>
   </p:cSld>
   <p:clrMapOvr>
     <a:masterClrMapping/>
   </p:clrMapOvr>
+  <p:timing>
+    <p:tnLst>
+      <p:par>
+        <p:cTn id="1" dur="indefinite" restart="never" nodeType="tmRoot"/>
+      </p:par>
+    </p:tnLst>
+  </p:timing>
 </p:sld>
 </file>
 
@@ -6560,38 +7777,10 @@
       </p:grpSpPr>
       <p:sp>
         <p:nvSpPr>
-          <p:cNvPr id="2" name="Title 1">
-            <a:extLst>
-              <a:ext uri="{FF2B5EF4-FFF2-40B4-BE49-F238E27FC236}">
-                <a16:creationId xmlns:a16="http://schemas.microsoft.com/office/drawing/2014/main" id="{D0F371AF-0F3D-4C75-BDB9-A4F068365D54}"/>
-              </a:ext>
-            </a:extLst>
-          </p:cNvPr>
-          <p:cNvSpPr>
-            <a:spLocks noGrp="1"/>
-          </p:cNvSpPr>
-          <p:nvPr>
-            <p:ph type="title"/>
-          </p:nvPr>
-        </p:nvSpPr>
-        <p:spPr/>
-        <p:txBody>
-          <a:bodyPr/>
-          <a:lstStyle/>
-          <a:p>
-            <a:r>
-              <a:rPr lang="en-GB" dirty="0"/>
-              <a:t>Features of Object-oriented Designs.</a:t>
-            </a:r>
-          </a:p>
-        </p:txBody>
-      </p:sp>
-      <p:sp>
-        <p:nvSpPr>
           <p:cNvPr id="3" name="Content Placeholder 2">
             <a:extLst>
               <a:ext uri="{FF2B5EF4-FFF2-40B4-BE49-F238E27FC236}">
-                <a16:creationId xmlns:a16="http://schemas.microsoft.com/office/drawing/2014/main" id="{3C8BCD7E-B0F0-4A9E-A998-990193C58C1F}"/>
+                <a16:creationId xmlns:a16="http://schemas.microsoft.com/office/drawing/2014/main" id="{6C7F13ED-B066-4225-805E-0889FD78E024}"/>
               </a:ext>
             </a:extLst>
           </p:cNvPr>
@@ -6604,96 +7793,48 @@
         </p:nvSpPr>
         <p:spPr/>
         <p:txBody>
-          <a:bodyPr/>
+          <a:bodyPr>
+            <a:normAutofit/>
+          </a:bodyPr>
           <a:lstStyle/>
           <a:p>
-            <a:pPr>
-              <a:buFont typeface="Wingdings" panose="05000000000000000000" pitchFamily="2" charset="2"/>
-              <a:buChar char="v"/>
+            <a:pPr algn="ctr"/>
+            <a:endParaRPr lang="en-GB" sz="4800" dirty="0"/>
+          </a:p>
+          <a:p>
+            <a:pPr marL="0" indent="0" algn="ctr">
+              <a:buNone/>
             </a:pPr>
-            <a:endParaRPr lang="en-GB" b="1" dirty="0"/>
-          </a:p>
-          <a:p>
-            <a:pPr>
-              <a:buFont typeface="Wingdings" panose="05000000000000000000" pitchFamily="2" charset="2"/>
-              <a:buChar char="v"/>
+            <a:endParaRPr lang="en-GB" sz="4800" dirty="0"/>
+          </a:p>
+          <a:p>
+            <a:pPr marL="0" indent="0" algn="ctr">
+              <a:buNone/>
             </a:pPr>
             <a:r>
-              <a:rPr lang="en-GB" b="1" dirty="0"/>
-              <a:t>Abstraction</a:t>
-            </a:r>
-            <a:r>
-              <a:rPr lang="en-GB" dirty="0"/>
-              <a:t> – The identification/description of the essential characteristics of an item.</a:t>
-            </a:r>
-          </a:p>
-          <a:p>
-            <a:pPr>
-              <a:buFont typeface="Wingdings" panose="05000000000000000000" pitchFamily="2" charset="2"/>
-              <a:buChar char="v"/>
-            </a:pPr>
-            <a:r>
-              <a:rPr lang="en-GB" b="1" dirty="0"/>
-              <a:t>Encapsulation </a:t>
-            </a:r>
-            <a:r>
-              <a:rPr lang="en-GB" dirty="0"/>
-              <a:t>– The grouping of related concepts into one item, such as a class or component</a:t>
-            </a:r>
-          </a:p>
-          <a:p>
-            <a:pPr>
-              <a:buFont typeface="Wingdings" panose="05000000000000000000" pitchFamily="2" charset="2"/>
-              <a:buChar char="v"/>
-            </a:pPr>
-            <a:r>
-              <a:rPr lang="en-GB" b="1" dirty="0"/>
-              <a:t>Inheritance</a:t>
-            </a:r>
-            <a:r>
-              <a:rPr lang="en-GB" dirty="0"/>
-              <a:t> – Inheritance enables new classes to receive the properties  and methods of an existing class.</a:t>
-            </a:r>
-          </a:p>
-          <a:p>
-            <a:pPr>
-              <a:buFont typeface="Wingdings" panose="05000000000000000000" pitchFamily="2" charset="2"/>
-              <a:buChar char="v"/>
-            </a:pPr>
-            <a:r>
-              <a:rPr lang="en-GB" b="1" dirty="0"/>
-              <a:t>Polymorphism</a:t>
-            </a:r>
-            <a:r>
-              <a:rPr lang="en-GB" dirty="0"/>
-              <a:t> – The ability of different object to respond to the same message in different ways.</a:t>
-            </a:r>
-          </a:p>
-          <a:p>
-            <a:pPr marL="0" indent="0">
-              <a:buNone/>
-            </a:pPr>
-            <a:endParaRPr lang="en-GB" dirty="0"/>
-          </a:p>
-          <a:p>
-            <a:pPr>
-              <a:buFont typeface="Wingdings" panose="05000000000000000000" pitchFamily="2" charset="2"/>
-              <a:buChar char="v"/>
-            </a:pPr>
-            <a:endParaRPr lang="en-GB" dirty="0"/>
+              <a:rPr lang="en-GB" sz="4800" dirty="0"/>
+              <a:t>Any Questions?</a:t>
+            </a:r>
           </a:p>
         </p:txBody>
       </p:sp>
     </p:spTree>
     <p:extLst>
       <p:ext uri="{BB962C8B-B14F-4D97-AF65-F5344CB8AC3E}">
-        <p14:creationId xmlns:p14="http://schemas.microsoft.com/office/powerpoint/2010/main" val="2681919587"/>
+        <p14:creationId xmlns:p14="http://schemas.microsoft.com/office/powerpoint/2010/main" val="1021398088"/>
       </p:ext>
     </p:extLst>
   </p:cSld>
   <p:clrMapOvr>
     <a:masterClrMapping/>
   </p:clrMapOvr>
+  <p:timing>
+    <p:tnLst>
+      <p:par>
+        <p:cTn id="1" dur="indefinite" restart="never" nodeType="tmRoot"/>
+      </p:par>
+    </p:tnLst>
+  </p:timing>
 </p:sld>
 </file>
 
@@ -6719,7 +7860,7 @@
           <p:cNvPr id="2" name="Title 1">
             <a:extLst>
               <a:ext uri="{FF2B5EF4-FFF2-40B4-BE49-F238E27FC236}">
-                <a16:creationId xmlns:a16="http://schemas.microsoft.com/office/drawing/2014/main" id="{1624039E-A568-49E5-A9D9-054972372D7B}"/>
+                <a16:creationId xmlns:a16="http://schemas.microsoft.com/office/drawing/2014/main" id="{93A9E1EF-E3F0-4AA8-9EAF-C9FB1371ECAB}"/>
               </a:ext>
             </a:extLst>
           </p:cNvPr>
@@ -6736,9 +7877,10 @@
           <a:lstStyle/>
           <a:p>
             <a:r>
-              <a:rPr lang="en-GB" dirty="0"/>
-              <a:t>Terms Used in Object-oriented Design.</a:t>
-            </a:r>
+              <a:rPr lang="en-GB" dirty="0" smtClean="0"/>
+              <a:t>Java vs C++</a:t>
+            </a:r>
+            <a:endParaRPr lang="en-GB" dirty="0"/>
           </a:p>
         </p:txBody>
       </p:sp>
@@ -6747,7 +7889,7 @@
           <p:cNvPr id="3" name="Content Placeholder 2">
             <a:extLst>
               <a:ext uri="{FF2B5EF4-FFF2-40B4-BE49-F238E27FC236}">
-                <a16:creationId xmlns:a16="http://schemas.microsoft.com/office/drawing/2014/main" id="{2F94C1BE-791F-41D9-89DD-955BE565CD1B}"/>
+                <a16:creationId xmlns:a16="http://schemas.microsoft.com/office/drawing/2014/main" id="{AC09147C-8B4C-48B6-810A-685E35B43689}"/>
               </a:ext>
             </a:extLst>
           </p:cNvPr>
@@ -6760,260 +7902,508 @@
         </p:nvSpPr>
         <p:spPr>
           <a:xfrm>
-            <a:off x="822959" y="1845733"/>
-            <a:ext cx="8053186" cy="2596957"/>
+            <a:off x="4795521" y="1874982"/>
+            <a:ext cx="4302760" cy="3994112"/>
           </a:xfrm>
         </p:spPr>
         <p:txBody>
           <a:bodyPr>
-            <a:normAutofit fontScale="92500" lnSpcReduction="20000"/>
+            <a:normAutofit fontScale="77500" lnSpcReduction="20000"/>
           </a:bodyPr>
           <a:lstStyle/>
           <a:p>
-            <a:pPr marL="0" lvl="0" indent="0">
-              <a:buClr>
-                <a:srgbClr val="E48312"/>
-              </a:buClr>
-              <a:buNone/>
-            </a:pPr>
-            <a:r>
-              <a:rPr lang="en-GB" b="1" dirty="0">
-                <a:solidFill>
-                  <a:srgbClr val="000000">
-                    <a:lumMod val="75000"/>
-                    <a:lumOff val="25000"/>
-                  </a:srgbClr>
-                </a:solidFill>
-              </a:rPr>
-              <a:t> Object</a:t>
-            </a:r>
-            <a:r>
-              <a:rPr lang="en-GB" dirty="0">
-                <a:solidFill>
-                  <a:srgbClr val="000000">
-                    <a:lumMod val="75000"/>
-                    <a:lumOff val="25000"/>
-                  </a:srgbClr>
-                </a:solidFill>
-              </a:rPr>
-              <a:t> – A person, place, thing, event, concept, screen or report.</a:t>
-            </a:r>
-          </a:p>
-          <a:p>
-            <a:pPr>
-              <a:buClr>
-                <a:srgbClr val="E48312"/>
-              </a:buClr>
-              <a:buFont typeface="Wingdings" panose="05000000000000000000" pitchFamily="2" charset="2"/>
-              <a:buChar char="v"/>
-            </a:pPr>
-            <a:r>
-              <a:rPr lang="en-GB" b="1" dirty="0"/>
-              <a:t> Class</a:t>
-            </a:r>
             <a:r>
               <a:rPr lang="en-GB" dirty="0"/>
-              <a:t> – A template from which objects are created, it is a software </a:t>
-            </a:r>
-            <a:r>
-              <a:rPr lang="en-GB" b="1" i="1" dirty="0"/>
-              <a:t>abstraction</a:t>
+              <a:t>#include &lt;</a:t>
+            </a:r>
+            <a:r>
+              <a:rPr lang="en-GB" dirty="0" err="1"/>
+              <a:t>iostream</a:t>
             </a:r>
             <a:r>
               <a:rPr lang="en-GB" dirty="0"/>
-              <a:t> of a group of </a:t>
-            </a:r>
-            <a:r>
-              <a:rPr lang="en-GB" i="1" dirty="0"/>
-              <a:t>objects</a:t>
-            </a:r>
+              <a:t>&gt;</a:t>
+            </a:r>
+          </a:p>
+          <a:p>
             <a:r>
               <a:rPr lang="en-GB" dirty="0"/>
-              <a:t> with common properties (</a:t>
-            </a:r>
-            <a:r>
-              <a:rPr lang="en-GB" b="1" i="1" dirty="0"/>
-              <a:t>Attributes</a:t>
+              <a:t>using namespace </a:t>
+            </a:r>
+            <a:r>
+              <a:rPr lang="en-GB" dirty="0" err="1"/>
+              <a:t>std</a:t>
             </a:r>
             <a:r>
               <a:rPr lang="en-GB" dirty="0"/>
-              <a:t>), behaviour (</a:t>
-            </a:r>
-            <a:r>
-              <a:rPr lang="en-GB" b="1" i="1" dirty="0"/>
-              <a:t>operations</a:t>
-            </a:r>
+              <a:t>;</a:t>
+            </a:r>
+          </a:p>
+          <a:p>
             <a:r>
               <a:rPr lang="en-GB" dirty="0"/>
-              <a:t>).</a:t>
-            </a:r>
-          </a:p>
-          <a:p>
-            <a:pPr lvl="0">
-              <a:buClr>
-                <a:srgbClr val="E48312"/>
-              </a:buClr>
-              <a:buFont typeface="Wingdings" panose="05000000000000000000" pitchFamily="2" charset="2"/>
-              <a:buChar char="v"/>
-            </a:pPr>
-            <a:r>
-              <a:rPr lang="en-GB" b="1" dirty="0">
-                <a:solidFill>
-                  <a:srgbClr val="000000">
-                    <a:lumMod val="75000"/>
-                    <a:lumOff val="25000"/>
-                  </a:srgbClr>
-                </a:solidFill>
-              </a:rPr>
-              <a:t>Subclass</a:t>
-            </a:r>
-            <a:r>
-              <a:rPr lang="en-GB" dirty="0">
-                <a:solidFill>
-                  <a:srgbClr val="000000">
-                    <a:lumMod val="75000"/>
-                    <a:lumOff val="25000"/>
-                  </a:srgbClr>
-                </a:solidFill>
-              </a:rPr>
-              <a:t> – If class “B” inherits from class “A”, class “B” is a subclass of “A” and “A” is a </a:t>
-            </a:r>
-            <a:r>
-              <a:rPr lang="en-GB" b="1" i="1" dirty="0">
-                <a:solidFill>
-                  <a:srgbClr val="000000">
-                    <a:lumMod val="75000"/>
-                    <a:lumOff val="25000"/>
-                  </a:srgbClr>
-                </a:solidFill>
-              </a:rPr>
-              <a:t>superclass</a:t>
-            </a:r>
-            <a:r>
-              <a:rPr lang="en-GB" dirty="0">
-                <a:solidFill>
-                  <a:srgbClr val="000000">
-                    <a:lumMod val="75000"/>
-                    <a:lumOff val="25000"/>
-                  </a:srgbClr>
-                </a:solidFill>
-              </a:rPr>
-              <a:t> of “B”.</a:t>
-            </a:r>
-          </a:p>
-          <a:p>
-            <a:pPr lvl="0">
-              <a:buClr>
-                <a:srgbClr val="E48312"/>
-              </a:buClr>
-              <a:buFont typeface="Wingdings" panose="05000000000000000000" pitchFamily="2" charset="2"/>
-              <a:buChar char="v"/>
-            </a:pPr>
-            <a:r>
-              <a:rPr lang="en-GB" b="1" dirty="0">
-                <a:solidFill>
-                  <a:srgbClr val="000000">
-                    <a:lumMod val="75000"/>
-                    <a:lumOff val="25000"/>
-                  </a:srgbClr>
-                </a:solidFill>
-              </a:rPr>
-              <a:t>Abstract class </a:t>
-            </a:r>
-            <a:r>
-              <a:rPr lang="en-GB" dirty="0">
-                <a:solidFill>
-                  <a:srgbClr val="000000">
-                    <a:lumMod val="75000"/>
-                    <a:lumOff val="25000"/>
-                  </a:srgbClr>
-                </a:solidFill>
-              </a:rPr>
-              <a:t>– A class that does not have objects created from it.</a:t>
-            </a:r>
-          </a:p>
-          <a:p>
-            <a:pPr lvl="0">
-              <a:buClr>
-                <a:srgbClr val="E48312"/>
-              </a:buClr>
-              <a:buFont typeface="Wingdings" panose="05000000000000000000" pitchFamily="2" charset="2"/>
-              <a:buChar char="v"/>
-            </a:pPr>
-            <a:r>
-              <a:rPr lang="en-GB" b="1" dirty="0">
-                <a:solidFill>
-                  <a:srgbClr val="000000">
-                    <a:lumMod val="75000"/>
-                    <a:lumOff val="25000"/>
-                  </a:srgbClr>
-                </a:solidFill>
-              </a:rPr>
-              <a:t>Association</a:t>
-            </a:r>
-            <a:r>
-              <a:rPr lang="en-GB" dirty="0">
-                <a:solidFill>
-                  <a:srgbClr val="000000">
-                    <a:lumMod val="75000"/>
-                    <a:lumOff val="25000"/>
-                  </a:srgbClr>
-                </a:solidFill>
-              </a:rPr>
-              <a:t> – Relationship between objects.</a:t>
-            </a:r>
-          </a:p>
-          <a:p>
-            <a:endParaRPr lang="en-GB" dirty="0"/>
-          </a:p>
-        </p:txBody>
-      </p:sp>
-      <p:pic>
-        <p:nvPicPr>
-          <p:cNvPr id="5" name="Picture 4">
+              <a:t/>
+            </a:r>
+            <a:br>
+              <a:rPr lang="en-GB" dirty="0"/>
+            </a:br>
+            <a:r>
+              <a:rPr lang="en-GB" dirty="0" err="1"/>
+              <a:t>int</a:t>
+            </a:r>
+            <a:r>
+              <a:rPr lang="en-GB" dirty="0"/>
+              <a:t> main()</a:t>
+            </a:r>
+          </a:p>
+          <a:p>
+            <a:r>
+              <a:rPr lang="en-GB" dirty="0"/>
+              <a:t>{</a:t>
+            </a:r>
+          </a:p>
+          <a:p>
+            <a:r>
+              <a:rPr lang="en-GB" dirty="0"/>
+              <a:t>float x = 5; //</a:t>
+            </a:r>
+            <a:r>
+              <a:rPr lang="en-GB" dirty="0" err="1"/>
+              <a:t>int</a:t>
+            </a:r>
+            <a:r>
+              <a:rPr lang="en-GB" dirty="0"/>
+              <a:t> = integer type (whole numbers)</a:t>
+            </a:r>
+          </a:p>
+          <a:p>
+            <a:r>
+              <a:rPr lang="en-GB" dirty="0"/>
+              <a:t>float y = 7;// = is assignment</a:t>
+            </a:r>
+          </a:p>
+          <a:p>
+            <a:r>
+              <a:rPr lang="en-GB" dirty="0" err="1"/>
+              <a:t>cout</a:t>
+            </a:r>
+            <a:r>
+              <a:rPr lang="en-GB" dirty="0"/>
+              <a:t> &lt;&lt; "\n";</a:t>
+            </a:r>
+          </a:p>
+          <a:p>
+            <a:r>
+              <a:rPr lang="en-GB" dirty="0" err="1"/>
+              <a:t>cout</a:t>
+            </a:r>
+            <a:r>
+              <a:rPr lang="en-GB" dirty="0"/>
+              <a:t> &lt;&lt; x + y &lt;&lt; " " &lt;&lt; x / y;</a:t>
+            </a:r>
+          </a:p>
+          <a:p>
+            <a:r>
+              <a:rPr lang="en-GB" dirty="0" err="1"/>
+              <a:t>cout</a:t>
+            </a:r>
+            <a:r>
+              <a:rPr lang="en-GB" dirty="0"/>
+              <a:t> &lt;&lt; "\n";</a:t>
+            </a:r>
+          </a:p>
+          <a:p>
+            <a:r>
+              <a:rPr lang="en-GB" dirty="0"/>
+              <a:t>return 0;</a:t>
+            </a:r>
+          </a:p>
+          <a:p>
+            <a:r>
+              <a:rPr lang="en-GB" dirty="0"/>
+              <a:t>}</a:t>
+            </a:r>
+          </a:p>
+        </p:txBody>
+      </p:sp>
+      <p:sp>
+        <p:nvSpPr>
+          <p:cNvPr id="6" name="Content Placeholder 2">
             <a:extLst>
               <a:ext uri="{FF2B5EF4-FFF2-40B4-BE49-F238E27FC236}">
-                <a16:creationId xmlns:a16="http://schemas.microsoft.com/office/drawing/2014/main" id="{7D15E461-50E1-4CFB-BD49-33439C33F075}"/>
+                <a16:creationId xmlns:a16="http://schemas.microsoft.com/office/drawing/2014/main" id="{AC09147C-8B4C-48B6-810A-685E35B43689}"/>
               </a:ext>
             </a:extLst>
           </p:cNvPr>
-          <p:cNvPicPr>
-            <a:picLocks noChangeAspect="1"/>
-          </p:cNvPicPr>
+          <p:cNvSpPr txBox="1">
+            <a:spLocks/>
+          </p:cNvSpPr>
           <p:nvPr/>
-        </p:nvPicPr>
-        <p:blipFill>
-          <a:blip r:embed="rId2">
-            <a:extLst>
-              <a:ext uri="{28A0092B-C50C-407E-A947-70E740481C1C}">
-                <a14:useLocalDpi xmlns:a14="http://schemas.microsoft.com/office/drawing/2010/main" val="0"/>
-              </a:ext>
-            </a:extLst>
-          </a:blip>
-          <a:stretch>
-            <a:fillRect/>
-          </a:stretch>
-        </p:blipFill>
+        </p:nvSpPr>
         <p:spPr>
           <a:xfrm>
-            <a:off x="822959" y="4442690"/>
-            <a:ext cx="7749310" cy="1814946"/>
+            <a:off x="292100" y="1874982"/>
+            <a:ext cx="4302760" cy="3994112"/>
           </a:xfrm>
           <a:prstGeom prst="rect">
             <a:avLst/>
           </a:prstGeom>
         </p:spPr>
-      </p:pic>
+        <p:txBody>
+          <a:bodyPr vert="horz" lIns="0" tIns="45720" rIns="0" bIns="45720" rtlCol="0">
+            <a:normAutofit fontScale="85000" lnSpcReduction="10000"/>
+          </a:bodyPr>
+          <a:lstStyle>
+            <a:lvl1pPr marL="91440" indent="-91440" algn="l" defTabSz="914400" rtl="0" eaLnBrk="1" latinLnBrk="0" hangingPunct="1">
+              <a:lnSpc>
+                <a:spcPct val="90000"/>
+              </a:lnSpc>
+              <a:spcBef>
+                <a:spcPts val="1200"/>
+              </a:spcBef>
+              <a:spcAft>
+                <a:spcPts val="200"/>
+              </a:spcAft>
+              <a:buClr>
+                <a:schemeClr val="accent1"/>
+              </a:buClr>
+              <a:buSzPct val="100000"/>
+              <a:buFont typeface="Calibri" panose="020F0502020204030204" pitchFamily="34" charset="0"/>
+              <a:buChar char=" "/>
+              <a:defRPr sz="2000" kern="1200">
+                <a:solidFill>
+                  <a:schemeClr val="tx1">
+                    <a:lumMod val="75000"/>
+                    <a:lumOff val="25000"/>
+                  </a:schemeClr>
+                </a:solidFill>
+                <a:latin typeface="+mn-lt"/>
+                <a:ea typeface="+mn-ea"/>
+                <a:cs typeface="+mn-cs"/>
+              </a:defRPr>
+            </a:lvl1pPr>
+            <a:lvl2pPr marL="384048" indent="-182880" algn="l" defTabSz="914400" rtl="0" eaLnBrk="1" latinLnBrk="0" hangingPunct="1">
+              <a:lnSpc>
+                <a:spcPct val="90000"/>
+              </a:lnSpc>
+              <a:spcBef>
+                <a:spcPts val="200"/>
+              </a:spcBef>
+              <a:spcAft>
+                <a:spcPts val="400"/>
+              </a:spcAft>
+              <a:buClr>
+                <a:schemeClr val="accent1"/>
+              </a:buClr>
+              <a:buFont typeface="Calibri" pitchFamily="34" charset="0"/>
+              <a:buChar char="◦"/>
+              <a:defRPr sz="1800" kern="1200">
+                <a:solidFill>
+                  <a:schemeClr val="tx1">
+                    <a:lumMod val="75000"/>
+                    <a:lumOff val="25000"/>
+                  </a:schemeClr>
+                </a:solidFill>
+                <a:latin typeface="+mn-lt"/>
+                <a:ea typeface="+mn-ea"/>
+                <a:cs typeface="+mn-cs"/>
+              </a:defRPr>
+            </a:lvl2pPr>
+            <a:lvl3pPr marL="566928" indent="-182880" algn="l" defTabSz="914400" rtl="0" eaLnBrk="1" latinLnBrk="0" hangingPunct="1">
+              <a:lnSpc>
+                <a:spcPct val="90000"/>
+              </a:lnSpc>
+              <a:spcBef>
+                <a:spcPts val="200"/>
+              </a:spcBef>
+              <a:spcAft>
+                <a:spcPts val="400"/>
+              </a:spcAft>
+              <a:buClr>
+                <a:schemeClr val="accent1"/>
+              </a:buClr>
+              <a:buFont typeface="Calibri" pitchFamily="34" charset="0"/>
+              <a:buChar char="◦"/>
+              <a:defRPr sz="1400" kern="1200">
+                <a:solidFill>
+                  <a:schemeClr val="tx1">
+                    <a:lumMod val="75000"/>
+                    <a:lumOff val="25000"/>
+                  </a:schemeClr>
+                </a:solidFill>
+                <a:latin typeface="+mn-lt"/>
+                <a:ea typeface="+mn-ea"/>
+                <a:cs typeface="+mn-cs"/>
+              </a:defRPr>
+            </a:lvl3pPr>
+            <a:lvl4pPr marL="749808" indent="-182880" algn="l" defTabSz="914400" rtl="0" eaLnBrk="1" latinLnBrk="0" hangingPunct="1">
+              <a:lnSpc>
+                <a:spcPct val="90000"/>
+              </a:lnSpc>
+              <a:spcBef>
+                <a:spcPts val="200"/>
+              </a:spcBef>
+              <a:spcAft>
+                <a:spcPts val="400"/>
+              </a:spcAft>
+              <a:buClr>
+                <a:schemeClr val="accent1"/>
+              </a:buClr>
+              <a:buFont typeface="Calibri" pitchFamily="34" charset="0"/>
+              <a:buChar char="◦"/>
+              <a:defRPr sz="1400" kern="1200">
+                <a:solidFill>
+                  <a:schemeClr val="tx1">
+                    <a:lumMod val="75000"/>
+                    <a:lumOff val="25000"/>
+                  </a:schemeClr>
+                </a:solidFill>
+                <a:latin typeface="+mn-lt"/>
+                <a:ea typeface="+mn-ea"/>
+                <a:cs typeface="+mn-cs"/>
+              </a:defRPr>
+            </a:lvl4pPr>
+            <a:lvl5pPr marL="932688" indent="-182880" algn="l" defTabSz="914400" rtl="0" eaLnBrk="1" latinLnBrk="0" hangingPunct="1">
+              <a:lnSpc>
+                <a:spcPct val="90000"/>
+              </a:lnSpc>
+              <a:spcBef>
+                <a:spcPts val="200"/>
+              </a:spcBef>
+              <a:spcAft>
+                <a:spcPts val="400"/>
+              </a:spcAft>
+              <a:buClr>
+                <a:schemeClr val="accent1"/>
+              </a:buClr>
+              <a:buFont typeface="Calibri" pitchFamily="34" charset="0"/>
+              <a:buChar char="◦"/>
+              <a:defRPr sz="1400" kern="1200">
+                <a:solidFill>
+                  <a:schemeClr val="tx1">
+                    <a:lumMod val="75000"/>
+                    <a:lumOff val="25000"/>
+                  </a:schemeClr>
+                </a:solidFill>
+                <a:latin typeface="+mn-lt"/>
+                <a:ea typeface="+mn-ea"/>
+                <a:cs typeface="+mn-cs"/>
+              </a:defRPr>
+            </a:lvl5pPr>
+            <a:lvl6pPr marL="1100000" indent="-228600" algn="l" defTabSz="914400" rtl="0" eaLnBrk="1" latinLnBrk="0" hangingPunct="1">
+              <a:lnSpc>
+                <a:spcPct val="90000"/>
+              </a:lnSpc>
+              <a:spcBef>
+                <a:spcPts val="200"/>
+              </a:spcBef>
+              <a:spcAft>
+                <a:spcPts val="400"/>
+              </a:spcAft>
+              <a:buClr>
+                <a:schemeClr val="accent1"/>
+              </a:buClr>
+              <a:buFont typeface="Calibri" pitchFamily="34" charset="0"/>
+              <a:buChar char="◦"/>
+              <a:defRPr sz="1400" kern="1200">
+                <a:solidFill>
+                  <a:schemeClr val="tx1">
+                    <a:lumMod val="75000"/>
+                    <a:lumOff val="25000"/>
+                  </a:schemeClr>
+                </a:solidFill>
+                <a:latin typeface="+mn-lt"/>
+                <a:ea typeface="+mn-ea"/>
+                <a:cs typeface="+mn-cs"/>
+              </a:defRPr>
+            </a:lvl6pPr>
+            <a:lvl7pPr marL="1300000" indent="-228600" algn="l" defTabSz="914400" rtl="0" eaLnBrk="1" latinLnBrk="0" hangingPunct="1">
+              <a:lnSpc>
+                <a:spcPct val="90000"/>
+              </a:lnSpc>
+              <a:spcBef>
+                <a:spcPts val="200"/>
+              </a:spcBef>
+              <a:spcAft>
+                <a:spcPts val="400"/>
+              </a:spcAft>
+              <a:buClr>
+                <a:schemeClr val="accent1"/>
+              </a:buClr>
+              <a:buFont typeface="Calibri" pitchFamily="34" charset="0"/>
+              <a:buChar char="◦"/>
+              <a:defRPr sz="1400" kern="1200">
+                <a:solidFill>
+                  <a:schemeClr val="tx1">
+                    <a:lumMod val="75000"/>
+                    <a:lumOff val="25000"/>
+                  </a:schemeClr>
+                </a:solidFill>
+                <a:latin typeface="+mn-lt"/>
+                <a:ea typeface="+mn-ea"/>
+                <a:cs typeface="+mn-cs"/>
+              </a:defRPr>
+            </a:lvl7pPr>
+            <a:lvl8pPr marL="1500000" indent="-228600" algn="l" defTabSz="914400" rtl="0" eaLnBrk="1" latinLnBrk="0" hangingPunct="1">
+              <a:lnSpc>
+                <a:spcPct val="90000"/>
+              </a:lnSpc>
+              <a:spcBef>
+                <a:spcPts val="200"/>
+              </a:spcBef>
+              <a:spcAft>
+                <a:spcPts val="400"/>
+              </a:spcAft>
+              <a:buClr>
+                <a:schemeClr val="accent1"/>
+              </a:buClr>
+              <a:buFont typeface="Calibri" pitchFamily="34" charset="0"/>
+              <a:buChar char="◦"/>
+              <a:defRPr sz="1400" kern="1200">
+                <a:solidFill>
+                  <a:schemeClr val="tx1">
+                    <a:lumMod val="75000"/>
+                    <a:lumOff val="25000"/>
+                  </a:schemeClr>
+                </a:solidFill>
+                <a:latin typeface="+mn-lt"/>
+                <a:ea typeface="+mn-ea"/>
+                <a:cs typeface="+mn-cs"/>
+              </a:defRPr>
+            </a:lvl8pPr>
+            <a:lvl9pPr marL="1700000" indent="-228600" algn="l" defTabSz="914400" rtl="0" eaLnBrk="1" latinLnBrk="0" hangingPunct="1">
+              <a:lnSpc>
+                <a:spcPct val="90000"/>
+              </a:lnSpc>
+              <a:spcBef>
+                <a:spcPts val="200"/>
+              </a:spcBef>
+              <a:spcAft>
+                <a:spcPts val="400"/>
+              </a:spcAft>
+              <a:buClr>
+                <a:schemeClr val="accent1"/>
+              </a:buClr>
+              <a:buFont typeface="Calibri" pitchFamily="34" charset="0"/>
+              <a:buChar char="◦"/>
+              <a:defRPr sz="1400" kern="1200">
+                <a:solidFill>
+                  <a:schemeClr val="tx1">
+                    <a:lumMod val="75000"/>
+                    <a:lumOff val="25000"/>
+                  </a:schemeClr>
+                </a:solidFill>
+                <a:latin typeface="+mn-lt"/>
+                <a:ea typeface="+mn-ea"/>
+                <a:cs typeface="+mn-cs"/>
+              </a:defRPr>
+            </a:lvl9pPr>
+          </a:lstStyle>
+          <a:p>
+            <a:r>
+              <a:rPr lang="en-GB" dirty="0"/>
+              <a:t>package </a:t>
+            </a:r>
+            <a:r>
+              <a:rPr lang="en-GB" dirty="0" err="1"/>
+              <a:t>com.studygroup</a:t>
+            </a:r>
+            <a:r>
+              <a:rPr lang="en-GB" dirty="0"/>
+              <a:t>;</a:t>
+            </a:r>
+          </a:p>
+          <a:p>
+            <a:endParaRPr lang="en-GB" dirty="0"/>
+          </a:p>
+          <a:p>
+            <a:r>
+              <a:rPr lang="en-GB" dirty="0"/>
+              <a:t>public class Main {</a:t>
+            </a:r>
+          </a:p>
+          <a:p>
+            <a:endParaRPr lang="en-GB" dirty="0"/>
+          </a:p>
+          <a:p>
+            <a:r>
+              <a:rPr lang="en-GB" dirty="0"/>
+              <a:t>    public static void main(String[] </a:t>
+            </a:r>
+            <a:r>
+              <a:rPr lang="en-GB" dirty="0" err="1"/>
+              <a:t>args</a:t>
+            </a:r>
+            <a:r>
+              <a:rPr lang="en-GB" dirty="0"/>
+              <a:t>) {</a:t>
+            </a:r>
+          </a:p>
+          <a:p>
+            <a:r>
+              <a:rPr lang="en-GB" dirty="0"/>
+              <a:t>        float x = 5; //</a:t>
+            </a:r>
+            <a:r>
+              <a:rPr lang="en-GB" dirty="0" err="1"/>
+              <a:t>int</a:t>
+            </a:r>
+            <a:r>
+              <a:rPr lang="en-GB" dirty="0"/>
+              <a:t> = integer type (whole numbers)</a:t>
+            </a:r>
+          </a:p>
+          <a:p>
+            <a:r>
+              <a:rPr lang="en-GB" dirty="0"/>
+              <a:t>        float y = 7;// = is assignment</a:t>
+            </a:r>
+          </a:p>
+          <a:p>
+            <a:r>
+              <a:rPr lang="en-GB" dirty="0"/>
+              <a:t>        </a:t>
+            </a:r>
+            <a:r>
+              <a:rPr lang="en-GB" dirty="0" err="1"/>
+              <a:t>System.out.println</a:t>
+            </a:r>
+            <a:r>
+              <a:rPr lang="en-GB" dirty="0"/>
+              <a:t>((x + y) + " " + (x / y));</a:t>
+            </a:r>
+          </a:p>
+          <a:p>
+            <a:r>
+              <a:rPr lang="en-GB" dirty="0"/>
+              <a:t>    }</a:t>
+            </a:r>
+          </a:p>
+          <a:p>
+            <a:r>
+              <a:rPr lang="en-GB" dirty="0"/>
+              <a:t>}</a:t>
+            </a:r>
+          </a:p>
+        </p:txBody>
+      </p:sp>
     </p:spTree>
     <p:extLst>
       <p:ext uri="{BB962C8B-B14F-4D97-AF65-F5344CB8AC3E}">
-        <p14:creationId xmlns:p14="http://schemas.microsoft.com/office/powerpoint/2010/main" val="968198619"/>
+        <p14:creationId xmlns:p14="http://schemas.microsoft.com/office/powerpoint/2010/main" val="2228244434"/>
       </p:ext>
     </p:extLst>
   </p:cSld>
   <p:clrMapOvr>
     <a:masterClrMapping/>
   </p:clrMapOvr>
+  <p:timing>
+    <p:tnLst>
+      <p:par>
+        <p:cTn id="1" dur="indefinite" restart="never" nodeType="tmRoot"/>
+      </p:par>
+    </p:tnLst>
+  </p:timing>
 </p:sld>
 </file>
 
@@ -7039,7 +8429,7 @@
           <p:cNvPr id="2" name="Title 1">
             <a:extLst>
               <a:ext uri="{FF2B5EF4-FFF2-40B4-BE49-F238E27FC236}">
-                <a16:creationId xmlns:a16="http://schemas.microsoft.com/office/drawing/2014/main" id="{E442D7E5-9A39-481B-84EA-78130CEE5C35}"/>
+                <a16:creationId xmlns:a16="http://schemas.microsoft.com/office/drawing/2014/main" id="{93A9E1EF-E3F0-4AA8-9EAF-C9FB1371ECAB}"/>
               </a:ext>
             </a:extLst>
           </p:cNvPr>
@@ -7056,109 +8446,512 @@
           <a:lstStyle/>
           <a:p>
             <a:r>
-              <a:rPr lang="en-GB" dirty="0"/>
-              <a:t>Unified Modeling Language (UML).</a:t>
-            </a:r>
-          </a:p>
-        </p:txBody>
-      </p:sp>
-      <p:sp>
-        <p:nvSpPr>
-          <p:cNvPr id="3" name="Content Placeholder 2">
-            <a:extLst>
-              <a:ext uri="{FF2B5EF4-FFF2-40B4-BE49-F238E27FC236}">
-                <a16:creationId xmlns:a16="http://schemas.microsoft.com/office/drawing/2014/main" id="{036D72EA-F7A6-41E8-B004-26630DFF0829}"/>
-              </a:ext>
-            </a:extLst>
-          </p:cNvPr>
-          <p:cNvSpPr>
-            <a:spLocks noGrp="1"/>
-          </p:cNvSpPr>
+              <a:rPr lang="en-GB" dirty="0" smtClean="0"/>
+              <a:t>Java vs C++</a:t>
+            </a:r>
+            <a:endParaRPr lang="en-GB" dirty="0"/>
+          </a:p>
+        </p:txBody>
+      </p:sp>
+      <p:graphicFrame>
+        <p:nvGraphicFramePr>
+          <p:cNvPr id="5" name="Content Placeholder 4"/>
+          <p:cNvGraphicFramePr>
+            <a:graphicFrameLocks noGrp="1"/>
+          </p:cNvGraphicFramePr>
           <p:nvPr>
             <p:ph idx="1"/>
+            <p:extLst>
+              <p:ext uri="{D42A27DB-BD31-4B8C-83A1-F6EECF244321}">
+                <p14:modId xmlns:p14="http://schemas.microsoft.com/office/powerpoint/2010/main" val="340456125"/>
+              </p:ext>
+            </p:extLst>
           </p:nvPr>
-        </p:nvSpPr>
-        <p:spPr>
-          <a:xfrm>
-            <a:off x="822959" y="1845734"/>
-            <a:ext cx="7543801" cy="1193030"/>
-          </a:xfrm>
-        </p:spPr>
-        <p:txBody>
-          <a:bodyPr/>
-          <a:lstStyle/>
-          <a:p>
-            <a:pPr>
-              <a:buFont typeface="Wingdings" panose="05000000000000000000" pitchFamily="2" charset="2"/>
-              <a:buChar char="v"/>
-            </a:pPr>
-            <a:r>
-              <a:rPr lang="en-GB" dirty="0"/>
-              <a:t> Go to </a:t>
-            </a:r>
-            <a:r>
-              <a:rPr lang="en-GB" dirty="0">
-                <a:hlinkClick r:id="rId2"/>
-              </a:rPr>
-              <a:t>www.draw.io</a:t>
-            </a:r>
-            <a:r>
-              <a:rPr lang="en-GB" dirty="0"/>
-              <a:t> &gt;&gt; choose “save diagrams to device” &gt;&gt; click “create new diagram” &gt;&gt; select “Class Diagram”.</a:t>
-            </a:r>
-          </a:p>
-          <a:p>
-            <a:pPr>
-              <a:buFont typeface="Wingdings" panose="05000000000000000000" pitchFamily="2" charset="2"/>
-              <a:buChar char="v"/>
-            </a:pPr>
-            <a:r>
-              <a:rPr lang="en-GB" dirty="0"/>
-              <a:t> The following example should be shown on your screen:</a:t>
-            </a:r>
-          </a:p>
-        </p:txBody>
-      </p:sp>
-      <p:pic>
-        <p:nvPicPr>
-          <p:cNvPr id="4" name="Picture 3">
-            <a:extLst>
-              <a:ext uri="{FF2B5EF4-FFF2-40B4-BE49-F238E27FC236}">
-                <a16:creationId xmlns:a16="http://schemas.microsoft.com/office/drawing/2014/main" id="{2712BFF2-30B4-4CBB-8012-C4D8CD84091E}"/>
-              </a:ext>
-            </a:extLst>
-          </p:cNvPr>
-          <p:cNvPicPr>
-            <a:picLocks noChangeAspect="1"/>
-          </p:cNvPicPr>
-          <p:nvPr/>
-        </p:nvPicPr>
-        <p:blipFill>
-          <a:blip r:embed="rId3"/>
-          <a:stretch>
-            <a:fillRect/>
-          </a:stretch>
-        </p:blipFill>
-        <p:spPr>
-          <a:xfrm>
-            <a:off x="1764146" y="2933167"/>
-            <a:ext cx="4812145" cy="3375237"/>
-          </a:xfrm>
-          <a:prstGeom prst="rect">
-            <a:avLst/>
-          </a:prstGeom>
-        </p:spPr>
-      </p:pic>
+        </p:nvGraphicFramePr>
+        <p:xfrm>
+          <a:off x="822325" y="1846263"/>
+          <a:ext cx="7543800" cy="4079240"/>
+        </p:xfrm>
+        <a:graphic>
+          <a:graphicData uri="http://schemas.openxmlformats.org/drawingml/2006/table">
+            <a:tbl>
+              <a:tblPr firstRow="1" bandRow="1">
+                <a:tableStyleId>{5C22544A-7EE6-4342-B048-85BDC9FD1C3A}</a:tableStyleId>
+              </a:tblPr>
+              <a:tblGrid>
+                <a:gridCol w="3771900">
+                  <a:extLst>
+                    <a:ext uri="{9D8B030D-6E8A-4147-A177-3AD203B41FA5}">
+                      <a16:colId xmlns:a16="http://schemas.microsoft.com/office/drawing/2014/main" val="556362946"/>
+                    </a:ext>
+                  </a:extLst>
+                </a:gridCol>
+                <a:gridCol w="3771900">
+                  <a:extLst>
+                    <a:ext uri="{9D8B030D-6E8A-4147-A177-3AD203B41FA5}">
+                      <a16:colId xmlns:a16="http://schemas.microsoft.com/office/drawing/2014/main" val="2629390443"/>
+                    </a:ext>
+                  </a:extLst>
+                </a:gridCol>
+              </a:tblGrid>
+              <a:tr h="370840">
+                <a:tc>
+                  <a:txBody>
+                    <a:bodyPr/>
+                    <a:lstStyle/>
+                    <a:p>
+                      <a:r>
+                        <a:rPr lang="en-US" dirty="0" smtClean="0"/>
+                        <a:t>SIMILARITIES</a:t>
+                      </a:r>
+                      <a:endParaRPr lang="en-GB" dirty="0"/>
+                    </a:p>
+                  </a:txBody>
+                  <a:tcPr/>
+                </a:tc>
+                <a:tc>
+                  <a:txBody>
+                    <a:bodyPr/>
+                    <a:lstStyle/>
+                    <a:p>
+                      <a:r>
+                        <a:rPr lang="en-US" dirty="0" smtClean="0"/>
+                        <a:t>DIFFERENCES</a:t>
+                      </a:r>
+                      <a:endParaRPr lang="en-GB" dirty="0"/>
+                    </a:p>
+                  </a:txBody>
+                  <a:tcPr/>
+                </a:tc>
+                <a:extLst>
+                  <a:ext uri="{0D108BD9-81ED-4DB2-BD59-A6C34878D82A}">
+                    <a16:rowId xmlns:a16="http://schemas.microsoft.com/office/drawing/2014/main" val="1177462439"/>
+                  </a:ext>
+                </a:extLst>
+              </a:tr>
+              <a:tr h="370840">
+                <a:tc>
+                  <a:txBody>
+                    <a:bodyPr/>
+                    <a:lstStyle/>
+                    <a:p>
+                      <a:r>
+                        <a:rPr lang="en-US" dirty="0" smtClean="0"/>
+                        <a:t>1.</a:t>
+                      </a:r>
+                      <a:r>
+                        <a:rPr lang="en-US" baseline="0" dirty="0" smtClean="0"/>
+                        <a:t> Use of curly braces</a:t>
+                      </a:r>
+                      <a:endParaRPr lang="en-GB" dirty="0"/>
+                    </a:p>
+                  </a:txBody>
+                  <a:tcPr/>
+                </a:tc>
+                <a:tc>
+                  <a:txBody>
+                    <a:bodyPr/>
+                    <a:lstStyle/>
+                    <a:p>
+                      <a:r>
+                        <a:rPr lang="en-US" dirty="0" smtClean="0"/>
+                        <a:t>1.</a:t>
+                      </a:r>
+                      <a:r>
+                        <a:rPr lang="en-US" baseline="0" dirty="0" smtClean="0"/>
+                        <a:t> Code organization</a:t>
+                      </a:r>
+                      <a:endParaRPr lang="en-GB" dirty="0"/>
+                    </a:p>
+                  </a:txBody>
+                  <a:tcPr/>
+                </a:tc>
+                <a:extLst>
+                  <a:ext uri="{0D108BD9-81ED-4DB2-BD59-A6C34878D82A}">
+                    <a16:rowId xmlns:a16="http://schemas.microsoft.com/office/drawing/2014/main" val="414427134"/>
+                  </a:ext>
+                </a:extLst>
+              </a:tr>
+              <a:tr h="370840">
+                <a:tc>
+                  <a:txBody>
+                    <a:bodyPr/>
+                    <a:lstStyle/>
+                    <a:p>
+                      <a:r>
+                        <a:rPr lang="en-US" dirty="0" smtClean="0"/>
+                        <a:t>2. Basic syntax</a:t>
+                      </a:r>
+                      <a:endParaRPr lang="en-GB" dirty="0"/>
+                    </a:p>
+                  </a:txBody>
+                  <a:tcPr/>
+                </a:tc>
+                <a:tc>
+                  <a:txBody>
+                    <a:bodyPr/>
+                    <a:lstStyle/>
+                    <a:p>
+                      <a:r>
+                        <a:rPr lang="en-US" dirty="0" smtClean="0"/>
+                        <a:t>1a. Package vs namespace </a:t>
+                      </a:r>
+                      <a:endParaRPr lang="en-GB" dirty="0"/>
+                    </a:p>
+                  </a:txBody>
+                  <a:tcPr/>
+                </a:tc>
+                <a:extLst>
+                  <a:ext uri="{0D108BD9-81ED-4DB2-BD59-A6C34878D82A}">
+                    <a16:rowId xmlns:a16="http://schemas.microsoft.com/office/drawing/2014/main" val="3998987106"/>
+                  </a:ext>
+                </a:extLst>
+              </a:tr>
+              <a:tr h="370840">
+                <a:tc>
+                  <a:txBody>
+                    <a:bodyPr/>
+                    <a:lstStyle/>
+                    <a:p>
+                      <a:r>
+                        <a:rPr lang="en-US" dirty="0" smtClean="0"/>
+                        <a:t>2a. Command/sequential</a:t>
+                      </a:r>
+                      <a:r>
+                        <a:rPr lang="en-US" baseline="0" dirty="0" smtClean="0"/>
+                        <a:t> syntax</a:t>
+                      </a:r>
+                      <a:endParaRPr lang="en-GB" dirty="0"/>
+                    </a:p>
+                  </a:txBody>
+                  <a:tcPr/>
+                </a:tc>
+                <a:tc>
+                  <a:txBody>
+                    <a:bodyPr/>
+                    <a:lstStyle/>
+                    <a:p>
+                      <a:r>
+                        <a:rPr lang="en-US" dirty="0" smtClean="0"/>
+                        <a:t>2. Entry</a:t>
+                      </a:r>
+                      <a:r>
+                        <a:rPr lang="en-US" baseline="0" dirty="0" smtClean="0"/>
+                        <a:t> Class/method</a:t>
+                      </a:r>
+                      <a:r>
+                        <a:rPr lang="en-US" dirty="0" smtClean="0"/>
+                        <a:t> </a:t>
+                      </a:r>
+                      <a:endParaRPr lang="en-GB" dirty="0"/>
+                    </a:p>
+                  </a:txBody>
+                  <a:tcPr/>
+                </a:tc>
+                <a:extLst>
+                  <a:ext uri="{0D108BD9-81ED-4DB2-BD59-A6C34878D82A}">
+                    <a16:rowId xmlns:a16="http://schemas.microsoft.com/office/drawing/2014/main" val="3918201764"/>
+                  </a:ext>
+                </a:extLst>
+              </a:tr>
+              <a:tr h="370840">
+                <a:tc>
+                  <a:txBody>
+                    <a:bodyPr/>
+                    <a:lstStyle/>
+                    <a:p>
+                      <a:r>
+                        <a:rPr lang="en-US" dirty="0" smtClean="0"/>
+                        <a:t>2b. Control structures</a:t>
+                      </a:r>
+                      <a:endParaRPr lang="en-GB" dirty="0"/>
+                    </a:p>
+                  </a:txBody>
+                  <a:tcPr/>
+                </a:tc>
+                <a:tc>
+                  <a:txBody>
+                    <a:bodyPr/>
+                    <a:lstStyle/>
+                    <a:p>
+                      <a:r>
+                        <a:rPr lang="en-US" dirty="0" smtClean="0"/>
+                        <a:t>3. Explicit Type modifiers</a:t>
+                      </a:r>
+                      <a:endParaRPr lang="en-GB" dirty="0"/>
+                    </a:p>
+                  </a:txBody>
+                  <a:tcPr/>
+                </a:tc>
+                <a:extLst>
+                  <a:ext uri="{0D108BD9-81ED-4DB2-BD59-A6C34878D82A}">
+                    <a16:rowId xmlns:a16="http://schemas.microsoft.com/office/drawing/2014/main" val="2475174377"/>
+                  </a:ext>
+                </a:extLst>
+              </a:tr>
+              <a:tr h="370840">
+                <a:tc>
+                  <a:txBody>
+                    <a:bodyPr/>
+                    <a:lstStyle/>
+                    <a:p>
+                      <a:r>
+                        <a:rPr lang="en-US" dirty="0" smtClean="0"/>
+                        <a:t>3.</a:t>
+                      </a:r>
+                      <a:r>
+                        <a:rPr lang="en-US" baseline="0" dirty="0" smtClean="0"/>
+                        <a:t> Case sensitivity</a:t>
+                      </a:r>
+                      <a:endParaRPr lang="en-GB" dirty="0"/>
+                    </a:p>
+                  </a:txBody>
+                  <a:tcPr/>
+                </a:tc>
+                <a:tc>
+                  <a:txBody>
+                    <a:bodyPr/>
+                    <a:lstStyle/>
+                    <a:p>
+                      <a:r>
+                        <a:rPr lang="en-US" dirty="0" smtClean="0"/>
+                        <a:t>4. Console input and output</a:t>
+                      </a:r>
+                      <a:endParaRPr lang="en-GB" dirty="0"/>
+                    </a:p>
+                  </a:txBody>
+                  <a:tcPr/>
+                </a:tc>
+                <a:extLst>
+                  <a:ext uri="{0D108BD9-81ED-4DB2-BD59-A6C34878D82A}">
+                    <a16:rowId xmlns:a16="http://schemas.microsoft.com/office/drawing/2014/main" val="671449615"/>
+                  </a:ext>
+                </a:extLst>
+              </a:tr>
+              <a:tr h="370840">
+                <a:tc>
+                  <a:txBody>
+                    <a:bodyPr/>
+                    <a:lstStyle/>
+                    <a:p>
+                      <a:r>
+                        <a:rPr lang="en-US" dirty="0" smtClean="0"/>
+                        <a:t>4. Some keywords</a:t>
+                      </a:r>
+                      <a:endParaRPr lang="en-GB" dirty="0"/>
+                    </a:p>
+                  </a:txBody>
+                  <a:tcPr/>
+                </a:tc>
+                <a:tc>
+                  <a:txBody>
+                    <a:bodyPr/>
+                    <a:lstStyle/>
+                    <a:p>
+                      <a:r>
+                        <a:rPr lang="en-US" dirty="0" smtClean="0"/>
+                        <a:t>5. Some keywords</a:t>
+                      </a:r>
+                      <a:endParaRPr lang="en-GB" dirty="0"/>
+                    </a:p>
+                  </a:txBody>
+                  <a:tcPr/>
+                </a:tc>
+                <a:extLst>
+                  <a:ext uri="{0D108BD9-81ED-4DB2-BD59-A6C34878D82A}">
+                    <a16:rowId xmlns:a16="http://schemas.microsoft.com/office/drawing/2014/main" val="4093546756"/>
+                  </a:ext>
+                </a:extLst>
+              </a:tr>
+              <a:tr h="370840">
+                <a:tc>
+                  <a:txBody>
+                    <a:bodyPr/>
+                    <a:lstStyle/>
+                    <a:p>
+                      <a:r>
+                        <a:rPr lang="en-US" dirty="0" smtClean="0"/>
+                        <a:t>5. Method syntax</a:t>
+                      </a:r>
+                      <a:endParaRPr lang="en-GB" dirty="0"/>
+                    </a:p>
+                  </a:txBody>
+                  <a:tcPr/>
+                </a:tc>
+                <a:tc>
+                  <a:txBody>
+                    <a:bodyPr/>
+                    <a:lstStyle/>
+                    <a:p>
+                      <a:r>
+                        <a:rPr lang="en-US" dirty="0" smtClean="0"/>
+                        <a:t>6.</a:t>
+                      </a:r>
+                      <a:r>
+                        <a:rPr lang="en-US" baseline="0" dirty="0" smtClean="0"/>
+                        <a:t> Classes and filenames</a:t>
+                      </a:r>
+                      <a:endParaRPr lang="en-GB" dirty="0"/>
+                    </a:p>
+                  </a:txBody>
+                  <a:tcPr/>
+                </a:tc>
+                <a:extLst>
+                  <a:ext uri="{0D108BD9-81ED-4DB2-BD59-A6C34878D82A}">
+                    <a16:rowId xmlns:a16="http://schemas.microsoft.com/office/drawing/2014/main" val="2947887523"/>
+                  </a:ext>
+                </a:extLst>
+              </a:tr>
+              <a:tr h="370840">
+                <a:tc>
+                  <a:txBody>
+                    <a:bodyPr/>
+                    <a:lstStyle/>
+                    <a:p>
+                      <a:r>
+                        <a:rPr lang="en-US" dirty="0" smtClean="0"/>
+                        <a:t>6.</a:t>
+                      </a:r>
+                      <a:r>
+                        <a:rPr lang="en-US" baseline="0" dirty="0" smtClean="0"/>
+                        <a:t> Operators</a:t>
+                      </a:r>
+                      <a:endParaRPr lang="en-GB" dirty="0"/>
+                    </a:p>
+                  </a:txBody>
+                  <a:tcPr/>
+                </a:tc>
+                <a:tc>
+                  <a:txBody>
+                    <a:bodyPr/>
+                    <a:lstStyle/>
+                    <a:p>
+                      <a:r>
+                        <a:rPr lang="en-US" dirty="0" smtClean="0"/>
+                        <a:t>7. Include</a:t>
+                      </a:r>
+                      <a:r>
+                        <a:rPr lang="en-US" baseline="0" dirty="0" smtClean="0"/>
+                        <a:t> vs import</a:t>
+                      </a:r>
+                      <a:endParaRPr lang="en-GB" dirty="0"/>
+                    </a:p>
+                  </a:txBody>
+                  <a:tcPr/>
+                </a:tc>
+                <a:extLst>
+                  <a:ext uri="{0D108BD9-81ED-4DB2-BD59-A6C34878D82A}">
+                    <a16:rowId xmlns:a16="http://schemas.microsoft.com/office/drawing/2014/main" val="1457853378"/>
+                  </a:ext>
+                </a:extLst>
+              </a:tr>
+              <a:tr h="370840">
+                <a:tc>
+                  <a:txBody>
+                    <a:bodyPr/>
+                    <a:lstStyle/>
+                    <a:p>
+                      <a:r>
+                        <a:rPr lang="en-US" dirty="0" smtClean="0"/>
+                        <a:t>7.  Literal values e.g. string</a:t>
+                      </a:r>
+                      <a:r>
+                        <a:rPr lang="en-US" baseline="0" dirty="0" smtClean="0"/>
+                        <a:t> quotes</a:t>
+                      </a:r>
+                      <a:r>
+                        <a:rPr lang="en-US" dirty="0" smtClean="0"/>
+                        <a:t> </a:t>
+                      </a:r>
+                      <a:endParaRPr lang="en-GB" dirty="0"/>
+                    </a:p>
+                  </a:txBody>
+                  <a:tcPr/>
+                </a:tc>
+                <a:tc>
+                  <a:txBody>
+                    <a:bodyPr/>
+                    <a:lstStyle/>
+                    <a:p>
+                      <a:r>
+                        <a:rPr lang="en-US" dirty="0" smtClean="0"/>
+                        <a:t>8.</a:t>
+                      </a:r>
+                      <a:r>
+                        <a:rPr lang="en-US" baseline="0" dirty="0" smtClean="0"/>
+                        <a:t> Method headers</a:t>
+                      </a:r>
+                      <a:endParaRPr lang="en-GB" dirty="0"/>
+                    </a:p>
+                  </a:txBody>
+                  <a:tcPr/>
+                </a:tc>
+                <a:extLst>
+                  <a:ext uri="{0D108BD9-81ED-4DB2-BD59-A6C34878D82A}">
+                    <a16:rowId xmlns:a16="http://schemas.microsoft.com/office/drawing/2014/main" val="562125501"/>
+                  </a:ext>
+                </a:extLst>
+              </a:tr>
+              <a:tr h="370840">
+                <a:tc>
+                  <a:txBody>
+                    <a:bodyPr/>
+                    <a:lstStyle/>
+                    <a:p>
+                      <a:r>
+                        <a:rPr lang="en-US" dirty="0" smtClean="0"/>
+                        <a:t>8. Member</a:t>
+                      </a:r>
+                      <a:r>
+                        <a:rPr lang="en-US" baseline="0" dirty="0" smtClean="0"/>
+                        <a:t> of operator (.)</a:t>
+                      </a:r>
+                      <a:endParaRPr lang="en-GB" dirty="0"/>
+                    </a:p>
+                  </a:txBody>
+                  <a:tcPr/>
+                </a:tc>
+                <a:tc>
+                  <a:txBody>
+                    <a:bodyPr/>
+                    <a:lstStyle/>
+                    <a:p>
+                      <a:r>
+                        <a:rPr lang="en-US" dirty="0" smtClean="0"/>
+                        <a:t>9. Console Input/output</a:t>
+                      </a:r>
+                      <a:endParaRPr lang="en-GB" dirty="0"/>
+                    </a:p>
+                  </a:txBody>
+                  <a:tcPr/>
+                </a:tc>
+                <a:extLst>
+                  <a:ext uri="{0D108BD9-81ED-4DB2-BD59-A6C34878D82A}">
+                    <a16:rowId xmlns:a16="http://schemas.microsoft.com/office/drawing/2014/main" val="1253966224"/>
+                  </a:ext>
+                </a:extLst>
+              </a:tr>
+            </a:tbl>
+          </a:graphicData>
+        </a:graphic>
+      </p:graphicFrame>
     </p:spTree>
     <p:extLst>
       <p:ext uri="{BB962C8B-B14F-4D97-AF65-F5344CB8AC3E}">
-        <p14:creationId xmlns:p14="http://schemas.microsoft.com/office/powerpoint/2010/main" val="3286001143"/>
+        <p14:creationId xmlns:p14="http://schemas.microsoft.com/office/powerpoint/2010/main" val="3955334565"/>
       </p:ext>
     </p:extLst>
   </p:cSld>
   <p:clrMapOvr>
     <a:masterClrMapping/>
   </p:clrMapOvr>
+  <p:timing>
+    <p:tnLst>
+      <p:par>
+        <p:cTn id="1" dur="indefinite" restart="never" nodeType="tmRoot"/>
+      </p:par>
+    </p:tnLst>
+  </p:timing>
 </p:sld>
 </file>
 
@@ -7446,21 +9239,6 @@
 </file>
 
 <file path=customXml/item1.xml><?xml version="1.0" encoding="utf-8"?>
-<p:properties xmlns:p="http://schemas.microsoft.com/office/2006/metadata/properties" xmlns:xsi="http://www.w3.org/2001/XMLSchema-instance" xmlns:pc="http://schemas.microsoft.com/office/infopath/2007/PartnerControls">
-  <documentManagement/>
-</p:properties>
-</file>
-
-<file path=customXml/item2.xml><?xml version="1.0" encoding="utf-8"?>
-<?mso-contentType ?>
-<FormTemplates xmlns="http://schemas.microsoft.com/sharepoint/v3/contenttype/forms">
-  <Display>DocumentLibraryForm</Display>
-  <Edit>DocumentLibraryForm</Edit>
-  <New>DocumentLibraryForm</New>
-</FormTemplates>
-</file>
-
-<file path=customXml/item3.xml><?xml version="1.0" encoding="utf-8"?>
 <ct:contentTypeSchema xmlns:ct="http://schemas.microsoft.com/office/2006/metadata/contentType" xmlns:ma="http://schemas.microsoft.com/office/2006/metadata/properties/metaAttributes" ct:_="" ma:_="" ma:contentTypeName="Document" ma:contentTypeID="0x010100062A1965C0ED8D4B93D90EC9097FB304" ma:contentTypeVersion="13" ma:contentTypeDescription="Create a new document." ma:contentTypeScope="" ma:versionID="ad8c00255a362f38b965062bb6973433">
   <xsd:schema xmlns:xsd="http://www.w3.org/2001/XMLSchema" xmlns:xs="http://www.w3.org/2001/XMLSchema" xmlns:p="http://schemas.microsoft.com/office/2006/metadata/properties" xmlns:ns3="cab83b3b-4db3-4a13-8dd4-e60be6d87cf5" xmlns:ns4="c2e86655-d7ed-4420-bc92-1b9547829f54" targetNamespace="http://schemas.microsoft.com/office/2006/metadata/properties" ma:root="true" ma:fieldsID="d47f86c9060cacabc5fb99b2dd628c7d" ns3:_="" ns4:_="">
     <xsd:import namespace="cab83b3b-4db3-4a13-8dd4-e60be6d87cf5"/>
@@ -7683,32 +9461,22 @@
 </ct:contentTypeSchema>
 </file>
 
-<file path=customXml/itemProps1.xml><?xml version="1.0" encoding="utf-8"?>
-<ds:datastoreItem xmlns:ds="http://schemas.openxmlformats.org/officeDocument/2006/customXml" ds:itemID="{1B174DBE-1AD7-495B-B168-212A7EE723A6}">
-  <ds:schemaRefs>
-    <ds:schemaRef ds:uri="cab83b3b-4db3-4a13-8dd4-e60be6d87cf5"/>
-    <ds:schemaRef ds:uri="http://purl.org/dc/elements/1.1/"/>
-    <ds:schemaRef ds:uri="http://schemas.microsoft.com/office/2006/metadata/properties"/>
-    <ds:schemaRef ds:uri="http://purl.org/dc/terms/"/>
-    <ds:schemaRef ds:uri="http://schemas.openxmlformats.org/package/2006/metadata/core-properties"/>
-    <ds:schemaRef ds:uri="c2e86655-d7ed-4420-bc92-1b9547829f54"/>
-    <ds:schemaRef ds:uri="http://schemas.microsoft.com/office/2006/documentManagement/types"/>
-    <ds:schemaRef ds:uri="http://schemas.microsoft.com/office/infopath/2007/PartnerControls"/>
-    <ds:schemaRef ds:uri="http://www.w3.org/XML/1998/namespace"/>
-    <ds:schemaRef ds:uri="http://purl.org/dc/dcmitype/"/>
-  </ds:schemaRefs>
-</ds:datastoreItem>
+<file path=customXml/item2.xml><?xml version="1.0" encoding="utf-8"?>
+<?mso-contentType ?>
+<FormTemplates xmlns="http://schemas.microsoft.com/sharepoint/v3/contenttype/forms">
+  <Display>DocumentLibraryForm</Display>
+  <Edit>DocumentLibraryForm</Edit>
+  <New>DocumentLibraryForm</New>
+</FormTemplates>
 </file>
 
-<file path=customXml/itemProps2.xml><?xml version="1.0" encoding="utf-8"?>
-<ds:datastoreItem xmlns:ds="http://schemas.openxmlformats.org/officeDocument/2006/customXml" ds:itemID="{07A05CC1-FF68-453F-AE9C-352B80151440}">
-  <ds:schemaRefs>
-    <ds:schemaRef ds:uri="http://schemas.microsoft.com/sharepoint/v3/contenttype/forms"/>
-  </ds:schemaRefs>
-</ds:datastoreItem>
+<file path=customXml/item3.xml><?xml version="1.0" encoding="utf-8"?>
+<p:properties xmlns:p="http://schemas.microsoft.com/office/2006/metadata/properties" xmlns:xsi="http://www.w3.org/2001/XMLSchema-instance" xmlns:pc="http://schemas.microsoft.com/office/infopath/2007/PartnerControls">
+  <documentManagement/>
+</p:properties>
 </file>
 
-<file path=customXml/itemProps3.xml><?xml version="1.0" encoding="utf-8"?>
+<file path=customXml/itemProps1.xml><?xml version="1.0" encoding="utf-8"?>
 <ds:datastoreItem xmlns:ds="http://schemas.openxmlformats.org/officeDocument/2006/customXml" ds:itemID="{03233C07-2685-44F7-9601-FF64EA49BA1B}">
   <ds:schemaRefs>
     <ds:schemaRef ds:uri="http://schemas.microsoft.com/office/2006/metadata/contentType"/>
@@ -7725,4 +9493,29 @@
     <ds:schemaRef ds:uri="http://schemas.microsoft.com/internal/obd"/>
   </ds:schemaRefs>
 </ds:datastoreItem>
+</file>
+
+<file path=customXml/itemProps2.xml><?xml version="1.0" encoding="utf-8"?>
+<ds:datastoreItem xmlns:ds="http://schemas.openxmlformats.org/officeDocument/2006/customXml" ds:itemID="{07A05CC1-FF68-453F-AE9C-352B80151440}">
+  <ds:schemaRefs>
+    <ds:schemaRef ds:uri="http://schemas.microsoft.com/sharepoint/v3/contenttype/forms"/>
+  </ds:schemaRefs>
+</ds:datastoreItem>
+</file>
+
+<file path=customXml/itemProps3.xml><?xml version="1.0" encoding="utf-8"?>
+<ds:datastoreItem xmlns:ds="http://schemas.openxmlformats.org/officeDocument/2006/customXml" ds:itemID="{1B174DBE-1AD7-495B-B168-212A7EE723A6}">
+  <ds:schemaRefs>
+    <ds:schemaRef ds:uri="http://purl.org/dc/elements/1.1/"/>
+    <ds:schemaRef ds:uri="c2e86655-d7ed-4420-bc92-1b9547829f54"/>
+    <ds:schemaRef ds:uri="http://schemas.microsoft.com/office/infopath/2007/PartnerControls"/>
+    <ds:schemaRef ds:uri="cab83b3b-4db3-4a13-8dd4-e60be6d87cf5"/>
+    <ds:schemaRef ds:uri="http://purl.org/dc/terms/"/>
+    <ds:schemaRef ds:uri="http://schemas.microsoft.com/office/2006/metadata/properties"/>
+    <ds:schemaRef ds:uri="http://schemas.microsoft.com/office/2006/documentManagement/types"/>
+    <ds:schemaRef ds:uri="http://schemas.openxmlformats.org/package/2006/metadata/core-properties"/>
+    <ds:schemaRef ds:uri="http://www.w3.org/XML/1998/namespace"/>
+    <ds:schemaRef ds:uri="http://purl.org/dc/dcmitype/"/>
+  </ds:schemaRefs>
+</ds:datastoreItem>
 </file>
--- a/thesis/ukapp2/wqu_isc/sofware_design/Lesson 1 - Java.pptx
+++ b/thesis/ukapp2/wqu_isc/sofware_design/Lesson 1 - Java.pptx
@@ -353,7 +353,7 @@
           <a:p>
             <a:fld id="{CD13FC2D-BEDB-45BE-AF82-649A39BEFF71}" type="datetimeFigureOut">
               <a:rPr lang="en-GB" smtClean="0"/>
-              <a:t>13/10/2020</a:t>
+              <a:t>15/10/2020</a:t>
             </a:fld>
             <a:endParaRPr lang="en-GB"/>
           </a:p>
@@ -561,7 +561,7 @@
           <a:p>
             <a:fld id="{CD13FC2D-BEDB-45BE-AF82-649A39BEFF71}" type="datetimeFigureOut">
               <a:rPr lang="en-GB" smtClean="0"/>
-              <a:t>13/10/2020</a:t>
+              <a:t>15/10/2020</a:t>
             </a:fld>
             <a:endParaRPr lang="en-GB"/>
           </a:p>
@@ -817,7 +817,7 @@
           <a:p>
             <a:fld id="{CD13FC2D-BEDB-45BE-AF82-649A39BEFF71}" type="datetimeFigureOut">
               <a:rPr lang="en-GB" smtClean="0"/>
-              <a:t>13/10/2020</a:t>
+              <a:t>15/10/2020</a:t>
             </a:fld>
             <a:endParaRPr lang="en-GB"/>
           </a:p>
@@ -987,7 +987,7 @@
           <a:p>
             <a:fld id="{CD13FC2D-BEDB-45BE-AF82-649A39BEFF71}" type="datetimeFigureOut">
               <a:rPr lang="en-GB" smtClean="0"/>
-              <a:t>13/10/2020</a:t>
+              <a:t>15/10/2020</a:t>
             </a:fld>
             <a:endParaRPr lang="en-GB"/>
           </a:p>
@@ -1330,7 +1330,7 @@
           <a:p>
             <a:fld id="{CD13FC2D-BEDB-45BE-AF82-649A39BEFF71}" type="datetimeFigureOut">
               <a:rPr lang="en-GB" smtClean="0"/>
-              <a:t>13/10/2020</a:t>
+              <a:t>15/10/2020</a:t>
             </a:fld>
             <a:endParaRPr lang="en-GB"/>
           </a:p>
@@ -1605,7 +1605,7 @@
           <a:p>
             <a:fld id="{CD13FC2D-BEDB-45BE-AF82-649A39BEFF71}" type="datetimeFigureOut">
               <a:rPr lang="en-GB" smtClean="0"/>
-              <a:t>13/10/2020</a:t>
+              <a:t>15/10/2020</a:t>
             </a:fld>
             <a:endParaRPr lang="en-GB"/>
           </a:p>
@@ -1984,7 +1984,7 @@
           <a:p>
             <a:fld id="{CD13FC2D-BEDB-45BE-AF82-649A39BEFF71}" type="datetimeFigureOut">
               <a:rPr lang="en-GB" smtClean="0"/>
-              <a:t>13/10/2020</a:t>
+              <a:t>15/10/2020</a:t>
             </a:fld>
             <a:endParaRPr lang="en-GB"/>
           </a:p>
@@ -2102,7 +2102,7 @@
           <a:p>
             <a:fld id="{CD13FC2D-BEDB-45BE-AF82-649A39BEFF71}" type="datetimeFigureOut">
               <a:rPr lang="en-GB" smtClean="0"/>
-              <a:t>13/10/2020</a:t>
+              <a:t>15/10/2020</a:t>
             </a:fld>
             <a:endParaRPr lang="en-GB"/>
           </a:p>
@@ -2273,7 +2273,7 @@
           <a:p>
             <a:fld id="{CD13FC2D-BEDB-45BE-AF82-649A39BEFF71}" type="datetimeFigureOut">
               <a:rPr lang="en-GB" smtClean="0"/>
-              <a:t>13/10/2020</a:t>
+              <a:t>15/10/2020</a:t>
             </a:fld>
             <a:endParaRPr lang="en-GB"/>
           </a:p>
@@ -2627,7 +2627,7 @@
           <a:p>
             <a:fld id="{CD13FC2D-BEDB-45BE-AF82-649A39BEFF71}" type="datetimeFigureOut">
               <a:rPr lang="en-GB" smtClean="0"/>
-              <a:t>13/10/2020</a:t>
+              <a:t>15/10/2020</a:t>
             </a:fld>
             <a:endParaRPr lang="en-GB"/>
           </a:p>
@@ -3009,7 +3009,7 @@
           <a:p>
             <a:fld id="{CD13FC2D-BEDB-45BE-AF82-649A39BEFF71}" type="datetimeFigureOut">
               <a:rPr lang="en-GB" smtClean="0"/>
-              <a:t>13/10/2020</a:t>
+              <a:t>15/10/2020</a:t>
             </a:fld>
             <a:endParaRPr lang="en-GB"/>
           </a:p>
@@ -3296,7 +3296,7 @@
           <a:p>
             <a:fld id="{CD13FC2D-BEDB-45BE-AF82-649A39BEFF71}" type="datetimeFigureOut">
               <a:rPr lang="en-GB" smtClean="0"/>
-              <a:t>13/10/2020</a:t>
+              <a:t>15/10/2020</a:t>
             </a:fld>
             <a:endParaRPr lang="en-GB"/>
           </a:p>
@@ -4105,11 +4105,7 @@
             </a:pPr>
             <a:r>
               <a:rPr lang="en-GB" dirty="0" smtClean="0"/>
-              <a:t>Conditional (Ternary) Operator (?:)</a:t>
-            </a:r>
-            <a:r>
-              <a:rPr lang="en-GB" dirty="0" smtClean="0"/>
-              <a:t>.</a:t>
+              <a:t>Conditional (Ternary) Operator (?:).</a:t>
             </a:r>
           </a:p>
           <a:p>
@@ -4691,7 +4687,6 @@
               <a:rPr lang="en-US" dirty="0" smtClean="0"/>
               <a:t>Algorithmic contents</a:t>
             </a:r>
-            <a:endParaRPr lang="en-US" dirty="0" smtClean="0"/>
           </a:p>
           <a:p>
             <a:pPr lvl="1">
@@ -5321,15 +5316,7 @@
             </a:pPr>
             <a:r>
               <a:rPr lang="en-US" dirty="0" smtClean="0"/>
-              <a:t>Write seven static methods in a single </a:t>
-            </a:r>
-            <a:r>
-              <a:rPr lang="en-US" dirty="0" smtClean="0"/>
-              <a:t>Main class, </a:t>
-            </a:r>
-            <a:r>
-              <a:rPr lang="en-US" dirty="0" smtClean="0"/>
-              <a:t>and then, call them all from the main method displaying their results.  The statics methods should comprise all the above four programs.  One static method for each question. The static method for question 1 should be called “</a:t>
+              <a:t>Write seven static methods in a single Main class, and then, call them all from the main method displaying their results.  The statics methods should comprise all the above four programs.  One static method for each question. The static method for question 1 should be called “</a:t>
             </a:r>
             <a:r>
               <a:rPr lang="en-US" dirty="0" err="1" smtClean="0"/>
@@ -5475,11 +5462,7 @@
             </a:pPr>
             <a:r>
               <a:rPr lang="en-GB" dirty="0" smtClean="0"/>
-              <a:t> </a:t>
-            </a:r>
-            <a:r>
-              <a:rPr lang="en-GB" dirty="0" smtClean="0"/>
-              <a:t>Java Variables and Datatypes.</a:t>
+              <a:t> Java Variables and Datatypes.</a:t>
             </a:r>
             <a:endParaRPr lang="en-GB" dirty="0"/>
           </a:p>
@@ -5490,11 +5473,7 @@
             </a:pPr>
             <a:r>
               <a:rPr lang="en-GB" dirty="0" smtClean="0"/>
-              <a:t> </a:t>
-            </a:r>
-            <a:r>
-              <a:rPr lang="en-GB" dirty="0" smtClean="0"/>
-              <a:t>The hello Java class.</a:t>
+              <a:t> The hello Java class.</a:t>
             </a:r>
           </a:p>
           <a:p>
@@ -5739,7 +5718,6 @@
               <a:rPr lang="en-GB" sz="1800" dirty="0"/>
               <a:t>}</a:t>
             </a:r>
-            <a:endParaRPr lang="en-GB" sz="1800" dirty="0"/>
           </a:p>
         </p:txBody>
       </p:sp>
@@ -7678,7 +7656,6 @@
               <a:rPr lang="en-US" dirty="0" smtClean="0"/>
               <a:t>long - </a:t>
             </a:r>
-            <a:endParaRPr lang="en-US" dirty="0" smtClean="0"/>
           </a:p>
           <a:p>
             <a:pPr>
@@ -8440,7 +8417,12 @@
             <p:ph type="title"/>
           </p:nvPr>
         </p:nvSpPr>
-        <p:spPr/>
+        <p:spPr>
+          <a:xfrm>
+            <a:off x="822960" y="209550"/>
+            <a:ext cx="7543800" cy="842011"/>
+          </a:xfrm>
+        </p:spPr>
         <p:txBody>
           <a:bodyPr/>
           <a:lstStyle/>
@@ -8463,14 +8445,14 @@
             <p:ph idx="1"/>
             <p:extLst>
               <p:ext uri="{D42A27DB-BD31-4B8C-83A1-F6EECF244321}">
-                <p14:modId xmlns:p14="http://schemas.microsoft.com/office/powerpoint/2010/main" val="340456125"/>
+                <p14:modId xmlns:p14="http://schemas.microsoft.com/office/powerpoint/2010/main" val="1819325015"/>
               </p:ext>
             </p:extLst>
           </p:nvPr>
         </p:nvGraphicFramePr>
         <p:xfrm>
-          <a:off x="822325" y="1846263"/>
-          <a:ext cx="7543800" cy="4079240"/>
+          <a:off x="822325" y="1160463"/>
+          <a:ext cx="7543800" cy="5191760"/>
         </p:xfrm>
         <a:graphic>
           <a:graphicData uri="http://schemas.openxmlformats.org/drawingml/2006/table">
@@ -8931,6 +8913,119 @@
                   </a:ext>
                 </a:extLst>
               </a:tr>
+              <a:tr h="370840">
+                <a:tc>
+                  <a:txBody>
+                    <a:bodyPr/>
+                    <a:lstStyle/>
+                    <a:p>
+                      <a:r>
+                        <a:rPr lang="en-US" dirty="0" smtClean="0"/>
+                        <a:t>9. Constructor creation</a:t>
+                      </a:r>
+                      <a:endParaRPr lang="en-GB" dirty="0"/>
+                    </a:p>
+                  </a:txBody>
+                  <a:tcPr/>
+                </a:tc>
+                <a:tc>
+                  <a:txBody>
+                    <a:bodyPr/>
+                    <a:lstStyle/>
+                    <a:p>
+                      <a:r>
+                        <a:rPr lang="en-US" dirty="0" smtClean="0"/>
+                        <a:t>10. Constructor call</a:t>
+                      </a:r>
+                      <a:endParaRPr lang="en-GB" dirty="0"/>
+                    </a:p>
+                  </a:txBody>
+                  <a:tcPr/>
+                </a:tc>
+                <a:extLst>
+                  <a:ext uri="{0D108BD9-81ED-4DB2-BD59-A6C34878D82A}">
+                    <a16:rowId xmlns:a16="http://schemas.microsoft.com/office/drawing/2014/main" val="194322243"/>
+                  </a:ext>
+                </a:extLst>
+              </a:tr>
+              <a:tr h="370840">
+                <a:tc>
+                  <a:txBody>
+                    <a:bodyPr/>
+                    <a:lstStyle/>
+                    <a:p>
+                      <a:r>
+                        <a:rPr lang="en-US" dirty="0" smtClean="0"/>
+                        <a:t>10. Object</a:t>
+                      </a:r>
+                      <a:r>
+                        <a:rPr lang="en-US" baseline="0" dirty="0" smtClean="0"/>
+                        <a:t> oriented concepts</a:t>
+                      </a:r>
+                      <a:endParaRPr lang="en-GB" dirty="0"/>
+                    </a:p>
+                  </a:txBody>
+                  <a:tcPr/>
+                </a:tc>
+                <a:tc>
+                  <a:txBody>
+                    <a:bodyPr/>
+                    <a:lstStyle/>
+                    <a:p>
+                      <a:r>
+                        <a:rPr lang="en-US" dirty="0" smtClean="0"/>
+                        <a:t>11. Object oriented syntax</a:t>
+                      </a:r>
+                      <a:endParaRPr lang="en-GB" dirty="0"/>
+                    </a:p>
+                  </a:txBody>
+                  <a:tcPr/>
+                </a:tc>
+                <a:extLst>
+                  <a:ext uri="{0D108BD9-81ED-4DB2-BD59-A6C34878D82A}">
+                    <a16:rowId xmlns:a16="http://schemas.microsoft.com/office/drawing/2014/main" val="33459850"/>
+                  </a:ext>
+                </a:extLst>
+              </a:tr>
+              <a:tr h="370840">
+                <a:tc>
+                  <a:txBody>
+                    <a:bodyPr/>
+                    <a:lstStyle/>
+                    <a:p>
+                      <a:r>
+                        <a:rPr lang="en-US" dirty="0" smtClean="0"/>
+                        <a:t>11. Primitive</a:t>
+                      </a:r>
+                      <a:r>
+                        <a:rPr lang="en-US" baseline="0" dirty="0" smtClean="0"/>
+                        <a:t> data types</a:t>
+                      </a:r>
+                      <a:endParaRPr lang="en-GB" dirty="0"/>
+                    </a:p>
+                  </a:txBody>
+                  <a:tcPr/>
+                </a:tc>
+                <a:tc>
+                  <a:txBody>
+                    <a:bodyPr/>
+                    <a:lstStyle/>
+                    <a:p>
+                      <a:r>
+                        <a:rPr lang="en-US" dirty="0" smtClean="0"/>
+                        <a:t>12. Advanced data types</a:t>
+                      </a:r>
+                      <a:endParaRPr lang="en-GB" dirty="0"/>
+                    </a:p>
+                  </a:txBody>
+                  <a:tcPr/>
+                </a:tc>
+                <a:extLst>
+                  <a:ext uri="{0D108BD9-81ED-4DB2-BD59-A6C34878D82A}">
+                    <a16:rowId xmlns:a16="http://schemas.microsoft.com/office/drawing/2014/main" val="86062236"/>
+                  </a:ext>
+                </a:extLst>
+              </a:tr>
             </a:tbl>
           </a:graphicData>
         </a:graphic>
@@ -9239,6 +9334,15 @@
 </file>
 
 <file path=customXml/item1.xml><?xml version="1.0" encoding="utf-8"?>
+<?mso-contentType ?>
+<FormTemplates xmlns="http://schemas.microsoft.com/sharepoint/v3/contenttype/forms">
+  <Display>DocumentLibraryForm</Display>
+  <Edit>DocumentLibraryForm</Edit>
+  <New>DocumentLibraryForm</New>
+</FormTemplates>
+</file>
+
+<file path=customXml/item2.xml><?xml version="1.0" encoding="utf-8"?>
 <ct:contentTypeSchema xmlns:ct="http://schemas.microsoft.com/office/2006/metadata/contentType" xmlns:ma="http://schemas.microsoft.com/office/2006/metadata/properties/metaAttributes" ct:_="" ma:_="" ma:contentTypeName="Document" ma:contentTypeID="0x010100062A1965C0ED8D4B93D90EC9097FB304" ma:contentTypeVersion="13" ma:contentTypeDescription="Create a new document." ma:contentTypeScope="" ma:versionID="ad8c00255a362f38b965062bb6973433">
   <xsd:schema xmlns:xsd="http://www.w3.org/2001/XMLSchema" xmlns:xs="http://www.w3.org/2001/XMLSchema" xmlns:p="http://schemas.microsoft.com/office/2006/metadata/properties" xmlns:ns3="cab83b3b-4db3-4a13-8dd4-e60be6d87cf5" xmlns:ns4="c2e86655-d7ed-4420-bc92-1b9547829f54" targetNamespace="http://schemas.microsoft.com/office/2006/metadata/properties" ma:root="true" ma:fieldsID="d47f86c9060cacabc5fb99b2dd628c7d" ns3:_="" ns4:_="">
     <xsd:import namespace="cab83b3b-4db3-4a13-8dd4-e60be6d87cf5"/>
@@ -9461,15 +9565,6 @@
 </ct:contentTypeSchema>
 </file>
 
-<file path=customXml/item2.xml><?xml version="1.0" encoding="utf-8"?>
-<?mso-contentType ?>
-<FormTemplates xmlns="http://schemas.microsoft.com/sharepoint/v3/contenttype/forms">
-  <Display>DocumentLibraryForm</Display>
-  <Edit>DocumentLibraryForm</Edit>
-  <New>DocumentLibraryForm</New>
-</FormTemplates>
-</file>
-
 <file path=customXml/item3.xml><?xml version="1.0" encoding="utf-8"?>
 <p:properties xmlns:p="http://schemas.microsoft.com/office/2006/metadata/properties" xmlns:xsi="http://www.w3.org/2001/XMLSchema-instance" xmlns:pc="http://schemas.microsoft.com/office/infopath/2007/PartnerControls">
   <documentManagement/>
@@ -9477,6 +9572,14 @@
 </file>
 
 <file path=customXml/itemProps1.xml><?xml version="1.0" encoding="utf-8"?>
+<ds:datastoreItem xmlns:ds="http://schemas.openxmlformats.org/officeDocument/2006/customXml" ds:itemID="{07A05CC1-FF68-453F-AE9C-352B80151440}">
+  <ds:schemaRefs>
+    <ds:schemaRef ds:uri="http://schemas.microsoft.com/sharepoint/v3/contenttype/forms"/>
+  </ds:schemaRefs>
+</ds:datastoreItem>
+</file>
+
+<file path=customXml/itemProps2.xml><?xml version="1.0" encoding="utf-8"?>
 <ds:datastoreItem xmlns:ds="http://schemas.openxmlformats.org/officeDocument/2006/customXml" ds:itemID="{03233C07-2685-44F7-9601-FF64EA49BA1B}">
   <ds:schemaRefs>
     <ds:schemaRef ds:uri="http://schemas.microsoft.com/office/2006/metadata/contentType"/>
@@ -9491,14 +9594,6 @@
     <ds:schemaRef ds:uri="http://purl.org/dc/elements/1.1/"/>
     <ds:schemaRef ds:uri="http://purl.org/dc/terms/"/>
     <ds:schemaRef ds:uri="http://schemas.microsoft.com/internal/obd"/>
-  </ds:schemaRefs>
-</ds:datastoreItem>
-</file>
-
-<file path=customXml/itemProps2.xml><?xml version="1.0" encoding="utf-8"?>
-<ds:datastoreItem xmlns:ds="http://schemas.openxmlformats.org/officeDocument/2006/customXml" ds:itemID="{07A05CC1-FF68-453F-AE9C-352B80151440}">
-  <ds:schemaRefs>
-    <ds:schemaRef ds:uri="http://schemas.microsoft.com/sharepoint/v3/contenttype/forms"/>
   </ds:schemaRefs>
 </ds:datastoreItem>
 </file>

--- a/thesis/ukapp2/wqu_isc/sofware_design/Lesson 1 - Java.pptx
+++ b/thesis/ukapp2/wqu_isc/sofware_design/Lesson 1 - Java.pptx
@@ -8445,7 +8445,7 @@
             <p:ph idx="1"/>
             <p:extLst>
               <p:ext uri="{D42A27DB-BD31-4B8C-83A1-F6EECF244321}">
-                <p14:modId xmlns:p14="http://schemas.microsoft.com/office/powerpoint/2010/main" val="1819325015"/>
+                <p14:modId xmlns:p14="http://schemas.microsoft.com/office/powerpoint/2010/main" val="1827113173"/>
               </p:ext>
             </p:extLst>
           </p:nvPr>
@@ -8461,14 +8461,14 @@
                 <a:tableStyleId>{5C22544A-7EE6-4342-B048-85BDC9FD1C3A}</a:tableStyleId>
               </a:tblPr>
               <a:tblGrid>
-                <a:gridCol w="3771900">
+                <a:gridCol w="3902075">
                   <a:extLst>
                     <a:ext uri="{9D8B030D-6E8A-4147-A177-3AD203B41FA5}">
                       <a16:colId xmlns:a16="http://schemas.microsoft.com/office/drawing/2014/main" val="556362946"/>
                     </a:ext>
                   </a:extLst>
                 </a:gridCol>
-                <a:gridCol w="3771900">
+                <a:gridCol w="3641725">
                   <a:extLst>
                     <a:ext uri="{9D8B030D-6E8A-4147-A177-3AD203B41FA5}">
                       <a16:colId xmlns:a16="http://schemas.microsoft.com/office/drawing/2014/main" val="2629390443"/>
@@ -8562,7 +8562,11 @@
                     <a:p>
                       <a:r>
                         <a:rPr lang="en-US" dirty="0" smtClean="0"/>
-                        <a:t>2. Basic syntax</a:t>
+                        <a:t>2. Basic </a:t>
+                      </a:r>
+                      <a:r>
+                        <a:rPr lang="en-US" dirty="0" smtClean="0"/>
+                        <a:t>syntax</a:t>
                       </a:r>
                       <a:endParaRPr lang="en-GB" dirty="0"/>
                     </a:p>
@@ -8960,7 +8964,11 @@
                       </a:r>
                       <a:r>
                         <a:rPr lang="en-US" baseline="0" dirty="0" smtClean="0"/>
-                        <a:t> oriented concepts</a:t>
+                        <a:t> </a:t>
+                      </a:r>
+                      <a:r>
+                        <a:rPr lang="en-US" baseline="0" dirty="0" smtClean="0"/>
+                        <a:t>oriented/language concepts</a:t>
                       </a:r>
                       <a:endParaRPr lang="en-GB" dirty="0"/>
                     </a:p>
@@ -8974,7 +8982,15 @@
                     <a:p>
                       <a:r>
                         <a:rPr lang="en-US" dirty="0" smtClean="0"/>
-                        <a:t>11. Object oriented syntax</a:t>
+                        <a:t>11. Object </a:t>
+                      </a:r>
+                      <a:r>
+                        <a:rPr lang="en-US" dirty="0" smtClean="0"/>
+                        <a:t>oriented/language </a:t>
+                      </a:r>
+                      <a:r>
+                        <a:rPr lang="en-US" dirty="0" smtClean="0"/>
+                        <a:t>syntax</a:t>
                       </a:r>
                       <a:endParaRPr lang="en-GB" dirty="0"/>
                     </a:p>
@@ -9343,6 +9359,12 @@
 </file>
 
 <file path=customXml/item2.xml><?xml version="1.0" encoding="utf-8"?>
+<p:properties xmlns:p="http://schemas.microsoft.com/office/2006/metadata/properties" xmlns:xsi="http://www.w3.org/2001/XMLSchema-instance" xmlns:pc="http://schemas.microsoft.com/office/infopath/2007/PartnerControls">
+  <documentManagement/>
+</p:properties>
+</file>
+
+<file path=customXml/item3.xml><?xml version="1.0" encoding="utf-8"?>
 <ct:contentTypeSchema xmlns:ct="http://schemas.microsoft.com/office/2006/metadata/contentType" xmlns:ma="http://schemas.microsoft.com/office/2006/metadata/properties/metaAttributes" ct:_="" ma:_="" ma:contentTypeName="Document" ma:contentTypeID="0x010100062A1965C0ED8D4B93D90EC9097FB304" ma:contentTypeVersion="13" ma:contentTypeDescription="Create a new document." ma:contentTypeScope="" ma:versionID="ad8c00255a362f38b965062bb6973433">
   <xsd:schema xmlns:xsd="http://www.w3.org/2001/XMLSchema" xmlns:xs="http://www.w3.org/2001/XMLSchema" xmlns:p="http://schemas.microsoft.com/office/2006/metadata/properties" xmlns:ns3="cab83b3b-4db3-4a13-8dd4-e60be6d87cf5" xmlns:ns4="c2e86655-d7ed-4420-bc92-1b9547829f54" targetNamespace="http://schemas.microsoft.com/office/2006/metadata/properties" ma:root="true" ma:fieldsID="d47f86c9060cacabc5fb99b2dd628c7d" ns3:_="" ns4:_="">
     <xsd:import namespace="cab83b3b-4db3-4a13-8dd4-e60be6d87cf5"/>
@@ -9565,12 +9587,6 @@
 </ct:contentTypeSchema>
 </file>
 
-<file path=customXml/item3.xml><?xml version="1.0" encoding="utf-8"?>
-<p:properties xmlns:p="http://schemas.microsoft.com/office/2006/metadata/properties" xmlns:xsi="http://www.w3.org/2001/XMLSchema-instance" xmlns:pc="http://schemas.microsoft.com/office/infopath/2007/PartnerControls">
-  <documentManagement/>
-</p:properties>
-</file>
-
 <file path=customXml/itemProps1.xml><?xml version="1.0" encoding="utf-8"?>
 <ds:datastoreItem xmlns:ds="http://schemas.openxmlformats.org/officeDocument/2006/customXml" ds:itemID="{07A05CC1-FF68-453F-AE9C-352B80151440}">
   <ds:schemaRefs>
@@ -9580,6 +9596,23 @@
 </file>
 
 <file path=customXml/itemProps2.xml><?xml version="1.0" encoding="utf-8"?>
+<ds:datastoreItem xmlns:ds="http://schemas.openxmlformats.org/officeDocument/2006/customXml" ds:itemID="{1B174DBE-1AD7-495B-B168-212A7EE723A6}">
+  <ds:schemaRefs>
+    <ds:schemaRef ds:uri="http://purl.org/dc/elements/1.1/"/>
+    <ds:schemaRef ds:uri="c2e86655-d7ed-4420-bc92-1b9547829f54"/>
+    <ds:schemaRef ds:uri="http://schemas.microsoft.com/office/infopath/2007/PartnerControls"/>
+    <ds:schemaRef ds:uri="cab83b3b-4db3-4a13-8dd4-e60be6d87cf5"/>
+    <ds:schemaRef ds:uri="http://purl.org/dc/terms/"/>
+    <ds:schemaRef ds:uri="http://schemas.microsoft.com/office/2006/metadata/properties"/>
+    <ds:schemaRef ds:uri="http://schemas.microsoft.com/office/2006/documentManagement/types"/>
+    <ds:schemaRef ds:uri="http://schemas.openxmlformats.org/package/2006/metadata/core-properties"/>
+    <ds:schemaRef ds:uri="http://www.w3.org/XML/1998/namespace"/>
+    <ds:schemaRef ds:uri="http://purl.org/dc/dcmitype/"/>
+  </ds:schemaRefs>
+</ds:datastoreItem>
+</file>
+
+<file path=customXml/itemProps3.xml><?xml version="1.0" encoding="utf-8"?>
 <ds:datastoreItem xmlns:ds="http://schemas.openxmlformats.org/officeDocument/2006/customXml" ds:itemID="{03233C07-2685-44F7-9601-FF64EA49BA1B}">
   <ds:schemaRefs>
     <ds:schemaRef ds:uri="http://schemas.microsoft.com/office/2006/metadata/contentType"/>
@@ -9596,21 +9629,4 @@
     <ds:schemaRef ds:uri="http://schemas.microsoft.com/internal/obd"/>
   </ds:schemaRefs>
 </ds:datastoreItem>
-</file>
-
-<file path=customXml/itemProps3.xml><?xml version="1.0" encoding="utf-8"?>
-<ds:datastoreItem xmlns:ds="http://schemas.openxmlformats.org/officeDocument/2006/customXml" ds:itemID="{1B174DBE-1AD7-495B-B168-212A7EE723A6}">
-  <ds:schemaRefs>
-    <ds:schemaRef ds:uri="http://purl.org/dc/elements/1.1/"/>
-    <ds:schemaRef ds:uri="c2e86655-d7ed-4420-bc92-1b9547829f54"/>
-    <ds:schemaRef ds:uri="http://schemas.microsoft.com/office/infopath/2007/PartnerControls"/>
-    <ds:schemaRef ds:uri="cab83b3b-4db3-4a13-8dd4-e60be6d87cf5"/>
-    <ds:schemaRef ds:uri="http://purl.org/dc/terms/"/>
-    <ds:schemaRef ds:uri="http://schemas.microsoft.com/office/2006/metadata/properties"/>
-    <ds:schemaRef ds:uri="http://schemas.microsoft.com/office/2006/documentManagement/types"/>
-    <ds:schemaRef ds:uri="http://schemas.openxmlformats.org/package/2006/metadata/core-properties"/>
-    <ds:schemaRef ds:uri="http://www.w3.org/XML/1998/namespace"/>
-    <ds:schemaRef ds:uri="http://purl.org/dc/dcmitype/"/>
-  </ds:schemaRefs>
-</ds:datastoreItem>
 </file>
--- a/thesis/ukapp2/wqu_isc/sofware_design/Lesson 1 - Java.pptx
+++ b/thesis/ukapp2/wqu_isc/sofware_design/Lesson 1 - Java.pptx
@@ -353,7 +353,7 @@
           <a:p>
             <a:fld id="{CD13FC2D-BEDB-45BE-AF82-649A39BEFF71}" type="datetimeFigureOut">
               <a:rPr lang="en-GB" smtClean="0"/>
-              <a:t>15/10/2020</a:t>
+              <a:t>16/10/2020</a:t>
             </a:fld>
             <a:endParaRPr lang="en-GB"/>
           </a:p>
@@ -561,7 +561,7 @@
           <a:p>
             <a:fld id="{CD13FC2D-BEDB-45BE-AF82-649A39BEFF71}" type="datetimeFigureOut">
               <a:rPr lang="en-GB" smtClean="0"/>
-              <a:t>15/10/2020</a:t>
+              <a:t>16/10/2020</a:t>
             </a:fld>
             <a:endParaRPr lang="en-GB"/>
           </a:p>
@@ -817,7 +817,7 @@
           <a:p>
             <a:fld id="{CD13FC2D-BEDB-45BE-AF82-649A39BEFF71}" type="datetimeFigureOut">
               <a:rPr lang="en-GB" smtClean="0"/>
-              <a:t>15/10/2020</a:t>
+              <a:t>16/10/2020</a:t>
             </a:fld>
             <a:endParaRPr lang="en-GB"/>
           </a:p>
@@ -987,7 +987,7 @@
           <a:p>
             <a:fld id="{CD13FC2D-BEDB-45BE-AF82-649A39BEFF71}" type="datetimeFigureOut">
               <a:rPr lang="en-GB" smtClean="0"/>
-              <a:t>15/10/2020</a:t>
+              <a:t>16/10/2020</a:t>
             </a:fld>
             <a:endParaRPr lang="en-GB"/>
           </a:p>
@@ -1330,7 +1330,7 @@
           <a:p>
             <a:fld id="{CD13FC2D-BEDB-45BE-AF82-649A39BEFF71}" type="datetimeFigureOut">
               <a:rPr lang="en-GB" smtClean="0"/>
-              <a:t>15/10/2020</a:t>
+              <a:t>16/10/2020</a:t>
             </a:fld>
             <a:endParaRPr lang="en-GB"/>
           </a:p>
@@ -1605,7 +1605,7 @@
           <a:p>
             <a:fld id="{CD13FC2D-BEDB-45BE-AF82-649A39BEFF71}" type="datetimeFigureOut">
               <a:rPr lang="en-GB" smtClean="0"/>
-              <a:t>15/10/2020</a:t>
+              <a:t>16/10/2020</a:t>
             </a:fld>
             <a:endParaRPr lang="en-GB"/>
           </a:p>
@@ -1984,7 +1984,7 @@
           <a:p>
             <a:fld id="{CD13FC2D-BEDB-45BE-AF82-649A39BEFF71}" type="datetimeFigureOut">
               <a:rPr lang="en-GB" smtClean="0"/>
-              <a:t>15/10/2020</a:t>
+              <a:t>16/10/2020</a:t>
             </a:fld>
             <a:endParaRPr lang="en-GB"/>
           </a:p>
@@ -2102,7 +2102,7 @@
           <a:p>
             <a:fld id="{CD13FC2D-BEDB-45BE-AF82-649A39BEFF71}" type="datetimeFigureOut">
               <a:rPr lang="en-GB" smtClean="0"/>
-              <a:t>15/10/2020</a:t>
+              <a:t>16/10/2020</a:t>
             </a:fld>
             <a:endParaRPr lang="en-GB"/>
           </a:p>
@@ -2273,7 +2273,7 @@
           <a:p>
             <a:fld id="{CD13FC2D-BEDB-45BE-AF82-649A39BEFF71}" type="datetimeFigureOut">
               <a:rPr lang="en-GB" smtClean="0"/>
-              <a:t>15/10/2020</a:t>
+              <a:t>16/10/2020</a:t>
             </a:fld>
             <a:endParaRPr lang="en-GB"/>
           </a:p>
@@ -2627,7 +2627,7 @@
           <a:p>
             <a:fld id="{CD13FC2D-BEDB-45BE-AF82-649A39BEFF71}" type="datetimeFigureOut">
               <a:rPr lang="en-GB" smtClean="0"/>
-              <a:t>15/10/2020</a:t>
+              <a:t>16/10/2020</a:t>
             </a:fld>
             <a:endParaRPr lang="en-GB"/>
           </a:p>
@@ -3009,7 +3009,7 @@
           <a:p>
             <a:fld id="{CD13FC2D-BEDB-45BE-AF82-649A39BEFF71}" type="datetimeFigureOut">
               <a:rPr lang="en-GB" smtClean="0"/>
-              <a:t>15/10/2020</a:t>
+              <a:t>16/10/2020</a:t>
             </a:fld>
             <a:endParaRPr lang="en-GB"/>
           </a:p>
@@ -3296,7 +3296,7 @@
           <a:p>
             <a:fld id="{CD13FC2D-BEDB-45BE-AF82-649A39BEFF71}" type="datetimeFigureOut">
               <a:rPr lang="en-GB" smtClean="0"/>
-              <a:t>15/10/2020</a:t>
+              <a:t>16/10/2020</a:t>
             </a:fld>
             <a:endParaRPr lang="en-GB"/>
           </a:p>
@@ -3881,13 +3881,8 @@
           <a:p>
             <a:r>
               <a:rPr lang="en-GB" dirty="0"/>
-              <a:t>An Introduction to object-orientation and </a:t>
-            </a:r>
-            <a:r>
-              <a:rPr lang="en-GB" dirty="0" smtClean="0"/>
-              <a:t>the java programming language</a:t>
-            </a:r>
-            <a:endParaRPr lang="en-GB" dirty="0"/>
+              <a:t>An Introduction to object-orientation and the java programming language</a:t>
+            </a:r>
           </a:p>
         </p:txBody>
       </p:sp>
@@ -3958,13 +3953,6 @@
   <p:clrMapOvr>
     <a:masterClrMapping/>
   </p:clrMapOvr>
-  <p:timing>
-    <p:tnLst>
-      <p:par>
-        <p:cTn id="1" dur="indefinite" restart="never" nodeType="tmRoot"/>
-      </p:par>
-    </p:tnLst>
-  </p:timing>
 </p:sld>
 </file>
 
@@ -4007,10 +3995,9 @@
           <a:lstStyle/>
           <a:p>
             <a:r>
-              <a:rPr lang="en-GB" dirty="0" smtClean="0"/>
-              <a:t>Operations in Java are similar to that of C++</a:t>
-            </a:r>
-            <a:endParaRPr lang="en-GB" dirty="0"/>
+              <a:rPr lang="en-GB" dirty="0"/>
+              <a:t>Operators in Java are similar to that of C++</a:t>
+            </a:r>
           </a:p>
         </p:txBody>
       </p:sp>
@@ -4046,13 +4033,8 @@
             </a:pPr>
             <a:r>
               <a:rPr lang="en-GB" dirty="0"/>
-              <a:t> </a:t>
-            </a:r>
-            <a:r>
-              <a:rPr lang="en-GB" dirty="0" smtClean="0"/>
-              <a:t>Arithmetic Operators (+, -, /, *, %)</a:t>
-            </a:r>
-            <a:endParaRPr lang="en-GB" dirty="0"/>
+              <a:t> Arithmetic Operators (+, -, /, *, %)</a:t>
+            </a:r>
           </a:p>
           <a:p>
             <a:pPr>
@@ -4061,13 +4043,8 @@
             </a:pPr>
             <a:r>
               <a:rPr lang="en-GB" dirty="0"/>
-              <a:t> </a:t>
-            </a:r>
-            <a:r>
-              <a:rPr lang="en-GB" dirty="0" smtClean="0"/>
-              <a:t>Relational operators (==, !=, &gt;,&lt;,&gt;=,&lt;=)</a:t>
-            </a:r>
-            <a:endParaRPr lang="en-GB" dirty="0"/>
+              <a:t> Relational operators (==, !=, &gt;,&lt;,&gt;=,&lt;=)</a:t>
+            </a:r>
           </a:p>
           <a:p>
             <a:pPr>
@@ -4076,13 +4053,8 @@
             </a:pPr>
             <a:r>
               <a:rPr lang="en-GB" dirty="0"/>
-              <a:t> </a:t>
-            </a:r>
-            <a:r>
-              <a:rPr lang="en-GB" dirty="0" smtClean="0"/>
-              <a:t>Memory Operations (=, +=,-=, /=, *=, %=, ++, --)</a:t>
-            </a:r>
-            <a:endParaRPr lang="en-GB" dirty="0"/>
+              <a:t> Memory Operations (=, +=,-=, /=, *=, %=, ++, --)</a:t>
+            </a:r>
           </a:p>
           <a:p>
             <a:pPr>
@@ -4091,11 +4063,7 @@
             </a:pPr>
             <a:r>
               <a:rPr lang="en-GB" dirty="0"/>
-              <a:t> </a:t>
-            </a:r>
-            <a:r>
-              <a:rPr lang="en-GB" dirty="0" smtClean="0"/>
-              <a:t>Logical operators (&amp;&amp;,||, !)</a:t>
+              <a:t> Logical operators (&amp;&amp;,||, !)</a:t>
             </a:r>
           </a:p>
           <a:p>
@@ -4104,7 +4072,7 @@
               <a:buChar char="v"/>
             </a:pPr>
             <a:r>
-              <a:rPr lang="en-GB" dirty="0" smtClean="0"/>
+              <a:rPr lang="en-GB" dirty="0"/>
               <a:t>Conditional (Ternary) Operator (?:).</a:t>
             </a:r>
           </a:p>
@@ -4114,7 +4082,7 @@
               <a:buChar char="v"/>
             </a:pPr>
             <a:r>
-              <a:rPr lang="en-US" dirty="0" smtClean="0"/>
+              <a:rPr lang="en-US" dirty="0"/>
               <a:t>Bitwise operators (&amp;, |, ^, ~, &gt;&gt;, &lt;&lt;)</a:t>
             </a:r>
             <a:endParaRPr lang="en-GB" dirty="0"/>
@@ -4131,13 +4099,6 @@
   <p:clrMapOvr>
     <a:masterClrMapping/>
   </p:clrMapOvr>
-  <p:timing>
-    <p:tnLst>
-      <p:par>
-        <p:cTn id="1" dur="indefinite" restart="never" nodeType="tmRoot"/>
-      </p:par>
-    </p:tnLst>
-  </p:timing>
 </p:sld>
 </file>
 
@@ -4211,13 +4172,6 @@
   <p:clrMapOvr>
     <a:masterClrMapping/>
   </p:clrMapOvr>
-  <p:timing>
-    <p:tnLst>
-      <p:par>
-        <p:cTn id="1" dur="indefinite" restart="never" nodeType="tmRoot"/>
-      </p:par>
-    </p:tnLst>
-  </p:timing>
 </p:sld>
 </file>
 
@@ -4260,10 +4214,9 @@
           <a:lstStyle/>
           <a:p>
             <a:r>
-              <a:rPr lang="en-GB" dirty="0" smtClean="0"/>
+              <a:rPr lang="en-GB" dirty="0"/>
               <a:t>Let’s write a program</a:t>
             </a:r>
-            <a:endParaRPr lang="en-GB" dirty="0"/>
           </a:p>
         </p:txBody>
       </p:sp>
@@ -4300,7 +4253,7 @@
               <a:buChar char="v"/>
             </a:pPr>
             <a:r>
-              <a:rPr lang="en-US" dirty="0" smtClean="0"/>
+              <a:rPr lang="en-US" dirty="0"/>
               <a:t>Write a program given any real variable declared as X, can convert that X from the Celsius for Fahrenheit.</a:t>
             </a:r>
             <a:endParaRPr lang="en-GB" dirty="0"/>
@@ -4310,18 +4263,9 @@
           </a:p>
           <a:p>
             <a:r>
-              <a:rPr lang="en-GB" dirty="0" smtClean="0"/>
-              <a:t>public </a:t>
-            </a:r>
-            <a:r>
               <a:rPr lang="en-GB" dirty="0"/>
-              <a:t>class Main </a:t>
-            </a:r>
-            <a:r>
-              <a:rPr lang="en-GB" dirty="0" smtClean="0"/>
-              <a:t>{</a:t>
-            </a:r>
-            <a:endParaRPr lang="en-GB" dirty="0"/>
+              <a:t>public class Main {</a:t>
+            </a:r>
           </a:p>
           <a:p>
             <a:r>
@@ -4446,13 +4390,6 @@
   <p:clrMapOvr>
     <a:masterClrMapping/>
   </p:clrMapOvr>
-  <p:timing>
-    <p:tnLst>
-      <p:par>
-        <p:cTn id="1" dur="indefinite" restart="never" nodeType="tmRoot"/>
-      </p:par>
-    </p:tnLst>
-  </p:timing>
 </p:sld>
 </file>
 
@@ -4502,10 +4439,9 @@
           <a:lstStyle/>
           <a:p>
             <a:r>
-              <a:rPr lang="en-GB" dirty="0" smtClean="0"/>
+              <a:rPr lang="en-GB" dirty="0"/>
               <a:t>Static methods in Java</a:t>
             </a:r>
-            <a:endParaRPr lang="en-GB" dirty="0"/>
           </a:p>
         </p:txBody>
       </p:sp>
@@ -4542,7 +4478,7 @@
               <a:buChar char="v"/>
             </a:pPr>
             <a:r>
-              <a:rPr lang="en-US" dirty="0" smtClean="0"/>
+              <a:rPr lang="en-US" dirty="0"/>
               <a:t> Functions are Advanced operators  (they take input and return an output mapping)</a:t>
             </a:r>
           </a:p>
@@ -4552,8 +4488,8 @@
               <a:buChar char="v"/>
             </a:pPr>
             <a:r>
-              <a:rPr lang="en-US" dirty="0" smtClean="0"/>
-              <a:t> In Java Functions are called methods</a:t>
+              <a:rPr lang="en-US" dirty="0"/>
+              <a:t> In Java, Functions are called methods</a:t>
             </a:r>
           </a:p>
           <a:p>
@@ -4562,11 +4498,11 @@
               <a:buChar char="v"/>
             </a:pPr>
             <a:r>
-              <a:rPr lang="en-US" dirty="0" smtClean="0"/>
+              <a:rPr lang="en-US" dirty="0"/>
               <a:t> Methods</a:t>
             </a:r>
             <a:r>
-              <a:rPr lang="en-GB" dirty="0" smtClean="0"/>
+              <a:rPr lang="en-GB" dirty="0"/>
               <a:t> are the basic Algorithmic Units of a program</a:t>
             </a:r>
           </a:p>
@@ -4576,7 +4512,7 @@
               <a:buChar char="v"/>
             </a:pPr>
             <a:r>
-              <a:rPr lang="en-US" dirty="0" smtClean="0"/>
+              <a:rPr lang="en-US" dirty="0"/>
               <a:t> Method Concepts</a:t>
             </a:r>
           </a:p>
@@ -4587,11 +4523,7 @@
             </a:pPr>
             <a:r>
               <a:rPr lang="en-US" dirty="0"/>
-              <a:t> </a:t>
-            </a:r>
-            <a:r>
-              <a:rPr lang="en-US" dirty="0" smtClean="0"/>
-              <a:t>Creating methods (composition)</a:t>
+              <a:t> Creating methods (composition)</a:t>
             </a:r>
           </a:p>
           <a:p>
@@ -4601,11 +4533,7 @@
             </a:pPr>
             <a:r>
               <a:rPr lang="en-US" dirty="0"/>
-              <a:t> </a:t>
-            </a:r>
-            <a:r>
-              <a:rPr lang="en-US" dirty="0" smtClean="0"/>
-              <a:t>Signature</a:t>
+              <a:t> Signature</a:t>
             </a:r>
           </a:p>
           <a:p>
@@ -4615,11 +4543,7 @@
             </a:pPr>
             <a:r>
               <a:rPr lang="en-US" dirty="0"/>
-              <a:t> </a:t>
-            </a:r>
-            <a:r>
-              <a:rPr lang="en-US" dirty="0" smtClean="0"/>
-              <a:t>Name</a:t>
+              <a:t> Name</a:t>
             </a:r>
           </a:p>
           <a:p>
@@ -4629,11 +4553,7 @@
             </a:pPr>
             <a:r>
               <a:rPr lang="en-US" dirty="0"/>
-              <a:t> </a:t>
-            </a:r>
-            <a:r>
-              <a:rPr lang="en-US" dirty="0" smtClean="0"/>
-              <a:t>Return type</a:t>
+              <a:t> Return type</a:t>
             </a:r>
           </a:p>
           <a:p>
@@ -4643,11 +4563,7 @@
             </a:pPr>
             <a:r>
               <a:rPr lang="en-US" dirty="0"/>
-              <a:t> </a:t>
-            </a:r>
-            <a:r>
-              <a:rPr lang="en-US" dirty="0" smtClean="0"/>
-              <a:t>Type modifiers</a:t>
+              <a:t> Type modifiers</a:t>
             </a:r>
           </a:p>
           <a:p>
@@ -4657,11 +4573,7 @@
             </a:pPr>
             <a:r>
               <a:rPr lang="en-US" dirty="0"/>
-              <a:t> </a:t>
-            </a:r>
-            <a:r>
-              <a:rPr lang="en-US" dirty="0" smtClean="0"/>
-              <a:t>Input parameters</a:t>
+              <a:t> Input parameters</a:t>
             </a:r>
           </a:p>
           <a:p>
@@ -4671,11 +4583,7 @@
             </a:pPr>
             <a:r>
               <a:rPr lang="en-US" dirty="0"/>
-              <a:t> </a:t>
-            </a:r>
-            <a:r>
-              <a:rPr lang="en-US" dirty="0" smtClean="0"/>
-              <a:t>Method body</a:t>
+              <a:t> Method body</a:t>
             </a:r>
           </a:p>
           <a:p>
@@ -4684,7 +4592,7 @@
               <a:buChar char="v"/>
             </a:pPr>
             <a:r>
-              <a:rPr lang="en-US" dirty="0" smtClean="0"/>
+              <a:rPr lang="en-US" dirty="0"/>
               <a:t>Algorithmic contents</a:t>
             </a:r>
           </a:p>
@@ -4695,11 +4603,7 @@
             </a:pPr>
             <a:r>
               <a:rPr lang="en-US" dirty="0"/>
-              <a:t> </a:t>
-            </a:r>
-            <a:r>
-              <a:rPr lang="en-US" dirty="0" smtClean="0"/>
-              <a:t>Using methods</a:t>
+              <a:t> Using methods</a:t>
             </a:r>
           </a:p>
           <a:p>
@@ -4708,7 +4612,7 @@
               <a:buChar char="v"/>
             </a:pPr>
             <a:r>
-              <a:rPr lang="en-US" dirty="0" smtClean="0"/>
+              <a:rPr lang="en-US" dirty="0"/>
               <a:t>Method declaration</a:t>
             </a:r>
           </a:p>
@@ -4718,7 +4622,7 @@
               <a:buChar char="v"/>
             </a:pPr>
             <a:r>
-              <a:rPr lang="en-US" dirty="0" smtClean="0"/>
+              <a:rPr lang="en-US" dirty="0"/>
               <a:t>Method definition</a:t>
             </a:r>
           </a:p>
@@ -4728,7 +4632,7 @@
               <a:buChar char="v"/>
             </a:pPr>
             <a:r>
-              <a:rPr lang="en-US" dirty="0" smtClean="0"/>
+              <a:rPr lang="en-US" dirty="0"/>
               <a:t>Method call</a:t>
             </a:r>
           </a:p>
@@ -4739,11 +4643,7 @@
             </a:pPr>
             <a:r>
               <a:rPr lang="en-US" dirty="0"/>
-              <a:t> </a:t>
-            </a:r>
-            <a:r>
-              <a:rPr lang="en-US" dirty="0" smtClean="0"/>
-              <a:t>What is a static method</a:t>
+              <a:t> What is a static method</a:t>
             </a:r>
           </a:p>
           <a:p>
@@ -4753,11 +4653,7 @@
             </a:pPr>
             <a:r>
               <a:rPr lang="en-US" dirty="0"/>
-              <a:t> </a:t>
-            </a:r>
-            <a:r>
-              <a:rPr lang="en-US" dirty="0" smtClean="0"/>
-              <a:t>Static methods can be called without an object instance variable</a:t>
+              <a:t> Static methods can be called without an object instance variable</a:t>
             </a:r>
           </a:p>
           <a:p>
@@ -4766,15 +4662,15 @@
               <a:buChar char="v"/>
             </a:pPr>
             <a:r>
-              <a:rPr lang="en-US" dirty="0" smtClean="0"/>
+              <a:rPr lang="en-US" dirty="0"/>
               <a:t>Private methods are called within the class and Public me </a:t>
             </a:r>
             <a:r>
-              <a:rPr lang="en-US" dirty="0" err="1" smtClean="0"/>
+              <a:rPr lang="en-US" dirty="0" err="1"/>
               <a:t>thods</a:t>
             </a:r>
             <a:r>
-              <a:rPr lang="en-US" dirty="0" smtClean="0"/>
+              <a:rPr lang="en-US" dirty="0"/>
               <a:t> can be called outside the class</a:t>
             </a:r>
             <a:endParaRPr lang="en-GB" dirty="0"/>
@@ -4791,13 +4687,6 @@
   <p:clrMapOvr>
     <a:masterClrMapping/>
   </p:clrMapOvr>
-  <p:timing>
-    <p:tnLst>
-      <p:par>
-        <p:cTn id="1" dur="indefinite" restart="never" nodeType="tmRoot"/>
-      </p:par>
-    </p:tnLst>
-  </p:timing>
 </p:sld>
 </file>
 
@@ -4840,10 +4729,9 @@
           <a:lstStyle/>
           <a:p>
             <a:r>
-              <a:rPr lang="en-GB" dirty="0" smtClean="0"/>
+              <a:rPr lang="en-GB" dirty="0"/>
               <a:t>Static method example</a:t>
             </a:r>
-            <a:endParaRPr lang="en-GB" dirty="0"/>
           </a:p>
         </p:txBody>
       </p:sp>
@@ -4880,13 +4768,8 @@
             </a:pPr>
             <a:r>
               <a:rPr lang="en-US" sz="1800" dirty="0"/>
-              <a:t>public class Main </a:t>
-            </a:r>
-            <a:r>
-              <a:rPr lang="en-US" sz="1800" dirty="0" smtClean="0"/>
-              <a:t>{</a:t>
-            </a:r>
-            <a:endParaRPr lang="en-US" sz="1800" dirty="0"/>
+              <a:t>public class Main {</a:t>
+            </a:r>
           </a:p>
           <a:p>
             <a:pPr marL="0" indent="0">
@@ -5095,13 +4978,6 @@
   <p:clrMapOvr>
     <a:masterClrMapping/>
   </p:clrMapOvr>
-  <p:timing>
-    <p:tnLst>
-      <p:par>
-        <p:cTn id="1" dur="indefinite" restart="never" nodeType="tmRoot"/>
-      </p:par>
-    </p:tnLst>
-  </p:timing>
 </p:sld>
 </file>
 
@@ -5175,13 +5051,6 @@
   <p:clrMapOvr>
     <a:masterClrMapping/>
   </p:clrMapOvr>
-  <p:timing>
-    <p:tnLst>
-      <p:par>
-        <p:cTn id="1" dur="indefinite" restart="never" nodeType="tmRoot"/>
-      </p:par>
-    </p:tnLst>
-  </p:timing>
 </p:sld>
 </file>
 
@@ -5231,10 +5100,9 @@
           <a:lstStyle/>
           <a:p>
             <a:r>
-              <a:rPr lang="en-GB" dirty="0" smtClean="0"/>
+              <a:rPr lang="en-GB" dirty="0"/>
               <a:t>Exercises</a:t>
             </a:r>
-            <a:endParaRPr lang="en-GB" dirty="0"/>
           </a:p>
         </p:txBody>
       </p:sp>
@@ -5270,7 +5138,7 @@
               <a:buAutoNum type="arabicPeriod"/>
             </a:pPr>
             <a:r>
-              <a:rPr lang="en-US" dirty="0" smtClean="0"/>
+              <a:rPr lang="en-US" dirty="0"/>
               <a:t>Write a simple Java program that prints “Hello from Java”</a:t>
             </a:r>
           </a:p>
@@ -5279,7 +5147,7 @@
               <a:buAutoNum type="arabicPeriod"/>
             </a:pPr>
             <a:r>
-              <a:rPr lang="en-US" dirty="0" smtClean="0"/>
+              <a:rPr lang="en-US" dirty="0"/>
               <a:t>Write a program that gives the sum, product, subtraction and division of two numbers</a:t>
             </a:r>
           </a:p>
@@ -5288,7 +5156,7 @@
               <a:buAutoNum type="arabicPeriod"/>
             </a:pPr>
             <a:r>
-              <a:rPr lang="en-US" dirty="0" smtClean="0"/>
+              <a:rPr lang="en-US" dirty="0"/>
               <a:t>Write a program that takes a real number variable X and converts the value from degrees Celsius to degrees Fahrenheit.</a:t>
             </a:r>
           </a:p>
@@ -5297,7 +5165,7 @@
               <a:buNone/>
             </a:pPr>
             <a:r>
-              <a:rPr lang="en-US" dirty="0" smtClean="0"/>
+              <a:rPr lang="en-US" dirty="0"/>
               <a:t>Advanced Questions</a:t>
             </a:r>
           </a:p>
@@ -5315,40 +5183,40 @@
               <a:buAutoNum type="arabicPeriod"/>
             </a:pPr>
             <a:r>
-              <a:rPr lang="en-US" dirty="0" smtClean="0"/>
-              <a:t>Write seven static methods in a single Main class, and then, call them all from the main method displaying their results.  The statics methods should comprise all the above four programs.  One static method for each question. The static method for question 1 should be called “</a:t>
-            </a:r>
-            <a:r>
-              <a:rPr lang="en-US" dirty="0" err="1" smtClean="0"/>
+              <a:rPr lang="en-US" dirty="0"/>
+              <a:t>Write seven static methods in a single Main class, and then, call them all from the main method displaying their results.  The static methods should comprise all the above seven programs.  One static method for each question. The static method for question 1 should be called “</a:t>
+            </a:r>
+            <a:r>
+              <a:rPr lang="en-US" dirty="0" err="1"/>
               <a:t>sayHello</a:t>
             </a:r>
             <a:r>
-              <a:rPr lang="en-US" dirty="0" smtClean="0"/>
-              <a:t>” the arithmetic operator methods should be called “add”, “sub”, “</a:t>
-            </a:r>
-            <a:r>
-              <a:rPr lang="en-US" dirty="0" err="1" smtClean="0"/>
+              <a:rPr lang="en-US" dirty="0"/>
+              <a:t>()” the arithmetic operator methods should be called “add()”, “sub()”, “</a:t>
+            </a:r>
+            <a:r>
+              <a:rPr lang="en-US" dirty="0" err="1"/>
               <a:t>mult</a:t>
             </a:r>
             <a:r>
-              <a:rPr lang="en-US" dirty="0" smtClean="0"/>
-              <a:t>” and “div” and the temperature methods should be called </a:t>
-            </a:r>
-            <a:r>
-              <a:rPr lang="en-US" dirty="0" err="1" smtClean="0"/>
+              <a:rPr lang="en-US" dirty="0"/>
+              <a:t>()” and “div()” and the temperature methods should be called </a:t>
+            </a:r>
+            <a:r>
+              <a:rPr lang="en-US" dirty="0" err="1"/>
               <a:t>toCelsius</a:t>
             </a:r>
             <a:r>
-              <a:rPr lang="en-US" dirty="0" smtClean="0"/>
-              <a:t> and </a:t>
-            </a:r>
-            <a:r>
-              <a:rPr lang="en-US" dirty="0" err="1" smtClean="0"/>
+              <a:rPr lang="en-US" dirty="0"/>
+              <a:t>() and </a:t>
+            </a:r>
+            <a:r>
+              <a:rPr lang="en-US" dirty="0" err="1"/>
               <a:t>toFahrenheit</a:t>
             </a:r>
             <a:r>
-              <a:rPr lang="en-US" dirty="0" smtClean="0"/>
-              <a:t>.</a:t>
+              <a:rPr lang="en-US" dirty="0"/>
+              <a:t>().</a:t>
             </a:r>
             <a:endParaRPr lang="en-GB" dirty="0"/>
           </a:p>
@@ -5364,13 +5232,6 @@
   <p:clrMapOvr>
     <a:masterClrMapping/>
   </p:clrMapOvr>
-  <p:timing>
-    <p:tnLst>
-      <p:par>
-        <p:cTn id="1" dur="indefinite" restart="never" nodeType="tmRoot"/>
-      </p:par>
-    </p:tnLst>
-  </p:timing>
 </p:sld>
 </file>
 
@@ -5413,10 +5274,9 @@
           <a:lstStyle/>
           <a:p>
             <a:r>
-              <a:rPr lang="en-GB" dirty="0" smtClean="0"/>
+              <a:rPr lang="en-GB" dirty="0"/>
               <a:t>Outline</a:t>
             </a:r>
-            <a:endParaRPr lang="en-GB" dirty="0"/>
           </a:p>
         </p:txBody>
       </p:sp>
@@ -5451,7 +5311,7 @@
               <a:buChar char="v"/>
             </a:pPr>
             <a:r>
-              <a:rPr lang="en-GB" dirty="0" smtClean="0"/>
+              <a:rPr lang="en-GB" dirty="0"/>
               <a:t> Java programming revolves around  classes and objects</a:t>
             </a:r>
           </a:p>
@@ -5461,10 +5321,9 @@
               <a:buChar char="v"/>
             </a:pPr>
             <a:r>
-              <a:rPr lang="en-GB" dirty="0" smtClean="0"/>
-              <a:t> Java Variables and Datatypes.</a:t>
-            </a:r>
-            <a:endParaRPr lang="en-GB" dirty="0"/>
+              <a:rPr lang="en-GB" dirty="0"/>
+              <a:t> The hello Java class.</a:t>
+            </a:r>
           </a:p>
           <a:p>
             <a:pPr>
@@ -5472,8 +5331,8 @@
               <a:buChar char="v"/>
             </a:pPr>
             <a:r>
-              <a:rPr lang="en-GB" dirty="0" smtClean="0"/>
-              <a:t> The hello Java class.</a:t>
+              <a:rPr lang="en-GB" dirty="0"/>
+              <a:t> Java Variables and Datatypes.</a:t>
             </a:r>
           </a:p>
           <a:p>
@@ -5482,7 +5341,7 @@
               <a:buChar char="v"/>
             </a:pPr>
             <a:r>
-              <a:rPr lang="en-US" dirty="0" smtClean="0"/>
+              <a:rPr lang="en-US" dirty="0"/>
               <a:t> Comparing Java to  C++</a:t>
             </a:r>
           </a:p>
@@ -5493,11 +5352,7 @@
             </a:pPr>
             <a:r>
               <a:rPr lang="en-US" dirty="0"/>
-              <a:t> </a:t>
-            </a:r>
-            <a:r>
-              <a:rPr lang="en-US" dirty="0" smtClean="0"/>
-              <a:t>Operations in Java</a:t>
+              <a:t> Operations in Java</a:t>
             </a:r>
           </a:p>
           <a:p>
@@ -5507,11 +5362,7 @@
             </a:pPr>
             <a:r>
               <a:rPr lang="en-US" dirty="0"/>
-              <a:t> </a:t>
-            </a:r>
-            <a:r>
-              <a:rPr lang="en-US" dirty="0" smtClean="0"/>
-              <a:t>Functions in Java (they are now called methods)</a:t>
+              <a:t> Functions in Java (they are now called methods)</a:t>
             </a:r>
             <a:endParaRPr lang="en-GB" dirty="0"/>
           </a:p>
@@ -5530,13 +5381,6 @@
   <p:clrMapOvr>
     <a:masterClrMapping/>
   </p:clrMapOvr>
-  <p:timing>
-    <p:tnLst>
-      <p:par>
-        <p:cTn id="1" dur="indefinite" restart="never" nodeType="tmRoot"/>
-      </p:par>
-    </p:tnLst>
-  </p:timing>
 </p:sld>
 </file>
 
@@ -5579,10 +5423,9 @@
           <a:lstStyle/>
           <a:p>
             <a:r>
-              <a:rPr lang="en-GB" dirty="0" smtClean="0"/>
+              <a:rPr lang="en-GB" dirty="0"/>
               <a:t>Hello Java</a:t>
             </a:r>
-            <a:endParaRPr lang="en-GB" dirty="0"/>
           </a:p>
         </p:txBody>
       </p:sp>
@@ -5746,7 +5589,7 @@
         </p:spPr>
         <p:txBody>
           <a:bodyPr vert="horz" lIns="91440" tIns="45720" rIns="91440" bIns="45720" rtlCol="0" anchor="b">
-            <a:normAutofit fontScale="92500" lnSpcReduction="10000"/>
+            <a:normAutofit fontScale="92500" lnSpcReduction="20000"/>
           </a:bodyPr>
           <a:lstStyle>
             <a:lvl1pPr algn="l" defTabSz="914400" rtl="0" eaLnBrk="1" latinLnBrk="0" hangingPunct="1">
@@ -5772,10 +5615,9 @@
           </a:lstStyle>
           <a:p>
             <a:r>
-              <a:rPr lang="en-GB" dirty="0" smtClean="0"/>
+              <a:rPr lang="en-GB" dirty="0"/>
               <a:t>Hello C++</a:t>
             </a:r>
-            <a:endParaRPr lang="en-GB" dirty="0"/>
           </a:p>
         </p:txBody>
       </p:sp>
@@ -6100,10 +5942,9 @@
               <a:t>std</a:t>
             </a:r>
             <a:r>
-              <a:rPr lang="en-GB" sz="1800" dirty="0" smtClean="0"/>
+              <a:rPr lang="en-GB" sz="1800" dirty="0"/>
               <a:t>;</a:t>
             </a:r>
-            <a:endParaRPr lang="en-GB" sz="1800" dirty="0"/>
           </a:p>
           <a:p>
             <a:pPr marL="0" indent="0">
@@ -6159,22 +6000,13 @@
               <a:buNone/>
             </a:pPr>
             <a:r>
-              <a:rPr lang="en-GB" sz="1800" dirty="0" err="1" smtClean="0"/>
+              <a:rPr lang="en-GB" sz="1800" dirty="0" err="1"/>
               <a:t>cout</a:t>
             </a:r>
             <a:r>
-              <a:rPr lang="en-GB" sz="1800" dirty="0" smtClean="0"/>
-              <a:t> </a:t>
-            </a:r>
-            <a:r>
               <a:rPr lang="en-GB" sz="1800" dirty="0"/>
-              <a:t>&lt;&lt; </a:t>
-            </a:r>
-            <a:r>
-              <a:rPr lang="en-GB" sz="1800" dirty="0" smtClean="0"/>
-              <a:t>Hello World";</a:t>
-            </a:r>
-            <a:endParaRPr lang="en-GB" sz="1800" dirty="0"/>
+              <a:t> &lt;&lt; Hello World";</a:t>
+            </a:r>
           </a:p>
           <a:p>
             <a:pPr marL="0" indent="0">
@@ -6224,13 +6056,6 @@
   <p:clrMapOvr>
     <a:masterClrMapping/>
   </p:clrMapOvr>
-  <p:timing>
-    <p:tnLst>
-      <p:par>
-        <p:cTn id="1" dur="indefinite" restart="never" nodeType="tmRoot"/>
-      </p:par>
-    </p:tnLst>
-  </p:timing>
 </p:sld>
 </file>
 
@@ -6273,7 +6098,7 @@
           <a:lstStyle/>
           <a:p>
             <a:r>
-              <a:rPr lang="en-US" dirty="0" smtClean="0"/>
+              <a:rPr lang="en-US" dirty="0"/>
               <a:t>What is a variable? </a:t>
             </a:r>
             <a:endParaRPr lang="en-GB" dirty="0"/>
@@ -6313,7 +6138,7 @@
               <a:buChar char="v"/>
             </a:pPr>
             <a:r>
-              <a:rPr lang="en-GB" dirty="0" smtClean="0"/>
+              <a:rPr lang="en-GB" dirty="0"/>
               <a:t> A name given by the programmer within a program that is not reserved and can store values. Identify the variables in the following program:</a:t>
             </a:r>
           </a:p>
@@ -6346,11 +6171,7 @@
             </a:pPr>
             <a:r>
               <a:rPr lang="en-GB" dirty="0"/>
-              <a:t>public class Main </a:t>
-            </a:r>
-            <a:r>
-              <a:rPr lang="en-GB" dirty="0" smtClean="0"/>
-              <a:t>{</a:t>
+              <a:t>public class Main {</a:t>
             </a:r>
           </a:p>
           <a:p>
@@ -6953,13 +6774,6 @@
   <p:clrMapOvr>
     <a:masterClrMapping/>
   </p:clrMapOvr>
-  <p:timing>
-    <p:tnLst>
-      <p:par>
-        <p:cTn id="1" dur="indefinite" restart="never" nodeType="tmRoot"/>
-      </p:par>
-    </p:tnLst>
-  </p:timing>
 </p:sld>
 </file>
 
@@ -7231,10 +7045,9 @@
             </a:p>
             <a:p>
               <a:r>
-                <a:rPr lang="en-GB" dirty="0" smtClean="0"/>
+                <a:rPr lang="en-GB" dirty="0"/>
                 <a:t>Array</a:t>
               </a:r>
-              <a:endParaRPr lang="en-GB" dirty="0"/>
             </a:p>
             <a:p>
               <a:r>
@@ -7313,13 +7126,13 @@
             </a:p>
             <a:p>
               <a:r>
-                <a:rPr lang="en-GB" dirty="0" smtClean="0"/>
+                <a:rPr lang="en-GB" dirty="0"/>
                 <a:t>Class</a:t>
               </a:r>
             </a:p>
             <a:p>
               <a:r>
-                <a:rPr lang="en-US" dirty="0" smtClean="0"/>
+                <a:rPr lang="en-US" dirty="0"/>
                 <a:t>Object</a:t>
               </a:r>
               <a:endParaRPr lang="en-GB" dirty="0"/>
@@ -7361,14 +7174,14 @@
             </a:p>
             <a:p>
               <a:r>
-                <a:rPr lang="en-GB" strike="sngStrike" dirty="0" err="1" smtClean="0">
+                <a:rPr lang="en-GB" strike="sngStrike" dirty="0" err="1">
                   <a:solidFill>
                     <a:srgbClr val="FF0000"/>
                   </a:solidFill>
                 </a:rPr>
                 <a:t>Typedef</a:t>
               </a:r>
-              <a:endParaRPr lang="en-GB" strike="sngStrike" dirty="0" smtClean="0">
+              <a:endParaRPr lang="en-GB" strike="sngStrike" dirty="0">
                 <a:solidFill>
                   <a:srgbClr val="FF0000"/>
                 </a:solidFill>
@@ -7520,13 +7333,6 @@
   <p:clrMapOvr>
     <a:masterClrMapping/>
   </p:clrMapOvr>
-  <p:timing>
-    <p:tnLst>
-      <p:par>
-        <p:cTn id="1" dur="indefinite" restart="never" nodeType="tmRoot"/>
-      </p:par>
-    </p:tnLst>
-  </p:timing>
 </p:sld>
 </file>
 
@@ -7569,10 +7375,9 @@
           <a:lstStyle/>
           <a:p>
             <a:r>
-              <a:rPr lang="en-GB" dirty="0" smtClean="0"/>
+              <a:rPr lang="en-GB" dirty="0"/>
               <a:t>Java primitive data types</a:t>
             </a:r>
-            <a:endParaRPr lang="en-GB" dirty="0"/>
           </a:p>
         </p:txBody>
       </p:sp>
@@ -7608,11 +7413,7 @@
             </a:pPr>
             <a:r>
               <a:rPr lang="en-GB" dirty="0"/>
-              <a:t> </a:t>
-            </a:r>
-            <a:r>
-              <a:rPr lang="en-GB" dirty="0" smtClean="0"/>
-              <a:t>byte - </a:t>
+              <a:t> byte - </a:t>
             </a:r>
           </a:p>
           <a:p>
@@ -7621,7 +7422,7 @@
               <a:buChar char="v"/>
             </a:pPr>
             <a:r>
-              <a:rPr lang="en-US" dirty="0" smtClean="0"/>
+              <a:rPr lang="en-US" dirty="0"/>
               <a:t> short - </a:t>
             </a:r>
           </a:p>
@@ -7631,15 +7432,15 @@
               <a:buChar char="v"/>
             </a:pPr>
             <a:r>
-              <a:rPr lang="en-US" dirty="0" smtClean="0"/>
+              <a:rPr lang="en-US" dirty="0"/>
               <a:t> </a:t>
             </a:r>
             <a:r>
-              <a:rPr lang="en-US" dirty="0" err="1" smtClean="0"/>
+              <a:rPr lang="en-US" dirty="0" err="1"/>
               <a:t>int</a:t>
             </a:r>
             <a:r>
-              <a:rPr lang="en-US" dirty="0" smtClean="0"/>
+              <a:rPr lang="en-US" dirty="0"/>
               <a:t> - </a:t>
             </a:r>
           </a:p>
@@ -7650,11 +7451,7 @@
             </a:pPr>
             <a:r>
               <a:rPr lang="en-US" dirty="0"/>
-              <a:t> </a:t>
-            </a:r>
-            <a:r>
-              <a:rPr lang="en-US" dirty="0" smtClean="0"/>
-              <a:t>long - </a:t>
+              <a:t> long - </a:t>
             </a:r>
           </a:p>
           <a:p>
@@ -7663,7 +7460,7 @@
               <a:buChar char="v"/>
             </a:pPr>
             <a:r>
-              <a:rPr lang="en-US" dirty="0" smtClean="0"/>
+              <a:rPr lang="en-US" dirty="0"/>
               <a:t> float - </a:t>
             </a:r>
           </a:p>
@@ -7674,11 +7471,7 @@
             </a:pPr>
             <a:r>
               <a:rPr lang="en-US" dirty="0"/>
-              <a:t> </a:t>
-            </a:r>
-            <a:r>
-              <a:rPr lang="en-US" dirty="0" smtClean="0"/>
-              <a:t>double - </a:t>
+              <a:t> double - </a:t>
             </a:r>
           </a:p>
           <a:p>
@@ -7688,11 +7481,7 @@
             </a:pPr>
             <a:r>
               <a:rPr lang="en-US" dirty="0"/>
-              <a:t> </a:t>
-            </a:r>
-            <a:r>
-              <a:rPr lang="en-US" dirty="0" smtClean="0"/>
-              <a:t>char - </a:t>
+              <a:t> char - </a:t>
             </a:r>
           </a:p>
           <a:p>
@@ -7702,11 +7491,7 @@
             </a:pPr>
             <a:r>
               <a:rPr lang="en-US" dirty="0"/>
-              <a:t> </a:t>
-            </a:r>
-            <a:r>
-              <a:rPr lang="en-US" dirty="0" smtClean="0"/>
-              <a:t>bool - </a:t>
+              <a:t> bool - </a:t>
             </a:r>
             <a:endParaRPr lang="en-GB" dirty="0"/>
           </a:p>
@@ -7725,13 +7510,6 @@
   <p:clrMapOvr>
     <a:masterClrMapping/>
   </p:clrMapOvr>
-  <p:timing>
-    <p:tnLst>
-      <p:par>
-        <p:cTn id="1" dur="indefinite" restart="never" nodeType="tmRoot"/>
-      </p:par>
-    </p:tnLst>
-  </p:timing>
 </p:sld>
 </file>
 
@@ -7805,13 +7583,6 @@
   <p:clrMapOvr>
     <a:masterClrMapping/>
   </p:clrMapOvr>
-  <p:timing>
-    <p:tnLst>
-      <p:par>
-        <p:cTn id="1" dur="indefinite" restart="never" nodeType="tmRoot"/>
-      </p:par>
-    </p:tnLst>
-  </p:timing>
 </p:sld>
 </file>
 
@@ -7854,10 +7625,9 @@
           <a:lstStyle/>
           <a:p>
             <a:r>
-              <a:rPr lang="en-GB" dirty="0" smtClean="0"/>
+              <a:rPr lang="en-GB" dirty="0"/>
               <a:t>Java vs C++</a:t>
             </a:r>
-            <a:endParaRPr lang="en-GB" dirty="0"/>
           </a:p>
         </p:txBody>
       </p:sp>
@@ -7917,10 +7687,6 @@
             </a:r>
           </a:p>
           <a:p>
-            <a:r>
-              <a:rPr lang="en-GB" dirty="0"/>
-              <a:t/>
-            </a:r>
             <a:br>
               <a:rPr lang="en-GB" dirty="0"/>
             </a:br>
@@ -8374,13 +8140,6 @@
   <p:clrMapOvr>
     <a:masterClrMapping/>
   </p:clrMapOvr>
-  <p:timing>
-    <p:tnLst>
-      <p:par>
-        <p:cTn id="1" dur="indefinite" restart="never" nodeType="tmRoot"/>
-      </p:par>
-    </p:tnLst>
-  </p:timing>
 </p:sld>
 </file>
 
@@ -8419,19 +8178,20 @@
         </p:nvSpPr>
         <p:spPr>
           <a:xfrm>
-            <a:off x="822960" y="209550"/>
-            <a:ext cx="7543800" cy="842011"/>
+            <a:off x="822960" y="209551"/>
+            <a:ext cx="7543800" cy="648288"/>
           </a:xfrm>
         </p:spPr>
         <p:txBody>
-          <a:bodyPr/>
+          <a:bodyPr>
+            <a:normAutofit fontScale="90000"/>
+          </a:bodyPr>
           <a:lstStyle/>
           <a:p>
             <a:r>
-              <a:rPr lang="en-GB" dirty="0" smtClean="0"/>
+              <a:rPr lang="en-GB" dirty="0"/>
               <a:t>Java vs C++</a:t>
             </a:r>
-            <a:endParaRPr lang="en-GB" dirty="0"/>
           </a:p>
         </p:txBody>
       </p:sp>
@@ -8445,14 +8205,14 @@
             <p:ph idx="1"/>
             <p:extLst>
               <p:ext uri="{D42A27DB-BD31-4B8C-83A1-F6EECF244321}">
-                <p14:modId xmlns:p14="http://schemas.microsoft.com/office/powerpoint/2010/main" val="1827113173"/>
+                <p14:modId xmlns:p14="http://schemas.microsoft.com/office/powerpoint/2010/main" val="1542963779"/>
               </p:ext>
             </p:extLst>
           </p:nvPr>
         </p:nvGraphicFramePr>
         <p:xfrm>
-          <a:off x="822325" y="1160463"/>
-          <a:ext cx="7543800" cy="5191760"/>
+          <a:off x="822324" y="707977"/>
+          <a:ext cx="8029445" cy="5933440"/>
         </p:xfrm>
         <a:graphic>
           <a:graphicData uri="http://schemas.openxmlformats.org/drawingml/2006/table">
@@ -8461,14 +8221,14 @@
                 <a:tableStyleId>{5C22544A-7EE6-4342-B048-85BDC9FD1C3A}</a:tableStyleId>
               </a:tblPr>
               <a:tblGrid>
-                <a:gridCol w="3902075">
+                <a:gridCol w="3853371">
                   <a:extLst>
                     <a:ext uri="{9D8B030D-6E8A-4147-A177-3AD203B41FA5}">
                       <a16:colId xmlns:a16="http://schemas.microsoft.com/office/drawing/2014/main" val="556362946"/>
                     </a:ext>
                   </a:extLst>
                 </a:gridCol>
-                <a:gridCol w="3641725">
+                <a:gridCol w="4176074">
                   <a:extLst>
                     <a:ext uri="{9D8B030D-6E8A-4147-A177-3AD203B41FA5}">
                       <a16:colId xmlns:a16="http://schemas.microsoft.com/office/drawing/2014/main" val="2629390443"/>
@@ -8483,7 +8243,7 @@
                     <a:lstStyle/>
                     <a:p>
                       <a:r>
-                        <a:rPr lang="en-US" dirty="0" smtClean="0"/>
+                        <a:rPr lang="en-US" dirty="0"/>
                         <a:t>SIMILARITIES</a:t>
                       </a:r>
                       <a:endParaRPr lang="en-GB" dirty="0"/>
@@ -8497,7 +8257,7 @@
                     <a:lstStyle/>
                     <a:p>
                       <a:r>
-                        <a:rPr lang="en-US" dirty="0" smtClean="0"/>
+                        <a:rPr lang="en-US" dirty="0"/>
                         <a:t>DIFFERENCES</a:t>
                       </a:r>
                       <a:endParaRPr lang="en-GB" dirty="0"/>
@@ -8518,11 +8278,11 @@
                     <a:lstStyle/>
                     <a:p>
                       <a:r>
-                        <a:rPr lang="en-US" dirty="0" smtClean="0"/>
+                        <a:rPr lang="en-US" dirty="0"/>
                         <a:t>1.</a:t>
                       </a:r>
                       <a:r>
-                        <a:rPr lang="en-US" baseline="0" dirty="0" smtClean="0"/>
+                        <a:rPr lang="en-US" baseline="0" dirty="0"/>
                         <a:t> Use of curly braces</a:t>
                       </a:r>
                       <a:endParaRPr lang="en-GB" dirty="0"/>
@@ -8536,11 +8296,11 @@
                     <a:lstStyle/>
                     <a:p>
                       <a:r>
-                        <a:rPr lang="en-US" dirty="0" smtClean="0"/>
+                        <a:rPr lang="en-US" dirty="0"/>
                         <a:t>1.</a:t>
                       </a:r>
                       <a:r>
-                        <a:rPr lang="en-US" baseline="0" dirty="0" smtClean="0"/>
+                        <a:rPr lang="en-US" baseline="0" dirty="0"/>
                         <a:t> Code organization</a:t>
                       </a:r>
                       <a:endParaRPr lang="en-GB" dirty="0"/>
@@ -8561,12 +8321,8 @@
                     <a:lstStyle/>
                     <a:p>
                       <a:r>
-                        <a:rPr lang="en-US" dirty="0" smtClean="0"/>
-                        <a:t>2. Basic </a:t>
-                      </a:r>
-                      <a:r>
-                        <a:rPr lang="en-US" dirty="0" smtClean="0"/>
-                        <a:t>syntax</a:t>
+                        <a:rPr lang="en-US" dirty="0"/>
+                        <a:t>2. Basic syntax</a:t>
                       </a:r>
                       <a:endParaRPr lang="en-GB" dirty="0"/>
                     </a:p>
@@ -8579,7 +8335,7 @@
                     <a:lstStyle/>
                     <a:p>
                       <a:r>
-                        <a:rPr lang="en-US" dirty="0" smtClean="0"/>
+                        <a:rPr lang="en-US" dirty="0"/>
                         <a:t>1a. Package vs namespace </a:t>
                       </a:r>
                       <a:endParaRPr lang="en-GB" dirty="0"/>
@@ -8600,11 +8356,11 @@
                     <a:lstStyle/>
                     <a:p>
                       <a:r>
-                        <a:rPr lang="en-US" dirty="0" smtClean="0"/>
+                        <a:rPr lang="en-US" dirty="0"/>
                         <a:t>2a. Command/sequential</a:t>
                       </a:r>
                       <a:r>
-                        <a:rPr lang="en-US" baseline="0" dirty="0" smtClean="0"/>
+                        <a:rPr lang="en-US" baseline="0" dirty="0"/>
                         <a:t> syntax</a:t>
                       </a:r>
                       <a:endParaRPr lang="en-GB" dirty="0"/>
@@ -8618,15 +8374,15 @@
                     <a:lstStyle/>
                     <a:p>
                       <a:r>
-                        <a:rPr lang="en-US" dirty="0" smtClean="0"/>
+                        <a:rPr lang="en-US" dirty="0"/>
                         <a:t>2. Entry</a:t>
                       </a:r>
                       <a:r>
-                        <a:rPr lang="en-US" baseline="0" dirty="0" smtClean="0"/>
+                        <a:rPr lang="en-US" baseline="0" dirty="0"/>
                         <a:t> Class/method</a:t>
                       </a:r>
                       <a:r>
-                        <a:rPr lang="en-US" dirty="0" smtClean="0"/>
+                        <a:rPr lang="en-US" dirty="0"/>
                         <a:t> </a:t>
                       </a:r>
                       <a:endParaRPr lang="en-GB" dirty="0"/>
@@ -8647,7 +8403,7 @@
                     <a:lstStyle/>
                     <a:p>
                       <a:r>
-                        <a:rPr lang="en-US" dirty="0" smtClean="0"/>
+                        <a:rPr lang="en-US" dirty="0"/>
                         <a:t>2b. Control structures</a:t>
                       </a:r>
                       <a:endParaRPr lang="en-GB" dirty="0"/>
@@ -8661,7 +8417,7 @@
                     <a:lstStyle/>
                     <a:p>
                       <a:r>
-                        <a:rPr lang="en-US" dirty="0" smtClean="0"/>
+                        <a:rPr lang="en-US" dirty="0"/>
                         <a:t>3. Explicit Type modifiers</a:t>
                       </a:r>
                       <a:endParaRPr lang="en-GB" dirty="0"/>
@@ -8682,11 +8438,11 @@
                     <a:lstStyle/>
                     <a:p>
                       <a:r>
-                        <a:rPr lang="en-US" dirty="0" smtClean="0"/>
+                        <a:rPr lang="en-US" dirty="0"/>
                         <a:t>3.</a:t>
                       </a:r>
                       <a:r>
-                        <a:rPr lang="en-US" baseline="0" dirty="0" smtClean="0"/>
+                        <a:rPr lang="en-US" baseline="0" dirty="0"/>
                         <a:t> Case sensitivity</a:t>
                       </a:r>
                       <a:endParaRPr lang="en-GB" dirty="0"/>
@@ -8700,7 +8456,7 @@
                     <a:lstStyle/>
                     <a:p>
                       <a:r>
-                        <a:rPr lang="en-US" dirty="0" smtClean="0"/>
+                        <a:rPr lang="en-US" dirty="0"/>
                         <a:t>4. Console input and output</a:t>
                       </a:r>
                       <a:endParaRPr lang="en-GB" dirty="0"/>
@@ -8721,7 +8477,7 @@
                     <a:lstStyle/>
                     <a:p>
                       <a:r>
-                        <a:rPr lang="en-US" dirty="0" smtClean="0"/>
+                        <a:rPr lang="en-US" dirty="0"/>
                         <a:t>4. Some keywords</a:t>
                       </a:r>
                       <a:endParaRPr lang="en-GB" dirty="0"/>
@@ -8735,7 +8491,7 @@
                     <a:lstStyle/>
                     <a:p>
                       <a:r>
-                        <a:rPr lang="en-US" dirty="0" smtClean="0"/>
+                        <a:rPr lang="en-US" dirty="0"/>
                         <a:t>5. Some keywords</a:t>
                       </a:r>
                       <a:endParaRPr lang="en-GB" dirty="0"/>
@@ -8756,7 +8512,7 @@
                     <a:lstStyle/>
                     <a:p>
                       <a:r>
-                        <a:rPr lang="en-US" dirty="0" smtClean="0"/>
+                        <a:rPr lang="en-US" dirty="0"/>
                         <a:t>5. Method syntax</a:t>
                       </a:r>
                       <a:endParaRPr lang="en-GB" dirty="0"/>
@@ -8770,11 +8526,11 @@
                     <a:lstStyle/>
                     <a:p>
                       <a:r>
-                        <a:rPr lang="en-US" dirty="0" smtClean="0"/>
+                        <a:rPr lang="en-US" dirty="0"/>
                         <a:t>6.</a:t>
                       </a:r>
                       <a:r>
-                        <a:rPr lang="en-US" baseline="0" dirty="0" smtClean="0"/>
+                        <a:rPr lang="en-US" baseline="0" dirty="0"/>
                         <a:t> Classes and filenames</a:t>
                       </a:r>
                       <a:endParaRPr lang="en-GB" dirty="0"/>
@@ -8795,11 +8551,11 @@
                     <a:lstStyle/>
                     <a:p>
                       <a:r>
-                        <a:rPr lang="en-US" dirty="0" smtClean="0"/>
+                        <a:rPr lang="en-US" dirty="0"/>
                         <a:t>6.</a:t>
                       </a:r>
                       <a:r>
-                        <a:rPr lang="en-US" baseline="0" dirty="0" smtClean="0"/>
+                        <a:rPr lang="en-US" baseline="0" dirty="0"/>
                         <a:t> Operators</a:t>
                       </a:r>
                       <a:endParaRPr lang="en-GB" dirty="0"/>
@@ -8813,11 +8569,11 @@
                     <a:lstStyle/>
                     <a:p>
                       <a:r>
-                        <a:rPr lang="en-US" dirty="0" smtClean="0"/>
+                        <a:rPr lang="en-US" dirty="0"/>
                         <a:t>7. Include</a:t>
                       </a:r>
                       <a:r>
-                        <a:rPr lang="en-US" baseline="0" dirty="0" smtClean="0"/>
+                        <a:rPr lang="en-US" baseline="0" dirty="0"/>
                         <a:t> vs import</a:t>
                       </a:r>
                       <a:endParaRPr lang="en-GB" dirty="0"/>
@@ -8838,15 +8594,15 @@
                     <a:lstStyle/>
                     <a:p>
                       <a:r>
-                        <a:rPr lang="en-US" dirty="0" smtClean="0"/>
+                        <a:rPr lang="en-US" dirty="0"/>
                         <a:t>7.  Literal values e.g. string</a:t>
                       </a:r>
                       <a:r>
-                        <a:rPr lang="en-US" baseline="0" dirty="0" smtClean="0"/>
+                        <a:rPr lang="en-US" baseline="0" dirty="0"/>
                         <a:t> quotes</a:t>
                       </a:r>
                       <a:r>
-                        <a:rPr lang="en-US" dirty="0" smtClean="0"/>
+                        <a:rPr lang="en-US" dirty="0"/>
                         <a:t> </a:t>
                       </a:r>
                       <a:endParaRPr lang="en-GB" dirty="0"/>
@@ -8860,11 +8616,11 @@
                     <a:lstStyle/>
                     <a:p>
                       <a:r>
-                        <a:rPr lang="en-US" dirty="0" smtClean="0"/>
+                        <a:rPr lang="en-US" dirty="0"/>
                         <a:t>8.</a:t>
                       </a:r>
                       <a:r>
-                        <a:rPr lang="en-US" baseline="0" dirty="0" smtClean="0"/>
+                        <a:rPr lang="en-US" baseline="0" dirty="0"/>
                         <a:t> Method headers</a:t>
                       </a:r>
                       <a:endParaRPr lang="en-GB" dirty="0"/>
@@ -8885,11 +8641,11 @@
                     <a:lstStyle/>
                     <a:p>
                       <a:r>
-                        <a:rPr lang="en-US" dirty="0" smtClean="0"/>
+                        <a:rPr lang="en-US" dirty="0"/>
                         <a:t>8. Member</a:t>
                       </a:r>
                       <a:r>
-                        <a:rPr lang="en-US" baseline="0" dirty="0" smtClean="0"/>
+                        <a:rPr lang="en-US" baseline="0" dirty="0"/>
                         <a:t> of operator (.)</a:t>
                       </a:r>
                       <a:endParaRPr lang="en-GB" dirty="0"/>
@@ -8903,7 +8659,7 @@
                     <a:lstStyle/>
                     <a:p>
                       <a:r>
-                        <a:rPr lang="en-US" dirty="0" smtClean="0"/>
+                        <a:rPr lang="en-US" dirty="0"/>
                         <a:t>9. Console Input/output</a:t>
                       </a:r>
                       <a:endParaRPr lang="en-GB" dirty="0"/>
@@ -8924,7 +8680,7 @@
                     <a:lstStyle/>
                     <a:p>
                       <a:r>
-                        <a:rPr lang="en-US" dirty="0" smtClean="0"/>
+                        <a:rPr lang="en-US" dirty="0"/>
                         <a:t>9. Constructor creation</a:t>
                       </a:r>
                       <a:endParaRPr lang="en-GB" dirty="0"/>
@@ -8938,7 +8694,7 @@
                     <a:lstStyle/>
                     <a:p>
                       <a:r>
-                        <a:rPr lang="en-US" dirty="0" smtClean="0"/>
+                        <a:rPr lang="en-US" dirty="0"/>
                         <a:t>10. Constructor call</a:t>
                       </a:r>
                       <a:endParaRPr lang="en-GB" dirty="0"/>
@@ -8959,16 +8715,12 @@
                     <a:lstStyle/>
                     <a:p>
                       <a:r>
-                        <a:rPr lang="en-US" dirty="0" smtClean="0"/>
+                        <a:rPr lang="en-US" dirty="0"/>
                         <a:t>10. Object</a:t>
                       </a:r>
                       <a:r>
-                        <a:rPr lang="en-US" baseline="0" dirty="0" smtClean="0"/>
-                        <a:t> </a:t>
-                      </a:r>
-                      <a:r>
-                        <a:rPr lang="en-US" baseline="0" dirty="0" smtClean="0"/>
-                        <a:t>oriented/language concepts</a:t>
+                        <a:rPr lang="en-US" baseline="0" dirty="0"/>
+                        <a:t> oriented/language concepts</a:t>
                       </a:r>
                       <a:endParaRPr lang="en-GB" dirty="0"/>
                     </a:p>
@@ -8981,16 +8733,8 @@
                     <a:lstStyle/>
                     <a:p>
                       <a:r>
-                        <a:rPr lang="en-US" dirty="0" smtClean="0"/>
-                        <a:t>11. Object </a:t>
-                      </a:r>
-                      <a:r>
-                        <a:rPr lang="en-US" dirty="0" smtClean="0"/>
-                        <a:t>oriented/language </a:t>
-                      </a:r>
-                      <a:r>
-                        <a:rPr lang="en-US" dirty="0" smtClean="0"/>
-                        <a:t>syntax</a:t>
+                        <a:rPr lang="en-US" dirty="0"/>
+                        <a:t>11. Object oriented/language syntax</a:t>
                       </a:r>
                       <a:endParaRPr lang="en-GB" dirty="0"/>
                     </a:p>
@@ -9010,12 +8754,12 @@
                     <a:lstStyle/>
                     <a:p>
                       <a:r>
-                        <a:rPr lang="en-US" dirty="0" smtClean="0"/>
+                        <a:rPr lang="en-US" dirty="0"/>
                         <a:t>11. Primitive</a:t>
                       </a:r>
                       <a:r>
-                        <a:rPr lang="en-US" baseline="0" dirty="0" smtClean="0"/>
-                        <a:t> data types</a:t>
+                        <a:rPr lang="en-US" baseline="0" dirty="0"/>
+                        <a:t> data types/literals</a:t>
                       </a:r>
                       <a:endParaRPr lang="en-GB" dirty="0"/>
                     </a:p>
@@ -9028,7 +8772,7 @@
                     <a:lstStyle/>
                     <a:p>
                       <a:r>
-                        <a:rPr lang="en-US" dirty="0" smtClean="0"/>
+                        <a:rPr lang="en-US" dirty="0"/>
                         <a:t>12. Advanced data types</a:t>
                       </a:r>
                       <a:endParaRPr lang="en-GB" dirty="0"/>
@@ -9039,6 +8783,72 @@
                 <a:extLst>
                   <a:ext uri="{0D108BD9-81ED-4DB2-BD59-A6C34878D82A}">
                     <a16:rowId xmlns:a16="http://schemas.microsoft.com/office/drawing/2014/main" val="86062236"/>
+                  </a:ext>
+                </a:extLst>
+              </a:tr>
+              <a:tr h="370840">
+                <a:tc>
+                  <a:txBody>
+                    <a:bodyPr/>
+                    <a:lstStyle/>
+                    <a:p>
+                      <a:r>
+                        <a:rPr lang="en-GB" dirty="0"/>
+                        <a:t>12. String literals</a:t>
+                      </a:r>
+                    </a:p>
+                  </a:txBody>
+                  <a:tcPr/>
+                </a:tc>
+                <a:tc>
+                  <a:txBody>
+                    <a:bodyPr/>
+                    <a:lstStyle/>
+                    <a:p>
+                      <a:r>
+                        <a:rPr lang="en-GB" dirty="0"/>
+                        <a:t>13. String variables</a:t>
+                      </a:r>
+                    </a:p>
+                  </a:txBody>
+                  <a:tcPr/>
+                </a:tc>
+                <a:extLst>
+                  <a:ext uri="{0D108BD9-81ED-4DB2-BD59-A6C34878D82A}">
+                    <a16:rowId xmlns:a16="http://schemas.microsoft.com/office/drawing/2014/main" val="1845837097"/>
+                  </a:ext>
+                </a:extLst>
+              </a:tr>
+              <a:tr h="370840">
+                <a:tc>
+                  <a:txBody>
+                    <a:bodyPr/>
+                    <a:lstStyle/>
+                    <a:p>
+                      <a:r>
+                        <a:rPr lang="en-GB" dirty="0"/>
+                        <a:t>13. Concept of References</a:t>
+                      </a:r>
+                    </a:p>
+                  </a:txBody>
+                  <a:tcPr/>
+                </a:tc>
+                <a:tc>
+                  <a:txBody>
+                    <a:bodyPr/>
+                    <a:lstStyle/>
+                    <a:p>
+                      <a:r>
+                        <a:rPr lang="en-GB" dirty="0"/>
+                        <a:t>14. Implementation of pointers/references</a:t>
+                      </a:r>
+                    </a:p>
+                  </a:txBody>
+                  <a:tcPr/>
+                </a:tc>
+                <a:extLst>
+                  <a:ext uri="{0D108BD9-81ED-4DB2-BD59-A6C34878D82A}">
+                    <a16:rowId xmlns:a16="http://schemas.microsoft.com/office/drawing/2014/main" val="38165355"/>
                   </a:ext>
                 </a:extLst>
               </a:tr>
@@ -9056,13 +8866,6 @@
   <p:clrMapOvr>
     <a:masterClrMapping/>
   </p:clrMapOvr>
-  <p:timing>
-    <p:tnLst>
-      <p:par>
-        <p:cTn id="1" dur="indefinite" restart="never" nodeType="tmRoot"/>
-      </p:par>
-    </p:tnLst>
-  </p:timing>
 </p:sld>
 </file>
 
@@ -9350,18 +9153,18 @@
 </file>
 
 <file path=customXml/item1.xml><?xml version="1.0" encoding="utf-8"?>
+<p:properties xmlns:p="http://schemas.microsoft.com/office/2006/metadata/properties" xmlns:xsi="http://www.w3.org/2001/XMLSchema-instance" xmlns:pc="http://schemas.microsoft.com/office/infopath/2007/PartnerControls">
+  <documentManagement/>
+</p:properties>
+</file>
+
+<file path=customXml/item2.xml><?xml version="1.0" encoding="utf-8"?>
 <?mso-contentType ?>
 <FormTemplates xmlns="http://schemas.microsoft.com/sharepoint/v3/contenttype/forms">
   <Display>DocumentLibraryForm</Display>
   <Edit>DocumentLibraryForm</Edit>
   <New>DocumentLibraryForm</New>
 </FormTemplates>
-</file>
-
-<file path=customXml/item2.xml><?xml version="1.0" encoding="utf-8"?>
-<p:properties xmlns:p="http://schemas.microsoft.com/office/2006/metadata/properties" xmlns:xsi="http://www.w3.org/2001/XMLSchema-instance" xmlns:pc="http://schemas.microsoft.com/office/infopath/2007/PartnerControls">
-  <documentManagement/>
-</p:properties>
 </file>
 
 <file path=customXml/item3.xml><?xml version="1.0" encoding="utf-8"?>
@@ -9588,14 +9391,6 @@
 </file>
 
 <file path=customXml/itemProps1.xml><?xml version="1.0" encoding="utf-8"?>
-<ds:datastoreItem xmlns:ds="http://schemas.openxmlformats.org/officeDocument/2006/customXml" ds:itemID="{07A05CC1-FF68-453F-AE9C-352B80151440}">
-  <ds:schemaRefs>
-    <ds:schemaRef ds:uri="http://schemas.microsoft.com/sharepoint/v3/contenttype/forms"/>
-  </ds:schemaRefs>
-</ds:datastoreItem>
-</file>
-
-<file path=customXml/itemProps2.xml><?xml version="1.0" encoding="utf-8"?>
 <ds:datastoreItem xmlns:ds="http://schemas.openxmlformats.org/officeDocument/2006/customXml" ds:itemID="{1B174DBE-1AD7-495B-B168-212A7EE723A6}">
   <ds:schemaRefs>
     <ds:schemaRef ds:uri="http://purl.org/dc/elements/1.1/"/>
@@ -9608,6 +9403,14 @@
     <ds:schemaRef ds:uri="http://schemas.openxmlformats.org/package/2006/metadata/core-properties"/>
     <ds:schemaRef ds:uri="http://www.w3.org/XML/1998/namespace"/>
     <ds:schemaRef ds:uri="http://purl.org/dc/dcmitype/"/>
+  </ds:schemaRefs>
+</ds:datastoreItem>
+</file>
+
+<file path=customXml/itemProps2.xml><?xml version="1.0" encoding="utf-8"?>
+<ds:datastoreItem xmlns:ds="http://schemas.openxmlformats.org/officeDocument/2006/customXml" ds:itemID="{07A05CC1-FF68-453F-AE9C-352B80151440}">
+  <ds:schemaRefs>
+    <ds:schemaRef ds:uri="http://schemas.microsoft.com/sharepoint/v3/contenttype/forms"/>
   </ds:schemaRefs>
 </ds:datastoreItem>
 </file>

--- a/thesis/ukapp2/wqu_isc/sofware_design/Lesson 1 - Java.pptx
+++ b/thesis/ukapp2/wqu_isc/sofware_design/Lesson 1 - Java.pptx
@@ -356,7 +356,7 @@
           <a:p>
             <a:fld id="{CD13FC2D-BEDB-45BE-AF82-649A39BEFF71}" type="datetimeFigureOut">
               <a:rPr lang="en-GB" smtClean="0"/>
-              <a:t>16/10/2020</a:t>
+              <a:t>17/10/2020</a:t>
             </a:fld>
             <a:endParaRPr lang="en-GB"/>
           </a:p>
@@ -564,7 +564,7 @@
           <a:p>
             <a:fld id="{CD13FC2D-BEDB-45BE-AF82-649A39BEFF71}" type="datetimeFigureOut">
               <a:rPr lang="en-GB" smtClean="0"/>
-              <a:t>16/10/2020</a:t>
+              <a:t>17/10/2020</a:t>
             </a:fld>
             <a:endParaRPr lang="en-GB"/>
           </a:p>
@@ -820,7 +820,7 @@
           <a:p>
             <a:fld id="{CD13FC2D-BEDB-45BE-AF82-649A39BEFF71}" type="datetimeFigureOut">
               <a:rPr lang="en-GB" smtClean="0"/>
-              <a:t>16/10/2020</a:t>
+              <a:t>17/10/2020</a:t>
             </a:fld>
             <a:endParaRPr lang="en-GB"/>
           </a:p>
@@ -990,7 +990,7 @@
           <a:p>
             <a:fld id="{CD13FC2D-BEDB-45BE-AF82-649A39BEFF71}" type="datetimeFigureOut">
               <a:rPr lang="en-GB" smtClean="0"/>
-              <a:t>16/10/2020</a:t>
+              <a:t>17/10/2020</a:t>
             </a:fld>
             <a:endParaRPr lang="en-GB"/>
           </a:p>
@@ -1333,7 +1333,7 @@
           <a:p>
             <a:fld id="{CD13FC2D-BEDB-45BE-AF82-649A39BEFF71}" type="datetimeFigureOut">
               <a:rPr lang="en-GB" smtClean="0"/>
-              <a:t>16/10/2020</a:t>
+              <a:t>17/10/2020</a:t>
             </a:fld>
             <a:endParaRPr lang="en-GB"/>
           </a:p>
@@ -1608,7 +1608,7 @@
           <a:p>
             <a:fld id="{CD13FC2D-BEDB-45BE-AF82-649A39BEFF71}" type="datetimeFigureOut">
               <a:rPr lang="en-GB" smtClean="0"/>
-              <a:t>16/10/2020</a:t>
+              <a:t>17/10/2020</a:t>
             </a:fld>
             <a:endParaRPr lang="en-GB"/>
           </a:p>
@@ -1987,7 +1987,7 @@
           <a:p>
             <a:fld id="{CD13FC2D-BEDB-45BE-AF82-649A39BEFF71}" type="datetimeFigureOut">
               <a:rPr lang="en-GB" smtClean="0"/>
-              <a:t>16/10/2020</a:t>
+              <a:t>17/10/2020</a:t>
             </a:fld>
             <a:endParaRPr lang="en-GB"/>
           </a:p>
@@ -2105,7 +2105,7 @@
           <a:p>
             <a:fld id="{CD13FC2D-BEDB-45BE-AF82-649A39BEFF71}" type="datetimeFigureOut">
               <a:rPr lang="en-GB" smtClean="0"/>
-              <a:t>16/10/2020</a:t>
+              <a:t>17/10/2020</a:t>
             </a:fld>
             <a:endParaRPr lang="en-GB"/>
           </a:p>
@@ -2276,7 +2276,7 @@
           <a:p>
             <a:fld id="{CD13FC2D-BEDB-45BE-AF82-649A39BEFF71}" type="datetimeFigureOut">
               <a:rPr lang="en-GB" smtClean="0"/>
-              <a:t>16/10/2020</a:t>
+              <a:t>17/10/2020</a:t>
             </a:fld>
             <a:endParaRPr lang="en-GB"/>
           </a:p>
@@ -2630,7 +2630,7 @@
           <a:p>
             <a:fld id="{CD13FC2D-BEDB-45BE-AF82-649A39BEFF71}" type="datetimeFigureOut">
               <a:rPr lang="en-GB" smtClean="0"/>
-              <a:t>16/10/2020</a:t>
+              <a:t>17/10/2020</a:t>
             </a:fld>
             <a:endParaRPr lang="en-GB"/>
           </a:p>
@@ -3012,7 +3012,7 @@
           <a:p>
             <a:fld id="{CD13FC2D-BEDB-45BE-AF82-649A39BEFF71}" type="datetimeFigureOut">
               <a:rPr lang="en-GB" smtClean="0"/>
-              <a:t>16/10/2020</a:t>
+              <a:t>17/10/2020</a:t>
             </a:fld>
             <a:endParaRPr lang="en-GB"/>
           </a:p>
@@ -3299,7 +3299,7 @@
           <a:p>
             <a:fld id="{CD13FC2D-BEDB-45BE-AF82-649A39BEFF71}" type="datetimeFigureOut">
               <a:rPr lang="en-GB" smtClean="0"/>
-              <a:t>16/10/2020</a:t>
+              <a:t>17/10/2020</a:t>
             </a:fld>
             <a:endParaRPr lang="en-GB"/>
           </a:p>
@@ -5574,7 +5574,7 @@
           <a:p>
             <a:r>
               <a:rPr lang="en-GB" dirty="0"/>
-              <a:t>Every program has an algorithm</a:t>
+              <a:t>Every program follows an algorithm</a:t>
             </a:r>
           </a:p>
         </p:txBody>
@@ -6691,7 +6691,7 @@
             </a:pPr>
             <a:r>
               <a:rPr lang="en-GB" dirty="0"/>
-              <a:t> Lesson 3 – Introduction to Object oriented programming in Java</a:t>
+              <a:t> Lesson 3 – Introduction to Object-oriented programming in Java</a:t>
             </a:r>
           </a:p>
           <a:p>
@@ -6711,7 +6711,7 @@
             </a:pPr>
             <a:r>
               <a:rPr lang="en-GB" dirty="0"/>
-              <a:t> Lesson 5 – Exception Handling, Input/Output and GUI development</a:t>
+              <a:t> Lesson 5 – Java Generics and Java Collections</a:t>
             </a:r>
           </a:p>
           <a:p>
@@ -6721,7 +6721,7 @@
             </a:pPr>
             <a:r>
               <a:rPr lang="en-GB" dirty="0"/>
-              <a:t> Lesson 6 – Java Generics and Java Collections</a:t>
+              <a:t> Lesson 6 – GUI development and Exception Handling</a:t>
             </a:r>
           </a:p>
           <a:p>
@@ -8598,7 +8598,7 @@
         <p:spPr/>
         <p:txBody>
           <a:bodyPr>
-            <a:normAutofit fontScale="62500" lnSpcReduction="20000"/>
+            <a:normAutofit fontScale="70000" lnSpcReduction="20000"/>
           </a:bodyPr>
           <a:lstStyle/>
           <a:p>
@@ -11758,6 +11758,21 @@
 </file>
 
 <file path=customXml/item1.xml><?xml version="1.0" encoding="utf-8"?>
+<?mso-contentType ?>
+<FormTemplates xmlns="http://schemas.microsoft.com/sharepoint/v3/contenttype/forms">
+  <Display>DocumentLibraryForm</Display>
+  <Edit>DocumentLibraryForm</Edit>
+  <New>DocumentLibraryForm</New>
+</FormTemplates>
+</file>
+
+<file path=customXml/item2.xml><?xml version="1.0" encoding="utf-8"?>
+<p:properties xmlns:p="http://schemas.microsoft.com/office/2006/metadata/properties" xmlns:xsi="http://www.w3.org/2001/XMLSchema-instance" xmlns:pc="http://schemas.microsoft.com/office/infopath/2007/PartnerControls">
+  <documentManagement/>
+</p:properties>
+</file>
+
+<file path=customXml/item3.xml><?xml version="1.0" encoding="utf-8"?>
 <ct:contentTypeSchema xmlns:ct="http://schemas.microsoft.com/office/2006/metadata/contentType" xmlns:ma="http://schemas.microsoft.com/office/2006/metadata/properties/metaAttributes" ct:_="" ma:_="" ma:contentTypeName="Document" ma:contentTypeID="0x010100062A1965C0ED8D4B93D90EC9097FB304" ma:contentTypeVersion="13" ma:contentTypeDescription="Create a new document." ma:contentTypeScope="" ma:versionID="ad8c00255a362f38b965062bb6973433">
   <xsd:schema xmlns:xsd="http://www.w3.org/2001/XMLSchema" xmlns:xs="http://www.w3.org/2001/XMLSchema" xmlns:p="http://schemas.microsoft.com/office/2006/metadata/properties" xmlns:ns3="cab83b3b-4db3-4a13-8dd4-e60be6d87cf5" xmlns:ns4="c2e86655-d7ed-4420-bc92-1b9547829f54" targetNamespace="http://schemas.microsoft.com/office/2006/metadata/properties" ma:root="true" ma:fieldsID="d47f86c9060cacabc5fb99b2dd628c7d" ns3:_="" ns4:_="">
     <xsd:import namespace="cab83b3b-4db3-4a13-8dd4-e60be6d87cf5"/>
@@ -11980,36 +11995,10 @@
 </ct:contentTypeSchema>
 </file>
 
-<file path=customXml/item2.xml><?xml version="1.0" encoding="utf-8"?>
-<p:properties xmlns:p="http://schemas.microsoft.com/office/2006/metadata/properties" xmlns:xsi="http://www.w3.org/2001/XMLSchema-instance" xmlns:pc="http://schemas.microsoft.com/office/infopath/2007/PartnerControls">
-  <documentManagement/>
-</p:properties>
-</file>
-
-<file path=customXml/item3.xml><?xml version="1.0" encoding="utf-8"?>
-<?mso-contentType ?>
-<FormTemplates xmlns="http://schemas.microsoft.com/sharepoint/v3/contenttype/forms">
-  <Display>DocumentLibraryForm</Display>
-  <Edit>DocumentLibraryForm</Edit>
-  <New>DocumentLibraryForm</New>
-</FormTemplates>
-</file>
-
 <file path=customXml/itemProps1.xml><?xml version="1.0" encoding="utf-8"?>
-<ds:datastoreItem xmlns:ds="http://schemas.openxmlformats.org/officeDocument/2006/customXml" ds:itemID="{03233C07-2685-44F7-9601-FF64EA49BA1B}">
+<ds:datastoreItem xmlns:ds="http://schemas.openxmlformats.org/officeDocument/2006/customXml" ds:itemID="{07A05CC1-FF68-453F-AE9C-352B80151440}">
   <ds:schemaRefs>
-    <ds:schemaRef ds:uri="http://schemas.microsoft.com/office/2006/metadata/contentType"/>
-    <ds:schemaRef ds:uri="http://schemas.microsoft.com/office/2006/metadata/properties/metaAttributes"/>
-    <ds:schemaRef ds:uri="http://www.w3.org/2001/XMLSchema"/>
-    <ds:schemaRef ds:uri="http://schemas.microsoft.com/office/2006/metadata/properties"/>
-    <ds:schemaRef ds:uri="cab83b3b-4db3-4a13-8dd4-e60be6d87cf5"/>
-    <ds:schemaRef ds:uri="c2e86655-d7ed-4420-bc92-1b9547829f54"/>
-    <ds:schemaRef ds:uri="http://schemas.microsoft.com/office/2006/documentManagement/types"/>
-    <ds:schemaRef ds:uri="http://schemas.microsoft.com/office/infopath/2007/PartnerControls"/>
-    <ds:schemaRef ds:uri="http://schemas.openxmlformats.org/package/2006/metadata/core-properties"/>
-    <ds:schemaRef ds:uri="http://purl.org/dc/elements/1.1/"/>
-    <ds:schemaRef ds:uri="http://purl.org/dc/terms/"/>
-    <ds:schemaRef ds:uri="http://schemas.microsoft.com/internal/obd"/>
+    <ds:schemaRef ds:uri="http://schemas.microsoft.com/sharepoint/v3/contenttype/forms"/>
   </ds:schemaRefs>
 </ds:datastoreItem>
 </file>
@@ -12032,9 +12021,20 @@
 </file>
 
 <file path=customXml/itemProps3.xml><?xml version="1.0" encoding="utf-8"?>
-<ds:datastoreItem xmlns:ds="http://schemas.openxmlformats.org/officeDocument/2006/customXml" ds:itemID="{07A05CC1-FF68-453F-AE9C-352B80151440}">
+<ds:datastoreItem xmlns:ds="http://schemas.openxmlformats.org/officeDocument/2006/customXml" ds:itemID="{03233C07-2685-44F7-9601-FF64EA49BA1B}">
   <ds:schemaRefs>
-    <ds:schemaRef ds:uri="http://schemas.microsoft.com/sharepoint/v3/contenttype/forms"/>
+    <ds:schemaRef ds:uri="http://schemas.microsoft.com/office/2006/metadata/contentType"/>
+    <ds:schemaRef ds:uri="http://schemas.microsoft.com/office/2006/metadata/properties/metaAttributes"/>
+    <ds:schemaRef ds:uri="http://www.w3.org/2001/XMLSchema"/>
+    <ds:schemaRef ds:uri="http://schemas.microsoft.com/office/2006/metadata/properties"/>
+    <ds:schemaRef ds:uri="cab83b3b-4db3-4a13-8dd4-e60be6d87cf5"/>
+    <ds:schemaRef ds:uri="c2e86655-d7ed-4420-bc92-1b9547829f54"/>
+    <ds:schemaRef ds:uri="http://schemas.microsoft.com/office/2006/documentManagement/types"/>
+    <ds:schemaRef ds:uri="http://schemas.microsoft.com/office/infopath/2007/PartnerControls"/>
+    <ds:schemaRef ds:uri="http://schemas.openxmlformats.org/package/2006/metadata/core-properties"/>
+    <ds:schemaRef ds:uri="http://purl.org/dc/elements/1.1/"/>
+    <ds:schemaRef ds:uri="http://purl.org/dc/terms/"/>
+    <ds:schemaRef ds:uri="http://schemas.microsoft.com/internal/obd"/>
   </ds:schemaRefs>
 </ds:datastoreItem>
 </file>
--- a/thesis/ukapp2/wqu_isc/sofware_design/Lesson 1 - Java.pptx
+++ b/thesis/ukapp2/wqu_isc/sofware_design/Lesson 1 - Java.pptx
@@ -1,6 +1,6 @@
 
 <file path=ppt/presentation.xml><?xml version="1.0" encoding="utf-8"?>
-<p:presentation xmlns:a="http://schemas.openxmlformats.org/drawingml/2006/main" xmlns:r="http://schemas.openxmlformats.org/officeDocument/2006/relationships" xmlns:p="http://schemas.openxmlformats.org/presentationml/2006/main" saveSubsetFonts="1">
+<p:presentation xmlns:a="http://schemas.openxmlformats.org/drawingml/2006/main" xmlns:r="http://schemas.openxmlformats.org/officeDocument/2006/relationships" xmlns:p="http://schemas.openxmlformats.org/presentationml/2006/main" embedTrueTypeFonts="1" saveSubsetFonts="1">
   <p:sldMasterIdLst>
     <p:sldMasterId id="2147483672" r:id="rId4"/>
   </p:sldMasterIdLst>
@@ -11,23 +11,40 @@
     <p:sldId id="282" r:id="rId8"/>
     <p:sldId id="283" r:id="rId9"/>
     <p:sldId id="284" r:id="rId10"/>
-    <p:sldId id="275" r:id="rId11"/>
-    <p:sldId id="258" r:id="rId12"/>
-    <p:sldId id="267" r:id="rId13"/>
-    <p:sldId id="273" r:id="rId14"/>
-    <p:sldId id="266" r:id="rId15"/>
-    <p:sldId id="270" r:id="rId16"/>
-    <p:sldId id="277" r:id="rId17"/>
-    <p:sldId id="271" r:id="rId18"/>
-    <p:sldId id="276" r:id="rId19"/>
-    <p:sldId id="274" r:id="rId20"/>
-    <p:sldId id="278" r:id="rId21"/>
-    <p:sldId id="279" r:id="rId22"/>
-    <p:sldId id="280" r:id="rId23"/>
-    <p:sldId id="281" r:id="rId24"/>
+    <p:sldId id="286" r:id="rId11"/>
+    <p:sldId id="275" r:id="rId12"/>
+    <p:sldId id="287" r:id="rId13"/>
+    <p:sldId id="258" r:id="rId14"/>
+    <p:sldId id="267" r:id="rId15"/>
+    <p:sldId id="273" r:id="rId16"/>
+    <p:sldId id="266" r:id="rId17"/>
+    <p:sldId id="270" r:id="rId18"/>
+    <p:sldId id="277" r:id="rId19"/>
+    <p:sldId id="288" r:id="rId20"/>
+    <p:sldId id="271" r:id="rId21"/>
+    <p:sldId id="276" r:id="rId22"/>
+    <p:sldId id="274" r:id="rId23"/>
+    <p:sldId id="278" r:id="rId24"/>
+    <p:sldId id="279" r:id="rId25"/>
+    <p:sldId id="280" r:id="rId26"/>
+    <p:sldId id="281" r:id="rId27"/>
   </p:sldIdLst>
   <p:sldSz cx="9144000" cy="6858000" type="screen4x3"/>
   <p:notesSz cx="6858000" cy="9144000"/>
+  <p:embeddedFontLst>
+    <p:embeddedFont>
+      <p:font typeface="Calibri" panose="020F0502020204030204" pitchFamily="34" charset="0"/>
+      <p:regular r:id="rId28"/>
+      <p:bold r:id="rId29"/>
+      <p:italic r:id="rId30"/>
+      <p:boldItalic r:id="rId31"/>
+    </p:embeddedFont>
+    <p:embeddedFont>
+      <p:font typeface="Calibri Light" panose="020F0302020204030204" pitchFamily="34" charset="0"/>
+      <p:regular r:id="rId32"/>
+      <p:italic r:id="rId33"/>
+    </p:embeddedFont>
+  </p:embeddedFontLst>
   <p:defaultTextStyle>
     <a:defPPr>
       <a:defRPr lang="en-US"/>
@@ -4021,6 +4038,3255 @@
           <p:cNvPr id="2" name="Title 1">
             <a:extLst>
               <a:ext uri="{FF2B5EF4-FFF2-40B4-BE49-F238E27FC236}">
+                <a16:creationId xmlns:a16="http://schemas.microsoft.com/office/drawing/2014/main" id="{7304BBA7-9D5E-4B9A-95AF-2E54F4B41C0E}"/>
+              </a:ext>
+            </a:extLst>
+          </p:cNvPr>
+          <p:cNvSpPr>
+            <a:spLocks noGrp="1"/>
+          </p:cNvSpPr>
+          <p:nvPr>
+            <p:ph type="title"/>
+          </p:nvPr>
+        </p:nvSpPr>
+        <p:spPr/>
+        <p:txBody>
+          <a:bodyPr/>
+          <a:lstStyle/>
+          <a:p>
+            <a:r>
+              <a:rPr lang="en-US" dirty="0"/>
+              <a:t>What is a variable? </a:t>
+            </a:r>
+            <a:endParaRPr lang="en-GB" dirty="0"/>
+          </a:p>
+        </p:txBody>
+      </p:sp>
+      <p:sp>
+        <p:nvSpPr>
+          <p:cNvPr id="3" name="Content Placeholder 2">
+            <a:extLst>
+              <a:ext uri="{FF2B5EF4-FFF2-40B4-BE49-F238E27FC236}">
+                <a16:creationId xmlns:a16="http://schemas.microsoft.com/office/drawing/2014/main" id="{3AB586B9-467B-4F63-B336-2E9D19321584}"/>
+              </a:ext>
+            </a:extLst>
+          </p:cNvPr>
+          <p:cNvSpPr>
+            <a:spLocks noGrp="1"/>
+          </p:cNvSpPr>
+          <p:nvPr>
+            <p:ph idx="1"/>
+          </p:nvPr>
+        </p:nvSpPr>
+        <p:spPr>
+          <a:xfrm>
+            <a:off x="822960" y="1845734"/>
+            <a:ext cx="7863840" cy="4023360"/>
+          </a:xfrm>
+        </p:spPr>
+        <p:txBody>
+          <a:bodyPr>
+            <a:normAutofit/>
+          </a:bodyPr>
+          <a:lstStyle/>
+          <a:p>
+            <a:pPr>
+              <a:buFont typeface="Wingdings" panose="05000000000000000000" pitchFamily="2" charset="2"/>
+              <a:buChar char="v"/>
+            </a:pPr>
+            <a:r>
+              <a:rPr lang="en-GB" dirty="0"/>
+              <a:t> A name given by the programmer within a program that is not reserved and can store values. Identify the variables in the following program:</a:t>
+            </a:r>
+          </a:p>
+          <a:p>
+            <a:pPr marL="292608" lvl="1" indent="0">
+              <a:buNone/>
+            </a:pPr>
+            <a:r>
+              <a:rPr lang="en-GB" dirty="0"/>
+              <a:t>package </a:t>
+            </a:r>
+            <a:r>
+              <a:rPr lang="en-GB" dirty="0" err="1"/>
+              <a:t>com.studygroup</a:t>
+            </a:r>
+            <a:r>
+              <a:rPr lang="en-GB" dirty="0"/>
+              <a:t>;</a:t>
+            </a:r>
+          </a:p>
+          <a:p>
+            <a:pPr marL="292608" lvl="1" indent="0">
+              <a:buNone/>
+            </a:pPr>
+            <a:endParaRPr lang="en-GB" dirty="0"/>
+          </a:p>
+          <a:p>
+            <a:pPr marL="292608" lvl="1" indent="0">
+              <a:buNone/>
+            </a:pPr>
+            <a:r>
+              <a:rPr lang="en-GB" dirty="0"/>
+              <a:t>public class Main {</a:t>
+            </a:r>
+          </a:p>
+          <a:p>
+            <a:pPr marL="292608" lvl="1" indent="0">
+              <a:buNone/>
+            </a:pPr>
+            <a:endParaRPr lang="en-GB" dirty="0"/>
+          </a:p>
+          <a:p>
+            <a:pPr marL="292608" lvl="1" indent="0">
+              <a:buNone/>
+            </a:pPr>
+            <a:r>
+              <a:rPr lang="en-GB" dirty="0"/>
+              <a:t>    public static void main(String[] </a:t>
+            </a:r>
+            <a:r>
+              <a:rPr lang="en-GB" dirty="0" err="1"/>
+              <a:t>args</a:t>
+            </a:r>
+            <a:r>
+              <a:rPr lang="en-GB" dirty="0"/>
+              <a:t>) {</a:t>
+            </a:r>
+          </a:p>
+          <a:p>
+            <a:pPr marL="292608" lvl="1" indent="0">
+              <a:buNone/>
+            </a:pPr>
+            <a:r>
+              <a:rPr lang="en-GB" dirty="0"/>
+              <a:t>        float x = 5; //</a:t>
+            </a:r>
+            <a:r>
+              <a:rPr lang="en-GB" dirty="0" err="1"/>
+              <a:t>int</a:t>
+            </a:r>
+            <a:r>
+              <a:rPr lang="en-GB" dirty="0"/>
+              <a:t> = integer type (whole numbers)</a:t>
+            </a:r>
+          </a:p>
+          <a:p>
+            <a:pPr marL="292608" lvl="1" indent="0">
+              <a:buNone/>
+            </a:pPr>
+            <a:r>
+              <a:rPr lang="en-GB" dirty="0"/>
+              <a:t>        float y = 7;// = is assignment</a:t>
+            </a:r>
+          </a:p>
+          <a:p>
+            <a:pPr marL="292608" lvl="1" indent="0">
+              <a:buNone/>
+            </a:pPr>
+            <a:r>
+              <a:rPr lang="en-GB" dirty="0"/>
+              <a:t>        </a:t>
+            </a:r>
+            <a:r>
+              <a:rPr lang="en-GB" dirty="0" err="1"/>
+              <a:t>System.out.println</a:t>
+            </a:r>
+            <a:r>
+              <a:rPr lang="en-GB" dirty="0"/>
+              <a:t>((x + y) + " " + (x / y));</a:t>
+            </a:r>
+          </a:p>
+          <a:p>
+            <a:pPr marL="292608" lvl="1" indent="0">
+              <a:buNone/>
+            </a:pPr>
+            <a:r>
+              <a:rPr lang="en-GB" dirty="0"/>
+              <a:t>    }</a:t>
+            </a:r>
+          </a:p>
+          <a:p>
+            <a:pPr marL="292608" lvl="1" indent="0">
+              <a:buNone/>
+            </a:pPr>
+            <a:r>
+              <a:rPr lang="en-GB" dirty="0"/>
+              <a:t>}</a:t>
+            </a:r>
+          </a:p>
+          <a:p>
+            <a:pPr marL="0" indent="0">
+              <a:buNone/>
+            </a:pPr>
+            <a:endParaRPr lang="en-GB" dirty="0"/>
+          </a:p>
+          <a:p>
+            <a:endParaRPr lang="en-GB" dirty="0"/>
+          </a:p>
+        </p:txBody>
+      </p:sp>
+      <p:sp>
+        <p:nvSpPr>
+          <p:cNvPr id="4" name="Oval 3"/>
+          <p:cNvSpPr/>
+          <p:nvPr/>
+        </p:nvSpPr>
+        <p:spPr>
+          <a:xfrm>
+            <a:off x="2164080" y="3093720"/>
+            <a:ext cx="609600" cy="289560"/>
+          </a:xfrm>
+          <a:prstGeom prst="ellipse">
+            <a:avLst/>
+          </a:prstGeom>
+          <a:solidFill>
+            <a:srgbClr val="BD582C">
+              <a:alpha val="32157"/>
+            </a:srgbClr>
+          </a:solidFill>
+        </p:spPr>
+        <p:style>
+          <a:lnRef idx="2">
+            <a:schemeClr val="accent1">
+              <a:shade val="50000"/>
+            </a:schemeClr>
+          </a:lnRef>
+          <a:fillRef idx="1">
+            <a:schemeClr val="accent1"/>
+          </a:fillRef>
+          <a:effectRef idx="0">
+            <a:schemeClr val="accent1"/>
+          </a:effectRef>
+          <a:fontRef idx="minor">
+            <a:schemeClr val="lt1"/>
+          </a:fontRef>
+        </p:style>
+        <p:txBody>
+          <a:bodyPr rtlCol="0" anchor="ctr"/>
+          <a:lstStyle/>
+          <a:p>
+            <a:pPr algn="ctr"/>
+            <a:endParaRPr lang="en-GB"/>
+          </a:p>
+        </p:txBody>
+      </p:sp>
+      <p:sp>
+        <p:nvSpPr>
+          <p:cNvPr id="6" name="Oval 5"/>
+          <p:cNvSpPr/>
+          <p:nvPr/>
+        </p:nvSpPr>
+        <p:spPr>
+          <a:xfrm>
+            <a:off x="2895600" y="3779520"/>
+            <a:ext cx="487680" cy="222674"/>
+          </a:xfrm>
+          <a:prstGeom prst="ellipse">
+            <a:avLst/>
+          </a:prstGeom>
+          <a:solidFill>
+            <a:srgbClr val="BD582C">
+              <a:alpha val="32157"/>
+            </a:srgbClr>
+          </a:solidFill>
+        </p:spPr>
+        <p:style>
+          <a:lnRef idx="2">
+            <a:schemeClr val="accent1">
+              <a:shade val="50000"/>
+            </a:schemeClr>
+          </a:lnRef>
+          <a:fillRef idx="1">
+            <a:schemeClr val="accent1"/>
+          </a:fillRef>
+          <a:effectRef idx="0">
+            <a:schemeClr val="accent1"/>
+          </a:effectRef>
+          <a:fontRef idx="minor">
+            <a:schemeClr val="lt1"/>
+          </a:fontRef>
+        </p:style>
+        <p:txBody>
+          <a:bodyPr rtlCol="0" anchor="ctr"/>
+          <a:lstStyle/>
+          <a:p>
+            <a:pPr algn="ctr"/>
+            <a:endParaRPr lang="en-GB"/>
+          </a:p>
+        </p:txBody>
+      </p:sp>
+      <p:sp>
+        <p:nvSpPr>
+          <p:cNvPr id="7" name="Oval 6"/>
+          <p:cNvSpPr/>
+          <p:nvPr/>
+        </p:nvSpPr>
+        <p:spPr>
+          <a:xfrm>
+            <a:off x="3383280" y="3757724"/>
+            <a:ext cx="609600" cy="256117"/>
+          </a:xfrm>
+          <a:prstGeom prst="ellipse">
+            <a:avLst/>
+          </a:prstGeom>
+          <a:solidFill>
+            <a:srgbClr val="BD582C">
+              <a:alpha val="32157"/>
+            </a:srgbClr>
+          </a:solidFill>
+        </p:spPr>
+        <p:style>
+          <a:lnRef idx="2">
+            <a:schemeClr val="accent1">
+              <a:shade val="50000"/>
+            </a:schemeClr>
+          </a:lnRef>
+          <a:fillRef idx="1">
+            <a:schemeClr val="accent1"/>
+          </a:fillRef>
+          <a:effectRef idx="0">
+            <a:schemeClr val="accent1"/>
+          </a:effectRef>
+          <a:fontRef idx="minor">
+            <a:schemeClr val="lt1"/>
+          </a:fontRef>
+        </p:style>
+        <p:txBody>
+          <a:bodyPr rtlCol="0" anchor="ctr"/>
+          <a:lstStyle/>
+          <a:p>
+            <a:pPr algn="ctr"/>
+            <a:endParaRPr lang="en-GB"/>
+          </a:p>
+        </p:txBody>
+      </p:sp>
+      <p:sp>
+        <p:nvSpPr>
+          <p:cNvPr id="8" name="Oval 7"/>
+          <p:cNvSpPr/>
+          <p:nvPr/>
+        </p:nvSpPr>
+        <p:spPr>
+          <a:xfrm>
+            <a:off x="4069080" y="3758352"/>
+            <a:ext cx="609600" cy="256117"/>
+          </a:xfrm>
+          <a:prstGeom prst="ellipse">
+            <a:avLst/>
+          </a:prstGeom>
+          <a:solidFill>
+            <a:srgbClr val="BD582C">
+              <a:alpha val="32157"/>
+            </a:srgbClr>
+          </a:solidFill>
+        </p:spPr>
+        <p:style>
+          <a:lnRef idx="2">
+            <a:schemeClr val="accent1">
+              <a:shade val="50000"/>
+            </a:schemeClr>
+          </a:lnRef>
+          <a:fillRef idx="1">
+            <a:schemeClr val="accent1"/>
+          </a:fillRef>
+          <a:effectRef idx="0">
+            <a:schemeClr val="accent1"/>
+          </a:effectRef>
+          <a:fontRef idx="minor">
+            <a:schemeClr val="lt1"/>
+          </a:fontRef>
+        </p:style>
+        <p:txBody>
+          <a:bodyPr rtlCol="0" anchor="ctr"/>
+          <a:lstStyle/>
+          <a:p>
+            <a:pPr algn="ctr"/>
+            <a:endParaRPr lang="en-GB"/>
+          </a:p>
+        </p:txBody>
+      </p:sp>
+      <p:sp>
+        <p:nvSpPr>
+          <p:cNvPr id="9" name="Oval 8"/>
+          <p:cNvSpPr/>
+          <p:nvPr/>
+        </p:nvSpPr>
+        <p:spPr>
+          <a:xfrm>
+            <a:off x="1859280" y="4124113"/>
+            <a:ext cx="304800" cy="204048"/>
+          </a:xfrm>
+          <a:prstGeom prst="ellipse">
+            <a:avLst/>
+          </a:prstGeom>
+          <a:solidFill>
+            <a:srgbClr val="BD582C">
+              <a:alpha val="32157"/>
+            </a:srgbClr>
+          </a:solidFill>
+        </p:spPr>
+        <p:style>
+          <a:lnRef idx="2">
+            <a:schemeClr val="accent1">
+              <a:shade val="50000"/>
+            </a:schemeClr>
+          </a:lnRef>
+          <a:fillRef idx="1">
+            <a:schemeClr val="accent1"/>
+          </a:fillRef>
+          <a:effectRef idx="0">
+            <a:schemeClr val="accent1"/>
+          </a:effectRef>
+          <a:fontRef idx="minor">
+            <a:schemeClr val="lt1"/>
+          </a:fontRef>
+        </p:style>
+        <p:txBody>
+          <a:bodyPr rtlCol="0" anchor="ctr"/>
+          <a:lstStyle/>
+          <a:p>
+            <a:pPr algn="ctr"/>
+            <a:endParaRPr lang="en-GB"/>
+          </a:p>
+        </p:txBody>
+      </p:sp>
+      <p:sp>
+        <p:nvSpPr>
+          <p:cNvPr id="10" name="Oval 9"/>
+          <p:cNvSpPr/>
+          <p:nvPr/>
+        </p:nvSpPr>
+        <p:spPr>
+          <a:xfrm>
+            <a:off x="1905000" y="4463203"/>
+            <a:ext cx="304800" cy="204048"/>
+          </a:xfrm>
+          <a:prstGeom prst="ellipse">
+            <a:avLst/>
+          </a:prstGeom>
+          <a:solidFill>
+            <a:srgbClr val="BD582C">
+              <a:alpha val="32157"/>
+            </a:srgbClr>
+          </a:solidFill>
+        </p:spPr>
+        <p:style>
+          <a:lnRef idx="2">
+            <a:schemeClr val="accent1">
+              <a:shade val="50000"/>
+            </a:schemeClr>
+          </a:lnRef>
+          <a:fillRef idx="1">
+            <a:schemeClr val="accent1"/>
+          </a:fillRef>
+          <a:effectRef idx="0">
+            <a:schemeClr val="accent1"/>
+          </a:effectRef>
+          <a:fontRef idx="minor">
+            <a:schemeClr val="lt1"/>
+          </a:fontRef>
+        </p:style>
+        <p:txBody>
+          <a:bodyPr rtlCol="0" anchor="ctr"/>
+          <a:lstStyle/>
+          <a:p>
+            <a:pPr algn="ctr"/>
+            <a:endParaRPr lang="en-GB"/>
+          </a:p>
+        </p:txBody>
+      </p:sp>
+      <p:sp>
+        <p:nvSpPr>
+          <p:cNvPr id="11" name="Oval 10"/>
+          <p:cNvSpPr/>
+          <p:nvPr/>
+        </p:nvSpPr>
+        <p:spPr>
+          <a:xfrm>
+            <a:off x="1493520" y="4741332"/>
+            <a:ext cx="762000" cy="266701"/>
+          </a:xfrm>
+          <a:prstGeom prst="ellipse">
+            <a:avLst/>
+          </a:prstGeom>
+          <a:solidFill>
+            <a:srgbClr val="BD582C">
+              <a:alpha val="32157"/>
+            </a:srgbClr>
+          </a:solidFill>
+        </p:spPr>
+        <p:style>
+          <a:lnRef idx="2">
+            <a:schemeClr val="accent1">
+              <a:shade val="50000"/>
+            </a:schemeClr>
+          </a:lnRef>
+          <a:fillRef idx="1">
+            <a:schemeClr val="accent1"/>
+          </a:fillRef>
+          <a:effectRef idx="0">
+            <a:schemeClr val="accent1"/>
+          </a:effectRef>
+          <a:fontRef idx="minor">
+            <a:schemeClr val="lt1"/>
+          </a:fontRef>
+        </p:style>
+        <p:txBody>
+          <a:bodyPr rtlCol="0" anchor="ctr"/>
+          <a:lstStyle/>
+          <a:p>
+            <a:pPr algn="ctr"/>
+            <a:endParaRPr lang="en-GB"/>
+          </a:p>
+        </p:txBody>
+      </p:sp>
+      <p:sp>
+        <p:nvSpPr>
+          <p:cNvPr id="12" name="Oval 11"/>
+          <p:cNvSpPr/>
+          <p:nvPr/>
+        </p:nvSpPr>
+        <p:spPr>
+          <a:xfrm>
+            <a:off x="2209800" y="4775624"/>
+            <a:ext cx="441960" cy="232409"/>
+          </a:xfrm>
+          <a:prstGeom prst="ellipse">
+            <a:avLst/>
+          </a:prstGeom>
+          <a:solidFill>
+            <a:srgbClr val="BD582C">
+              <a:alpha val="32157"/>
+            </a:srgbClr>
+          </a:solidFill>
+        </p:spPr>
+        <p:style>
+          <a:lnRef idx="2">
+            <a:schemeClr val="accent1">
+              <a:shade val="50000"/>
+            </a:schemeClr>
+          </a:lnRef>
+          <a:fillRef idx="1">
+            <a:schemeClr val="accent1"/>
+          </a:fillRef>
+          <a:effectRef idx="0">
+            <a:schemeClr val="accent1"/>
+          </a:effectRef>
+          <a:fontRef idx="minor">
+            <a:schemeClr val="lt1"/>
+          </a:fontRef>
+        </p:style>
+        <p:txBody>
+          <a:bodyPr rtlCol="0" anchor="ctr"/>
+          <a:lstStyle/>
+          <a:p>
+            <a:pPr algn="ctr"/>
+            <a:endParaRPr lang="en-GB"/>
+          </a:p>
+        </p:txBody>
+      </p:sp>
+      <p:sp>
+        <p:nvSpPr>
+          <p:cNvPr id="13" name="Oval 12"/>
+          <p:cNvSpPr/>
+          <p:nvPr/>
+        </p:nvSpPr>
+        <p:spPr>
+          <a:xfrm>
+            <a:off x="2674620" y="4775624"/>
+            <a:ext cx="586740" cy="232409"/>
+          </a:xfrm>
+          <a:prstGeom prst="ellipse">
+            <a:avLst/>
+          </a:prstGeom>
+          <a:solidFill>
+            <a:srgbClr val="BD582C">
+              <a:alpha val="32157"/>
+            </a:srgbClr>
+          </a:solidFill>
+        </p:spPr>
+        <p:style>
+          <a:lnRef idx="2">
+            <a:schemeClr val="accent1">
+              <a:shade val="50000"/>
+            </a:schemeClr>
+          </a:lnRef>
+          <a:fillRef idx="1">
+            <a:schemeClr val="accent1"/>
+          </a:fillRef>
+          <a:effectRef idx="0">
+            <a:schemeClr val="accent1"/>
+          </a:effectRef>
+          <a:fontRef idx="minor">
+            <a:schemeClr val="lt1"/>
+          </a:fontRef>
+        </p:style>
+        <p:txBody>
+          <a:bodyPr rtlCol="0" anchor="ctr"/>
+          <a:lstStyle/>
+          <a:p>
+            <a:pPr algn="ctr"/>
+            <a:endParaRPr lang="en-GB"/>
+          </a:p>
+        </p:txBody>
+      </p:sp>
+      <p:sp>
+        <p:nvSpPr>
+          <p:cNvPr id="14" name="Oval 13"/>
+          <p:cNvSpPr/>
+          <p:nvPr/>
+        </p:nvSpPr>
+        <p:spPr>
+          <a:xfrm>
+            <a:off x="3352800" y="4741332"/>
+            <a:ext cx="1722120" cy="266702"/>
+          </a:xfrm>
+          <a:prstGeom prst="ellipse">
+            <a:avLst/>
+          </a:prstGeom>
+          <a:solidFill>
+            <a:srgbClr val="BD582C">
+              <a:alpha val="32157"/>
+            </a:srgbClr>
+          </a:solidFill>
+        </p:spPr>
+        <p:style>
+          <a:lnRef idx="2">
+            <a:schemeClr val="accent1">
+              <a:shade val="50000"/>
+            </a:schemeClr>
+          </a:lnRef>
+          <a:fillRef idx="1">
+            <a:schemeClr val="accent1"/>
+          </a:fillRef>
+          <a:effectRef idx="0">
+            <a:schemeClr val="accent1"/>
+          </a:effectRef>
+          <a:fontRef idx="minor">
+            <a:schemeClr val="lt1"/>
+          </a:fontRef>
+        </p:style>
+        <p:txBody>
+          <a:bodyPr rtlCol="0" anchor="ctr"/>
+          <a:lstStyle/>
+          <a:p>
+            <a:pPr algn="ctr"/>
+            <a:endParaRPr lang="en-GB"/>
+          </a:p>
+        </p:txBody>
+      </p:sp>
+      <p:sp>
+        <p:nvSpPr>
+          <p:cNvPr id="15" name="Oval 14"/>
+          <p:cNvSpPr/>
+          <p:nvPr/>
+        </p:nvSpPr>
+        <p:spPr>
+          <a:xfrm>
+            <a:off x="1920240" y="2514388"/>
+            <a:ext cx="1615440" cy="166161"/>
+          </a:xfrm>
+          <a:prstGeom prst="ellipse">
+            <a:avLst/>
+          </a:prstGeom>
+          <a:solidFill>
+            <a:srgbClr val="BD582C">
+              <a:alpha val="32157"/>
+            </a:srgbClr>
+          </a:solidFill>
+        </p:spPr>
+        <p:style>
+          <a:lnRef idx="2">
+            <a:schemeClr val="accent1">
+              <a:shade val="50000"/>
+            </a:schemeClr>
+          </a:lnRef>
+          <a:fillRef idx="1">
+            <a:schemeClr val="accent1"/>
+          </a:fillRef>
+          <a:effectRef idx="0">
+            <a:schemeClr val="accent1"/>
+          </a:effectRef>
+          <a:fontRef idx="minor">
+            <a:schemeClr val="lt1"/>
+          </a:fontRef>
+        </p:style>
+        <p:txBody>
+          <a:bodyPr rtlCol="0" anchor="ctr"/>
+          <a:lstStyle/>
+          <a:p>
+            <a:pPr algn="ctr"/>
+            <a:endParaRPr lang="en-GB"/>
+          </a:p>
+        </p:txBody>
+      </p:sp>
+    </p:spTree>
+    <p:extLst>
+      <p:ext uri="{BB962C8B-B14F-4D97-AF65-F5344CB8AC3E}">
+        <p14:creationId xmlns:p14="http://schemas.microsoft.com/office/powerpoint/2010/main" val="3407798903"/>
+      </p:ext>
+    </p:extLst>
+  </p:cSld>
+  <p:clrMapOvr>
+    <a:masterClrMapping/>
+  </p:clrMapOvr>
+  <p:transition spd="slow">
+    <p:push dir="u"/>
+  </p:transition>
+  <p:timing>
+    <p:tnLst>
+      <p:par>
+        <p:cTn id="1" dur="indefinite" restart="never" nodeType="tmRoot">
+          <p:childTnLst>
+            <p:seq concurrent="1" nextAc="seek">
+              <p:cTn id="2" dur="indefinite" nodeType="mainSeq">
+                <p:childTnLst>
+                  <p:par>
+                    <p:cTn id="3" fill="hold">
+                      <p:stCondLst>
+                        <p:cond delay="indefinite"/>
+                      </p:stCondLst>
+                      <p:childTnLst>
+                        <p:par>
+                          <p:cTn id="4" fill="hold">
+                            <p:stCondLst>
+                              <p:cond delay="0"/>
+                            </p:stCondLst>
+                            <p:childTnLst>
+                              <p:par>
+                                <p:cTn id="5" presetID="2" presetClass="entr" presetSubtype="4" fill="hold" nodeType="clickEffect">
+                                  <p:stCondLst>
+                                    <p:cond delay="0"/>
+                                  </p:stCondLst>
+                                  <p:childTnLst>
+                                    <p:set>
+                                      <p:cBhvr>
+                                        <p:cTn id="6" dur="1" fill="hold">
+                                          <p:stCondLst>
+                                            <p:cond delay="0"/>
+                                          </p:stCondLst>
+                                        </p:cTn>
+                                        <p:tgtEl>
+                                          <p:spTgt spid="3">
+                                            <p:txEl>
+                                              <p:pRg st="0" end="0"/>
+                                            </p:txEl>
+                                          </p:spTgt>
+                                        </p:tgtEl>
+                                        <p:attrNameLst>
+                                          <p:attrName>style.visibility</p:attrName>
+                                        </p:attrNameLst>
+                                      </p:cBhvr>
+                                      <p:to>
+                                        <p:strVal val="visible"/>
+                                      </p:to>
+                                    </p:set>
+                                    <p:anim calcmode="lin" valueType="num">
+                                      <p:cBhvr additive="base">
+                                        <p:cTn id="7" dur="500" fill="hold"/>
+                                        <p:tgtEl>
+                                          <p:spTgt spid="3">
+                                            <p:txEl>
+                                              <p:pRg st="0" end="0"/>
+                                            </p:txEl>
+                                          </p:spTgt>
+                                        </p:tgtEl>
+                                        <p:attrNameLst>
+                                          <p:attrName>ppt_x</p:attrName>
+                                        </p:attrNameLst>
+                                      </p:cBhvr>
+                                      <p:tavLst>
+                                        <p:tav tm="0">
+                                          <p:val>
+                                            <p:strVal val="#ppt_x"/>
+                                          </p:val>
+                                        </p:tav>
+                                        <p:tav tm="100000">
+                                          <p:val>
+                                            <p:strVal val="#ppt_x"/>
+                                          </p:val>
+                                        </p:tav>
+                                      </p:tavLst>
+                                    </p:anim>
+                                    <p:anim calcmode="lin" valueType="num">
+                                      <p:cBhvr additive="base">
+                                        <p:cTn id="8" dur="500" fill="hold"/>
+                                        <p:tgtEl>
+                                          <p:spTgt spid="3">
+                                            <p:txEl>
+                                              <p:pRg st="0" end="0"/>
+                                            </p:txEl>
+                                          </p:spTgt>
+                                        </p:tgtEl>
+                                        <p:attrNameLst>
+                                          <p:attrName>ppt_y</p:attrName>
+                                        </p:attrNameLst>
+                                      </p:cBhvr>
+                                      <p:tavLst>
+                                        <p:tav tm="0">
+                                          <p:val>
+                                            <p:strVal val="1+#ppt_h/2"/>
+                                          </p:val>
+                                        </p:tav>
+                                        <p:tav tm="100000">
+                                          <p:val>
+                                            <p:strVal val="#ppt_y"/>
+                                          </p:val>
+                                        </p:tav>
+                                      </p:tavLst>
+                                    </p:anim>
+                                  </p:childTnLst>
+                                </p:cTn>
+                              </p:par>
+                            </p:childTnLst>
+                          </p:cTn>
+                        </p:par>
+                      </p:childTnLst>
+                    </p:cTn>
+                  </p:par>
+                  <p:par>
+                    <p:cTn id="9" fill="hold">
+                      <p:stCondLst>
+                        <p:cond delay="indefinite"/>
+                      </p:stCondLst>
+                      <p:childTnLst>
+                        <p:par>
+                          <p:cTn id="10" fill="hold">
+                            <p:stCondLst>
+                              <p:cond delay="0"/>
+                            </p:stCondLst>
+                            <p:childTnLst>
+                              <p:par>
+                                <p:cTn id="11" presetID="2" presetClass="entr" presetSubtype="4" fill="hold" nodeType="clickEffect">
+                                  <p:stCondLst>
+                                    <p:cond delay="0"/>
+                                  </p:stCondLst>
+                                  <p:childTnLst>
+                                    <p:set>
+                                      <p:cBhvr>
+                                        <p:cTn id="12" dur="1" fill="hold">
+                                          <p:stCondLst>
+                                            <p:cond delay="0"/>
+                                          </p:stCondLst>
+                                        </p:cTn>
+                                        <p:tgtEl>
+                                          <p:spTgt spid="3">
+                                            <p:txEl>
+                                              <p:pRg st="1" end="1"/>
+                                            </p:txEl>
+                                          </p:spTgt>
+                                        </p:tgtEl>
+                                        <p:attrNameLst>
+                                          <p:attrName>style.visibility</p:attrName>
+                                        </p:attrNameLst>
+                                      </p:cBhvr>
+                                      <p:to>
+                                        <p:strVal val="visible"/>
+                                      </p:to>
+                                    </p:set>
+                                    <p:anim calcmode="lin" valueType="num">
+                                      <p:cBhvr additive="base">
+                                        <p:cTn id="13" dur="500" fill="hold"/>
+                                        <p:tgtEl>
+                                          <p:spTgt spid="3">
+                                            <p:txEl>
+                                              <p:pRg st="1" end="1"/>
+                                            </p:txEl>
+                                          </p:spTgt>
+                                        </p:tgtEl>
+                                        <p:attrNameLst>
+                                          <p:attrName>ppt_x</p:attrName>
+                                        </p:attrNameLst>
+                                      </p:cBhvr>
+                                      <p:tavLst>
+                                        <p:tav tm="0">
+                                          <p:val>
+                                            <p:strVal val="#ppt_x"/>
+                                          </p:val>
+                                        </p:tav>
+                                        <p:tav tm="100000">
+                                          <p:val>
+                                            <p:strVal val="#ppt_x"/>
+                                          </p:val>
+                                        </p:tav>
+                                      </p:tavLst>
+                                    </p:anim>
+                                    <p:anim calcmode="lin" valueType="num">
+                                      <p:cBhvr additive="base">
+                                        <p:cTn id="14" dur="500" fill="hold"/>
+                                        <p:tgtEl>
+                                          <p:spTgt spid="3">
+                                            <p:txEl>
+                                              <p:pRg st="1" end="1"/>
+                                            </p:txEl>
+                                          </p:spTgt>
+                                        </p:tgtEl>
+                                        <p:attrNameLst>
+                                          <p:attrName>ppt_y</p:attrName>
+                                        </p:attrNameLst>
+                                      </p:cBhvr>
+                                      <p:tavLst>
+                                        <p:tav tm="0">
+                                          <p:val>
+                                            <p:strVal val="1+#ppt_h/2"/>
+                                          </p:val>
+                                        </p:tav>
+                                        <p:tav tm="100000">
+                                          <p:val>
+                                            <p:strVal val="#ppt_y"/>
+                                          </p:val>
+                                        </p:tav>
+                                      </p:tavLst>
+                                    </p:anim>
+                                  </p:childTnLst>
+                                </p:cTn>
+                              </p:par>
+                              <p:par>
+                                <p:cTn id="15" presetID="2" presetClass="entr" presetSubtype="4" fill="hold" nodeType="withEffect">
+                                  <p:stCondLst>
+                                    <p:cond delay="0"/>
+                                  </p:stCondLst>
+                                  <p:childTnLst>
+                                    <p:set>
+                                      <p:cBhvr>
+                                        <p:cTn id="16" dur="1" fill="hold">
+                                          <p:stCondLst>
+                                            <p:cond delay="0"/>
+                                          </p:stCondLst>
+                                        </p:cTn>
+                                        <p:tgtEl>
+                                          <p:spTgt spid="3">
+                                            <p:txEl>
+                                              <p:pRg st="3" end="3"/>
+                                            </p:txEl>
+                                          </p:spTgt>
+                                        </p:tgtEl>
+                                        <p:attrNameLst>
+                                          <p:attrName>style.visibility</p:attrName>
+                                        </p:attrNameLst>
+                                      </p:cBhvr>
+                                      <p:to>
+                                        <p:strVal val="visible"/>
+                                      </p:to>
+                                    </p:set>
+                                    <p:anim calcmode="lin" valueType="num">
+                                      <p:cBhvr additive="base">
+                                        <p:cTn id="17" dur="500" fill="hold"/>
+                                        <p:tgtEl>
+                                          <p:spTgt spid="3">
+                                            <p:txEl>
+                                              <p:pRg st="3" end="3"/>
+                                            </p:txEl>
+                                          </p:spTgt>
+                                        </p:tgtEl>
+                                        <p:attrNameLst>
+                                          <p:attrName>ppt_x</p:attrName>
+                                        </p:attrNameLst>
+                                      </p:cBhvr>
+                                      <p:tavLst>
+                                        <p:tav tm="0">
+                                          <p:val>
+                                            <p:strVal val="#ppt_x"/>
+                                          </p:val>
+                                        </p:tav>
+                                        <p:tav tm="100000">
+                                          <p:val>
+                                            <p:strVal val="#ppt_x"/>
+                                          </p:val>
+                                        </p:tav>
+                                      </p:tavLst>
+                                    </p:anim>
+                                    <p:anim calcmode="lin" valueType="num">
+                                      <p:cBhvr additive="base">
+                                        <p:cTn id="18" dur="500" fill="hold"/>
+                                        <p:tgtEl>
+                                          <p:spTgt spid="3">
+                                            <p:txEl>
+                                              <p:pRg st="3" end="3"/>
+                                            </p:txEl>
+                                          </p:spTgt>
+                                        </p:tgtEl>
+                                        <p:attrNameLst>
+                                          <p:attrName>ppt_y</p:attrName>
+                                        </p:attrNameLst>
+                                      </p:cBhvr>
+                                      <p:tavLst>
+                                        <p:tav tm="0">
+                                          <p:val>
+                                            <p:strVal val="1+#ppt_h/2"/>
+                                          </p:val>
+                                        </p:tav>
+                                        <p:tav tm="100000">
+                                          <p:val>
+                                            <p:strVal val="#ppt_y"/>
+                                          </p:val>
+                                        </p:tav>
+                                      </p:tavLst>
+                                    </p:anim>
+                                  </p:childTnLst>
+                                </p:cTn>
+                              </p:par>
+                              <p:par>
+                                <p:cTn id="19" presetID="2" presetClass="entr" presetSubtype="4" fill="hold" nodeType="withEffect">
+                                  <p:stCondLst>
+                                    <p:cond delay="0"/>
+                                  </p:stCondLst>
+                                  <p:childTnLst>
+                                    <p:set>
+                                      <p:cBhvr>
+                                        <p:cTn id="20" dur="1" fill="hold">
+                                          <p:stCondLst>
+                                            <p:cond delay="0"/>
+                                          </p:stCondLst>
+                                        </p:cTn>
+                                        <p:tgtEl>
+                                          <p:spTgt spid="3">
+                                            <p:txEl>
+                                              <p:pRg st="5" end="5"/>
+                                            </p:txEl>
+                                          </p:spTgt>
+                                        </p:tgtEl>
+                                        <p:attrNameLst>
+                                          <p:attrName>style.visibility</p:attrName>
+                                        </p:attrNameLst>
+                                      </p:cBhvr>
+                                      <p:to>
+                                        <p:strVal val="visible"/>
+                                      </p:to>
+                                    </p:set>
+                                    <p:anim calcmode="lin" valueType="num">
+                                      <p:cBhvr additive="base">
+                                        <p:cTn id="21" dur="500" fill="hold"/>
+                                        <p:tgtEl>
+                                          <p:spTgt spid="3">
+                                            <p:txEl>
+                                              <p:pRg st="5" end="5"/>
+                                            </p:txEl>
+                                          </p:spTgt>
+                                        </p:tgtEl>
+                                        <p:attrNameLst>
+                                          <p:attrName>ppt_x</p:attrName>
+                                        </p:attrNameLst>
+                                      </p:cBhvr>
+                                      <p:tavLst>
+                                        <p:tav tm="0">
+                                          <p:val>
+                                            <p:strVal val="#ppt_x"/>
+                                          </p:val>
+                                        </p:tav>
+                                        <p:tav tm="100000">
+                                          <p:val>
+                                            <p:strVal val="#ppt_x"/>
+                                          </p:val>
+                                        </p:tav>
+                                      </p:tavLst>
+                                    </p:anim>
+                                    <p:anim calcmode="lin" valueType="num">
+                                      <p:cBhvr additive="base">
+                                        <p:cTn id="22" dur="500" fill="hold"/>
+                                        <p:tgtEl>
+                                          <p:spTgt spid="3">
+                                            <p:txEl>
+                                              <p:pRg st="5" end="5"/>
+                                            </p:txEl>
+                                          </p:spTgt>
+                                        </p:tgtEl>
+                                        <p:attrNameLst>
+                                          <p:attrName>ppt_y</p:attrName>
+                                        </p:attrNameLst>
+                                      </p:cBhvr>
+                                      <p:tavLst>
+                                        <p:tav tm="0">
+                                          <p:val>
+                                            <p:strVal val="1+#ppt_h/2"/>
+                                          </p:val>
+                                        </p:tav>
+                                        <p:tav tm="100000">
+                                          <p:val>
+                                            <p:strVal val="#ppt_y"/>
+                                          </p:val>
+                                        </p:tav>
+                                      </p:tavLst>
+                                    </p:anim>
+                                  </p:childTnLst>
+                                </p:cTn>
+                              </p:par>
+                              <p:par>
+                                <p:cTn id="23" presetID="2" presetClass="entr" presetSubtype="4" fill="hold" nodeType="withEffect">
+                                  <p:stCondLst>
+                                    <p:cond delay="0"/>
+                                  </p:stCondLst>
+                                  <p:childTnLst>
+                                    <p:set>
+                                      <p:cBhvr>
+                                        <p:cTn id="24" dur="1" fill="hold">
+                                          <p:stCondLst>
+                                            <p:cond delay="0"/>
+                                          </p:stCondLst>
+                                        </p:cTn>
+                                        <p:tgtEl>
+                                          <p:spTgt spid="3">
+                                            <p:txEl>
+                                              <p:pRg st="6" end="6"/>
+                                            </p:txEl>
+                                          </p:spTgt>
+                                        </p:tgtEl>
+                                        <p:attrNameLst>
+                                          <p:attrName>style.visibility</p:attrName>
+                                        </p:attrNameLst>
+                                      </p:cBhvr>
+                                      <p:to>
+                                        <p:strVal val="visible"/>
+                                      </p:to>
+                                    </p:set>
+                                    <p:anim calcmode="lin" valueType="num">
+                                      <p:cBhvr additive="base">
+                                        <p:cTn id="25" dur="500" fill="hold"/>
+                                        <p:tgtEl>
+                                          <p:spTgt spid="3">
+                                            <p:txEl>
+                                              <p:pRg st="6" end="6"/>
+                                            </p:txEl>
+                                          </p:spTgt>
+                                        </p:tgtEl>
+                                        <p:attrNameLst>
+                                          <p:attrName>ppt_x</p:attrName>
+                                        </p:attrNameLst>
+                                      </p:cBhvr>
+                                      <p:tavLst>
+                                        <p:tav tm="0">
+                                          <p:val>
+                                            <p:strVal val="#ppt_x"/>
+                                          </p:val>
+                                        </p:tav>
+                                        <p:tav tm="100000">
+                                          <p:val>
+                                            <p:strVal val="#ppt_x"/>
+                                          </p:val>
+                                        </p:tav>
+                                      </p:tavLst>
+                                    </p:anim>
+                                    <p:anim calcmode="lin" valueType="num">
+                                      <p:cBhvr additive="base">
+                                        <p:cTn id="26" dur="500" fill="hold"/>
+                                        <p:tgtEl>
+                                          <p:spTgt spid="3">
+                                            <p:txEl>
+                                              <p:pRg st="6" end="6"/>
+                                            </p:txEl>
+                                          </p:spTgt>
+                                        </p:tgtEl>
+                                        <p:attrNameLst>
+                                          <p:attrName>ppt_y</p:attrName>
+                                        </p:attrNameLst>
+                                      </p:cBhvr>
+                                      <p:tavLst>
+                                        <p:tav tm="0">
+                                          <p:val>
+                                            <p:strVal val="1+#ppt_h/2"/>
+                                          </p:val>
+                                        </p:tav>
+                                        <p:tav tm="100000">
+                                          <p:val>
+                                            <p:strVal val="#ppt_y"/>
+                                          </p:val>
+                                        </p:tav>
+                                      </p:tavLst>
+                                    </p:anim>
+                                  </p:childTnLst>
+                                </p:cTn>
+                              </p:par>
+                              <p:par>
+                                <p:cTn id="27" presetID="2" presetClass="entr" presetSubtype="4" fill="hold" nodeType="withEffect">
+                                  <p:stCondLst>
+                                    <p:cond delay="0"/>
+                                  </p:stCondLst>
+                                  <p:childTnLst>
+                                    <p:set>
+                                      <p:cBhvr>
+                                        <p:cTn id="28" dur="1" fill="hold">
+                                          <p:stCondLst>
+                                            <p:cond delay="0"/>
+                                          </p:stCondLst>
+                                        </p:cTn>
+                                        <p:tgtEl>
+                                          <p:spTgt spid="3">
+                                            <p:txEl>
+                                              <p:pRg st="7" end="7"/>
+                                            </p:txEl>
+                                          </p:spTgt>
+                                        </p:tgtEl>
+                                        <p:attrNameLst>
+                                          <p:attrName>style.visibility</p:attrName>
+                                        </p:attrNameLst>
+                                      </p:cBhvr>
+                                      <p:to>
+                                        <p:strVal val="visible"/>
+                                      </p:to>
+                                    </p:set>
+                                    <p:anim calcmode="lin" valueType="num">
+                                      <p:cBhvr additive="base">
+                                        <p:cTn id="29" dur="500" fill="hold"/>
+                                        <p:tgtEl>
+                                          <p:spTgt spid="3">
+                                            <p:txEl>
+                                              <p:pRg st="7" end="7"/>
+                                            </p:txEl>
+                                          </p:spTgt>
+                                        </p:tgtEl>
+                                        <p:attrNameLst>
+                                          <p:attrName>ppt_x</p:attrName>
+                                        </p:attrNameLst>
+                                      </p:cBhvr>
+                                      <p:tavLst>
+                                        <p:tav tm="0">
+                                          <p:val>
+                                            <p:strVal val="#ppt_x"/>
+                                          </p:val>
+                                        </p:tav>
+                                        <p:tav tm="100000">
+                                          <p:val>
+                                            <p:strVal val="#ppt_x"/>
+                                          </p:val>
+                                        </p:tav>
+                                      </p:tavLst>
+                                    </p:anim>
+                                    <p:anim calcmode="lin" valueType="num">
+                                      <p:cBhvr additive="base">
+                                        <p:cTn id="30" dur="500" fill="hold"/>
+                                        <p:tgtEl>
+                                          <p:spTgt spid="3">
+                                            <p:txEl>
+                                              <p:pRg st="7" end="7"/>
+                                            </p:txEl>
+                                          </p:spTgt>
+                                        </p:tgtEl>
+                                        <p:attrNameLst>
+                                          <p:attrName>ppt_y</p:attrName>
+                                        </p:attrNameLst>
+                                      </p:cBhvr>
+                                      <p:tavLst>
+                                        <p:tav tm="0">
+                                          <p:val>
+                                            <p:strVal val="1+#ppt_h/2"/>
+                                          </p:val>
+                                        </p:tav>
+                                        <p:tav tm="100000">
+                                          <p:val>
+                                            <p:strVal val="#ppt_y"/>
+                                          </p:val>
+                                        </p:tav>
+                                      </p:tavLst>
+                                    </p:anim>
+                                  </p:childTnLst>
+                                </p:cTn>
+                              </p:par>
+                              <p:par>
+                                <p:cTn id="31" presetID="2" presetClass="entr" presetSubtype="4" fill="hold" nodeType="withEffect">
+                                  <p:stCondLst>
+                                    <p:cond delay="0"/>
+                                  </p:stCondLst>
+                                  <p:childTnLst>
+                                    <p:set>
+                                      <p:cBhvr>
+                                        <p:cTn id="32" dur="1" fill="hold">
+                                          <p:stCondLst>
+                                            <p:cond delay="0"/>
+                                          </p:stCondLst>
+                                        </p:cTn>
+                                        <p:tgtEl>
+                                          <p:spTgt spid="3">
+                                            <p:txEl>
+                                              <p:pRg st="8" end="8"/>
+                                            </p:txEl>
+                                          </p:spTgt>
+                                        </p:tgtEl>
+                                        <p:attrNameLst>
+                                          <p:attrName>style.visibility</p:attrName>
+                                        </p:attrNameLst>
+                                      </p:cBhvr>
+                                      <p:to>
+                                        <p:strVal val="visible"/>
+                                      </p:to>
+                                    </p:set>
+                                    <p:anim calcmode="lin" valueType="num">
+                                      <p:cBhvr additive="base">
+                                        <p:cTn id="33" dur="500" fill="hold"/>
+                                        <p:tgtEl>
+                                          <p:spTgt spid="3">
+                                            <p:txEl>
+                                              <p:pRg st="8" end="8"/>
+                                            </p:txEl>
+                                          </p:spTgt>
+                                        </p:tgtEl>
+                                        <p:attrNameLst>
+                                          <p:attrName>ppt_x</p:attrName>
+                                        </p:attrNameLst>
+                                      </p:cBhvr>
+                                      <p:tavLst>
+                                        <p:tav tm="0">
+                                          <p:val>
+                                            <p:strVal val="#ppt_x"/>
+                                          </p:val>
+                                        </p:tav>
+                                        <p:tav tm="100000">
+                                          <p:val>
+                                            <p:strVal val="#ppt_x"/>
+                                          </p:val>
+                                        </p:tav>
+                                      </p:tavLst>
+                                    </p:anim>
+                                    <p:anim calcmode="lin" valueType="num">
+                                      <p:cBhvr additive="base">
+                                        <p:cTn id="34" dur="500" fill="hold"/>
+                                        <p:tgtEl>
+                                          <p:spTgt spid="3">
+                                            <p:txEl>
+                                              <p:pRg st="8" end="8"/>
+                                            </p:txEl>
+                                          </p:spTgt>
+                                        </p:tgtEl>
+                                        <p:attrNameLst>
+                                          <p:attrName>ppt_y</p:attrName>
+                                        </p:attrNameLst>
+                                      </p:cBhvr>
+                                      <p:tavLst>
+                                        <p:tav tm="0">
+                                          <p:val>
+                                            <p:strVal val="1+#ppt_h/2"/>
+                                          </p:val>
+                                        </p:tav>
+                                        <p:tav tm="100000">
+                                          <p:val>
+                                            <p:strVal val="#ppt_y"/>
+                                          </p:val>
+                                        </p:tav>
+                                      </p:tavLst>
+                                    </p:anim>
+                                  </p:childTnLst>
+                                </p:cTn>
+                              </p:par>
+                              <p:par>
+                                <p:cTn id="35" presetID="2" presetClass="entr" presetSubtype="4" fill="hold" nodeType="withEffect">
+                                  <p:stCondLst>
+                                    <p:cond delay="0"/>
+                                  </p:stCondLst>
+                                  <p:childTnLst>
+                                    <p:set>
+                                      <p:cBhvr>
+                                        <p:cTn id="36" dur="1" fill="hold">
+                                          <p:stCondLst>
+                                            <p:cond delay="0"/>
+                                          </p:stCondLst>
+                                        </p:cTn>
+                                        <p:tgtEl>
+                                          <p:spTgt spid="3">
+                                            <p:txEl>
+                                              <p:pRg st="9" end="9"/>
+                                            </p:txEl>
+                                          </p:spTgt>
+                                        </p:tgtEl>
+                                        <p:attrNameLst>
+                                          <p:attrName>style.visibility</p:attrName>
+                                        </p:attrNameLst>
+                                      </p:cBhvr>
+                                      <p:to>
+                                        <p:strVal val="visible"/>
+                                      </p:to>
+                                    </p:set>
+                                    <p:anim calcmode="lin" valueType="num">
+                                      <p:cBhvr additive="base">
+                                        <p:cTn id="37" dur="500" fill="hold"/>
+                                        <p:tgtEl>
+                                          <p:spTgt spid="3">
+                                            <p:txEl>
+                                              <p:pRg st="9" end="9"/>
+                                            </p:txEl>
+                                          </p:spTgt>
+                                        </p:tgtEl>
+                                        <p:attrNameLst>
+                                          <p:attrName>ppt_x</p:attrName>
+                                        </p:attrNameLst>
+                                      </p:cBhvr>
+                                      <p:tavLst>
+                                        <p:tav tm="0">
+                                          <p:val>
+                                            <p:strVal val="#ppt_x"/>
+                                          </p:val>
+                                        </p:tav>
+                                        <p:tav tm="100000">
+                                          <p:val>
+                                            <p:strVal val="#ppt_x"/>
+                                          </p:val>
+                                        </p:tav>
+                                      </p:tavLst>
+                                    </p:anim>
+                                    <p:anim calcmode="lin" valueType="num">
+                                      <p:cBhvr additive="base">
+                                        <p:cTn id="38" dur="500" fill="hold"/>
+                                        <p:tgtEl>
+                                          <p:spTgt spid="3">
+                                            <p:txEl>
+                                              <p:pRg st="9" end="9"/>
+                                            </p:txEl>
+                                          </p:spTgt>
+                                        </p:tgtEl>
+                                        <p:attrNameLst>
+                                          <p:attrName>ppt_y</p:attrName>
+                                        </p:attrNameLst>
+                                      </p:cBhvr>
+                                      <p:tavLst>
+                                        <p:tav tm="0">
+                                          <p:val>
+                                            <p:strVal val="1+#ppt_h/2"/>
+                                          </p:val>
+                                        </p:tav>
+                                        <p:tav tm="100000">
+                                          <p:val>
+                                            <p:strVal val="#ppt_y"/>
+                                          </p:val>
+                                        </p:tav>
+                                      </p:tavLst>
+                                    </p:anim>
+                                  </p:childTnLst>
+                                </p:cTn>
+                              </p:par>
+                              <p:par>
+                                <p:cTn id="39" presetID="2" presetClass="entr" presetSubtype="4" fill="hold" nodeType="withEffect">
+                                  <p:stCondLst>
+                                    <p:cond delay="0"/>
+                                  </p:stCondLst>
+                                  <p:childTnLst>
+                                    <p:set>
+                                      <p:cBhvr>
+                                        <p:cTn id="40" dur="1" fill="hold">
+                                          <p:stCondLst>
+                                            <p:cond delay="0"/>
+                                          </p:stCondLst>
+                                        </p:cTn>
+                                        <p:tgtEl>
+                                          <p:spTgt spid="3">
+                                            <p:txEl>
+                                              <p:pRg st="10" end="10"/>
+                                            </p:txEl>
+                                          </p:spTgt>
+                                        </p:tgtEl>
+                                        <p:attrNameLst>
+                                          <p:attrName>style.visibility</p:attrName>
+                                        </p:attrNameLst>
+                                      </p:cBhvr>
+                                      <p:to>
+                                        <p:strVal val="visible"/>
+                                      </p:to>
+                                    </p:set>
+                                    <p:anim calcmode="lin" valueType="num">
+                                      <p:cBhvr additive="base">
+                                        <p:cTn id="41" dur="500" fill="hold"/>
+                                        <p:tgtEl>
+                                          <p:spTgt spid="3">
+                                            <p:txEl>
+                                              <p:pRg st="10" end="10"/>
+                                            </p:txEl>
+                                          </p:spTgt>
+                                        </p:tgtEl>
+                                        <p:attrNameLst>
+                                          <p:attrName>ppt_x</p:attrName>
+                                        </p:attrNameLst>
+                                      </p:cBhvr>
+                                      <p:tavLst>
+                                        <p:tav tm="0">
+                                          <p:val>
+                                            <p:strVal val="#ppt_x"/>
+                                          </p:val>
+                                        </p:tav>
+                                        <p:tav tm="100000">
+                                          <p:val>
+                                            <p:strVal val="#ppt_x"/>
+                                          </p:val>
+                                        </p:tav>
+                                      </p:tavLst>
+                                    </p:anim>
+                                    <p:anim calcmode="lin" valueType="num">
+                                      <p:cBhvr additive="base">
+                                        <p:cTn id="42" dur="500" fill="hold"/>
+                                        <p:tgtEl>
+                                          <p:spTgt spid="3">
+                                            <p:txEl>
+                                              <p:pRg st="10" end="10"/>
+                                            </p:txEl>
+                                          </p:spTgt>
+                                        </p:tgtEl>
+                                        <p:attrNameLst>
+                                          <p:attrName>ppt_y</p:attrName>
+                                        </p:attrNameLst>
+                                      </p:cBhvr>
+                                      <p:tavLst>
+                                        <p:tav tm="0">
+                                          <p:val>
+                                            <p:strVal val="1+#ppt_h/2"/>
+                                          </p:val>
+                                        </p:tav>
+                                        <p:tav tm="100000">
+                                          <p:val>
+                                            <p:strVal val="#ppt_y"/>
+                                          </p:val>
+                                        </p:tav>
+                                      </p:tavLst>
+                                    </p:anim>
+                                  </p:childTnLst>
+                                </p:cTn>
+                              </p:par>
+                            </p:childTnLst>
+                          </p:cTn>
+                        </p:par>
+                      </p:childTnLst>
+                    </p:cTn>
+                  </p:par>
+                  <p:par>
+                    <p:cTn id="43" fill="hold">
+                      <p:stCondLst>
+                        <p:cond delay="indefinite"/>
+                      </p:stCondLst>
+                      <p:childTnLst>
+                        <p:par>
+                          <p:cTn id="44" fill="hold">
+                            <p:stCondLst>
+                              <p:cond delay="0"/>
+                            </p:stCondLst>
+                            <p:childTnLst>
+                              <p:par>
+                                <p:cTn id="45" presetID="2" presetClass="entr" presetSubtype="4" fill="hold" grpId="0" nodeType="clickEffect">
+                                  <p:stCondLst>
+                                    <p:cond delay="0"/>
+                                  </p:stCondLst>
+                                  <p:childTnLst>
+                                    <p:set>
+                                      <p:cBhvr>
+                                        <p:cTn id="46" dur="1" fill="hold">
+                                          <p:stCondLst>
+                                            <p:cond delay="0"/>
+                                          </p:stCondLst>
+                                        </p:cTn>
+                                        <p:tgtEl>
+                                          <p:spTgt spid="15"/>
+                                        </p:tgtEl>
+                                        <p:attrNameLst>
+                                          <p:attrName>style.visibility</p:attrName>
+                                        </p:attrNameLst>
+                                      </p:cBhvr>
+                                      <p:to>
+                                        <p:strVal val="visible"/>
+                                      </p:to>
+                                    </p:set>
+                                    <p:anim calcmode="lin" valueType="num">
+                                      <p:cBhvr additive="base">
+                                        <p:cTn id="47" dur="500" fill="hold"/>
+                                        <p:tgtEl>
+                                          <p:spTgt spid="15"/>
+                                        </p:tgtEl>
+                                        <p:attrNameLst>
+                                          <p:attrName>ppt_x</p:attrName>
+                                        </p:attrNameLst>
+                                      </p:cBhvr>
+                                      <p:tavLst>
+                                        <p:tav tm="0">
+                                          <p:val>
+                                            <p:strVal val="#ppt_x"/>
+                                          </p:val>
+                                        </p:tav>
+                                        <p:tav tm="100000">
+                                          <p:val>
+                                            <p:strVal val="#ppt_x"/>
+                                          </p:val>
+                                        </p:tav>
+                                      </p:tavLst>
+                                    </p:anim>
+                                    <p:anim calcmode="lin" valueType="num">
+                                      <p:cBhvr additive="base">
+                                        <p:cTn id="48" dur="500" fill="hold"/>
+                                        <p:tgtEl>
+                                          <p:spTgt spid="15"/>
+                                        </p:tgtEl>
+                                        <p:attrNameLst>
+                                          <p:attrName>ppt_y</p:attrName>
+                                        </p:attrNameLst>
+                                      </p:cBhvr>
+                                      <p:tavLst>
+                                        <p:tav tm="0">
+                                          <p:val>
+                                            <p:strVal val="1+#ppt_h/2"/>
+                                          </p:val>
+                                        </p:tav>
+                                        <p:tav tm="100000">
+                                          <p:val>
+                                            <p:strVal val="#ppt_y"/>
+                                          </p:val>
+                                        </p:tav>
+                                      </p:tavLst>
+                                    </p:anim>
+                                  </p:childTnLst>
+                                </p:cTn>
+                              </p:par>
+                            </p:childTnLst>
+                          </p:cTn>
+                        </p:par>
+                      </p:childTnLst>
+                    </p:cTn>
+                  </p:par>
+                  <p:par>
+                    <p:cTn id="49" fill="hold">
+                      <p:stCondLst>
+                        <p:cond delay="indefinite"/>
+                      </p:stCondLst>
+                      <p:childTnLst>
+                        <p:par>
+                          <p:cTn id="50" fill="hold">
+                            <p:stCondLst>
+                              <p:cond delay="0"/>
+                            </p:stCondLst>
+                            <p:childTnLst>
+                              <p:par>
+                                <p:cTn id="51" presetID="2" presetClass="entr" presetSubtype="4" fill="hold" grpId="0" nodeType="clickEffect">
+                                  <p:stCondLst>
+                                    <p:cond delay="0"/>
+                                  </p:stCondLst>
+                                  <p:childTnLst>
+                                    <p:set>
+                                      <p:cBhvr>
+                                        <p:cTn id="52" dur="1" fill="hold">
+                                          <p:stCondLst>
+                                            <p:cond delay="0"/>
+                                          </p:stCondLst>
+                                        </p:cTn>
+                                        <p:tgtEl>
+                                          <p:spTgt spid="4"/>
+                                        </p:tgtEl>
+                                        <p:attrNameLst>
+                                          <p:attrName>style.visibility</p:attrName>
+                                        </p:attrNameLst>
+                                      </p:cBhvr>
+                                      <p:to>
+                                        <p:strVal val="visible"/>
+                                      </p:to>
+                                    </p:set>
+                                    <p:anim calcmode="lin" valueType="num">
+                                      <p:cBhvr additive="base">
+                                        <p:cTn id="53" dur="500" fill="hold"/>
+                                        <p:tgtEl>
+                                          <p:spTgt spid="4"/>
+                                        </p:tgtEl>
+                                        <p:attrNameLst>
+                                          <p:attrName>ppt_x</p:attrName>
+                                        </p:attrNameLst>
+                                      </p:cBhvr>
+                                      <p:tavLst>
+                                        <p:tav tm="0">
+                                          <p:val>
+                                            <p:strVal val="#ppt_x"/>
+                                          </p:val>
+                                        </p:tav>
+                                        <p:tav tm="100000">
+                                          <p:val>
+                                            <p:strVal val="#ppt_x"/>
+                                          </p:val>
+                                        </p:tav>
+                                      </p:tavLst>
+                                    </p:anim>
+                                    <p:anim calcmode="lin" valueType="num">
+                                      <p:cBhvr additive="base">
+                                        <p:cTn id="54" dur="500" fill="hold"/>
+                                        <p:tgtEl>
+                                          <p:spTgt spid="4"/>
+                                        </p:tgtEl>
+                                        <p:attrNameLst>
+                                          <p:attrName>ppt_y</p:attrName>
+                                        </p:attrNameLst>
+                                      </p:cBhvr>
+                                      <p:tavLst>
+                                        <p:tav tm="0">
+                                          <p:val>
+                                            <p:strVal val="1+#ppt_h/2"/>
+                                          </p:val>
+                                        </p:tav>
+                                        <p:tav tm="100000">
+                                          <p:val>
+                                            <p:strVal val="#ppt_y"/>
+                                          </p:val>
+                                        </p:tav>
+                                      </p:tavLst>
+                                    </p:anim>
+                                  </p:childTnLst>
+                                </p:cTn>
+                              </p:par>
+                            </p:childTnLst>
+                          </p:cTn>
+                        </p:par>
+                      </p:childTnLst>
+                    </p:cTn>
+                  </p:par>
+                  <p:par>
+                    <p:cTn id="55" fill="hold">
+                      <p:stCondLst>
+                        <p:cond delay="indefinite"/>
+                      </p:stCondLst>
+                      <p:childTnLst>
+                        <p:par>
+                          <p:cTn id="56" fill="hold">
+                            <p:stCondLst>
+                              <p:cond delay="0"/>
+                            </p:stCondLst>
+                            <p:childTnLst>
+                              <p:par>
+                                <p:cTn id="57" presetID="2" presetClass="entr" presetSubtype="4" fill="hold" grpId="0" nodeType="clickEffect">
+                                  <p:stCondLst>
+                                    <p:cond delay="0"/>
+                                  </p:stCondLst>
+                                  <p:childTnLst>
+                                    <p:set>
+                                      <p:cBhvr>
+                                        <p:cTn id="58" dur="1" fill="hold">
+                                          <p:stCondLst>
+                                            <p:cond delay="0"/>
+                                          </p:stCondLst>
+                                        </p:cTn>
+                                        <p:tgtEl>
+                                          <p:spTgt spid="6"/>
+                                        </p:tgtEl>
+                                        <p:attrNameLst>
+                                          <p:attrName>style.visibility</p:attrName>
+                                        </p:attrNameLst>
+                                      </p:cBhvr>
+                                      <p:to>
+                                        <p:strVal val="visible"/>
+                                      </p:to>
+                                    </p:set>
+                                    <p:anim calcmode="lin" valueType="num">
+                                      <p:cBhvr additive="base">
+                                        <p:cTn id="59" dur="500" fill="hold"/>
+                                        <p:tgtEl>
+                                          <p:spTgt spid="6"/>
+                                        </p:tgtEl>
+                                        <p:attrNameLst>
+                                          <p:attrName>ppt_x</p:attrName>
+                                        </p:attrNameLst>
+                                      </p:cBhvr>
+                                      <p:tavLst>
+                                        <p:tav tm="0">
+                                          <p:val>
+                                            <p:strVal val="#ppt_x"/>
+                                          </p:val>
+                                        </p:tav>
+                                        <p:tav tm="100000">
+                                          <p:val>
+                                            <p:strVal val="#ppt_x"/>
+                                          </p:val>
+                                        </p:tav>
+                                      </p:tavLst>
+                                    </p:anim>
+                                    <p:anim calcmode="lin" valueType="num">
+                                      <p:cBhvr additive="base">
+                                        <p:cTn id="60" dur="500" fill="hold"/>
+                                        <p:tgtEl>
+                                          <p:spTgt spid="6"/>
+                                        </p:tgtEl>
+                                        <p:attrNameLst>
+                                          <p:attrName>ppt_y</p:attrName>
+                                        </p:attrNameLst>
+                                      </p:cBhvr>
+                                      <p:tavLst>
+                                        <p:tav tm="0">
+                                          <p:val>
+                                            <p:strVal val="1+#ppt_h/2"/>
+                                          </p:val>
+                                        </p:tav>
+                                        <p:tav tm="100000">
+                                          <p:val>
+                                            <p:strVal val="#ppt_y"/>
+                                          </p:val>
+                                        </p:tav>
+                                      </p:tavLst>
+                                    </p:anim>
+                                  </p:childTnLst>
+                                </p:cTn>
+                              </p:par>
+                            </p:childTnLst>
+                          </p:cTn>
+                        </p:par>
+                      </p:childTnLst>
+                    </p:cTn>
+                  </p:par>
+                  <p:par>
+                    <p:cTn id="61" fill="hold">
+                      <p:stCondLst>
+                        <p:cond delay="indefinite"/>
+                      </p:stCondLst>
+                      <p:childTnLst>
+                        <p:par>
+                          <p:cTn id="62" fill="hold">
+                            <p:stCondLst>
+                              <p:cond delay="0"/>
+                            </p:stCondLst>
+                            <p:childTnLst>
+                              <p:par>
+                                <p:cTn id="63" presetID="2" presetClass="entr" presetSubtype="4" fill="hold" grpId="0" nodeType="clickEffect">
+                                  <p:stCondLst>
+                                    <p:cond delay="0"/>
+                                  </p:stCondLst>
+                                  <p:childTnLst>
+                                    <p:set>
+                                      <p:cBhvr>
+                                        <p:cTn id="64" dur="1" fill="hold">
+                                          <p:stCondLst>
+                                            <p:cond delay="0"/>
+                                          </p:stCondLst>
+                                        </p:cTn>
+                                        <p:tgtEl>
+                                          <p:spTgt spid="7"/>
+                                        </p:tgtEl>
+                                        <p:attrNameLst>
+                                          <p:attrName>style.visibility</p:attrName>
+                                        </p:attrNameLst>
+                                      </p:cBhvr>
+                                      <p:to>
+                                        <p:strVal val="visible"/>
+                                      </p:to>
+                                    </p:set>
+                                    <p:anim calcmode="lin" valueType="num">
+                                      <p:cBhvr additive="base">
+                                        <p:cTn id="65" dur="500" fill="hold"/>
+                                        <p:tgtEl>
+                                          <p:spTgt spid="7"/>
+                                        </p:tgtEl>
+                                        <p:attrNameLst>
+                                          <p:attrName>ppt_x</p:attrName>
+                                        </p:attrNameLst>
+                                      </p:cBhvr>
+                                      <p:tavLst>
+                                        <p:tav tm="0">
+                                          <p:val>
+                                            <p:strVal val="#ppt_x"/>
+                                          </p:val>
+                                        </p:tav>
+                                        <p:tav tm="100000">
+                                          <p:val>
+                                            <p:strVal val="#ppt_x"/>
+                                          </p:val>
+                                        </p:tav>
+                                      </p:tavLst>
+                                    </p:anim>
+                                    <p:anim calcmode="lin" valueType="num">
+                                      <p:cBhvr additive="base">
+                                        <p:cTn id="66" dur="500" fill="hold"/>
+                                        <p:tgtEl>
+                                          <p:spTgt spid="7"/>
+                                        </p:tgtEl>
+                                        <p:attrNameLst>
+                                          <p:attrName>ppt_y</p:attrName>
+                                        </p:attrNameLst>
+                                      </p:cBhvr>
+                                      <p:tavLst>
+                                        <p:tav tm="0">
+                                          <p:val>
+                                            <p:strVal val="1+#ppt_h/2"/>
+                                          </p:val>
+                                        </p:tav>
+                                        <p:tav tm="100000">
+                                          <p:val>
+                                            <p:strVal val="#ppt_y"/>
+                                          </p:val>
+                                        </p:tav>
+                                      </p:tavLst>
+                                    </p:anim>
+                                  </p:childTnLst>
+                                </p:cTn>
+                              </p:par>
+                            </p:childTnLst>
+                          </p:cTn>
+                        </p:par>
+                      </p:childTnLst>
+                    </p:cTn>
+                  </p:par>
+                  <p:par>
+                    <p:cTn id="67" fill="hold">
+                      <p:stCondLst>
+                        <p:cond delay="indefinite"/>
+                      </p:stCondLst>
+                      <p:childTnLst>
+                        <p:par>
+                          <p:cTn id="68" fill="hold">
+                            <p:stCondLst>
+                              <p:cond delay="0"/>
+                            </p:stCondLst>
+                            <p:childTnLst>
+                              <p:par>
+                                <p:cTn id="69" presetID="2" presetClass="entr" presetSubtype="4" fill="hold" grpId="0" nodeType="clickEffect">
+                                  <p:stCondLst>
+                                    <p:cond delay="0"/>
+                                  </p:stCondLst>
+                                  <p:childTnLst>
+                                    <p:set>
+                                      <p:cBhvr>
+                                        <p:cTn id="70" dur="1" fill="hold">
+                                          <p:stCondLst>
+                                            <p:cond delay="0"/>
+                                          </p:stCondLst>
+                                        </p:cTn>
+                                        <p:tgtEl>
+                                          <p:spTgt spid="8"/>
+                                        </p:tgtEl>
+                                        <p:attrNameLst>
+                                          <p:attrName>style.visibility</p:attrName>
+                                        </p:attrNameLst>
+                                      </p:cBhvr>
+                                      <p:to>
+                                        <p:strVal val="visible"/>
+                                      </p:to>
+                                    </p:set>
+                                    <p:anim calcmode="lin" valueType="num">
+                                      <p:cBhvr additive="base">
+                                        <p:cTn id="71" dur="500" fill="hold"/>
+                                        <p:tgtEl>
+                                          <p:spTgt spid="8"/>
+                                        </p:tgtEl>
+                                        <p:attrNameLst>
+                                          <p:attrName>ppt_x</p:attrName>
+                                        </p:attrNameLst>
+                                      </p:cBhvr>
+                                      <p:tavLst>
+                                        <p:tav tm="0">
+                                          <p:val>
+                                            <p:strVal val="#ppt_x"/>
+                                          </p:val>
+                                        </p:tav>
+                                        <p:tav tm="100000">
+                                          <p:val>
+                                            <p:strVal val="#ppt_x"/>
+                                          </p:val>
+                                        </p:tav>
+                                      </p:tavLst>
+                                    </p:anim>
+                                    <p:anim calcmode="lin" valueType="num">
+                                      <p:cBhvr additive="base">
+                                        <p:cTn id="72" dur="500" fill="hold"/>
+                                        <p:tgtEl>
+                                          <p:spTgt spid="8"/>
+                                        </p:tgtEl>
+                                        <p:attrNameLst>
+                                          <p:attrName>ppt_y</p:attrName>
+                                        </p:attrNameLst>
+                                      </p:cBhvr>
+                                      <p:tavLst>
+                                        <p:tav tm="0">
+                                          <p:val>
+                                            <p:strVal val="1+#ppt_h/2"/>
+                                          </p:val>
+                                        </p:tav>
+                                        <p:tav tm="100000">
+                                          <p:val>
+                                            <p:strVal val="#ppt_y"/>
+                                          </p:val>
+                                        </p:tav>
+                                      </p:tavLst>
+                                    </p:anim>
+                                  </p:childTnLst>
+                                </p:cTn>
+                              </p:par>
+                            </p:childTnLst>
+                          </p:cTn>
+                        </p:par>
+                      </p:childTnLst>
+                    </p:cTn>
+                  </p:par>
+                  <p:par>
+                    <p:cTn id="73" fill="hold">
+                      <p:stCondLst>
+                        <p:cond delay="indefinite"/>
+                      </p:stCondLst>
+                      <p:childTnLst>
+                        <p:par>
+                          <p:cTn id="74" fill="hold">
+                            <p:stCondLst>
+                              <p:cond delay="0"/>
+                            </p:stCondLst>
+                            <p:childTnLst>
+                              <p:par>
+                                <p:cTn id="75" presetID="2" presetClass="entr" presetSubtype="4" fill="hold" grpId="0" nodeType="clickEffect">
+                                  <p:stCondLst>
+                                    <p:cond delay="0"/>
+                                  </p:stCondLst>
+                                  <p:childTnLst>
+                                    <p:set>
+                                      <p:cBhvr>
+                                        <p:cTn id="76" dur="1" fill="hold">
+                                          <p:stCondLst>
+                                            <p:cond delay="0"/>
+                                          </p:stCondLst>
+                                        </p:cTn>
+                                        <p:tgtEl>
+                                          <p:spTgt spid="9"/>
+                                        </p:tgtEl>
+                                        <p:attrNameLst>
+                                          <p:attrName>style.visibility</p:attrName>
+                                        </p:attrNameLst>
+                                      </p:cBhvr>
+                                      <p:to>
+                                        <p:strVal val="visible"/>
+                                      </p:to>
+                                    </p:set>
+                                    <p:anim calcmode="lin" valueType="num">
+                                      <p:cBhvr additive="base">
+                                        <p:cTn id="77" dur="500" fill="hold"/>
+                                        <p:tgtEl>
+                                          <p:spTgt spid="9"/>
+                                        </p:tgtEl>
+                                        <p:attrNameLst>
+                                          <p:attrName>ppt_x</p:attrName>
+                                        </p:attrNameLst>
+                                      </p:cBhvr>
+                                      <p:tavLst>
+                                        <p:tav tm="0">
+                                          <p:val>
+                                            <p:strVal val="#ppt_x"/>
+                                          </p:val>
+                                        </p:tav>
+                                        <p:tav tm="100000">
+                                          <p:val>
+                                            <p:strVal val="#ppt_x"/>
+                                          </p:val>
+                                        </p:tav>
+                                      </p:tavLst>
+                                    </p:anim>
+                                    <p:anim calcmode="lin" valueType="num">
+                                      <p:cBhvr additive="base">
+                                        <p:cTn id="78" dur="500" fill="hold"/>
+                                        <p:tgtEl>
+                                          <p:spTgt spid="9"/>
+                                        </p:tgtEl>
+                                        <p:attrNameLst>
+                                          <p:attrName>ppt_y</p:attrName>
+                                        </p:attrNameLst>
+                                      </p:cBhvr>
+                                      <p:tavLst>
+                                        <p:tav tm="0">
+                                          <p:val>
+                                            <p:strVal val="1+#ppt_h/2"/>
+                                          </p:val>
+                                        </p:tav>
+                                        <p:tav tm="100000">
+                                          <p:val>
+                                            <p:strVal val="#ppt_y"/>
+                                          </p:val>
+                                        </p:tav>
+                                      </p:tavLst>
+                                    </p:anim>
+                                  </p:childTnLst>
+                                </p:cTn>
+                              </p:par>
+                            </p:childTnLst>
+                          </p:cTn>
+                        </p:par>
+                      </p:childTnLst>
+                    </p:cTn>
+                  </p:par>
+                  <p:par>
+                    <p:cTn id="79" fill="hold">
+                      <p:stCondLst>
+                        <p:cond delay="indefinite"/>
+                      </p:stCondLst>
+                      <p:childTnLst>
+                        <p:par>
+                          <p:cTn id="80" fill="hold">
+                            <p:stCondLst>
+                              <p:cond delay="0"/>
+                            </p:stCondLst>
+                            <p:childTnLst>
+                              <p:par>
+                                <p:cTn id="81" presetID="2" presetClass="entr" presetSubtype="4" fill="hold" grpId="0" nodeType="clickEffect">
+                                  <p:stCondLst>
+                                    <p:cond delay="0"/>
+                                  </p:stCondLst>
+                                  <p:childTnLst>
+                                    <p:set>
+                                      <p:cBhvr>
+                                        <p:cTn id="82" dur="1" fill="hold">
+                                          <p:stCondLst>
+                                            <p:cond delay="0"/>
+                                          </p:stCondLst>
+                                        </p:cTn>
+                                        <p:tgtEl>
+                                          <p:spTgt spid="10"/>
+                                        </p:tgtEl>
+                                        <p:attrNameLst>
+                                          <p:attrName>style.visibility</p:attrName>
+                                        </p:attrNameLst>
+                                      </p:cBhvr>
+                                      <p:to>
+                                        <p:strVal val="visible"/>
+                                      </p:to>
+                                    </p:set>
+                                    <p:anim calcmode="lin" valueType="num">
+                                      <p:cBhvr additive="base">
+                                        <p:cTn id="83" dur="500" fill="hold"/>
+                                        <p:tgtEl>
+                                          <p:spTgt spid="10"/>
+                                        </p:tgtEl>
+                                        <p:attrNameLst>
+                                          <p:attrName>ppt_x</p:attrName>
+                                        </p:attrNameLst>
+                                      </p:cBhvr>
+                                      <p:tavLst>
+                                        <p:tav tm="0">
+                                          <p:val>
+                                            <p:strVal val="#ppt_x"/>
+                                          </p:val>
+                                        </p:tav>
+                                        <p:tav tm="100000">
+                                          <p:val>
+                                            <p:strVal val="#ppt_x"/>
+                                          </p:val>
+                                        </p:tav>
+                                      </p:tavLst>
+                                    </p:anim>
+                                    <p:anim calcmode="lin" valueType="num">
+                                      <p:cBhvr additive="base">
+                                        <p:cTn id="84" dur="500" fill="hold"/>
+                                        <p:tgtEl>
+                                          <p:spTgt spid="10"/>
+                                        </p:tgtEl>
+                                        <p:attrNameLst>
+                                          <p:attrName>ppt_y</p:attrName>
+                                        </p:attrNameLst>
+                                      </p:cBhvr>
+                                      <p:tavLst>
+                                        <p:tav tm="0">
+                                          <p:val>
+                                            <p:strVal val="1+#ppt_h/2"/>
+                                          </p:val>
+                                        </p:tav>
+                                        <p:tav tm="100000">
+                                          <p:val>
+                                            <p:strVal val="#ppt_y"/>
+                                          </p:val>
+                                        </p:tav>
+                                      </p:tavLst>
+                                    </p:anim>
+                                  </p:childTnLst>
+                                </p:cTn>
+                              </p:par>
+                            </p:childTnLst>
+                          </p:cTn>
+                        </p:par>
+                      </p:childTnLst>
+                    </p:cTn>
+                  </p:par>
+                  <p:par>
+                    <p:cTn id="85" fill="hold">
+                      <p:stCondLst>
+                        <p:cond delay="indefinite"/>
+                      </p:stCondLst>
+                      <p:childTnLst>
+                        <p:par>
+                          <p:cTn id="86" fill="hold">
+                            <p:stCondLst>
+                              <p:cond delay="0"/>
+                            </p:stCondLst>
+                            <p:childTnLst>
+                              <p:par>
+                                <p:cTn id="87" presetID="2" presetClass="entr" presetSubtype="4" fill="hold" grpId="0" nodeType="clickEffect">
+                                  <p:stCondLst>
+                                    <p:cond delay="0"/>
+                                  </p:stCondLst>
+                                  <p:childTnLst>
+                                    <p:set>
+                                      <p:cBhvr>
+                                        <p:cTn id="88" dur="1" fill="hold">
+                                          <p:stCondLst>
+                                            <p:cond delay="0"/>
+                                          </p:stCondLst>
+                                        </p:cTn>
+                                        <p:tgtEl>
+                                          <p:spTgt spid="11"/>
+                                        </p:tgtEl>
+                                        <p:attrNameLst>
+                                          <p:attrName>style.visibility</p:attrName>
+                                        </p:attrNameLst>
+                                      </p:cBhvr>
+                                      <p:to>
+                                        <p:strVal val="visible"/>
+                                      </p:to>
+                                    </p:set>
+                                    <p:anim calcmode="lin" valueType="num">
+                                      <p:cBhvr additive="base">
+                                        <p:cTn id="89" dur="500" fill="hold"/>
+                                        <p:tgtEl>
+                                          <p:spTgt spid="11"/>
+                                        </p:tgtEl>
+                                        <p:attrNameLst>
+                                          <p:attrName>ppt_x</p:attrName>
+                                        </p:attrNameLst>
+                                      </p:cBhvr>
+                                      <p:tavLst>
+                                        <p:tav tm="0">
+                                          <p:val>
+                                            <p:strVal val="#ppt_x"/>
+                                          </p:val>
+                                        </p:tav>
+                                        <p:tav tm="100000">
+                                          <p:val>
+                                            <p:strVal val="#ppt_x"/>
+                                          </p:val>
+                                        </p:tav>
+                                      </p:tavLst>
+                                    </p:anim>
+                                    <p:anim calcmode="lin" valueType="num">
+                                      <p:cBhvr additive="base">
+                                        <p:cTn id="90" dur="500" fill="hold"/>
+                                        <p:tgtEl>
+                                          <p:spTgt spid="11"/>
+                                        </p:tgtEl>
+                                        <p:attrNameLst>
+                                          <p:attrName>ppt_y</p:attrName>
+                                        </p:attrNameLst>
+                                      </p:cBhvr>
+                                      <p:tavLst>
+                                        <p:tav tm="0">
+                                          <p:val>
+                                            <p:strVal val="1+#ppt_h/2"/>
+                                          </p:val>
+                                        </p:tav>
+                                        <p:tav tm="100000">
+                                          <p:val>
+                                            <p:strVal val="#ppt_y"/>
+                                          </p:val>
+                                        </p:tav>
+                                      </p:tavLst>
+                                    </p:anim>
+                                  </p:childTnLst>
+                                </p:cTn>
+                              </p:par>
+                            </p:childTnLst>
+                          </p:cTn>
+                        </p:par>
+                      </p:childTnLst>
+                    </p:cTn>
+                  </p:par>
+                  <p:par>
+                    <p:cTn id="91" fill="hold">
+                      <p:stCondLst>
+                        <p:cond delay="indefinite"/>
+                      </p:stCondLst>
+                      <p:childTnLst>
+                        <p:par>
+                          <p:cTn id="92" fill="hold">
+                            <p:stCondLst>
+                              <p:cond delay="0"/>
+                            </p:stCondLst>
+                            <p:childTnLst>
+                              <p:par>
+                                <p:cTn id="93" presetID="2" presetClass="entr" presetSubtype="4" fill="hold" grpId="0" nodeType="clickEffect">
+                                  <p:stCondLst>
+                                    <p:cond delay="0"/>
+                                  </p:stCondLst>
+                                  <p:childTnLst>
+                                    <p:set>
+                                      <p:cBhvr>
+                                        <p:cTn id="94" dur="1" fill="hold">
+                                          <p:stCondLst>
+                                            <p:cond delay="0"/>
+                                          </p:stCondLst>
+                                        </p:cTn>
+                                        <p:tgtEl>
+                                          <p:spTgt spid="12"/>
+                                        </p:tgtEl>
+                                        <p:attrNameLst>
+                                          <p:attrName>style.visibility</p:attrName>
+                                        </p:attrNameLst>
+                                      </p:cBhvr>
+                                      <p:to>
+                                        <p:strVal val="visible"/>
+                                      </p:to>
+                                    </p:set>
+                                    <p:anim calcmode="lin" valueType="num">
+                                      <p:cBhvr additive="base">
+                                        <p:cTn id="95" dur="500" fill="hold"/>
+                                        <p:tgtEl>
+                                          <p:spTgt spid="12"/>
+                                        </p:tgtEl>
+                                        <p:attrNameLst>
+                                          <p:attrName>ppt_x</p:attrName>
+                                        </p:attrNameLst>
+                                      </p:cBhvr>
+                                      <p:tavLst>
+                                        <p:tav tm="0">
+                                          <p:val>
+                                            <p:strVal val="#ppt_x"/>
+                                          </p:val>
+                                        </p:tav>
+                                        <p:tav tm="100000">
+                                          <p:val>
+                                            <p:strVal val="#ppt_x"/>
+                                          </p:val>
+                                        </p:tav>
+                                      </p:tavLst>
+                                    </p:anim>
+                                    <p:anim calcmode="lin" valueType="num">
+                                      <p:cBhvr additive="base">
+                                        <p:cTn id="96" dur="500" fill="hold"/>
+                                        <p:tgtEl>
+                                          <p:spTgt spid="12"/>
+                                        </p:tgtEl>
+                                        <p:attrNameLst>
+                                          <p:attrName>ppt_y</p:attrName>
+                                        </p:attrNameLst>
+                                      </p:cBhvr>
+                                      <p:tavLst>
+                                        <p:tav tm="0">
+                                          <p:val>
+                                            <p:strVal val="1+#ppt_h/2"/>
+                                          </p:val>
+                                        </p:tav>
+                                        <p:tav tm="100000">
+                                          <p:val>
+                                            <p:strVal val="#ppt_y"/>
+                                          </p:val>
+                                        </p:tav>
+                                      </p:tavLst>
+                                    </p:anim>
+                                  </p:childTnLst>
+                                </p:cTn>
+                              </p:par>
+                            </p:childTnLst>
+                          </p:cTn>
+                        </p:par>
+                      </p:childTnLst>
+                    </p:cTn>
+                  </p:par>
+                  <p:par>
+                    <p:cTn id="97" fill="hold">
+                      <p:stCondLst>
+                        <p:cond delay="indefinite"/>
+                      </p:stCondLst>
+                      <p:childTnLst>
+                        <p:par>
+                          <p:cTn id="98" fill="hold">
+                            <p:stCondLst>
+                              <p:cond delay="0"/>
+                            </p:stCondLst>
+                            <p:childTnLst>
+                              <p:par>
+                                <p:cTn id="99" presetID="2" presetClass="entr" presetSubtype="4" fill="hold" grpId="0" nodeType="clickEffect">
+                                  <p:stCondLst>
+                                    <p:cond delay="0"/>
+                                  </p:stCondLst>
+                                  <p:childTnLst>
+                                    <p:set>
+                                      <p:cBhvr>
+                                        <p:cTn id="100" dur="1" fill="hold">
+                                          <p:stCondLst>
+                                            <p:cond delay="0"/>
+                                          </p:stCondLst>
+                                        </p:cTn>
+                                        <p:tgtEl>
+                                          <p:spTgt spid="13"/>
+                                        </p:tgtEl>
+                                        <p:attrNameLst>
+                                          <p:attrName>style.visibility</p:attrName>
+                                        </p:attrNameLst>
+                                      </p:cBhvr>
+                                      <p:to>
+                                        <p:strVal val="visible"/>
+                                      </p:to>
+                                    </p:set>
+                                    <p:anim calcmode="lin" valueType="num">
+                                      <p:cBhvr additive="base">
+                                        <p:cTn id="101" dur="500" fill="hold"/>
+                                        <p:tgtEl>
+                                          <p:spTgt spid="13"/>
+                                        </p:tgtEl>
+                                        <p:attrNameLst>
+                                          <p:attrName>ppt_x</p:attrName>
+                                        </p:attrNameLst>
+                                      </p:cBhvr>
+                                      <p:tavLst>
+                                        <p:tav tm="0">
+                                          <p:val>
+                                            <p:strVal val="#ppt_x"/>
+                                          </p:val>
+                                        </p:tav>
+                                        <p:tav tm="100000">
+                                          <p:val>
+                                            <p:strVal val="#ppt_x"/>
+                                          </p:val>
+                                        </p:tav>
+                                      </p:tavLst>
+                                    </p:anim>
+                                    <p:anim calcmode="lin" valueType="num">
+                                      <p:cBhvr additive="base">
+                                        <p:cTn id="102" dur="500" fill="hold"/>
+                                        <p:tgtEl>
+                                          <p:spTgt spid="13"/>
+                                        </p:tgtEl>
+                                        <p:attrNameLst>
+                                          <p:attrName>ppt_y</p:attrName>
+                                        </p:attrNameLst>
+                                      </p:cBhvr>
+                                      <p:tavLst>
+                                        <p:tav tm="0">
+                                          <p:val>
+                                            <p:strVal val="1+#ppt_h/2"/>
+                                          </p:val>
+                                        </p:tav>
+                                        <p:tav tm="100000">
+                                          <p:val>
+                                            <p:strVal val="#ppt_y"/>
+                                          </p:val>
+                                        </p:tav>
+                                      </p:tavLst>
+                                    </p:anim>
+                                  </p:childTnLst>
+                                </p:cTn>
+                              </p:par>
+                            </p:childTnLst>
+                          </p:cTn>
+                        </p:par>
+                      </p:childTnLst>
+                    </p:cTn>
+                  </p:par>
+                  <p:par>
+                    <p:cTn id="103" fill="hold">
+                      <p:stCondLst>
+                        <p:cond delay="indefinite"/>
+                      </p:stCondLst>
+                      <p:childTnLst>
+                        <p:par>
+                          <p:cTn id="104" fill="hold">
+                            <p:stCondLst>
+                              <p:cond delay="0"/>
+                            </p:stCondLst>
+                            <p:childTnLst>
+                              <p:par>
+                                <p:cTn id="105" presetID="2" presetClass="entr" presetSubtype="4" fill="hold" grpId="0" nodeType="clickEffect">
+                                  <p:stCondLst>
+                                    <p:cond delay="0"/>
+                                  </p:stCondLst>
+                                  <p:childTnLst>
+                                    <p:set>
+                                      <p:cBhvr>
+                                        <p:cTn id="106" dur="1" fill="hold">
+                                          <p:stCondLst>
+                                            <p:cond delay="0"/>
+                                          </p:stCondLst>
+                                        </p:cTn>
+                                        <p:tgtEl>
+                                          <p:spTgt spid="14"/>
+                                        </p:tgtEl>
+                                        <p:attrNameLst>
+                                          <p:attrName>style.visibility</p:attrName>
+                                        </p:attrNameLst>
+                                      </p:cBhvr>
+                                      <p:to>
+                                        <p:strVal val="visible"/>
+                                      </p:to>
+                                    </p:set>
+                                    <p:anim calcmode="lin" valueType="num">
+                                      <p:cBhvr additive="base">
+                                        <p:cTn id="107" dur="500" fill="hold"/>
+                                        <p:tgtEl>
+                                          <p:spTgt spid="14"/>
+                                        </p:tgtEl>
+                                        <p:attrNameLst>
+                                          <p:attrName>ppt_x</p:attrName>
+                                        </p:attrNameLst>
+                                      </p:cBhvr>
+                                      <p:tavLst>
+                                        <p:tav tm="0">
+                                          <p:val>
+                                            <p:strVal val="#ppt_x"/>
+                                          </p:val>
+                                        </p:tav>
+                                        <p:tav tm="100000">
+                                          <p:val>
+                                            <p:strVal val="#ppt_x"/>
+                                          </p:val>
+                                        </p:tav>
+                                      </p:tavLst>
+                                    </p:anim>
+                                    <p:anim calcmode="lin" valueType="num">
+                                      <p:cBhvr additive="base">
+                                        <p:cTn id="108" dur="500" fill="hold"/>
+                                        <p:tgtEl>
+                                          <p:spTgt spid="14"/>
+                                        </p:tgtEl>
+                                        <p:attrNameLst>
+                                          <p:attrName>ppt_y</p:attrName>
+                                        </p:attrNameLst>
+                                      </p:cBhvr>
+                                      <p:tavLst>
+                                        <p:tav tm="0">
+                                          <p:val>
+                                            <p:strVal val="1+#ppt_h/2"/>
+                                          </p:val>
+                                        </p:tav>
+                                        <p:tav tm="100000">
+                                          <p:val>
+                                            <p:strVal val="#ppt_y"/>
+                                          </p:val>
+                                        </p:tav>
+                                      </p:tavLst>
+                                    </p:anim>
+                                  </p:childTnLst>
+                                </p:cTn>
+                              </p:par>
+                            </p:childTnLst>
+                          </p:cTn>
+                        </p:par>
+                      </p:childTnLst>
+                    </p:cTn>
+                  </p:par>
+                </p:childTnLst>
+              </p:cTn>
+              <p:prevCondLst>
+                <p:cond evt="onPrev" delay="0">
+                  <p:tgtEl>
+                    <p:sldTgt/>
+                  </p:tgtEl>
+                </p:cond>
+              </p:prevCondLst>
+              <p:nextCondLst>
+                <p:cond evt="onNext" delay="0">
+                  <p:tgtEl>
+                    <p:sldTgt/>
+                  </p:tgtEl>
+                </p:cond>
+              </p:nextCondLst>
+            </p:seq>
+          </p:childTnLst>
+        </p:cTn>
+      </p:par>
+    </p:tnLst>
+    <p:bldLst>
+      <p:bldP spid="4" grpId="0" animBg="1"/>
+      <p:bldP spid="6" grpId="0" animBg="1"/>
+      <p:bldP spid="7" grpId="0" animBg="1"/>
+      <p:bldP spid="8" grpId="0" animBg="1"/>
+      <p:bldP spid="9" grpId="0" animBg="1"/>
+      <p:bldP spid="10" grpId="0" animBg="1"/>
+      <p:bldP spid="11" grpId="0" animBg="1"/>
+      <p:bldP spid="12" grpId="0" animBg="1"/>
+      <p:bldP spid="13" grpId="0" animBg="1"/>
+      <p:bldP spid="14" grpId="0" animBg="1"/>
+      <p:bldP spid="15" grpId="0" animBg="1"/>
+    </p:bldLst>
+  </p:timing>
+</p:sld>
+</file>
+
+<file path=ppt/slides/slide11.xml><?xml version="1.0" encoding="utf-8"?>
+<p:sld xmlns:a="http://schemas.openxmlformats.org/drawingml/2006/main" xmlns:r="http://schemas.openxmlformats.org/officeDocument/2006/relationships" xmlns:p="http://schemas.openxmlformats.org/presentationml/2006/main">
+  <p:cSld>
+    <p:spTree>
+      <p:nvGrpSpPr>
+        <p:cNvPr id="1" name=""/>
+        <p:cNvGrpSpPr/>
+        <p:nvPr/>
+      </p:nvGrpSpPr>
+      <p:grpSpPr>
+        <a:xfrm>
+          <a:off x="0" y="0"/>
+          <a:ext cx="0" cy="0"/>
+          <a:chOff x="0" y="0"/>
+          <a:chExt cx="0" cy="0"/>
+        </a:xfrm>
+      </p:grpSpPr>
+      <p:sp>
+        <p:nvSpPr>
+          <p:cNvPr id="2" name="Title 1">
+            <a:extLst>
+              <a:ext uri="{FF2B5EF4-FFF2-40B4-BE49-F238E27FC236}">
+                <a16:creationId xmlns:a16="http://schemas.microsoft.com/office/drawing/2014/main" id="{27E44846-EE23-4B7D-B117-6BD3695FB65C}"/>
+              </a:ext>
+            </a:extLst>
+          </p:cNvPr>
+          <p:cNvSpPr>
+            <a:spLocks noGrp="1"/>
+          </p:cNvSpPr>
+          <p:nvPr>
+            <p:ph type="title"/>
+          </p:nvPr>
+        </p:nvSpPr>
+        <p:spPr/>
+        <p:txBody>
+          <a:bodyPr/>
+          <a:lstStyle/>
+          <a:p>
+            <a:r>
+              <a:rPr lang="en-GB" dirty="0"/>
+              <a:t>Data Types in Object Oriented Programming</a:t>
+            </a:r>
+          </a:p>
+        </p:txBody>
+      </p:sp>
+      <p:grpSp>
+        <p:nvGrpSpPr>
+          <p:cNvPr id="23" name="Group 22">
+            <a:extLst>
+              <a:ext uri="{FF2B5EF4-FFF2-40B4-BE49-F238E27FC236}">
+                <a16:creationId xmlns:a16="http://schemas.microsoft.com/office/drawing/2014/main" id="{71C6DC02-35AA-4746-B820-FB7F2469C0C3}"/>
+              </a:ext>
+            </a:extLst>
+          </p:cNvPr>
+          <p:cNvGrpSpPr/>
+          <p:nvPr/>
+        </p:nvGrpSpPr>
+        <p:grpSpPr>
+          <a:xfrm>
+            <a:off x="647007" y="1856509"/>
+            <a:ext cx="7849985" cy="4149436"/>
+            <a:chOff x="647007" y="1856509"/>
+            <a:chExt cx="7849985" cy="4149436"/>
+          </a:xfrm>
+        </p:grpSpPr>
+        <p:sp>
+          <p:nvSpPr>
+            <p:cNvPr id="4" name="Rectangle 3">
+              <a:extLst>
+                <a:ext uri="{FF2B5EF4-FFF2-40B4-BE49-F238E27FC236}">
+                  <a16:creationId xmlns:a16="http://schemas.microsoft.com/office/drawing/2014/main" id="{D0948296-EEB5-486C-8E6A-5BF0ADABC116}"/>
+                </a:ext>
+              </a:extLst>
+            </p:cNvPr>
+            <p:cNvSpPr/>
+            <p:nvPr/>
+          </p:nvSpPr>
+          <p:spPr>
+            <a:xfrm>
+              <a:off x="3329478" y="1856509"/>
+              <a:ext cx="2318327" cy="914400"/>
+            </a:xfrm>
+            <a:prstGeom prst="rect">
+              <a:avLst/>
+            </a:prstGeom>
+          </p:spPr>
+          <p:style>
+            <a:lnRef idx="1">
+              <a:schemeClr val="accent3"/>
+            </a:lnRef>
+            <a:fillRef idx="2">
+              <a:schemeClr val="accent3"/>
+            </a:fillRef>
+            <a:effectRef idx="1">
+              <a:schemeClr val="accent3"/>
+            </a:effectRef>
+            <a:fontRef idx="minor">
+              <a:schemeClr val="dk1"/>
+            </a:fontRef>
+          </p:style>
+          <p:txBody>
+            <a:bodyPr rtlCol="0" anchor="ctr"/>
+            <a:lstStyle/>
+            <a:p>
+              <a:pPr algn="ctr"/>
+              <a:r>
+                <a:rPr lang="en-GB" sz="3200" dirty="0"/>
+                <a:t>Data Types</a:t>
+              </a:r>
+            </a:p>
+          </p:txBody>
+        </p:sp>
+        <p:sp>
+          <p:nvSpPr>
+            <p:cNvPr id="5" name="Rectangle 4">
+              <a:extLst>
+                <a:ext uri="{FF2B5EF4-FFF2-40B4-BE49-F238E27FC236}">
+                  <a16:creationId xmlns:a16="http://schemas.microsoft.com/office/drawing/2014/main" id="{8E988071-9D4D-4197-99AE-F32D9F2BE458}"/>
+                </a:ext>
+              </a:extLst>
+            </p:cNvPr>
+            <p:cNvSpPr/>
+            <p:nvPr/>
+          </p:nvSpPr>
+          <p:spPr>
+            <a:xfrm>
+              <a:off x="647007" y="3352800"/>
+              <a:ext cx="2253211" cy="2576945"/>
+            </a:xfrm>
+            <a:prstGeom prst="rect">
+              <a:avLst/>
+            </a:prstGeom>
+            <a:effectLst>
+              <a:glow rad="139700">
+                <a:schemeClr val="accent4">
+                  <a:satMod val="175000"/>
+                  <a:alpha val="40000"/>
+                </a:schemeClr>
+              </a:glow>
+            </a:effectLst>
+          </p:spPr>
+          <p:style>
+            <a:lnRef idx="1">
+              <a:schemeClr val="accent6"/>
+            </a:lnRef>
+            <a:fillRef idx="2">
+              <a:schemeClr val="accent6"/>
+            </a:fillRef>
+            <a:effectRef idx="1">
+              <a:schemeClr val="accent6"/>
+            </a:effectRef>
+            <a:fontRef idx="minor">
+              <a:schemeClr val="dk1"/>
+            </a:fontRef>
+          </p:style>
+          <p:txBody>
+            <a:bodyPr rtlCol="0" anchor="t"/>
+            <a:lstStyle/>
+            <a:p>
+              <a:pPr algn="ctr"/>
+              <a:r>
+                <a:rPr lang="en-GB" u="sng" dirty="0"/>
+                <a:t>Primitive</a:t>
+              </a:r>
+            </a:p>
+            <a:p>
+              <a:r>
+                <a:rPr lang="en-GB" dirty="0"/>
+                <a:t>Integer</a:t>
+              </a:r>
+            </a:p>
+            <a:p>
+              <a:r>
+                <a:rPr lang="en-GB" dirty="0"/>
+                <a:t>Character</a:t>
+              </a:r>
+            </a:p>
+            <a:p>
+              <a:r>
+                <a:rPr lang="en-GB" dirty="0"/>
+                <a:t>Boolean</a:t>
+              </a:r>
+            </a:p>
+            <a:p>
+              <a:r>
+                <a:rPr lang="en-GB" dirty="0"/>
+                <a:t>Floating point</a:t>
+              </a:r>
+            </a:p>
+            <a:p>
+              <a:r>
+                <a:rPr lang="en-GB" dirty="0"/>
+                <a:t>Double floating point</a:t>
+              </a:r>
+            </a:p>
+            <a:p>
+              <a:r>
+                <a:rPr lang="en-GB" dirty="0"/>
+                <a:t>Void</a:t>
+              </a:r>
+            </a:p>
+            <a:p>
+              <a:r>
+                <a:rPr lang="en-GB" strike="sngStrike" dirty="0">
+                  <a:solidFill>
+                    <a:srgbClr val="FF0000"/>
+                  </a:solidFill>
+                </a:rPr>
+                <a:t>Wide Character</a:t>
+              </a:r>
+            </a:p>
+          </p:txBody>
+        </p:sp>
+        <p:sp>
+          <p:nvSpPr>
+            <p:cNvPr id="6" name="Rectangle 5">
+              <a:extLst>
+                <a:ext uri="{FF2B5EF4-FFF2-40B4-BE49-F238E27FC236}">
+                  <a16:creationId xmlns:a16="http://schemas.microsoft.com/office/drawing/2014/main" id="{F792EB32-8B62-4B22-9063-4BE5E2E5C032}"/>
+                </a:ext>
+              </a:extLst>
+            </p:cNvPr>
+            <p:cNvSpPr/>
+            <p:nvPr/>
+          </p:nvSpPr>
+          <p:spPr>
+            <a:xfrm>
+              <a:off x="3541914" y="3429000"/>
+              <a:ext cx="2105891" cy="2576945"/>
+            </a:xfrm>
+            <a:prstGeom prst="rect">
+              <a:avLst/>
+            </a:prstGeom>
+            <a:effectLst>
+              <a:glow rad="228600">
+                <a:schemeClr val="accent3">
+                  <a:satMod val="175000"/>
+                  <a:alpha val="40000"/>
+                </a:schemeClr>
+              </a:glow>
+            </a:effectLst>
+          </p:spPr>
+          <p:style>
+            <a:lnRef idx="1">
+              <a:schemeClr val="accent5"/>
+            </a:lnRef>
+            <a:fillRef idx="2">
+              <a:schemeClr val="accent5"/>
+            </a:fillRef>
+            <a:effectRef idx="1">
+              <a:schemeClr val="accent5"/>
+            </a:effectRef>
+            <a:fontRef idx="minor">
+              <a:schemeClr val="dk1"/>
+            </a:fontRef>
+          </p:style>
+          <p:txBody>
+            <a:bodyPr rtlCol="0" anchor="t"/>
+            <a:lstStyle/>
+            <a:p>
+              <a:pPr algn="ctr"/>
+              <a:r>
+                <a:rPr lang="en-GB" u="sng" dirty="0"/>
+                <a:t>Derived</a:t>
+              </a:r>
+            </a:p>
+            <a:p>
+              <a:r>
+                <a:rPr lang="en-GB" dirty="0"/>
+                <a:t>Array</a:t>
+              </a:r>
+            </a:p>
+            <a:p>
+              <a:r>
+                <a:rPr lang="en-GB" strike="sngStrike" dirty="0">
+                  <a:solidFill>
+                    <a:srgbClr val="FF0000"/>
+                  </a:solidFill>
+                </a:rPr>
+                <a:t>Pointer</a:t>
+              </a:r>
+            </a:p>
+            <a:p>
+              <a:r>
+                <a:rPr lang="en-GB" strike="sngStrike" dirty="0">
+                  <a:solidFill>
+                    <a:srgbClr val="FF0000"/>
+                  </a:solidFill>
+                </a:rPr>
+                <a:t>Reference</a:t>
+              </a:r>
+            </a:p>
+          </p:txBody>
+        </p:sp>
+        <p:sp>
+          <p:nvSpPr>
+            <p:cNvPr id="7" name="Rectangle 6">
+              <a:extLst>
+                <a:ext uri="{FF2B5EF4-FFF2-40B4-BE49-F238E27FC236}">
+                  <a16:creationId xmlns:a16="http://schemas.microsoft.com/office/drawing/2014/main" id="{63E155E3-8592-4CDE-B55B-B627E700AC3A}"/>
+                </a:ext>
+              </a:extLst>
+            </p:cNvPr>
+            <p:cNvSpPr/>
+            <p:nvPr/>
+          </p:nvSpPr>
+          <p:spPr>
+            <a:xfrm>
+              <a:off x="6391101" y="3429000"/>
+              <a:ext cx="2105891" cy="2576945"/>
+            </a:xfrm>
+            <a:prstGeom prst="rect">
+              <a:avLst/>
+            </a:prstGeom>
+            <a:effectLst>
+              <a:glow rad="101600">
+                <a:schemeClr val="accent6">
+                  <a:satMod val="175000"/>
+                  <a:alpha val="40000"/>
+                </a:schemeClr>
+              </a:glow>
+            </a:effectLst>
+          </p:spPr>
+          <p:style>
+            <a:lnRef idx="1">
+              <a:schemeClr val="accent4"/>
+            </a:lnRef>
+            <a:fillRef idx="2">
+              <a:schemeClr val="accent4"/>
+            </a:fillRef>
+            <a:effectRef idx="1">
+              <a:schemeClr val="accent4"/>
+            </a:effectRef>
+            <a:fontRef idx="minor">
+              <a:schemeClr val="dk1"/>
+            </a:fontRef>
+          </p:style>
+          <p:txBody>
+            <a:bodyPr rtlCol="0" anchor="t"/>
+            <a:lstStyle/>
+            <a:p>
+              <a:pPr algn="ctr"/>
+              <a:r>
+                <a:rPr lang="en-GB" u="sng" dirty="0"/>
+                <a:t>User Defined</a:t>
+              </a:r>
+            </a:p>
+            <a:p>
+              <a:r>
+                <a:rPr lang="en-GB" dirty="0"/>
+                <a:t>Class</a:t>
+              </a:r>
+            </a:p>
+            <a:p>
+              <a:r>
+                <a:rPr lang="en-US" dirty="0"/>
+                <a:t>Object</a:t>
+              </a:r>
+              <a:endParaRPr lang="en-GB" dirty="0"/>
+            </a:p>
+            <a:p>
+              <a:r>
+                <a:rPr lang="en-GB" strike="sngStrike" dirty="0">
+                  <a:solidFill>
+                    <a:srgbClr val="FF0000"/>
+                  </a:solidFill>
+                </a:rPr>
+                <a:t>Structure</a:t>
+              </a:r>
+            </a:p>
+            <a:p>
+              <a:r>
+                <a:rPr lang="en-GB" strike="sngStrike" dirty="0">
+                  <a:solidFill>
+                    <a:srgbClr val="FF0000"/>
+                  </a:solidFill>
+                </a:rPr>
+                <a:t>Union</a:t>
+              </a:r>
+            </a:p>
+            <a:p>
+              <a:r>
+                <a:rPr lang="en-GB" dirty="0" err="1">
+                  <a:solidFill>
+                    <a:schemeClr val="tx1"/>
+                  </a:solidFill>
+                </a:rPr>
+                <a:t>Enum</a:t>
+              </a:r>
+              <a:endParaRPr lang="en-GB" dirty="0">
+                <a:solidFill>
+                  <a:schemeClr val="tx1"/>
+                </a:solidFill>
+              </a:endParaRPr>
+            </a:p>
+            <a:p>
+              <a:r>
+                <a:rPr lang="en-GB" strike="sngStrike" dirty="0" err="1">
+                  <a:solidFill>
+                    <a:srgbClr val="FF0000"/>
+                  </a:solidFill>
+                </a:rPr>
+                <a:t>Typedef</a:t>
+              </a:r>
+              <a:endParaRPr lang="en-GB" strike="sngStrike" dirty="0">
+                <a:solidFill>
+                  <a:srgbClr val="FF0000"/>
+                </a:solidFill>
+              </a:endParaRPr>
+            </a:p>
+            <a:p>
+              <a:r>
+                <a:rPr lang="en-GB" dirty="0"/>
+                <a:t>Function</a:t>
+              </a:r>
+            </a:p>
+          </p:txBody>
+        </p:sp>
+        <p:cxnSp>
+          <p:nvCxnSpPr>
+            <p:cNvPr id="9" name="Connector: Elbow 8">
+              <a:extLst>
+                <a:ext uri="{FF2B5EF4-FFF2-40B4-BE49-F238E27FC236}">
+                  <a16:creationId xmlns:a16="http://schemas.microsoft.com/office/drawing/2014/main" id="{148AE585-AAFE-41C4-BD05-5D87CEF76F7E}"/>
+                </a:ext>
+              </a:extLst>
+            </p:cNvPr>
+            <p:cNvCxnSpPr>
+              <a:cxnSpLocks/>
+              <a:stCxn id="4" idx="2"/>
+              <a:endCxn id="5" idx="0"/>
+            </p:cNvCxnSpPr>
+            <p:nvPr/>
+          </p:nvCxnSpPr>
+          <p:spPr>
+            <a:xfrm rot="5400000">
+              <a:off x="2840183" y="1704340"/>
+              <a:ext cx="581891" cy="2715029"/>
+            </a:xfrm>
+            <a:prstGeom prst="bentConnector3">
+              <a:avLst>
+                <a:gd name="adj1" fmla="val 50000"/>
+              </a:avLst>
+            </a:prstGeom>
+            <a:ln w="38100">
+              <a:tailEnd type="triangle"/>
+            </a:ln>
+          </p:spPr>
+          <p:style>
+            <a:lnRef idx="3">
+              <a:schemeClr val="accent3"/>
+            </a:lnRef>
+            <a:fillRef idx="0">
+              <a:schemeClr val="accent3"/>
+            </a:fillRef>
+            <a:effectRef idx="2">
+              <a:schemeClr val="accent3"/>
+            </a:effectRef>
+            <a:fontRef idx="minor">
+              <a:schemeClr val="tx1"/>
+            </a:fontRef>
+          </p:style>
+        </p:cxnSp>
+        <p:cxnSp>
+          <p:nvCxnSpPr>
+            <p:cNvPr id="14" name="Straight Arrow Connector 13">
+              <a:extLst>
+                <a:ext uri="{FF2B5EF4-FFF2-40B4-BE49-F238E27FC236}">
+                  <a16:creationId xmlns:a16="http://schemas.microsoft.com/office/drawing/2014/main" id="{C2C60354-B0B1-4D12-B648-B76CE015E0A1}"/>
+                </a:ext>
+              </a:extLst>
+            </p:cNvPr>
+            <p:cNvCxnSpPr>
+              <a:cxnSpLocks/>
+            </p:cNvCxnSpPr>
+            <p:nvPr/>
+          </p:nvCxnSpPr>
+          <p:spPr>
+            <a:xfrm flipH="1">
+              <a:off x="4479405" y="2770909"/>
+              <a:ext cx="1" cy="658091"/>
+            </a:xfrm>
+            <a:prstGeom prst="straightConnector1">
+              <a:avLst/>
+            </a:prstGeom>
+            <a:ln>
+              <a:tailEnd type="triangle"/>
+            </a:ln>
+          </p:spPr>
+          <p:style>
+            <a:lnRef idx="3">
+              <a:schemeClr val="accent3"/>
+            </a:lnRef>
+            <a:fillRef idx="0">
+              <a:schemeClr val="accent3"/>
+            </a:fillRef>
+            <a:effectRef idx="2">
+              <a:schemeClr val="accent3"/>
+            </a:effectRef>
+            <a:fontRef idx="minor">
+              <a:schemeClr val="tx1"/>
+            </a:fontRef>
+          </p:style>
+        </p:cxnSp>
+        <p:cxnSp>
+          <p:nvCxnSpPr>
+            <p:cNvPr id="16" name="Connector: Elbow 15">
+              <a:extLst>
+                <a:ext uri="{FF2B5EF4-FFF2-40B4-BE49-F238E27FC236}">
+                  <a16:creationId xmlns:a16="http://schemas.microsoft.com/office/drawing/2014/main" id="{8CAC068F-2642-4598-A18E-D2F15126F581}"/>
+                </a:ext>
+              </a:extLst>
+            </p:cNvPr>
+            <p:cNvCxnSpPr>
+              <a:cxnSpLocks/>
+            </p:cNvCxnSpPr>
+            <p:nvPr/>
+          </p:nvCxnSpPr>
+          <p:spPr>
+            <a:xfrm>
+              <a:off x="4479404" y="3061855"/>
+              <a:ext cx="2955407" cy="367145"/>
+            </a:xfrm>
+            <a:prstGeom prst="bentConnector2">
+              <a:avLst/>
+            </a:prstGeom>
+            <a:ln w="38100">
+              <a:tailEnd type="triangle"/>
+            </a:ln>
+          </p:spPr>
+          <p:style>
+            <a:lnRef idx="3">
+              <a:schemeClr val="accent3"/>
+            </a:lnRef>
+            <a:fillRef idx="0">
+              <a:schemeClr val="accent3"/>
+            </a:fillRef>
+            <a:effectRef idx="2">
+              <a:schemeClr val="accent3"/>
+            </a:effectRef>
+            <a:fontRef idx="minor">
+              <a:schemeClr val="tx1"/>
+            </a:fontRef>
+          </p:style>
+        </p:cxnSp>
+      </p:grpSp>
+    </p:spTree>
+    <p:extLst>
+      <p:ext uri="{BB962C8B-B14F-4D97-AF65-F5344CB8AC3E}">
+        <p14:creationId xmlns:p14="http://schemas.microsoft.com/office/powerpoint/2010/main" val="41702972"/>
+      </p:ext>
+    </p:extLst>
+  </p:cSld>
+  <p:clrMapOvr>
+    <a:masterClrMapping/>
+  </p:clrMapOvr>
+  <p:transition spd="slow">
+    <p:push dir="u"/>
+  </p:transition>
+  <p:timing>
+    <p:tnLst>
+      <p:par>
+        <p:cTn id="1" dur="indefinite" restart="never" nodeType="tmRoot">
+          <p:childTnLst>
+            <p:seq concurrent="1" nextAc="seek">
+              <p:cTn id="2" dur="indefinite" nodeType="mainSeq">
+                <p:childTnLst>
+                  <p:par>
+                    <p:cTn id="3" fill="hold">
+                      <p:stCondLst>
+                        <p:cond delay="indefinite"/>
+                      </p:stCondLst>
+                      <p:childTnLst>
+                        <p:par>
+                          <p:cTn id="4" fill="hold">
+                            <p:stCondLst>
+                              <p:cond delay="0"/>
+                            </p:stCondLst>
+                            <p:childTnLst>
+                              <p:par>
+                                <p:cTn id="5" presetID="2" presetClass="entr" presetSubtype="4" fill="hold" nodeType="clickEffect">
+                                  <p:stCondLst>
+                                    <p:cond delay="0"/>
+                                  </p:stCondLst>
+                                  <p:childTnLst>
+                                    <p:set>
+                                      <p:cBhvr>
+                                        <p:cTn id="6" dur="1" fill="hold">
+                                          <p:stCondLst>
+                                            <p:cond delay="0"/>
+                                          </p:stCondLst>
+                                        </p:cTn>
+                                        <p:tgtEl>
+                                          <p:spTgt spid="23"/>
+                                        </p:tgtEl>
+                                        <p:attrNameLst>
+                                          <p:attrName>style.visibility</p:attrName>
+                                        </p:attrNameLst>
+                                      </p:cBhvr>
+                                      <p:to>
+                                        <p:strVal val="visible"/>
+                                      </p:to>
+                                    </p:set>
+                                    <p:anim calcmode="lin" valueType="num">
+                                      <p:cBhvr additive="base">
+                                        <p:cTn id="7" dur="500" fill="hold"/>
+                                        <p:tgtEl>
+                                          <p:spTgt spid="23"/>
+                                        </p:tgtEl>
+                                        <p:attrNameLst>
+                                          <p:attrName>ppt_x</p:attrName>
+                                        </p:attrNameLst>
+                                      </p:cBhvr>
+                                      <p:tavLst>
+                                        <p:tav tm="0">
+                                          <p:val>
+                                            <p:strVal val="#ppt_x"/>
+                                          </p:val>
+                                        </p:tav>
+                                        <p:tav tm="100000">
+                                          <p:val>
+                                            <p:strVal val="#ppt_x"/>
+                                          </p:val>
+                                        </p:tav>
+                                      </p:tavLst>
+                                    </p:anim>
+                                    <p:anim calcmode="lin" valueType="num">
+                                      <p:cBhvr additive="base">
+                                        <p:cTn id="8" dur="500" fill="hold"/>
+                                        <p:tgtEl>
+                                          <p:spTgt spid="23"/>
+                                        </p:tgtEl>
+                                        <p:attrNameLst>
+                                          <p:attrName>ppt_y</p:attrName>
+                                        </p:attrNameLst>
+                                      </p:cBhvr>
+                                      <p:tavLst>
+                                        <p:tav tm="0">
+                                          <p:val>
+                                            <p:strVal val="1+#ppt_h/2"/>
+                                          </p:val>
+                                        </p:tav>
+                                        <p:tav tm="100000">
+                                          <p:val>
+                                            <p:strVal val="#ppt_y"/>
+                                          </p:val>
+                                        </p:tav>
+                                      </p:tavLst>
+                                    </p:anim>
+                                  </p:childTnLst>
+                                </p:cTn>
+                              </p:par>
+                            </p:childTnLst>
+                          </p:cTn>
+                        </p:par>
+                      </p:childTnLst>
+                    </p:cTn>
+                  </p:par>
+                </p:childTnLst>
+              </p:cTn>
+              <p:prevCondLst>
+                <p:cond evt="onPrev" delay="0">
+                  <p:tgtEl>
+                    <p:sldTgt/>
+                  </p:tgtEl>
+                </p:cond>
+              </p:prevCondLst>
+              <p:nextCondLst>
+                <p:cond evt="onNext" delay="0">
+                  <p:tgtEl>
+                    <p:sldTgt/>
+                  </p:tgtEl>
+                </p:cond>
+              </p:nextCondLst>
+            </p:seq>
+          </p:childTnLst>
+        </p:cTn>
+      </p:par>
+    </p:tnLst>
+  </p:timing>
+</p:sld>
+</file>
+
+<file path=ppt/slides/slide12.xml><?xml version="1.0" encoding="utf-8"?>
+<p:sld xmlns:a="http://schemas.openxmlformats.org/drawingml/2006/main" xmlns:r="http://schemas.openxmlformats.org/officeDocument/2006/relationships" xmlns:p="http://schemas.openxmlformats.org/presentationml/2006/main">
+  <p:cSld>
+    <p:spTree>
+      <p:nvGrpSpPr>
+        <p:cNvPr id="1" name=""/>
+        <p:cNvGrpSpPr/>
+        <p:nvPr/>
+      </p:nvGrpSpPr>
+      <p:grpSpPr>
+        <a:xfrm>
+          <a:off x="0" y="0"/>
+          <a:ext cx="0" cy="0"/>
+          <a:chOff x="0" y="0"/>
+          <a:chExt cx="0" cy="0"/>
+        </a:xfrm>
+      </p:grpSpPr>
+      <p:sp>
+        <p:nvSpPr>
+          <p:cNvPr id="2" name="Title 1">
+            <a:extLst>
+              <a:ext uri="{FF2B5EF4-FFF2-40B4-BE49-F238E27FC236}">
                 <a16:creationId xmlns:a16="http://schemas.microsoft.com/office/drawing/2014/main" id="{27E44846-EE23-4B7D-B117-6BD3695FB65C}"/>
               </a:ext>
             </a:extLst>
@@ -4080,7 +7346,7 @@
             </a:r>
             <a:r>
               <a:rPr lang="en-US" dirty="0"/>
-              <a:t> 8-bit signed two's complement integer</a:t>
+              <a:t> 8-bit signed two's complement integer (-128 to +127)</a:t>
             </a:r>
             <a:endParaRPr lang="en-GB" dirty="0"/>
           </a:p>
@@ -4091,7 +7357,7 @@
             </a:pPr>
             <a:r>
               <a:rPr lang="en-US" dirty="0"/>
-              <a:t> short -  16-bit signed two's complement integer.</a:t>
+              <a:t> short -  16-bit signed two's complement integer. (-35536 to +35535)</a:t>
             </a:r>
           </a:p>
           <a:p>
@@ -4101,7 +7367,7 @@
             </a:pPr>
             <a:r>
               <a:rPr lang="en-US" dirty="0"/>
-              <a:t> int - 32-bit signed two's complement integer</a:t>
+              <a:t> int - 32-bit signed two's complement integer (-2m to +2m)</a:t>
             </a:r>
           </a:p>
           <a:p>
@@ -5041,7 +8307,7 @@
 </p:sld>
 </file>
 
-<file path=ppt/slides/slide11.xml><?xml version="1.0" encoding="utf-8"?>
+<file path=ppt/slides/slide13.xml><?xml version="1.0" encoding="utf-8"?>
 <p:sld xmlns:a="http://schemas.openxmlformats.org/drawingml/2006/main" xmlns:r="http://schemas.openxmlformats.org/officeDocument/2006/relationships" xmlns:p="http://schemas.openxmlformats.org/presentationml/2006/main">
   <p:cSld>
     <p:spTree>
@@ -5117,7 +8383,7 @@
 </p:sld>
 </file>
 
-<file path=ppt/slides/slide12.xml><?xml version="1.0" encoding="utf-8"?>
+<file path=ppt/slides/slide14.xml><?xml version="1.0" encoding="utf-8"?>
 <p:sld xmlns:a="http://schemas.openxmlformats.org/drawingml/2006/main" xmlns:r="http://schemas.openxmlformats.org/officeDocument/2006/relationships" xmlns:p="http://schemas.openxmlformats.org/presentationml/2006/main">
   <p:cSld>
     <p:spTree>
@@ -5893,7 +9159,7 @@
 </p:sld>
 </file>
 
-<file path=ppt/slides/slide13.xml><?xml version="1.0" encoding="utf-8"?>
+<file path=ppt/slides/slide15.xml><?xml version="1.0" encoding="utf-8"?>
 <p:sld xmlns:a="http://schemas.openxmlformats.org/drawingml/2006/main" xmlns:r="http://schemas.openxmlformats.org/officeDocument/2006/relationships" xmlns:p="http://schemas.openxmlformats.org/presentationml/2006/main">
   <p:cSld>
     <p:spTree>
@@ -6743,7 +10009,83 @@
 </p:sld>
 </file>
 
-<file path=ppt/slides/slide14.xml><?xml version="1.0" encoding="utf-8"?>
+<file path=ppt/slides/slide16.xml><?xml version="1.0" encoding="utf-8"?>
+<p:sld xmlns:a="http://schemas.openxmlformats.org/drawingml/2006/main" xmlns:r="http://schemas.openxmlformats.org/officeDocument/2006/relationships" xmlns:p="http://schemas.openxmlformats.org/presentationml/2006/main">
+  <p:cSld>
+    <p:spTree>
+      <p:nvGrpSpPr>
+        <p:cNvPr id="1" name=""/>
+        <p:cNvGrpSpPr/>
+        <p:nvPr/>
+      </p:nvGrpSpPr>
+      <p:grpSpPr>
+        <a:xfrm>
+          <a:off x="0" y="0"/>
+          <a:ext cx="0" cy="0"/>
+          <a:chOff x="0" y="0"/>
+          <a:chExt cx="0" cy="0"/>
+        </a:xfrm>
+      </p:grpSpPr>
+      <p:sp>
+        <p:nvSpPr>
+          <p:cNvPr id="3" name="Content Placeholder 2">
+            <a:extLst>
+              <a:ext uri="{FF2B5EF4-FFF2-40B4-BE49-F238E27FC236}">
+                <a16:creationId xmlns:a16="http://schemas.microsoft.com/office/drawing/2014/main" id="{6C7F13ED-B066-4225-805E-0889FD78E024}"/>
+              </a:ext>
+            </a:extLst>
+          </p:cNvPr>
+          <p:cNvSpPr>
+            <a:spLocks noGrp="1"/>
+          </p:cNvSpPr>
+          <p:nvPr>
+            <p:ph idx="1"/>
+          </p:nvPr>
+        </p:nvSpPr>
+        <p:spPr/>
+        <p:txBody>
+          <a:bodyPr>
+            <a:normAutofit/>
+          </a:bodyPr>
+          <a:lstStyle/>
+          <a:p>
+            <a:pPr algn="ctr"/>
+            <a:endParaRPr lang="en-GB" sz="4800" dirty="0"/>
+          </a:p>
+          <a:p>
+            <a:pPr marL="0" indent="0" algn="ctr">
+              <a:buNone/>
+            </a:pPr>
+            <a:endParaRPr lang="en-GB" sz="4800" dirty="0"/>
+          </a:p>
+          <a:p>
+            <a:pPr marL="0" indent="0" algn="ctr">
+              <a:buNone/>
+            </a:pPr>
+            <a:r>
+              <a:rPr lang="en-GB" sz="4800" dirty="0"/>
+              <a:t>Any Questions?</a:t>
+            </a:r>
+          </a:p>
+        </p:txBody>
+      </p:sp>
+    </p:spTree>
+    <p:extLst>
+      <p:ext uri="{BB962C8B-B14F-4D97-AF65-F5344CB8AC3E}">
+        <p14:creationId xmlns:p14="http://schemas.microsoft.com/office/powerpoint/2010/main" val="3716612797"/>
+      </p:ext>
+    </p:extLst>
+  </p:cSld>
+  <p:clrMapOvr>
+    <a:masterClrMapping/>
+  </p:clrMapOvr>
+  <p:transition spd="slow">
+    <p:push dir="u"/>
+  </p:transition>
+</p:sld>
+</file>
+
+<file path=ppt/slides/slide17.xml><?xml version="1.0" encoding="utf-8"?>
 <p:sld xmlns:a="http://schemas.openxmlformats.org/drawingml/2006/main" xmlns:r="http://schemas.openxmlformats.org/officeDocument/2006/relationships" xmlns:p="http://schemas.openxmlformats.org/presentationml/2006/main">
   <p:cSld>
     <p:spTree>
@@ -6839,8 +10181,12 @@
               <a:buChar char="v"/>
             </a:pPr>
             <a:r>
+              <a:rPr lang="en-GB"/>
+              <a:t> Assignment </a:t>
+            </a:r>
+            <a:r>
               <a:rPr lang="en-GB" dirty="0"/>
-              <a:t> Memory Operations (=, +=,-=, /=, *=, %=, ++, --)</a:t>
+              <a:t>Operations (=, +=,-=, /=, *=, %=, ++, --)</a:t>
             </a:r>
           </a:p>
           <a:p>
@@ -7543,7 +10889,7 @@
 </p:sld>
 </file>
 
-<file path=ppt/slides/slide15.xml><?xml version="1.0" encoding="utf-8"?>
+<file path=ppt/slides/slide18.xml><?xml version="1.0" encoding="utf-8"?>
 <p:sld xmlns:a="http://schemas.openxmlformats.org/drawingml/2006/main" xmlns:r="http://schemas.openxmlformats.org/officeDocument/2006/relationships" xmlns:p="http://schemas.openxmlformats.org/presentationml/2006/main">
   <p:cSld>
     <p:spTree>
@@ -7619,7 +10965,7 @@
 </p:sld>
 </file>
 
-<file path=ppt/slides/slide16.xml><?xml version="1.0" encoding="utf-8"?>
+<file path=ppt/slides/slide19.xml><?xml version="1.0" encoding="utf-8"?>
 <p:sld xmlns:a="http://schemas.openxmlformats.org/drawingml/2006/main" xmlns:r="http://schemas.openxmlformats.org/officeDocument/2006/relationships" xmlns:p="http://schemas.openxmlformats.org/presentationml/2006/main">
   <p:cSld>
     <p:spTree>
@@ -8677,7 +12023,809 @@
 </p:sld>
 </file>
 
-<file path=ppt/slides/slide17.xml><?xml version="1.0" encoding="utf-8"?>
+<file path=ppt/slides/slide2.xml><?xml version="1.0" encoding="utf-8"?>
+<p:sld xmlns:a="http://schemas.openxmlformats.org/drawingml/2006/main" xmlns:r="http://schemas.openxmlformats.org/officeDocument/2006/relationships" xmlns:p="http://schemas.openxmlformats.org/presentationml/2006/main">
+  <p:cSld>
+    <p:spTree>
+      <p:nvGrpSpPr>
+        <p:cNvPr id="1" name=""/>
+        <p:cNvGrpSpPr/>
+        <p:nvPr/>
+      </p:nvGrpSpPr>
+      <p:grpSpPr>
+        <a:xfrm>
+          <a:off x="0" y="0"/>
+          <a:ext cx="0" cy="0"/>
+          <a:chOff x="0" y="0"/>
+          <a:chExt cx="0" cy="0"/>
+        </a:xfrm>
+      </p:grpSpPr>
+      <p:sp>
+        <p:nvSpPr>
+          <p:cNvPr id="2" name="Title 1">
+            <a:extLst>
+              <a:ext uri="{FF2B5EF4-FFF2-40B4-BE49-F238E27FC236}">
+                <a16:creationId xmlns:a16="http://schemas.microsoft.com/office/drawing/2014/main" id="{7304BBA7-9D5E-4B9A-95AF-2E54F4B41C0E}"/>
+              </a:ext>
+            </a:extLst>
+          </p:cNvPr>
+          <p:cNvSpPr>
+            <a:spLocks noGrp="1"/>
+          </p:cNvSpPr>
+          <p:nvPr>
+            <p:ph type="title"/>
+          </p:nvPr>
+        </p:nvSpPr>
+        <p:spPr/>
+        <p:txBody>
+          <a:bodyPr/>
+          <a:lstStyle/>
+          <a:p>
+            <a:r>
+              <a:rPr lang="en-GB" dirty="0"/>
+              <a:t>Java Bootcamp Outline</a:t>
+            </a:r>
+          </a:p>
+        </p:txBody>
+      </p:sp>
+      <p:sp>
+        <p:nvSpPr>
+          <p:cNvPr id="3" name="Content Placeholder 2">
+            <a:extLst>
+              <a:ext uri="{FF2B5EF4-FFF2-40B4-BE49-F238E27FC236}">
+                <a16:creationId xmlns:a16="http://schemas.microsoft.com/office/drawing/2014/main" id="{3AB586B9-467B-4F63-B336-2E9D19321584}"/>
+              </a:ext>
+            </a:extLst>
+          </p:cNvPr>
+          <p:cNvSpPr>
+            <a:spLocks noGrp="1"/>
+          </p:cNvSpPr>
+          <p:nvPr>
+            <p:ph idx="1"/>
+          </p:nvPr>
+        </p:nvSpPr>
+        <p:spPr>
+          <a:xfrm>
+            <a:off x="822960" y="1845734"/>
+            <a:ext cx="7086600" cy="4023360"/>
+          </a:xfrm>
+        </p:spPr>
+        <p:txBody>
+          <a:bodyPr/>
+          <a:lstStyle/>
+          <a:p>
+            <a:pPr>
+              <a:buFont typeface="Wingdings" panose="05000000000000000000" pitchFamily="2" charset="2"/>
+              <a:buChar char="v"/>
+            </a:pPr>
+            <a:r>
+              <a:rPr lang="en-GB" dirty="0"/>
+              <a:t> Lesson 1 – Java Vs C++</a:t>
+            </a:r>
+          </a:p>
+          <a:p>
+            <a:pPr>
+              <a:buFont typeface="Wingdings" panose="05000000000000000000" pitchFamily="2" charset="2"/>
+              <a:buChar char="v"/>
+            </a:pPr>
+            <a:r>
+              <a:rPr lang="en-GB" dirty="0"/>
+              <a:t> Lesson 2 – Structured Programming in Java</a:t>
+            </a:r>
+          </a:p>
+          <a:p>
+            <a:pPr>
+              <a:buFont typeface="Wingdings" panose="05000000000000000000" pitchFamily="2" charset="2"/>
+              <a:buChar char="v"/>
+            </a:pPr>
+            <a:r>
+              <a:rPr lang="en-GB" dirty="0"/>
+              <a:t> Lesson 3 – Introduction to Object-oriented programming in Java</a:t>
+            </a:r>
+          </a:p>
+          <a:p>
+            <a:pPr>
+              <a:buFont typeface="Wingdings" panose="05000000000000000000" pitchFamily="2" charset="2"/>
+              <a:buChar char="v"/>
+            </a:pPr>
+            <a:r>
+              <a:rPr lang="en-GB" dirty="0"/>
+              <a:t> Lesson 4 – More OOP and Core Java language topics</a:t>
+            </a:r>
+          </a:p>
+          <a:p>
+            <a:pPr>
+              <a:buFont typeface="Wingdings" panose="05000000000000000000" pitchFamily="2" charset="2"/>
+              <a:buChar char="v"/>
+            </a:pPr>
+            <a:r>
+              <a:rPr lang="en-GB" dirty="0"/>
+              <a:t> Lesson 5 – Java Generics and Java Collections</a:t>
+            </a:r>
+          </a:p>
+          <a:p>
+            <a:pPr>
+              <a:buFont typeface="Wingdings" panose="05000000000000000000" pitchFamily="2" charset="2"/>
+              <a:buChar char="v"/>
+            </a:pPr>
+            <a:r>
+              <a:rPr lang="en-GB" dirty="0"/>
+              <a:t> Lesson 6 – GUI development and Exception Handling</a:t>
+            </a:r>
+          </a:p>
+          <a:p>
+            <a:endParaRPr lang="en-GB" dirty="0"/>
+          </a:p>
+        </p:txBody>
+      </p:sp>
+    </p:spTree>
+    <p:extLst>
+      <p:ext uri="{BB962C8B-B14F-4D97-AF65-F5344CB8AC3E}">
+        <p14:creationId xmlns:p14="http://schemas.microsoft.com/office/powerpoint/2010/main" val="129472628"/>
+      </p:ext>
+    </p:extLst>
+  </p:cSld>
+  <p:clrMapOvr>
+    <a:masterClrMapping/>
+  </p:clrMapOvr>
+  <p:transition spd="slow">
+    <p:push dir="u"/>
+  </p:transition>
+  <p:timing>
+    <p:tnLst>
+      <p:par>
+        <p:cTn id="1" dur="indefinite" restart="never" nodeType="tmRoot">
+          <p:childTnLst>
+            <p:seq concurrent="1" nextAc="seek">
+              <p:cTn id="2" dur="indefinite" nodeType="mainSeq">
+                <p:childTnLst>
+                  <p:par>
+                    <p:cTn id="3" fill="hold">
+                      <p:stCondLst>
+                        <p:cond delay="indefinite"/>
+                      </p:stCondLst>
+                      <p:childTnLst>
+                        <p:par>
+                          <p:cTn id="4" fill="hold">
+                            <p:stCondLst>
+                              <p:cond delay="0"/>
+                            </p:stCondLst>
+                            <p:childTnLst>
+                              <p:par>
+                                <p:cTn id="5" presetID="2" presetClass="entr" presetSubtype="4" fill="hold" grpId="0" nodeType="clickEffect">
+                                  <p:stCondLst>
+                                    <p:cond delay="0"/>
+                                  </p:stCondLst>
+                                  <p:childTnLst>
+                                    <p:set>
+                                      <p:cBhvr>
+                                        <p:cTn id="6" dur="1" fill="hold">
+                                          <p:stCondLst>
+                                            <p:cond delay="0"/>
+                                          </p:stCondLst>
+                                        </p:cTn>
+                                        <p:tgtEl>
+                                          <p:spTgt spid="3">
+                                            <p:txEl>
+                                              <p:pRg st="0" end="0"/>
+                                            </p:txEl>
+                                          </p:spTgt>
+                                        </p:tgtEl>
+                                        <p:attrNameLst>
+                                          <p:attrName>style.visibility</p:attrName>
+                                        </p:attrNameLst>
+                                      </p:cBhvr>
+                                      <p:to>
+                                        <p:strVal val="visible"/>
+                                      </p:to>
+                                    </p:set>
+                                    <p:anim calcmode="lin" valueType="num">
+                                      <p:cBhvr additive="base">
+                                        <p:cTn id="7" dur="500" fill="hold"/>
+                                        <p:tgtEl>
+                                          <p:spTgt spid="3">
+                                            <p:txEl>
+                                              <p:pRg st="0" end="0"/>
+                                            </p:txEl>
+                                          </p:spTgt>
+                                        </p:tgtEl>
+                                        <p:attrNameLst>
+                                          <p:attrName>ppt_x</p:attrName>
+                                        </p:attrNameLst>
+                                      </p:cBhvr>
+                                      <p:tavLst>
+                                        <p:tav tm="0">
+                                          <p:val>
+                                            <p:strVal val="#ppt_x"/>
+                                          </p:val>
+                                        </p:tav>
+                                        <p:tav tm="100000">
+                                          <p:val>
+                                            <p:strVal val="#ppt_x"/>
+                                          </p:val>
+                                        </p:tav>
+                                      </p:tavLst>
+                                    </p:anim>
+                                    <p:anim calcmode="lin" valueType="num">
+                                      <p:cBhvr additive="base">
+                                        <p:cTn id="8" dur="500" fill="hold"/>
+                                        <p:tgtEl>
+                                          <p:spTgt spid="3">
+                                            <p:txEl>
+                                              <p:pRg st="0" end="0"/>
+                                            </p:txEl>
+                                          </p:spTgt>
+                                        </p:tgtEl>
+                                        <p:attrNameLst>
+                                          <p:attrName>ppt_y</p:attrName>
+                                        </p:attrNameLst>
+                                      </p:cBhvr>
+                                      <p:tavLst>
+                                        <p:tav tm="0">
+                                          <p:val>
+                                            <p:strVal val="1+#ppt_h/2"/>
+                                          </p:val>
+                                        </p:tav>
+                                        <p:tav tm="100000">
+                                          <p:val>
+                                            <p:strVal val="#ppt_y"/>
+                                          </p:val>
+                                        </p:tav>
+                                      </p:tavLst>
+                                    </p:anim>
+                                  </p:childTnLst>
+                                </p:cTn>
+                              </p:par>
+                            </p:childTnLst>
+                          </p:cTn>
+                        </p:par>
+                      </p:childTnLst>
+                    </p:cTn>
+                  </p:par>
+                  <p:par>
+                    <p:cTn id="9" fill="hold">
+                      <p:stCondLst>
+                        <p:cond delay="indefinite"/>
+                      </p:stCondLst>
+                      <p:childTnLst>
+                        <p:par>
+                          <p:cTn id="10" fill="hold">
+                            <p:stCondLst>
+                              <p:cond delay="0"/>
+                            </p:stCondLst>
+                            <p:childTnLst>
+                              <p:par>
+                                <p:cTn id="11" presetID="2" presetClass="entr" presetSubtype="4" fill="hold" grpId="0" nodeType="clickEffect">
+                                  <p:stCondLst>
+                                    <p:cond delay="0"/>
+                                  </p:stCondLst>
+                                  <p:childTnLst>
+                                    <p:set>
+                                      <p:cBhvr>
+                                        <p:cTn id="12" dur="1" fill="hold">
+                                          <p:stCondLst>
+                                            <p:cond delay="0"/>
+                                          </p:stCondLst>
+                                        </p:cTn>
+                                        <p:tgtEl>
+                                          <p:spTgt spid="3">
+                                            <p:txEl>
+                                              <p:pRg st="1" end="1"/>
+                                            </p:txEl>
+                                          </p:spTgt>
+                                        </p:tgtEl>
+                                        <p:attrNameLst>
+                                          <p:attrName>style.visibility</p:attrName>
+                                        </p:attrNameLst>
+                                      </p:cBhvr>
+                                      <p:to>
+                                        <p:strVal val="visible"/>
+                                      </p:to>
+                                    </p:set>
+                                    <p:anim calcmode="lin" valueType="num">
+                                      <p:cBhvr additive="base">
+                                        <p:cTn id="13" dur="500" fill="hold"/>
+                                        <p:tgtEl>
+                                          <p:spTgt spid="3">
+                                            <p:txEl>
+                                              <p:pRg st="1" end="1"/>
+                                            </p:txEl>
+                                          </p:spTgt>
+                                        </p:tgtEl>
+                                        <p:attrNameLst>
+                                          <p:attrName>ppt_x</p:attrName>
+                                        </p:attrNameLst>
+                                      </p:cBhvr>
+                                      <p:tavLst>
+                                        <p:tav tm="0">
+                                          <p:val>
+                                            <p:strVal val="#ppt_x"/>
+                                          </p:val>
+                                        </p:tav>
+                                        <p:tav tm="100000">
+                                          <p:val>
+                                            <p:strVal val="#ppt_x"/>
+                                          </p:val>
+                                        </p:tav>
+                                      </p:tavLst>
+                                    </p:anim>
+                                    <p:anim calcmode="lin" valueType="num">
+                                      <p:cBhvr additive="base">
+                                        <p:cTn id="14" dur="500" fill="hold"/>
+                                        <p:tgtEl>
+                                          <p:spTgt spid="3">
+                                            <p:txEl>
+                                              <p:pRg st="1" end="1"/>
+                                            </p:txEl>
+                                          </p:spTgt>
+                                        </p:tgtEl>
+                                        <p:attrNameLst>
+                                          <p:attrName>ppt_y</p:attrName>
+                                        </p:attrNameLst>
+                                      </p:cBhvr>
+                                      <p:tavLst>
+                                        <p:tav tm="0">
+                                          <p:val>
+                                            <p:strVal val="1+#ppt_h/2"/>
+                                          </p:val>
+                                        </p:tav>
+                                        <p:tav tm="100000">
+                                          <p:val>
+                                            <p:strVal val="#ppt_y"/>
+                                          </p:val>
+                                        </p:tav>
+                                      </p:tavLst>
+                                    </p:anim>
+                                  </p:childTnLst>
+                                </p:cTn>
+                              </p:par>
+                            </p:childTnLst>
+                          </p:cTn>
+                        </p:par>
+                      </p:childTnLst>
+                    </p:cTn>
+                  </p:par>
+                  <p:par>
+                    <p:cTn id="15" fill="hold">
+                      <p:stCondLst>
+                        <p:cond delay="indefinite"/>
+                      </p:stCondLst>
+                      <p:childTnLst>
+                        <p:par>
+                          <p:cTn id="16" fill="hold">
+                            <p:stCondLst>
+                              <p:cond delay="0"/>
+                            </p:stCondLst>
+                            <p:childTnLst>
+                              <p:par>
+                                <p:cTn id="17" presetID="2" presetClass="entr" presetSubtype="4" fill="hold" grpId="0" nodeType="clickEffect">
+                                  <p:stCondLst>
+                                    <p:cond delay="0"/>
+                                  </p:stCondLst>
+                                  <p:childTnLst>
+                                    <p:set>
+                                      <p:cBhvr>
+                                        <p:cTn id="18" dur="1" fill="hold">
+                                          <p:stCondLst>
+                                            <p:cond delay="0"/>
+                                          </p:stCondLst>
+                                        </p:cTn>
+                                        <p:tgtEl>
+                                          <p:spTgt spid="3">
+                                            <p:txEl>
+                                              <p:pRg st="2" end="2"/>
+                                            </p:txEl>
+                                          </p:spTgt>
+                                        </p:tgtEl>
+                                        <p:attrNameLst>
+                                          <p:attrName>style.visibility</p:attrName>
+                                        </p:attrNameLst>
+                                      </p:cBhvr>
+                                      <p:to>
+                                        <p:strVal val="visible"/>
+                                      </p:to>
+                                    </p:set>
+                                    <p:anim calcmode="lin" valueType="num">
+                                      <p:cBhvr additive="base">
+                                        <p:cTn id="19" dur="500" fill="hold"/>
+                                        <p:tgtEl>
+                                          <p:spTgt spid="3">
+                                            <p:txEl>
+                                              <p:pRg st="2" end="2"/>
+                                            </p:txEl>
+                                          </p:spTgt>
+                                        </p:tgtEl>
+                                        <p:attrNameLst>
+                                          <p:attrName>ppt_x</p:attrName>
+                                        </p:attrNameLst>
+                                      </p:cBhvr>
+                                      <p:tavLst>
+                                        <p:tav tm="0">
+                                          <p:val>
+                                            <p:strVal val="#ppt_x"/>
+                                          </p:val>
+                                        </p:tav>
+                                        <p:tav tm="100000">
+                                          <p:val>
+                                            <p:strVal val="#ppt_x"/>
+                                          </p:val>
+                                        </p:tav>
+                                      </p:tavLst>
+                                    </p:anim>
+                                    <p:anim calcmode="lin" valueType="num">
+                                      <p:cBhvr additive="base">
+                                        <p:cTn id="20" dur="500" fill="hold"/>
+                                        <p:tgtEl>
+                                          <p:spTgt spid="3">
+                                            <p:txEl>
+                                              <p:pRg st="2" end="2"/>
+                                            </p:txEl>
+                                          </p:spTgt>
+                                        </p:tgtEl>
+                                        <p:attrNameLst>
+                                          <p:attrName>ppt_y</p:attrName>
+                                        </p:attrNameLst>
+                                      </p:cBhvr>
+                                      <p:tavLst>
+                                        <p:tav tm="0">
+                                          <p:val>
+                                            <p:strVal val="1+#ppt_h/2"/>
+                                          </p:val>
+                                        </p:tav>
+                                        <p:tav tm="100000">
+                                          <p:val>
+                                            <p:strVal val="#ppt_y"/>
+                                          </p:val>
+                                        </p:tav>
+                                      </p:tavLst>
+                                    </p:anim>
+                                  </p:childTnLst>
+                                </p:cTn>
+                              </p:par>
+                            </p:childTnLst>
+                          </p:cTn>
+                        </p:par>
+                      </p:childTnLst>
+                    </p:cTn>
+                  </p:par>
+                  <p:par>
+                    <p:cTn id="21" fill="hold">
+                      <p:stCondLst>
+                        <p:cond delay="indefinite"/>
+                      </p:stCondLst>
+                      <p:childTnLst>
+                        <p:par>
+                          <p:cTn id="22" fill="hold">
+                            <p:stCondLst>
+                              <p:cond delay="0"/>
+                            </p:stCondLst>
+                            <p:childTnLst>
+                              <p:par>
+                                <p:cTn id="23" presetID="2" presetClass="entr" presetSubtype="4" fill="hold" grpId="0" nodeType="clickEffect">
+                                  <p:stCondLst>
+                                    <p:cond delay="0"/>
+                                  </p:stCondLst>
+                                  <p:childTnLst>
+                                    <p:set>
+                                      <p:cBhvr>
+                                        <p:cTn id="24" dur="1" fill="hold">
+                                          <p:stCondLst>
+                                            <p:cond delay="0"/>
+                                          </p:stCondLst>
+                                        </p:cTn>
+                                        <p:tgtEl>
+                                          <p:spTgt spid="3">
+                                            <p:txEl>
+                                              <p:pRg st="3" end="3"/>
+                                            </p:txEl>
+                                          </p:spTgt>
+                                        </p:tgtEl>
+                                        <p:attrNameLst>
+                                          <p:attrName>style.visibility</p:attrName>
+                                        </p:attrNameLst>
+                                      </p:cBhvr>
+                                      <p:to>
+                                        <p:strVal val="visible"/>
+                                      </p:to>
+                                    </p:set>
+                                    <p:anim calcmode="lin" valueType="num">
+                                      <p:cBhvr additive="base">
+                                        <p:cTn id="25" dur="500" fill="hold"/>
+                                        <p:tgtEl>
+                                          <p:spTgt spid="3">
+                                            <p:txEl>
+                                              <p:pRg st="3" end="3"/>
+                                            </p:txEl>
+                                          </p:spTgt>
+                                        </p:tgtEl>
+                                        <p:attrNameLst>
+                                          <p:attrName>ppt_x</p:attrName>
+                                        </p:attrNameLst>
+                                      </p:cBhvr>
+                                      <p:tavLst>
+                                        <p:tav tm="0">
+                                          <p:val>
+                                            <p:strVal val="#ppt_x"/>
+                                          </p:val>
+                                        </p:tav>
+                                        <p:tav tm="100000">
+                                          <p:val>
+                                            <p:strVal val="#ppt_x"/>
+                                          </p:val>
+                                        </p:tav>
+                                      </p:tavLst>
+                                    </p:anim>
+                                    <p:anim calcmode="lin" valueType="num">
+                                      <p:cBhvr additive="base">
+                                        <p:cTn id="26" dur="500" fill="hold"/>
+                                        <p:tgtEl>
+                                          <p:spTgt spid="3">
+                                            <p:txEl>
+                                              <p:pRg st="3" end="3"/>
+                                            </p:txEl>
+                                          </p:spTgt>
+                                        </p:tgtEl>
+                                        <p:attrNameLst>
+                                          <p:attrName>ppt_y</p:attrName>
+                                        </p:attrNameLst>
+                                      </p:cBhvr>
+                                      <p:tavLst>
+                                        <p:tav tm="0">
+                                          <p:val>
+                                            <p:strVal val="1+#ppt_h/2"/>
+                                          </p:val>
+                                        </p:tav>
+                                        <p:tav tm="100000">
+                                          <p:val>
+                                            <p:strVal val="#ppt_y"/>
+                                          </p:val>
+                                        </p:tav>
+                                      </p:tavLst>
+                                    </p:anim>
+                                  </p:childTnLst>
+                                </p:cTn>
+                              </p:par>
+                            </p:childTnLst>
+                          </p:cTn>
+                        </p:par>
+                      </p:childTnLst>
+                    </p:cTn>
+                  </p:par>
+                  <p:par>
+                    <p:cTn id="27" fill="hold">
+                      <p:stCondLst>
+                        <p:cond delay="indefinite"/>
+                      </p:stCondLst>
+                      <p:childTnLst>
+                        <p:par>
+                          <p:cTn id="28" fill="hold">
+                            <p:stCondLst>
+                              <p:cond delay="0"/>
+                            </p:stCondLst>
+                            <p:childTnLst>
+                              <p:par>
+                                <p:cTn id="29" presetID="2" presetClass="entr" presetSubtype="4" fill="hold" grpId="0" nodeType="clickEffect">
+                                  <p:stCondLst>
+                                    <p:cond delay="0"/>
+                                  </p:stCondLst>
+                                  <p:childTnLst>
+                                    <p:set>
+                                      <p:cBhvr>
+                                        <p:cTn id="30" dur="1" fill="hold">
+                                          <p:stCondLst>
+                                            <p:cond delay="0"/>
+                                          </p:stCondLst>
+                                        </p:cTn>
+                                        <p:tgtEl>
+                                          <p:spTgt spid="3">
+                                            <p:txEl>
+                                              <p:pRg st="4" end="4"/>
+                                            </p:txEl>
+                                          </p:spTgt>
+                                        </p:tgtEl>
+                                        <p:attrNameLst>
+                                          <p:attrName>style.visibility</p:attrName>
+                                        </p:attrNameLst>
+                                      </p:cBhvr>
+                                      <p:to>
+                                        <p:strVal val="visible"/>
+                                      </p:to>
+                                    </p:set>
+                                    <p:anim calcmode="lin" valueType="num">
+                                      <p:cBhvr additive="base">
+                                        <p:cTn id="31" dur="500" fill="hold"/>
+                                        <p:tgtEl>
+                                          <p:spTgt spid="3">
+                                            <p:txEl>
+                                              <p:pRg st="4" end="4"/>
+                                            </p:txEl>
+                                          </p:spTgt>
+                                        </p:tgtEl>
+                                        <p:attrNameLst>
+                                          <p:attrName>ppt_x</p:attrName>
+                                        </p:attrNameLst>
+                                      </p:cBhvr>
+                                      <p:tavLst>
+                                        <p:tav tm="0">
+                                          <p:val>
+                                            <p:strVal val="#ppt_x"/>
+                                          </p:val>
+                                        </p:tav>
+                                        <p:tav tm="100000">
+                                          <p:val>
+                                            <p:strVal val="#ppt_x"/>
+                                          </p:val>
+                                        </p:tav>
+                                      </p:tavLst>
+                                    </p:anim>
+                                    <p:anim calcmode="lin" valueType="num">
+                                      <p:cBhvr additive="base">
+                                        <p:cTn id="32" dur="500" fill="hold"/>
+                                        <p:tgtEl>
+                                          <p:spTgt spid="3">
+                                            <p:txEl>
+                                              <p:pRg st="4" end="4"/>
+                                            </p:txEl>
+                                          </p:spTgt>
+                                        </p:tgtEl>
+                                        <p:attrNameLst>
+                                          <p:attrName>ppt_y</p:attrName>
+                                        </p:attrNameLst>
+                                      </p:cBhvr>
+                                      <p:tavLst>
+                                        <p:tav tm="0">
+                                          <p:val>
+                                            <p:strVal val="1+#ppt_h/2"/>
+                                          </p:val>
+                                        </p:tav>
+                                        <p:tav tm="100000">
+                                          <p:val>
+                                            <p:strVal val="#ppt_y"/>
+                                          </p:val>
+                                        </p:tav>
+                                      </p:tavLst>
+                                    </p:anim>
+                                  </p:childTnLst>
+                                </p:cTn>
+                              </p:par>
+                            </p:childTnLst>
+                          </p:cTn>
+                        </p:par>
+                      </p:childTnLst>
+                    </p:cTn>
+                  </p:par>
+                  <p:par>
+                    <p:cTn id="33" fill="hold">
+                      <p:stCondLst>
+                        <p:cond delay="indefinite"/>
+                      </p:stCondLst>
+                      <p:childTnLst>
+                        <p:par>
+                          <p:cTn id="34" fill="hold">
+                            <p:stCondLst>
+                              <p:cond delay="0"/>
+                            </p:stCondLst>
+                            <p:childTnLst>
+                              <p:par>
+                                <p:cTn id="35" presetID="2" presetClass="entr" presetSubtype="4" fill="hold" grpId="0" nodeType="clickEffect">
+                                  <p:stCondLst>
+                                    <p:cond delay="0"/>
+                                  </p:stCondLst>
+                                  <p:childTnLst>
+                                    <p:set>
+                                      <p:cBhvr>
+                                        <p:cTn id="36" dur="1" fill="hold">
+                                          <p:stCondLst>
+                                            <p:cond delay="0"/>
+                                          </p:stCondLst>
+                                        </p:cTn>
+                                        <p:tgtEl>
+                                          <p:spTgt spid="3">
+                                            <p:txEl>
+                                              <p:pRg st="5" end="5"/>
+                                            </p:txEl>
+                                          </p:spTgt>
+                                        </p:tgtEl>
+                                        <p:attrNameLst>
+                                          <p:attrName>style.visibility</p:attrName>
+                                        </p:attrNameLst>
+                                      </p:cBhvr>
+                                      <p:to>
+                                        <p:strVal val="visible"/>
+                                      </p:to>
+                                    </p:set>
+                                    <p:anim calcmode="lin" valueType="num">
+                                      <p:cBhvr additive="base">
+                                        <p:cTn id="37" dur="500" fill="hold"/>
+                                        <p:tgtEl>
+                                          <p:spTgt spid="3">
+                                            <p:txEl>
+                                              <p:pRg st="5" end="5"/>
+                                            </p:txEl>
+                                          </p:spTgt>
+                                        </p:tgtEl>
+                                        <p:attrNameLst>
+                                          <p:attrName>ppt_x</p:attrName>
+                                        </p:attrNameLst>
+                                      </p:cBhvr>
+                                      <p:tavLst>
+                                        <p:tav tm="0">
+                                          <p:val>
+                                            <p:strVal val="#ppt_x"/>
+                                          </p:val>
+                                        </p:tav>
+                                        <p:tav tm="100000">
+                                          <p:val>
+                                            <p:strVal val="#ppt_x"/>
+                                          </p:val>
+                                        </p:tav>
+                                      </p:tavLst>
+                                    </p:anim>
+                                    <p:anim calcmode="lin" valueType="num">
+                                      <p:cBhvr additive="base">
+                                        <p:cTn id="38" dur="500" fill="hold"/>
+                                        <p:tgtEl>
+                                          <p:spTgt spid="3">
+                                            <p:txEl>
+                                              <p:pRg st="5" end="5"/>
+                                            </p:txEl>
+                                          </p:spTgt>
+                                        </p:tgtEl>
+                                        <p:attrNameLst>
+                                          <p:attrName>ppt_y</p:attrName>
+                                        </p:attrNameLst>
+                                      </p:cBhvr>
+                                      <p:tavLst>
+                                        <p:tav tm="0">
+                                          <p:val>
+                                            <p:strVal val="1+#ppt_h/2"/>
+                                          </p:val>
+                                        </p:tav>
+                                        <p:tav tm="100000">
+                                          <p:val>
+                                            <p:strVal val="#ppt_y"/>
+                                          </p:val>
+                                        </p:tav>
+                                      </p:tavLst>
+                                    </p:anim>
+                                  </p:childTnLst>
+                                </p:cTn>
+                              </p:par>
+                            </p:childTnLst>
+                          </p:cTn>
+                        </p:par>
+                      </p:childTnLst>
+                    </p:cTn>
+                  </p:par>
+                </p:childTnLst>
+              </p:cTn>
+              <p:prevCondLst>
+                <p:cond evt="onPrev" delay="0">
+                  <p:tgtEl>
+                    <p:sldTgt/>
+                  </p:tgtEl>
+                </p:cond>
+              </p:prevCondLst>
+              <p:nextCondLst>
+                <p:cond evt="onNext" delay="0">
+                  <p:tgtEl>
+                    <p:sldTgt/>
+                  </p:tgtEl>
+                </p:cond>
+              </p:nextCondLst>
+            </p:seq>
+          </p:childTnLst>
+        </p:cTn>
+      </p:par>
+    </p:tnLst>
+    <p:bldLst>
+      <p:bldP spid="3" grpId="0" build="p"/>
+    </p:bldLst>
+  </p:timing>
+</p:sld>
+</file>
+
+<file path=ppt/slides/slide20.xml><?xml version="1.0" encoding="utf-8"?>
 <p:sld xmlns:a="http://schemas.openxmlformats.org/drawingml/2006/main" xmlns:r="http://schemas.openxmlformats.org/officeDocument/2006/relationships" xmlns:p="http://schemas.openxmlformats.org/presentationml/2006/main">
   <p:cSld>
     <p:spTree>
@@ -10776,7 +14924,7 @@
 </p:sld>
 </file>
 
-<file path=ppt/slides/slide18.xml><?xml version="1.0" encoding="utf-8"?>
+<file path=ppt/slides/slide21.xml><?xml version="1.0" encoding="utf-8"?>
 <p:sld xmlns:a="http://schemas.openxmlformats.org/drawingml/2006/main" xmlns:r="http://schemas.openxmlformats.org/officeDocument/2006/relationships" xmlns:p="http://schemas.openxmlformats.org/presentationml/2006/main">
   <p:cSld>
     <p:spTree>
@@ -12162,7 +16310,7 @@
 </p:sld>
 </file>
 
-<file path=ppt/slides/slide19.xml><?xml version="1.0" encoding="utf-8"?>
+<file path=ppt/slides/slide22.xml><?xml version="1.0" encoding="utf-8"?>
 <p:sld xmlns:a="http://schemas.openxmlformats.org/drawingml/2006/main" xmlns:r="http://schemas.openxmlformats.org/officeDocument/2006/relationships" xmlns:p="http://schemas.openxmlformats.org/presentationml/2006/main">
   <p:cSld>
     <p:spTree>
@@ -12238,809 +16386,7 @@
 </p:sld>
 </file>
 
-<file path=ppt/slides/slide2.xml><?xml version="1.0" encoding="utf-8"?>
-<p:sld xmlns:a="http://schemas.openxmlformats.org/drawingml/2006/main" xmlns:r="http://schemas.openxmlformats.org/officeDocument/2006/relationships" xmlns:p="http://schemas.openxmlformats.org/presentationml/2006/main">
-  <p:cSld>
-    <p:spTree>
-      <p:nvGrpSpPr>
-        <p:cNvPr id="1" name=""/>
-        <p:cNvGrpSpPr/>
-        <p:nvPr/>
-      </p:nvGrpSpPr>
-      <p:grpSpPr>
-        <a:xfrm>
-          <a:off x="0" y="0"/>
-          <a:ext cx="0" cy="0"/>
-          <a:chOff x="0" y="0"/>
-          <a:chExt cx="0" cy="0"/>
-        </a:xfrm>
-      </p:grpSpPr>
-      <p:sp>
-        <p:nvSpPr>
-          <p:cNvPr id="2" name="Title 1">
-            <a:extLst>
-              <a:ext uri="{FF2B5EF4-FFF2-40B4-BE49-F238E27FC236}">
-                <a16:creationId xmlns:a16="http://schemas.microsoft.com/office/drawing/2014/main" id="{7304BBA7-9D5E-4B9A-95AF-2E54F4B41C0E}"/>
-              </a:ext>
-            </a:extLst>
-          </p:cNvPr>
-          <p:cNvSpPr>
-            <a:spLocks noGrp="1"/>
-          </p:cNvSpPr>
-          <p:nvPr>
-            <p:ph type="title"/>
-          </p:nvPr>
-        </p:nvSpPr>
-        <p:spPr/>
-        <p:txBody>
-          <a:bodyPr/>
-          <a:lstStyle/>
-          <a:p>
-            <a:r>
-              <a:rPr lang="en-GB" dirty="0"/>
-              <a:t>Java Bootcamp Outline</a:t>
-            </a:r>
-          </a:p>
-        </p:txBody>
-      </p:sp>
-      <p:sp>
-        <p:nvSpPr>
-          <p:cNvPr id="3" name="Content Placeholder 2">
-            <a:extLst>
-              <a:ext uri="{FF2B5EF4-FFF2-40B4-BE49-F238E27FC236}">
-                <a16:creationId xmlns:a16="http://schemas.microsoft.com/office/drawing/2014/main" id="{3AB586B9-467B-4F63-B336-2E9D19321584}"/>
-              </a:ext>
-            </a:extLst>
-          </p:cNvPr>
-          <p:cNvSpPr>
-            <a:spLocks noGrp="1"/>
-          </p:cNvSpPr>
-          <p:nvPr>
-            <p:ph idx="1"/>
-          </p:nvPr>
-        </p:nvSpPr>
-        <p:spPr>
-          <a:xfrm>
-            <a:off x="822960" y="1845734"/>
-            <a:ext cx="7086600" cy="4023360"/>
-          </a:xfrm>
-        </p:spPr>
-        <p:txBody>
-          <a:bodyPr/>
-          <a:lstStyle/>
-          <a:p>
-            <a:pPr>
-              <a:buFont typeface="Wingdings" panose="05000000000000000000" pitchFamily="2" charset="2"/>
-              <a:buChar char="v"/>
-            </a:pPr>
-            <a:r>
-              <a:rPr lang="en-GB" dirty="0"/>
-              <a:t> Lesson 1 – Java Vs C++</a:t>
-            </a:r>
-          </a:p>
-          <a:p>
-            <a:pPr>
-              <a:buFont typeface="Wingdings" panose="05000000000000000000" pitchFamily="2" charset="2"/>
-              <a:buChar char="v"/>
-            </a:pPr>
-            <a:r>
-              <a:rPr lang="en-GB" dirty="0"/>
-              <a:t> Lesson 2 – Structured Programming in Java</a:t>
-            </a:r>
-          </a:p>
-          <a:p>
-            <a:pPr>
-              <a:buFont typeface="Wingdings" panose="05000000000000000000" pitchFamily="2" charset="2"/>
-              <a:buChar char="v"/>
-            </a:pPr>
-            <a:r>
-              <a:rPr lang="en-GB" dirty="0"/>
-              <a:t> Lesson 3 – Introduction to Object-oriented programming in Java</a:t>
-            </a:r>
-          </a:p>
-          <a:p>
-            <a:pPr>
-              <a:buFont typeface="Wingdings" panose="05000000000000000000" pitchFamily="2" charset="2"/>
-              <a:buChar char="v"/>
-            </a:pPr>
-            <a:r>
-              <a:rPr lang="en-GB" dirty="0"/>
-              <a:t> Lesson 4 – More OOP and Core Java language topics</a:t>
-            </a:r>
-          </a:p>
-          <a:p>
-            <a:pPr>
-              <a:buFont typeface="Wingdings" panose="05000000000000000000" pitchFamily="2" charset="2"/>
-              <a:buChar char="v"/>
-            </a:pPr>
-            <a:r>
-              <a:rPr lang="en-GB" dirty="0"/>
-              <a:t> Lesson 5 – Java Generics and Java Collections</a:t>
-            </a:r>
-          </a:p>
-          <a:p>
-            <a:pPr>
-              <a:buFont typeface="Wingdings" panose="05000000000000000000" pitchFamily="2" charset="2"/>
-              <a:buChar char="v"/>
-            </a:pPr>
-            <a:r>
-              <a:rPr lang="en-GB" dirty="0"/>
-              <a:t> Lesson 6 – GUI development and Exception Handling</a:t>
-            </a:r>
-          </a:p>
-          <a:p>
-            <a:endParaRPr lang="en-GB" dirty="0"/>
-          </a:p>
-        </p:txBody>
-      </p:sp>
-    </p:spTree>
-    <p:extLst>
-      <p:ext uri="{BB962C8B-B14F-4D97-AF65-F5344CB8AC3E}">
-        <p14:creationId xmlns:p14="http://schemas.microsoft.com/office/powerpoint/2010/main" val="129472628"/>
-      </p:ext>
-    </p:extLst>
-  </p:cSld>
-  <p:clrMapOvr>
-    <a:masterClrMapping/>
-  </p:clrMapOvr>
-  <p:transition spd="slow">
-    <p:push dir="u"/>
-  </p:transition>
-  <p:timing>
-    <p:tnLst>
-      <p:par>
-        <p:cTn id="1" dur="indefinite" restart="never" nodeType="tmRoot">
-          <p:childTnLst>
-            <p:seq concurrent="1" nextAc="seek">
-              <p:cTn id="2" dur="indefinite" nodeType="mainSeq">
-                <p:childTnLst>
-                  <p:par>
-                    <p:cTn id="3" fill="hold">
-                      <p:stCondLst>
-                        <p:cond delay="indefinite"/>
-                      </p:stCondLst>
-                      <p:childTnLst>
-                        <p:par>
-                          <p:cTn id="4" fill="hold">
-                            <p:stCondLst>
-                              <p:cond delay="0"/>
-                            </p:stCondLst>
-                            <p:childTnLst>
-                              <p:par>
-                                <p:cTn id="5" presetID="2" presetClass="entr" presetSubtype="4" fill="hold" grpId="0" nodeType="clickEffect">
-                                  <p:stCondLst>
-                                    <p:cond delay="0"/>
-                                  </p:stCondLst>
-                                  <p:childTnLst>
-                                    <p:set>
-                                      <p:cBhvr>
-                                        <p:cTn id="6" dur="1" fill="hold">
-                                          <p:stCondLst>
-                                            <p:cond delay="0"/>
-                                          </p:stCondLst>
-                                        </p:cTn>
-                                        <p:tgtEl>
-                                          <p:spTgt spid="3">
-                                            <p:txEl>
-                                              <p:pRg st="0" end="0"/>
-                                            </p:txEl>
-                                          </p:spTgt>
-                                        </p:tgtEl>
-                                        <p:attrNameLst>
-                                          <p:attrName>style.visibility</p:attrName>
-                                        </p:attrNameLst>
-                                      </p:cBhvr>
-                                      <p:to>
-                                        <p:strVal val="visible"/>
-                                      </p:to>
-                                    </p:set>
-                                    <p:anim calcmode="lin" valueType="num">
-                                      <p:cBhvr additive="base">
-                                        <p:cTn id="7" dur="500" fill="hold"/>
-                                        <p:tgtEl>
-                                          <p:spTgt spid="3">
-                                            <p:txEl>
-                                              <p:pRg st="0" end="0"/>
-                                            </p:txEl>
-                                          </p:spTgt>
-                                        </p:tgtEl>
-                                        <p:attrNameLst>
-                                          <p:attrName>ppt_x</p:attrName>
-                                        </p:attrNameLst>
-                                      </p:cBhvr>
-                                      <p:tavLst>
-                                        <p:tav tm="0">
-                                          <p:val>
-                                            <p:strVal val="#ppt_x"/>
-                                          </p:val>
-                                        </p:tav>
-                                        <p:tav tm="100000">
-                                          <p:val>
-                                            <p:strVal val="#ppt_x"/>
-                                          </p:val>
-                                        </p:tav>
-                                      </p:tavLst>
-                                    </p:anim>
-                                    <p:anim calcmode="lin" valueType="num">
-                                      <p:cBhvr additive="base">
-                                        <p:cTn id="8" dur="500" fill="hold"/>
-                                        <p:tgtEl>
-                                          <p:spTgt spid="3">
-                                            <p:txEl>
-                                              <p:pRg st="0" end="0"/>
-                                            </p:txEl>
-                                          </p:spTgt>
-                                        </p:tgtEl>
-                                        <p:attrNameLst>
-                                          <p:attrName>ppt_y</p:attrName>
-                                        </p:attrNameLst>
-                                      </p:cBhvr>
-                                      <p:tavLst>
-                                        <p:tav tm="0">
-                                          <p:val>
-                                            <p:strVal val="1+#ppt_h/2"/>
-                                          </p:val>
-                                        </p:tav>
-                                        <p:tav tm="100000">
-                                          <p:val>
-                                            <p:strVal val="#ppt_y"/>
-                                          </p:val>
-                                        </p:tav>
-                                      </p:tavLst>
-                                    </p:anim>
-                                  </p:childTnLst>
-                                </p:cTn>
-                              </p:par>
-                            </p:childTnLst>
-                          </p:cTn>
-                        </p:par>
-                      </p:childTnLst>
-                    </p:cTn>
-                  </p:par>
-                  <p:par>
-                    <p:cTn id="9" fill="hold">
-                      <p:stCondLst>
-                        <p:cond delay="indefinite"/>
-                      </p:stCondLst>
-                      <p:childTnLst>
-                        <p:par>
-                          <p:cTn id="10" fill="hold">
-                            <p:stCondLst>
-                              <p:cond delay="0"/>
-                            </p:stCondLst>
-                            <p:childTnLst>
-                              <p:par>
-                                <p:cTn id="11" presetID="2" presetClass="entr" presetSubtype="4" fill="hold" grpId="0" nodeType="clickEffect">
-                                  <p:stCondLst>
-                                    <p:cond delay="0"/>
-                                  </p:stCondLst>
-                                  <p:childTnLst>
-                                    <p:set>
-                                      <p:cBhvr>
-                                        <p:cTn id="12" dur="1" fill="hold">
-                                          <p:stCondLst>
-                                            <p:cond delay="0"/>
-                                          </p:stCondLst>
-                                        </p:cTn>
-                                        <p:tgtEl>
-                                          <p:spTgt spid="3">
-                                            <p:txEl>
-                                              <p:pRg st="1" end="1"/>
-                                            </p:txEl>
-                                          </p:spTgt>
-                                        </p:tgtEl>
-                                        <p:attrNameLst>
-                                          <p:attrName>style.visibility</p:attrName>
-                                        </p:attrNameLst>
-                                      </p:cBhvr>
-                                      <p:to>
-                                        <p:strVal val="visible"/>
-                                      </p:to>
-                                    </p:set>
-                                    <p:anim calcmode="lin" valueType="num">
-                                      <p:cBhvr additive="base">
-                                        <p:cTn id="13" dur="500" fill="hold"/>
-                                        <p:tgtEl>
-                                          <p:spTgt spid="3">
-                                            <p:txEl>
-                                              <p:pRg st="1" end="1"/>
-                                            </p:txEl>
-                                          </p:spTgt>
-                                        </p:tgtEl>
-                                        <p:attrNameLst>
-                                          <p:attrName>ppt_x</p:attrName>
-                                        </p:attrNameLst>
-                                      </p:cBhvr>
-                                      <p:tavLst>
-                                        <p:tav tm="0">
-                                          <p:val>
-                                            <p:strVal val="#ppt_x"/>
-                                          </p:val>
-                                        </p:tav>
-                                        <p:tav tm="100000">
-                                          <p:val>
-                                            <p:strVal val="#ppt_x"/>
-                                          </p:val>
-                                        </p:tav>
-                                      </p:tavLst>
-                                    </p:anim>
-                                    <p:anim calcmode="lin" valueType="num">
-                                      <p:cBhvr additive="base">
-                                        <p:cTn id="14" dur="500" fill="hold"/>
-                                        <p:tgtEl>
-                                          <p:spTgt spid="3">
-                                            <p:txEl>
-                                              <p:pRg st="1" end="1"/>
-                                            </p:txEl>
-                                          </p:spTgt>
-                                        </p:tgtEl>
-                                        <p:attrNameLst>
-                                          <p:attrName>ppt_y</p:attrName>
-                                        </p:attrNameLst>
-                                      </p:cBhvr>
-                                      <p:tavLst>
-                                        <p:tav tm="0">
-                                          <p:val>
-                                            <p:strVal val="1+#ppt_h/2"/>
-                                          </p:val>
-                                        </p:tav>
-                                        <p:tav tm="100000">
-                                          <p:val>
-                                            <p:strVal val="#ppt_y"/>
-                                          </p:val>
-                                        </p:tav>
-                                      </p:tavLst>
-                                    </p:anim>
-                                  </p:childTnLst>
-                                </p:cTn>
-                              </p:par>
-                            </p:childTnLst>
-                          </p:cTn>
-                        </p:par>
-                      </p:childTnLst>
-                    </p:cTn>
-                  </p:par>
-                  <p:par>
-                    <p:cTn id="15" fill="hold">
-                      <p:stCondLst>
-                        <p:cond delay="indefinite"/>
-                      </p:stCondLst>
-                      <p:childTnLst>
-                        <p:par>
-                          <p:cTn id="16" fill="hold">
-                            <p:stCondLst>
-                              <p:cond delay="0"/>
-                            </p:stCondLst>
-                            <p:childTnLst>
-                              <p:par>
-                                <p:cTn id="17" presetID="2" presetClass="entr" presetSubtype="4" fill="hold" grpId="0" nodeType="clickEffect">
-                                  <p:stCondLst>
-                                    <p:cond delay="0"/>
-                                  </p:stCondLst>
-                                  <p:childTnLst>
-                                    <p:set>
-                                      <p:cBhvr>
-                                        <p:cTn id="18" dur="1" fill="hold">
-                                          <p:stCondLst>
-                                            <p:cond delay="0"/>
-                                          </p:stCondLst>
-                                        </p:cTn>
-                                        <p:tgtEl>
-                                          <p:spTgt spid="3">
-                                            <p:txEl>
-                                              <p:pRg st="2" end="2"/>
-                                            </p:txEl>
-                                          </p:spTgt>
-                                        </p:tgtEl>
-                                        <p:attrNameLst>
-                                          <p:attrName>style.visibility</p:attrName>
-                                        </p:attrNameLst>
-                                      </p:cBhvr>
-                                      <p:to>
-                                        <p:strVal val="visible"/>
-                                      </p:to>
-                                    </p:set>
-                                    <p:anim calcmode="lin" valueType="num">
-                                      <p:cBhvr additive="base">
-                                        <p:cTn id="19" dur="500" fill="hold"/>
-                                        <p:tgtEl>
-                                          <p:spTgt spid="3">
-                                            <p:txEl>
-                                              <p:pRg st="2" end="2"/>
-                                            </p:txEl>
-                                          </p:spTgt>
-                                        </p:tgtEl>
-                                        <p:attrNameLst>
-                                          <p:attrName>ppt_x</p:attrName>
-                                        </p:attrNameLst>
-                                      </p:cBhvr>
-                                      <p:tavLst>
-                                        <p:tav tm="0">
-                                          <p:val>
-                                            <p:strVal val="#ppt_x"/>
-                                          </p:val>
-                                        </p:tav>
-                                        <p:tav tm="100000">
-                                          <p:val>
-                                            <p:strVal val="#ppt_x"/>
-                                          </p:val>
-                                        </p:tav>
-                                      </p:tavLst>
-                                    </p:anim>
-                                    <p:anim calcmode="lin" valueType="num">
-                                      <p:cBhvr additive="base">
-                                        <p:cTn id="20" dur="500" fill="hold"/>
-                                        <p:tgtEl>
-                                          <p:spTgt spid="3">
-                                            <p:txEl>
-                                              <p:pRg st="2" end="2"/>
-                                            </p:txEl>
-                                          </p:spTgt>
-                                        </p:tgtEl>
-                                        <p:attrNameLst>
-                                          <p:attrName>ppt_y</p:attrName>
-                                        </p:attrNameLst>
-                                      </p:cBhvr>
-                                      <p:tavLst>
-                                        <p:tav tm="0">
-                                          <p:val>
-                                            <p:strVal val="1+#ppt_h/2"/>
-                                          </p:val>
-                                        </p:tav>
-                                        <p:tav tm="100000">
-                                          <p:val>
-                                            <p:strVal val="#ppt_y"/>
-                                          </p:val>
-                                        </p:tav>
-                                      </p:tavLst>
-                                    </p:anim>
-                                  </p:childTnLst>
-                                </p:cTn>
-                              </p:par>
-                            </p:childTnLst>
-                          </p:cTn>
-                        </p:par>
-                      </p:childTnLst>
-                    </p:cTn>
-                  </p:par>
-                  <p:par>
-                    <p:cTn id="21" fill="hold">
-                      <p:stCondLst>
-                        <p:cond delay="indefinite"/>
-                      </p:stCondLst>
-                      <p:childTnLst>
-                        <p:par>
-                          <p:cTn id="22" fill="hold">
-                            <p:stCondLst>
-                              <p:cond delay="0"/>
-                            </p:stCondLst>
-                            <p:childTnLst>
-                              <p:par>
-                                <p:cTn id="23" presetID="2" presetClass="entr" presetSubtype="4" fill="hold" grpId="0" nodeType="clickEffect">
-                                  <p:stCondLst>
-                                    <p:cond delay="0"/>
-                                  </p:stCondLst>
-                                  <p:childTnLst>
-                                    <p:set>
-                                      <p:cBhvr>
-                                        <p:cTn id="24" dur="1" fill="hold">
-                                          <p:stCondLst>
-                                            <p:cond delay="0"/>
-                                          </p:stCondLst>
-                                        </p:cTn>
-                                        <p:tgtEl>
-                                          <p:spTgt spid="3">
-                                            <p:txEl>
-                                              <p:pRg st="3" end="3"/>
-                                            </p:txEl>
-                                          </p:spTgt>
-                                        </p:tgtEl>
-                                        <p:attrNameLst>
-                                          <p:attrName>style.visibility</p:attrName>
-                                        </p:attrNameLst>
-                                      </p:cBhvr>
-                                      <p:to>
-                                        <p:strVal val="visible"/>
-                                      </p:to>
-                                    </p:set>
-                                    <p:anim calcmode="lin" valueType="num">
-                                      <p:cBhvr additive="base">
-                                        <p:cTn id="25" dur="500" fill="hold"/>
-                                        <p:tgtEl>
-                                          <p:spTgt spid="3">
-                                            <p:txEl>
-                                              <p:pRg st="3" end="3"/>
-                                            </p:txEl>
-                                          </p:spTgt>
-                                        </p:tgtEl>
-                                        <p:attrNameLst>
-                                          <p:attrName>ppt_x</p:attrName>
-                                        </p:attrNameLst>
-                                      </p:cBhvr>
-                                      <p:tavLst>
-                                        <p:tav tm="0">
-                                          <p:val>
-                                            <p:strVal val="#ppt_x"/>
-                                          </p:val>
-                                        </p:tav>
-                                        <p:tav tm="100000">
-                                          <p:val>
-                                            <p:strVal val="#ppt_x"/>
-                                          </p:val>
-                                        </p:tav>
-                                      </p:tavLst>
-                                    </p:anim>
-                                    <p:anim calcmode="lin" valueType="num">
-                                      <p:cBhvr additive="base">
-                                        <p:cTn id="26" dur="500" fill="hold"/>
-                                        <p:tgtEl>
-                                          <p:spTgt spid="3">
-                                            <p:txEl>
-                                              <p:pRg st="3" end="3"/>
-                                            </p:txEl>
-                                          </p:spTgt>
-                                        </p:tgtEl>
-                                        <p:attrNameLst>
-                                          <p:attrName>ppt_y</p:attrName>
-                                        </p:attrNameLst>
-                                      </p:cBhvr>
-                                      <p:tavLst>
-                                        <p:tav tm="0">
-                                          <p:val>
-                                            <p:strVal val="1+#ppt_h/2"/>
-                                          </p:val>
-                                        </p:tav>
-                                        <p:tav tm="100000">
-                                          <p:val>
-                                            <p:strVal val="#ppt_y"/>
-                                          </p:val>
-                                        </p:tav>
-                                      </p:tavLst>
-                                    </p:anim>
-                                  </p:childTnLst>
-                                </p:cTn>
-                              </p:par>
-                            </p:childTnLst>
-                          </p:cTn>
-                        </p:par>
-                      </p:childTnLst>
-                    </p:cTn>
-                  </p:par>
-                  <p:par>
-                    <p:cTn id="27" fill="hold">
-                      <p:stCondLst>
-                        <p:cond delay="indefinite"/>
-                      </p:stCondLst>
-                      <p:childTnLst>
-                        <p:par>
-                          <p:cTn id="28" fill="hold">
-                            <p:stCondLst>
-                              <p:cond delay="0"/>
-                            </p:stCondLst>
-                            <p:childTnLst>
-                              <p:par>
-                                <p:cTn id="29" presetID="2" presetClass="entr" presetSubtype="4" fill="hold" grpId="0" nodeType="clickEffect">
-                                  <p:stCondLst>
-                                    <p:cond delay="0"/>
-                                  </p:stCondLst>
-                                  <p:childTnLst>
-                                    <p:set>
-                                      <p:cBhvr>
-                                        <p:cTn id="30" dur="1" fill="hold">
-                                          <p:stCondLst>
-                                            <p:cond delay="0"/>
-                                          </p:stCondLst>
-                                        </p:cTn>
-                                        <p:tgtEl>
-                                          <p:spTgt spid="3">
-                                            <p:txEl>
-                                              <p:pRg st="4" end="4"/>
-                                            </p:txEl>
-                                          </p:spTgt>
-                                        </p:tgtEl>
-                                        <p:attrNameLst>
-                                          <p:attrName>style.visibility</p:attrName>
-                                        </p:attrNameLst>
-                                      </p:cBhvr>
-                                      <p:to>
-                                        <p:strVal val="visible"/>
-                                      </p:to>
-                                    </p:set>
-                                    <p:anim calcmode="lin" valueType="num">
-                                      <p:cBhvr additive="base">
-                                        <p:cTn id="31" dur="500" fill="hold"/>
-                                        <p:tgtEl>
-                                          <p:spTgt spid="3">
-                                            <p:txEl>
-                                              <p:pRg st="4" end="4"/>
-                                            </p:txEl>
-                                          </p:spTgt>
-                                        </p:tgtEl>
-                                        <p:attrNameLst>
-                                          <p:attrName>ppt_x</p:attrName>
-                                        </p:attrNameLst>
-                                      </p:cBhvr>
-                                      <p:tavLst>
-                                        <p:tav tm="0">
-                                          <p:val>
-                                            <p:strVal val="#ppt_x"/>
-                                          </p:val>
-                                        </p:tav>
-                                        <p:tav tm="100000">
-                                          <p:val>
-                                            <p:strVal val="#ppt_x"/>
-                                          </p:val>
-                                        </p:tav>
-                                      </p:tavLst>
-                                    </p:anim>
-                                    <p:anim calcmode="lin" valueType="num">
-                                      <p:cBhvr additive="base">
-                                        <p:cTn id="32" dur="500" fill="hold"/>
-                                        <p:tgtEl>
-                                          <p:spTgt spid="3">
-                                            <p:txEl>
-                                              <p:pRg st="4" end="4"/>
-                                            </p:txEl>
-                                          </p:spTgt>
-                                        </p:tgtEl>
-                                        <p:attrNameLst>
-                                          <p:attrName>ppt_y</p:attrName>
-                                        </p:attrNameLst>
-                                      </p:cBhvr>
-                                      <p:tavLst>
-                                        <p:tav tm="0">
-                                          <p:val>
-                                            <p:strVal val="1+#ppt_h/2"/>
-                                          </p:val>
-                                        </p:tav>
-                                        <p:tav tm="100000">
-                                          <p:val>
-                                            <p:strVal val="#ppt_y"/>
-                                          </p:val>
-                                        </p:tav>
-                                      </p:tavLst>
-                                    </p:anim>
-                                  </p:childTnLst>
-                                </p:cTn>
-                              </p:par>
-                            </p:childTnLst>
-                          </p:cTn>
-                        </p:par>
-                      </p:childTnLst>
-                    </p:cTn>
-                  </p:par>
-                  <p:par>
-                    <p:cTn id="33" fill="hold">
-                      <p:stCondLst>
-                        <p:cond delay="indefinite"/>
-                      </p:stCondLst>
-                      <p:childTnLst>
-                        <p:par>
-                          <p:cTn id="34" fill="hold">
-                            <p:stCondLst>
-                              <p:cond delay="0"/>
-                            </p:stCondLst>
-                            <p:childTnLst>
-                              <p:par>
-                                <p:cTn id="35" presetID="2" presetClass="entr" presetSubtype="4" fill="hold" grpId="0" nodeType="clickEffect">
-                                  <p:stCondLst>
-                                    <p:cond delay="0"/>
-                                  </p:stCondLst>
-                                  <p:childTnLst>
-                                    <p:set>
-                                      <p:cBhvr>
-                                        <p:cTn id="36" dur="1" fill="hold">
-                                          <p:stCondLst>
-                                            <p:cond delay="0"/>
-                                          </p:stCondLst>
-                                        </p:cTn>
-                                        <p:tgtEl>
-                                          <p:spTgt spid="3">
-                                            <p:txEl>
-                                              <p:pRg st="5" end="5"/>
-                                            </p:txEl>
-                                          </p:spTgt>
-                                        </p:tgtEl>
-                                        <p:attrNameLst>
-                                          <p:attrName>style.visibility</p:attrName>
-                                        </p:attrNameLst>
-                                      </p:cBhvr>
-                                      <p:to>
-                                        <p:strVal val="visible"/>
-                                      </p:to>
-                                    </p:set>
-                                    <p:anim calcmode="lin" valueType="num">
-                                      <p:cBhvr additive="base">
-                                        <p:cTn id="37" dur="500" fill="hold"/>
-                                        <p:tgtEl>
-                                          <p:spTgt spid="3">
-                                            <p:txEl>
-                                              <p:pRg st="5" end="5"/>
-                                            </p:txEl>
-                                          </p:spTgt>
-                                        </p:tgtEl>
-                                        <p:attrNameLst>
-                                          <p:attrName>ppt_x</p:attrName>
-                                        </p:attrNameLst>
-                                      </p:cBhvr>
-                                      <p:tavLst>
-                                        <p:tav tm="0">
-                                          <p:val>
-                                            <p:strVal val="#ppt_x"/>
-                                          </p:val>
-                                        </p:tav>
-                                        <p:tav tm="100000">
-                                          <p:val>
-                                            <p:strVal val="#ppt_x"/>
-                                          </p:val>
-                                        </p:tav>
-                                      </p:tavLst>
-                                    </p:anim>
-                                    <p:anim calcmode="lin" valueType="num">
-                                      <p:cBhvr additive="base">
-                                        <p:cTn id="38" dur="500" fill="hold"/>
-                                        <p:tgtEl>
-                                          <p:spTgt spid="3">
-                                            <p:txEl>
-                                              <p:pRg st="5" end="5"/>
-                                            </p:txEl>
-                                          </p:spTgt>
-                                        </p:tgtEl>
-                                        <p:attrNameLst>
-                                          <p:attrName>ppt_y</p:attrName>
-                                        </p:attrNameLst>
-                                      </p:cBhvr>
-                                      <p:tavLst>
-                                        <p:tav tm="0">
-                                          <p:val>
-                                            <p:strVal val="1+#ppt_h/2"/>
-                                          </p:val>
-                                        </p:tav>
-                                        <p:tav tm="100000">
-                                          <p:val>
-                                            <p:strVal val="#ppt_y"/>
-                                          </p:val>
-                                        </p:tav>
-                                      </p:tavLst>
-                                    </p:anim>
-                                  </p:childTnLst>
-                                </p:cTn>
-                              </p:par>
-                            </p:childTnLst>
-                          </p:cTn>
-                        </p:par>
-                      </p:childTnLst>
-                    </p:cTn>
-                  </p:par>
-                </p:childTnLst>
-              </p:cTn>
-              <p:prevCondLst>
-                <p:cond evt="onPrev" delay="0">
-                  <p:tgtEl>
-                    <p:sldTgt/>
-                  </p:tgtEl>
-                </p:cond>
-              </p:prevCondLst>
-              <p:nextCondLst>
-                <p:cond evt="onNext" delay="0">
-                  <p:tgtEl>
-                    <p:sldTgt/>
-                  </p:tgtEl>
-                </p:cond>
-              </p:nextCondLst>
-            </p:seq>
-          </p:childTnLst>
-        </p:cTn>
-      </p:par>
-    </p:tnLst>
-    <p:bldLst>
-      <p:bldP spid="3" grpId="0" build="p"/>
-    </p:bldLst>
-  </p:timing>
-</p:sld>
-</file>
-
-<file path=ppt/slides/slide20.xml><?xml version="1.0" encoding="utf-8"?>
+<file path=ppt/slides/slide23.xml><?xml version="1.0" encoding="utf-8"?>
 <p:sld xmlns:a="http://schemas.openxmlformats.org/drawingml/2006/main" xmlns:r="http://schemas.openxmlformats.org/officeDocument/2006/relationships" xmlns:p="http://schemas.openxmlformats.org/presentationml/2006/main">
   <p:cSld>
     <p:spTree>
@@ -13972,6 +17318,26 @@
             </a:pPr>
             <a:r>
               <a:rPr lang="en-GB" dirty="0"/>
+              <a:t>Ensure your camera is on at all times</a:t>
+            </a:r>
+          </a:p>
+          <a:p>
+            <a:pPr marL="457200" indent="-457200">
+              <a:buFont typeface="+mj-lt"/>
+              <a:buAutoNum type="arabicPeriod"/>
+            </a:pPr>
+            <a:r>
+              <a:rPr lang="en-GB" dirty="0"/>
+              <a:t>Use a laptop for all sessions </a:t>
+            </a:r>
+          </a:p>
+          <a:p>
+            <a:pPr marL="457200" indent="-457200">
+              <a:buFont typeface="+mj-lt"/>
+              <a:buAutoNum type="arabicPeriod"/>
+            </a:pPr>
+            <a:r>
+              <a:rPr lang="en-GB" dirty="0"/>
               <a:t>Stay till the end of the class to do your exercises</a:t>
             </a:r>
           </a:p>
@@ -14391,6 +17757,212 @@
                                           <p:spTgt spid="3">
                                             <p:txEl>
                                               <p:pRg st="3" end="3"/>
+                                            </p:txEl>
+                                          </p:spTgt>
+                                        </p:tgtEl>
+                                        <p:attrNameLst>
+                                          <p:attrName>ppt_y</p:attrName>
+                                        </p:attrNameLst>
+                                      </p:cBhvr>
+                                      <p:tavLst>
+                                        <p:tav tm="0">
+                                          <p:val>
+                                            <p:strVal val="1+#ppt_h/2"/>
+                                          </p:val>
+                                        </p:tav>
+                                        <p:tav tm="100000">
+                                          <p:val>
+                                            <p:strVal val="#ppt_y"/>
+                                          </p:val>
+                                        </p:tav>
+                                      </p:tavLst>
+                                    </p:anim>
+                                  </p:childTnLst>
+                                </p:cTn>
+                              </p:par>
+                            </p:childTnLst>
+                          </p:cTn>
+                        </p:par>
+                      </p:childTnLst>
+                    </p:cTn>
+                  </p:par>
+                  <p:par>
+                    <p:cTn id="27" fill="hold">
+                      <p:stCondLst>
+                        <p:cond delay="indefinite"/>
+                      </p:stCondLst>
+                      <p:childTnLst>
+                        <p:par>
+                          <p:cTn id="28" fill="hold">
+                            <p:stCondLst>
+                              <p:cond delay="0"/>
+                            </p:stCondLst>
+                            <p:childTnLst>
+                              <p:par>
+                                <p:cTn id="29" presetID="2" presetClass="entr" presetSubtype="4" fill="hold" grpId="0" nodeType="clickEffect">
+                                  <p:stCondLst>
+                                    <p:cond delay="0"/>
+                                  </p:stCondLst>
+                                  <p:childTnLst>
+                                    <p:set>
+                                      <p:cBhvr>
+                                        <p:cTn id="30" dur="1" fill="hold">
+                                          <p:stCondLst>
+                                            <p:cond delay="0"/>
+                                          </p:stCondLst>
+                                        </p:cTn>
+                                        <p:tgtEl>
+                                          <p:spTgt spid="3">
+                                            <p:txEl>
+                                              <p:pRg st="4" end="4"/>
+                                            </p:txEl>
+                                          </p:spTgt>
+                                        </p:tgtEl>
+                                        <p:attrNameLst>
+                                          <p:attrName>style.visibility</p:attrName>
+                                        </p:attrNameLst>
+                                      </p:cBhvr>
+                                      <p:to>
+                                        <p:strVal val="visible"/>
+                                      </p:to>
+                                    </p:set>
+                                    <p:anim calcmode="lin" valueType="num">
+                                      <p:cBhvr additive="base">
+                                        <p:cTn id="31" dur="500" fill="hold"/>
+                                        <p:tgtEl>
+                                          <p:spTgt spid="3">
+                                            <p:txEl>
+                                              <p:pRg st="4" end="4"/>
+                                            </p:txEl>
+                                          </p:spTgt>
+                                        </p:tgtEl>
+                                        <p:attrNameLst>
+                                          <p:attrName>ppt_x</p:attrName>
+                                        </p:attrNameLst>
+                                      </p:cBhvr>
+                                      <p:tavLst>
+                                        <p:tav tm="0">
+                                          <p:val>
+                                            <p:strVal val="#ppt_x"/>
+                                          </p:val>
+                                        </p:tav>
+                                        <p:tav tm="100000">
+                                          <p:val>
+                                            <p:strVal val="#ppt_x"/>
+                                          </p:val>
+                                        </p:tav>
+                                      </p:tavLst>
+                                    </p:anim>
+                                    <p:anim calcmode="lin" valueType="num">
+                                      <p:cBhvr additive="base">
+                                        <p:cTn id="32" dur="500" fill="hold"/>
+                                        <p:tgtEl>
+                                          <p:spTgt spid="3">
+                                            <p:txEl>
+                                              <p:pRg st="4" end="4"/>
+                                            </p:txEl>
+                                          </p:spTgt>
+                                        </p:tgtEl>
+                                        <p:attrNameLst>
+                                          <p:attrName>ppt_y</p:attrName>
+                                        </p:attrNameLst>
+                                      </p:cBhvr>
+                                      <p:tavLst>
+                                        <p:tav tm="0">
+                                          <p:val>
+                                            <p:strVal val="1+#ppt_h/2"/>
+                                          </p:val>
+                                        </p:tav>
+                                        <p:tav tm="100000">
+                                          <p:val>
+                                            <p:strVal val="#ppt_y"/>
+                                          </p:val>
+                                        </p:tav>
+                                      </p:tavLst>
+                                    </p:anim>
+                                  </p:childTnLst>
+                                </p:cTn>
+                              </p:par>
+                            </p:childTnLst>
+                          </p:cTn>
+                        </p:par>
+                      </p:childTnLst>
+                    </p:cTn>
+                  </p:par>
+                  <p:par>
+                    <p:cTn id="33" fill="hold">
+                      <p:stCondLst>
+                        <p:cond delay="indefinite"/>
+                      </p:stCondLst>
+                      <p:childTnLst>
+                        <p:par>
+                          <p:cTn id="34" fill="hold">
+                            <p:stCondLst>
+                              <p:cond delay="0"/>
+                            </p:stCondLst>
+                            <p:childTnLst>
+                              <p:par>
+                                <p:cTn id="35" presetID="2" presetClass="entr" presetSubtype="4" fill="hold" grpId="0" nodeType="clickEffect">
+                                  <p:stCondLst>
+                                    <p:cond delay="0"/>
+                                  </p:stCondLst>
+                                  <p:childTnLst>
+                                    <p:set>
+                                      <p:cBhvr>
+                                        <p:cTn id="36" dur="1" fill="hold">
+                                          <p:stCondLst>
+                                            <p:cond delay="0"/>
+                                          </p:stCondLst>
+                                        </p:cTn>
+                                        <p:tgtEl>
+                                          <p:spTgt spid="3">
+                                            <p:txEl>
+                                              <p:pRg st="5" end="5"/>
+                                            </p:txEl>
+                                          </p:spTgt>
+                                        </p:tgtEl>
+                                        <p:attrNameLst>
+                                          <p:attrName>style.visibility</p:attrName>
+                                        </p:attrNameLst>
+                                      </p:cBhvr>
+                                      <p:to>
+                                        <p:strVal val="visible"/>
+                                      </p:to>
+                                    </p:set>
+                                    <p:anim calcmode="lin" valueType="num">
+                                      <p:cBhvr additive="base">
+                                        <p:cTn id="37" dur="500" fill="hold"/>
+                                        <p:tgtEl>
+                                          <p:spTgt spid="3">
+                                            <p:txEl>
+                                              <p:pRg st="5" end="5"/>
+                                            </p:txEl>
+                                          </p:spTgt>
+                                        </p:tgtEl>
+                                        <p:attrNameLst>
+                                          <p:attrName>ppt_x</p:attrName>
+                                        </p:attrNameLst>
+                                      </p:cBhvr>
+                                      <p:tavLst>
+                                        <p:tav tm="0">
+                                          <p:val>
+                                            <p:strVal val="#ppt_x"/>
+                                          </p:val>
+                                        </p:tav>
+                                        <p:tav tm="100000">
+                                          <p:val>
+                                            <p:strVal val="#ppt_x"/>
+                                          </p:val>
+                                        </p:tav>
+                                      </p:tavLst>
+                                    </p:anim>
+                                    <p:anim calcmode="lin" valueType="num">
+                                      <p:cBhvr additive="base">
+                                        <p:cTn id="38" dur="500" fill="hold"/>
+                                        <p:tgtEl>
+                                          <p:spTgt spid="3">
+                                            <p:txEl>
+                                              <p:pRg st="5" end="5"/>
                                             </p:txEl>
                                           </p:spTgt>
                                         </p:tgtEl>
@@ -19316,6 +22888,82 @@
       </p:grpSpPr>
       <p:sp>
         <p:nvSpPr>
+          <p:cNvPr id="3" name="Content Placeholder 2">
+            <a:extLst>
+              <a:ext uri="{FF2B5EF4-FFF2-40B4-BE49-F238E27FC236}">
+                <a16:creationId xmlns:a16="http://schemas.microsoft.com/office/drawing/2014/main" id="{6C7F13ED-B066-4225-805E-0889FD78E024}"/>
+              </a:ext>
+            </a:extLst>
+          </p:cNvPr>
+          <p:cNvSpPr>
+            <a:spLocks noGrp="1"/>
+          </p:cNvSpPr>
+          <p:nvPr>
+            <p:ph idx="1"/>
+          </p:nvPr>
+        </p:nvSpPr>
+        <p:spPr/>
+        <p:txBody>
+          <a:bodyPr>
+            <a:normAutofit/>
+          </a:bodyPr>
+          <a:lstStyle/>
+          <a:p>
+            <a:pPr algn="ctr"/>
+            <a:endParaRPr lang="en-GB" sz="4800" dirty="0"/>
+          </a:p>
+          <a:p>
+            <a:pPr marL="0" indent="0" algn="ctr">
+              <a:buNone/>
+            </a:pPr>
+            <a:endParaRPr lang="en-GB" sz="4800" dirty="0"/>
+          </a:p>
+          <a:p>
+            <a:pPr marL="0" indent="0" algn="ctr">
+              <a:buNone/>
+            </a:pPr>
+            <a:r>
+              <a:rPr lang="en-GB" sz="4800" dirty="0"/>
+              <a:t>Any Questions?</a:t>
+            </a:r>
+          </a:p>
+        </p:txBody>
+      </p:sp>
+    </p:spTree>
+    <p:extLst>
+      <p:ext uri="{BB962C8B-B14F-4D97-AF65-F5344CB8AC3E}">
+        <p14:creationId xmlns:p14="http://schemas.microsoft.com/office/powerpoint/2010/main" val="2059916094"/>
+      </p:ext>
+    </p:extLst>
+  </p:cSld>
+  <p:clrMapOvr>
+    <a:masterClrMapping/>
+  </p:clrMapOvr>
+  <p:transition spd="slow">
+    <p:push dir="u"/>
+  </p:transition>
+</p:sld>
+</file>
+
+<file path=ppt/slides/slide8.xml><?xml version="1.0" encoding="utf-8"?>
+<p:sld xmlns:a="http://schemas.openxmlformats.org/drawingml/2006/main" xmlns:r="http://schemas.openxmlformats.org/officeDocument/2006/relationships" xmlns:p="http://schemas.openxmlformats.org/presentationml/2006/main">
+  <p:cSld>
+    <p:spTree>
+      <p:nvGrpSpPr>
+        <p:cNvPr id="1" name=""/>
+        <p:cNvGrpSpPr/>
+        <p:nvPr/>
+      </p:nvGrpSpPr>
+      <p:grpSpPr>
+        <a:xfrm>
+          <a:off x="0" y="0"/>
+          <a:ext cx="0" cy="0"/>
+          <a:chOff x="0" y="0"/>
+          <a:chExt cx="0" cy="0"/>
+        </a:xfrm>
+      </p:grpSpPr>
+      <p:sp>
+        <p:nvSpPr>
           <p:cNvPr id="2" name="Title 1">
             <a:extLst>
               <a:ext uri="{FF2B5EF4-FFF2-40B4-BE49-F238E27FC236}">
@@ -19918,7 +23566,7 @@
             </a:r>
             <a:r>
               <a:rPr lang="en-GB" sz="1800" dirty="0"/>
-              <a:t> &lt;&lt; Hello World";</a:t>
+              <a:t> &lt;&lt; “Hello World";</a:t>
             </a:r>
           </a:p>
           <a:p>
@@ -20283,2572 +23931,6 @@
 </p:sld>
 </file>
 
-<file path=ppt/slides/slide8.xml><?xml version="1.0" encoding="utf-8"?>
-<p:sld xmlns:a="http://schemas.openxmlformats.org/drawingml/2006/main" xmlns:r="http://schemas.openxmlformats.org/officeDocument/2006/relationships" xmlns:p="http://schemas.openxmlformats.org/presentationml/2006/main">
-  <p:cSld>
-    <p:spTree>
-      <p:nvGrpSpPr>
-        <p:cNvPr id="1" name=""/>
-        <p:cNvGrpSpPr/>
-        <p:nvPr/>
-      </p:nvGrpSpPr>
-      <p:grpSpPr>
-        <a:xfrm>
-          <a:off x="0" y="0"/>
-          <a:ext cx="0" cy="0"/>
-          <a:chOff x="0" y="0"/>
-          <a:chExt cx="0" cy="0"/>
-        </a:xfrm>
-      </p:grpSpPr>
-      <p:sp>
-        <p:nvSpPr>
-          <p:cNvPr id="2" name="Title 1">
-            <a:extLst>
-              <a:ext uri="{FF2B5EF4-FFF2-40B4-BE49-F238E27FC236}">
-                <a16:creationId xmlns:a16="http://schemas.microsoft.com/office/drawing/2014/main" id="{7304BBA7-9D5E-4B9A-95AF-2E54F4B41C0E}"/>
-              </a:ext>
-            </a:extLst>
-          </p:cNvPr>
-          <p:cNvSpPr>
-            <a:spLocks noGrp="1"/>
-          </p:cNvSpPr>
-          <p:nvPr>
-            <p:ph type="title"/>
-          </p:nvPr>
-        </p:nvSpPr>
-        <p:spPr/>
-        <p:txBody>
-          <a:bodyPr/>
-          <a:lstStyle/>
-          <a:p>
-            <a:r>
-              <a:rPr lang="en-US" dirty="0"/>
-              <a:t>What is a variable? </a:t>
-            </a:r>
-            <a:endParaRPr lang="en-GB" dirty="0"/>
-          </a:p>
-        </p:txBody>
-      </p:sp>
-      <p:sp>
-        <p:nvSpPr>
-          <p:cNvPr id="3" name="Content Placeholder 2">
-            <a:extLst>
-              <a:ext uri="{FF2B5EF4-FFF2-40B4-BE49-F238E27FC236}">
-                <a16:creationId xmlns:a16="http://schemas.microsoft.com/office/drawing/2014/main" id="{3AB586B9-467B-4F63-B336-2E9D19321584}"/>
-              </a:ext>
-            </a:extLst>
-          </p:cNvPr>
-          <p:cNvSpPr>
-            <a:spLocks noGrp="1"/>
-          </p:cNvSpPr>
-          <p:nvPr>
-            <p:ph idx="1"/>
-          </p:nvPr>
-        </p:nvSpPr>
-        <p:spPr>
-          <a:xfrm>
-            <a:off x="822960" y="1845734"/>
-            <a:ext cx="7863840" cy="4023360"/>
-          </a:xfrm>
-        </p:spPr>
-        <p:txBody>
-          <a:bodyPr>
-            <a:normAutofit/>
-          </a:bodyPr>
-          <a:lstStyle/>
-          <a:p>
-            <a:pPr>
-              <a:buFont typeface="Wingdings" panose="05000000000000000000" pitchFamily="2" charset="2"/>
-              <a:buChar char="v"/>
-            </a:pPr>
-            <a:r>
-              <a:rPr lang="en-GB" dirty="0"/>
-              <a:t> A name given by the programmer within a program that is not reserved and can store values. Identify the variables in the following program:</a:t>
-            </a:r>
-          </a:p>
-          <a:p>
-            <a:pPr marL="292608" lvl="1" indent="0">
-              <a:buNone/>
-            </a:pPr>
-            <a:r>
-              <a:rPr lang="en-GB" dirty="0"/>
-              <a:t>package </a:t>
-            </a:r>
-            <a:r>
-              <a:rPr lang="en-GB" dirty="0" err="1"/>
-              <a:t>com.studygroup</a:t>
-            </a:r>
-            <a:r>
-              <a:rPr lang="en-GB" dirty="0"/>
-              <a:t>;</a:t>
-            </a:r>
-          </a:p>
-          <a:p>
-            <a:pPr marL="292608" lvl="1" indent="0">
-              <a:buNone/>
-            </a:pPr>
-            <a:endParaRPr lang="en-GB" dirty="0"/>
-          </a:p>
-          <a:p>
-            <a:pPr marL="292608" lvl="1" indent="0">
-              <a:buNone/>
-            </a:pPr>
-            <a:r>
-              <a:rPr lang="en-GB" dirty="0"/>
-              <a:t>public class Main {</a:t>
-            </a:r>
-          </a:p>
-          <a:p>
-            <a:pPr marL="292608" lvl="1" indent="0">
-              <a:buNone/>
-            </a:pPr>
-            <a:endParaRPr lang="en-GB" dirty="0"/>
-          </a:p>
-          <a:p>
-            <a:pPr marL="292608" lvl="1" indent="0">
-              <a:buNone/>
-            </a:pPr>
-            <a:r>
-              <a:rPr lang="en-GB" dirty="0"/>
-              <a:t>    public static void main(String[] </a:t>
-            </a:r>
-            <a:r>
-              <a:rPr lang="en-GB" dirty="0" err="1"/>
-              <a:t>args</a:t>
-            </a:r>
-            <a:r>
-              <a:rPr lang="en-GB" dirty="0"/>
-              <a:t>) {</a:t>
-            </a:r>
-          </a:p>
-          <a:p>
-            <a:pPr marL="292608" lvl="1" indent="0">
-              <a:buNone/>
-            </a:pPr>
-            <a:r>
-              <a:rPr lang="en-GB" dirty="0"/>
-              <a:t>        float x = 5; //</a:t>
-            </a:r>
-            <a:r>
-              <a:rPr lang="en-GB" dirty="0" err="1"/>
-              <a:t>int</a:t>
-            </a:r>
-            <a:r>
-              <a:rPr lang="en-GB" dirty="0"/>
-              <a:t> = integer type (whole numbers)</a:t>
-            </a:r>
-          </a:p>
-          <a:p>
-            <a:pPr marL="292608" lvl="1" indent="0">
-              <a:buNone/>
-            </a:pPr>
-            <a:r>
-              <a:rPr lang="en-GB" dirty="0"/>
-              <a:t>        float y = 7;// = is assignment</a:t>
-            </a:r>
-          </a:p>
-          <a:p>
-            <a:pPr marL="292608" lvl="1" indent="0">
-              <a:buNone/>
-            </a:pPr>
-            <a:r>
-              <a:rPr lang="en-GB" dirty="0"/>
-              <a:t>        </a:t>
-            </a:r>
-            <a:r>
-              <a:rPr lang="en-GB" dirty="0" err="1"/>
-              <a:t>System.out.println</a:t>
-            </a:r>
-            <a:r>
-              <a:rPr lang="en-GB" dirty="0"/>
-              <a:t>((x + y) + " " + (x / y));</a:t>
-            </a:r>
-          </a:p>
-          <a:p>
-            <a:pPr marL="292608" lvl="1" indent="0">
-              <a:buNone/>
-            </a:pPr>
-            <a:r>
-              <a:rPr lang="en-GB" dirty="0"/>
-              <a:t>    }</a:t>
-            </a:r>
-          </a:p>
-          <a:p>
-            <a:pPr marL="292608" lvl="1" indent="0">
-              <a:buNone/>
-            </a:pPr>
-            <a:r>
-              <a:rPr lang="en-GB" dirty="0"/>
-              <a:t>}</a:t>
-            </a:r>
-          </a:p>
-          <a:p>
-            <a:pPr marL="0" indent="0">
-              <a:buNone/>
-            </a:pPr>
-            <a:endParaRPr lang="en-GB" dirty="0"/>
-          </a:p>
-          <a:p>
-            <a:endParaRPr lang="en-GB" dirty="0"/>
-          </a:p>
-        </p:txBody>
-      </p:sp>
-      <p:sp>
-        <p:nvSpPr>
-          <p:cNvPr id="4" name="Oval 3"/>
-          <p:cNvSpPr/>
-          <p:nvPr/>
-        </p:nvSpPr>
-        <p:spPr>
-          <a:xfrm>
-            <a:off x="2164080" y="3093720"/>
-            <a:ext cx="609600" cy="289560"/>
-          </a:xfrm>
-          <a:prstGeom prst="ellipse">
-            <a:avLst/>
-          </a:prstGeom>
-          <a:solidFill>
-            <a:srgbClr val="BD582C">
-              <a:alpha val="32157"/>
-            </a:srgbClr>
-          </a:solidFill>
-        </p:spPr>
-        <p:style>
-          <a:lnRef idx="2">
-            <a:schemeClr val="accent1">
-              <a:shade val="50000"/>
-            </a:schemeClr>
-          </a:lnRef>
-          <a:fillRef idx="1">
-            <a:schemeClr val="accent1"/>
-          </a:fillRef>
-          <a:effectRef idx="0">
-            <a:schemeClr val="accent1"/>
-          </a:effectRef>
-          <a:fontRef idx="minor">
-            <a:schemeClr val="lt1"/>
-          </a:fontRef>
-        </p:style>
-        <p:txBody>
-          <a:bodyPr rtlCol="0" anchor="ctr"/>
-          <a:lstStyle/>
-          <a:p>
-            <a:pPr algn="ctr"/>
-            <a:endParaRPr lang="en-GB"/>
-          </a:p>
-        </p:txBody>
-      </p:sp>
-      <p:sp>
-        <p:nvSpPr>
-          <p:cNvPr id="6" name="Oval 5"/>
-          <p:cNvSpPr/>
-          <p:nvPr/>
-        </p:nvSpPr>
-        <p:spPr>
-          <a:xfrm>
-            <a:off x="2895600" y="3779520"/>
-            <a:ext cx="487680" cy="222674"/>
-          </a:xfrm>
-          <a:prstGeom prst="ellipse">
-            <a:avLst/>
-          </a:prstGeom>
-          <a:solidFill>
-            <a:srgbClr val="BD582C">
-              <a:alpha val="32157"/>
-            </a:srgbClr>
-          </a:solidFill>
-        </p:spPr>
-        <p:style>
-          <a:lnRef idx="2">
-            <a:schemeClr val="accent1">
-              <a:shade val="50000"/>
-            </a:schemeClr>
-          </a:lnRef>
-          <a:fillRef idx="1">
-            <a:schemeClr val="accent1"/>
-          </a:fillRef>
-          <a:effectRef idx="0">
-            <a:schemeClr val="accent1"/>
-          </a:effectRef>
-          <a:fontRef idx="minor">
-            <a:schemeClr val="lt1"/>
-          </a:fontRef>
-        </p:style>
-        <p:txBody>
-          <a:bodyPr rtlCol="0" anchor="ctr"/>
-          <a:lstStyle/>
-          <a:p>
-            <a:pPr algn="ctr"/>
-            <a:endParaRPr lang="en-GB"/>
-          </a:p>
-        </p:txBody>
-      </p:sp>
-      <p:sp>
-        <p:nvSpPr>
-          <p:cNvPr id="7" name="Oval 6"/>
-          <p:cNvSpPr/>
-          <p:nvPr/>
-        </p:nvSpPr>
-        <p:spPr>
-          <a:xfrm>
-            <a:off x="3383280" y="3757724"/>
-            <a:ext cx="609600" cy="256117"/>
-          </a:xfrm>
-          <a:prstGeom prst="ellipse">
-            <a:avLst/>
-          </a:prstGeom>
-          <a:solidFill>
-            <a:srgbClr val="BD582C">
-              <a:alpha val="32157"/>
-            </a:srgbClr>
-          </a:solidFill>
-        </p:spPr>
-        <p:style>
-          <a:lnRef idx="2">
-            <a:schemeClr val="accent1">
-              <a:shade val="50000"/>
-            </a:schemeClr>
-          </a:lnRef>
-          <a:fillRef idx="1">
-            <a:schemeClr val="accent1"/>
-          </a:fillRef>
-          <a:effectRef idx="0">
-            <a:schemeClr val="accent1"/>
-          </a:effectRef>
-          <a:fontRef idx="minor">
-            <a:schemeClr val="lt1"/>
-          </a:fontRef>
-        </p:style>
-        <p:txBody>
-          <a:bodyPr rtlCol="0" anchor="ctr"/>
-          <a:lstStyle/>
-          <a:p>
-            <a:pPr algn="ctr"/>
-            <a:endParaRPr lang="en-GB"/>
-          </a:p>
-        </p:txBody>
-      </p:sp>
-      <p:sp>
-        <p:nvSpPr>
-          <p:cNvPr id="8" name="Oval 7"/>
-          <p:cNvSpPr/>
-          <p:nvPr/>
-        </p:nvSpPr>
-        <p:spPr>
-          <a:xfrm>
-            <a:off x="4069080" y="3758352"/>
-            <a:ext cx="609600" cy="256117"/>
-          </a:xfrm>
-          <a:prstGeom prst="ellipse">
-            <a:avLst/>
-          </a:prstGeom>
-          <a:solidFill>
-            <a:srgbClr val="BD582C">
-              <a:alpha val="32157"/>
-            </a:srgbClr>
-          </a:solidFill>
-        </p:spPr>
-        <p:style>
-          <a:lnRef idx="2">
-            <a:schemeClr val="accent1">
-              <a:shade val="50000"/>
-            </a:schemeClr>
-          </a:lnRef>
-          <a:fillRef idx="1">
-            <a:schemeClr val="accent1"/>
-          </a:fillRef>
-          <a:effectRef idx="0">
-            <a:schemeClr val="accent1"/>
-          </a:effectRef>
-          <a:fontRef idx="minor">
-            <a:schemeClr val="lt1"/>
-          </a:fontRef>
-        </p:style>
-        <p:txBody>
-          <a:bodyPr rtlCol="0" anchor="ctr"/>
-          <a:lstStyle/>
-          <a:p>
-            <a:pPr algn="ctr"/>
-            <a:endParaRPr lang="en-GB"/>
-          </a:p>
-        </p:txBody>
-      </p:sp>
-      <p:sp>
-        <p:nvSpPr>
-          <p:cNvPr id="9" name="Oval 8"/>
-          <p:cNvSpPr/>
-          <p:nvPr/>
-        </p:nvSpPr>
-        <p:spPr>
-          <a:xfrm>
-            <a:off x="1859280" y="4124113"/>
-            <a:ext cx="304800" cy="204048"/>
-          </a:xfrm>
-          <a:prstGeom prst="ellipse">
-            <a:avLst/>
-          </a:prstGeom>
-          <a:solidFill>
-            <a:srgbClr val="BD582C">
-              <a:alpha val="32157"/>
-            </a:srgbClr>
-          </a:solidFill>
-        </p:spPr>
-        <p:style>
-          <a:lnRef idx="2">
-            <a:schemeClr val="accent1">
-              <a:shade val="50000"/>
-            </a:schemeClr>
-          </a:lnRef>
-          <a:fillRef idx="1">
-            <a:schemeClr val="accent1"/>
-          </a:fillRef>
-          <a:effectRef idx="0">
-            <a:schemeClr val="accent1"/>
-          </a:effectRef>
-          <a:fontRef idx="minor">
-            <a:schemeClr val="lt1"/>
-          </a:fontRef>
-        </p:style>
-        <p:txBody>
-          <a:bodyPr rtlCol="0" anchor="ctr"/>
-          <a:lstStyle/>
-          <a:p>
-            <a:pPr algn="ctr"/>
-            <a:endParaRPr lang="en-GB"/>
-          </a:p>
-        </p:txBody>
-      </p:sp>
-      <p:sp>
-        <p:nvSpPr>
-          <p:cNvPr id="10" name="Oval 9"/>
-          <p:cNvSpPr/>
-          <p:nvPr/>
-        </p:nvSpPr>
-        <p:spPr>
-          <a:xfrm>
-            <a:off x="1905000" y="4463203"/>
-            <a:ext cx="304800" cy="204048"/>
-          </a:xfrm>
-          <a:prstGeom prst="ellipse">
-            <a:avLst/>
-          </a:prstGeom>
-          <a:solidFill>
-            <a:srgbClr val="BD582C">
-              <a:alpha val="32157"/>
-            </a:srgbClr>
-          </a:solidFill>
-        </p:spPr>
-        <p:style>
-          <a:lnRef idx="2">
-            <a:schemeClr val="accent1">
-              <a:shade val="50000"/>
-            </a:schemeClr>
-          </a:lnRef>
-          <a:fillRef idx="1">
-            <a:schemeClr val="accent1"/>
-          </a:fillRef>
-          <a:effectRef idx="0">
-            <a:schemeClr val="accent1"/>
-          </a:effectRef>
-          <a:fontRef idx="minor">
-            <a:schemeClr val="lt1"/>
-          </a:fontRef>
-        </p:style>
-        <p:txBody>
-          <a:bodyPr rtlCol="0" anchor="ctr"/>
-          <a:lstStyle/>
-          <a:p>
-            <a:pPr algn="ctr"/>
-            <a:endParaRPr lang="en-GB"/>
-          </a:p>
-        </p:txBody>
-      </p:sp>
-      <p:sp>
-        <p:nvSpPr>
-          <p:cNvPr id="11" name="Oval 10"/>
-          <p:cNvSpPr/>
-          <p:nvPr/>
-        </p:nvSpPr>
-        <p:spPr>
-          <a:xfrm>
-            <a:off x="1493520" y="4741332"/>
-            <a:ext cx="762000" cy="266701"/>
-          </a:xfrm>
-          <a:prstGeom prst="ellipse">
-            <a:avLst/>
-          </a:prstGeom>
-          <a:solidFill>
-            <a:srgbClr val="BD582C">
-              <a:alpha val="32157"/>
-            </a:srgbClr>
-          </a:solidFill>
-        </p:spPr>
-        <p:style>
-          <a:lnRef idx="2">
-            <a:schemeClr val="accent1">
-              <a:shade val="50000"/>
-            </a:schemeClr>
-          </a:lnRef>
-          <a:fillRef idx="1">
-            <a:schemeClr val="accent1"/>
-          </a:fillRef>
-          <a:effectRef idx="0">
-            <a:schemeClr val="accent1"/>
-          </a:effectRef>
-          <a:fontRef idx="minor">
-            <a:schemeClr val="lt1"/>
-          </a:fontRef>
-        </p:style>
-        <p:txBody>
-          <a:bodyPr rtlCol="0" anchor="ctr"/>
-          <a:lstStyle/>
-          <a:p>
-            <a:pPr algn="ctr"/>
-            <a:endParaRPr lang="en-GB"/>
-          </a:p>
-        </p:txBody>
-      </p:sp>
-      <p:sp>
-        <p:nvSpPr>
-          <p:cNvPr id="12" name="Oval 11"/>
-          <p:cNvSpPr/>
-          <p:nvPr/>
-        </p:nvSpPr>
-        <p:spPr>
-          <a:xfrm>
-            <a:off x="2209800" y="4775624"/>
-            <a:ext cx="441960" cy="232409"/>
-          </a:xfrm>
-          <a:prstGeom prst="ellipse">
-            <a:avLst/>
-          </a:prstGeom>
-          <a:solidFill>
-            <a:srgbClr val="BD582C">
-              <a:alpha val="32157"/>
-            </a:srgbClr>
-          </a:solidFill>
-        </p:spPr>
-        <p:style>
-          <a:lnRef idx="2">
-            <a:schemeClr val="accent1">
-              <a:shade val="50000"/>
-            </a:schemeClr>
-          </a:lnRef>
-          <a:fillRef idx="1">
-            <a:schemeClr val="accent1"/>
-          </a:fillRef>
-          <a:effectRef idx="0">
-            <a:schemeClr val="accent1"/>
-          </a:effectRef>
-          <a:fontRef idx="minor">
-            <a:schemeClr val="lt1"/>
-          </a:fontRef>
-        </p:style>
-        <p:txBody>
-          <a:bodyPr rtlCol="0" anchor="ctr"/>
-          <a:lstStyle/>
-          <a:p>
-            <a:pPr algn="ctr"/>
-            <a:endParaRPr lang="en-GB"/>
-          </a:p>
-        </p:txBody>
-      </p:sp>
-      <p:sp>
-        <p:nvSpPr>
-          <p:cNvPr id="13" name="Oval 12"/>
-          <p:cNvSpPr/>
-          <p:nvPr/>
-        </p:nvSpPr>
-        <p:spPr>
-          <a:xfrm>
-            <a:off x="2674620" y="4775624"/>
-            <a:ext cx="586740" cy="232409"/>
-          </a:xfrm>
-          <a:prstGeom prst="ellipse">
-            <a:avLst/>
-          </a:prstGeom>
-          <a:solidFill>
-            <a:srgbClr val="BD582C">
-              <a:alpha val="32157"/>
-            </a:srgbClr>
-          </a:solidFill>
-        </p:spPr>
-        <p:style>
-          <a:lnRef idx="2">
-            <a:schemeClr val="accent1">
-              <a:shade val="50000"/>
-            </a:schemeClr>
-          </a:lnRef>
-          <a:fillRef idx="1">
-            <a:schemeClr val="accent1"/>
-          </a:fillRef>
-          <a:effectRef idx="0">
-            <a:schemeClr val="accent1"/>
-          </a:effectRef>
-          <a:fontRef idx="minor">
-            <a:schemeClr val="lt1"/>
-          </a:fontRef>
-        </p:style>
-        <p:txBody>
-          <a:bodyPr rtlCol="0" anchor="ctr"/>
-          <a:lstStyle/>
-          <a:p>
-            <a:pPr algn="ctr"/>
-            <a:endParaRPr lang="en-GB"/>
-          </a:p>
-        </p:txBody>
-      </p:sp>
-      <p:sp>
-        <p:nvSpPr>
-          <p:cNvPr id="14" name="Oval 13"/>
-          <p:cNvSpPr/>
-          <p:nvPr/>
-        </p:nvSpPr>
-        <p:spPr>
-          <a:xfrm>
-            <a:off x="3352800" y="4741332"/>
-            <a:ext cx="1722120" cy="266702"/>
-          </a:xfrm>
-          <a:prstGeom prst="ellipse">
-            <a:avLst/>
-          </a:prstGeom>
-          <a:solidFill>
-            <a:srgbClr val="BD582C">
-              <a:alpha val="32157"/>
-            </a:srgbClr>
-          </a:solidFill>
-        </p:spPr>
-        <p:style>
-          <a:lnRef idx="2">
-            <a:schemeClr val="accent1">
-              <a:shade val="50000"/>
-            </a:schemeClr>
-          </a:lnRef>
-          <a:fillRef idx="1">
-            <a:schemeClr val="accent1"/>
-          </a:fillRef>
-          <a:effectRef idx="0">
-            <a:schemeClr val="accent1"/>
-          </a:effectRef>
-          <a:fontRef idx="minor">
-            <a:schemeClr val="lt1"/>
-          </a:fontRef>
-        </p:style>
-        <p:txBody>
-          <a:bodyPr rtlCol="0" anchor="ctr"/>
-          <a:lstStyle/>
-          <a:p>
-            <a:pPr algn="ctr"/>
-            <a:endParaRPr lang="en-GB"/>
-          </a:p>
-        </p:txBody>
-      </p:sp>
-      <p:sp>
-        <p:nvSpPr>
-          <p:cNvPr id="15" name="Oval 14"/>
-          <p:cNvSpPr/>
-          <p:nvPr/>
-        </p:nvSpPr>
-        <p:spPr>
-          <a:xfrm>
-            <a:off x="1920240" y="2514388"/>
-            <a:ext cx="1615440" cy="166161"/>
-          </a:xfrm>
-          <a:prstGeom prst="ellipse">
-            <a:avLst/>
-          </a:prstGeom>
-          <a:solidFill>
-            <a:srgbClr val="BD582C">
-              <a:alpha val="32157"/>
-            </a:srgbClr>
-          </a:solidFill>
-        </p:spPr>
-        <p:style>
-          <a:lnRef idx="2">
-            <a:schemeClr val="accent1">
-              <a:shade val="50000"/>
-            </a:schemeClr>
-          </a:lnRef>
-          <a:fillRef idx="1">
-            <a:schemeClr val="accent1"/>
-          </a:fillRef>
-          <a:effectRef idx="0">
-            <a:schemeClr val="accent1"/>
-          </a:effectRef>
-          <a:fontRef idx="minor">
-            <a:schemeClr val="lt1"/>
-          </a:fontRef>
-        </p:style>
-        <p:txBody>
-          <a:bodyPr rtlCol="0" anchor="ctr"/>
-          <a:lstStyle/>
-          <a:p>
-            <a:pPr algn="ctr"/>
-            <a:endParaRPr lang="en-GB"/>
-          </a:p>
-        </p:txBody>
-      </p:sp>
-    </p:spTree>
-    <p:extLst>
-      <p:ext uri="{BB962C8B-B14F-4D97-AF65-F5344CB8AC3E}">
-        <p14:creationId xmlns:p14="http://schemas.microsoft.com/office/powerpoint/2010/main" val="3407798903"/>
-      </p:ext>
-    </p:extLst>
-  </p:cSld>
-  <p:clrMapOvr>
-    <a:masterClrMapping/>
-  </p:clrMapOvr>
-  <p:transition spd="slow">
-    <p:push dir="u"/>
-  </p:transition>
-  <p:timing>
-    <p:tnLst>
-      <p:par>
-        <p:cTn id="1" dur="indefinite" restart="never" nodeType="tmRoot">
-          <p:childTnLst>
-            <p:seq concurrent="1" nextAc="seek">
-              <p:cTn id="2" dur="indefinite" nodeType="mainSeq">
-                <p:childTnLst>
-                  <p:par>
-                    <p:cTn id="3" fill="hold">
-                      <p:stCondLst>
-                        <p:cond delay="indefinite"/>
-                      </p:stCondLst>
-                      <p:childTnLst>
-                        <p:par>
-                          <p:cTn id="4" fill="hold">
-                            <p:stCondLst>
-                              <p:cond delay="0"/>
-                            </p:stCondLst>
-                            <p:childTnLst>
-                              <p:par>
-                                <p:cTn id="5" presetID="2" presetClass="entr" presetSubtype="4" fill="hold" nodeType="clickEffect">
-                                  <p:stCondLst>
-                                    <p:cond delay="0"/>
-                                  </p:stCondLst>
-                                  <p:childTnLst>
-                                    <p:set>
-                                      <p:cBhvr>
-                                        <p:cTn id="6" dur="1" fill="hold">
-                                          <p:stCondLst>
-                                            <p:cond delay="0"/>
-                                          </p:stCondLst>
-                                        </p:cTn>
-                                        <p:tgtEl>
-                                          <p:spTgt spid="3">
-                                            <p:txEl>
-                                              <p:pRg st="0" end="0"/>
-                                            </p:txEl>
-                                          </p:spTgt>
-                                        </p:tgtEl>
-                                        <p:attrNameLst>
-                                          <p:attrName>style.visibility</p:attrName>
-                                        </p:attrNameLst>
-                                      </p:cBhvr>
-                                      <p:to>
-                                        <p:strVal val="visible"/>
-                                      </p:to>
-                                    </p:set>
-                                    <p:anim calcmode="lin" valueType="num">
-                                      <p:cBhvr additive="base">
-                                        <p:cTn id="7" dur="500" fill="hold"/>
-                                        <p:tgtEl>
-                                          <p:spTgt spid="3">
-                                            <p:txEl>
-                                              <p:pRg st="0" end="0"/>
-                                            </p:txEl>
-                                          </p:spTgt>
-                                        </p:tgtEl>
-                                        <p:attrNameLst>
-                                          <p:attrName>ppt_x</p:attrName>
-                                        </p:attrNameLst>
-                                      </p:cBhvr>
-                                      <p:tavLst>
-                                        <p:tav tm="0">
-                                          <p:val>
-                                            <p:strVal val="#ppt_x"/>
-                                          </p:val>
-                                        </p:tav>
-                                        <p:tav tm="100000">
-                                          <p:val>
-                                            <p:strVal val="#ppt_x"/>
-                                          </p:val>
-                                        </p:tav>
-                                      </p:tavLst>
-                                    </p:anim>
-                                    <p:anim calcmode="lin" valueType="num">
-                                      <p:cBhvr additive="base">
-                                        <p:cTn id="8" dur="500" fill="hold"/>
-                                        <p:tgtEl>
-                                          <p:spTgt spid="3">
-                                            <p:txEl>
-                                              <p:pRg st="0" end="0"/>
-                                            </p:txEl>
-                                          </p:spTgt>
-                                        </p:tgtEl>
-                                        <p:attrNameLst>
-                                          <p:attrName>ppt_y</p:attrName>
-                                        </p:attrNameLst>
-                                      </p:cBhvr>
-                                      <p:tavLst>
-                                        <p:tav tm="0">
-                                          <p:val>
-                                            <p:strVal val="1+#ppt_h/2"/>
-                                          </p:val>
-                                        </p:tav>
-                                        <p:tav tm="100000">
-                                          <p:val>
-                                            <p:strVal val="#ppt_y"/>
-                                          </p:val>
-                                        </p:tav>
-                                      </p:tavLst>
-                                    </p:anim>
-                                  </p:childTnLst>
-                                </p:cTn>
-                              </p:par>
-                            </p:childTnLst>
-                          </p:cTn>
-                        </p:par>
-                      </p:childTnLst>
-                    </p:cTn>
-                  </p:par>
-                  <p:par>
-                    <p:cTn id="9" fill="hold">
-                      <p:stCondLst>
-                        <p:cond delay="indefinite"/>
-                      </p:stCondLst>
-                      <p:childTnLst>
-                        <p:par>
-                          <p:cTn id="10" fill="hold">
-                            <p:stCondLst>
-                              <p:cond delay="0"/>
-                            </p:stCondLst>
-                            <p:childTnLst>
-                              <p:par>
-                                <p:cTn id="11" presetID="2" presetClass="entr" presetSubtype="4" fill="hold" nodeType="clickEffect">
-                                  <p:stCondLst>
-                                    <p:cond delay="0"/>
-                                  </p:stCondLst>
-                                  <p:childTnLst>
-                                    <p:set>
-                                      <p:cBhvr>
-                                        <p:cTn id="12" dur="1" fill="hold">
-                                          <p:stCondLst>
-                                            <p:cond delay="0"/>
-                                          </p:stCondLst>
-                                        </p:cTn>
-                                        <p:tgtEl>
-                                          <p:spTgt spid="3">
-                                            <p:txEl>
-                                              <p:pRg st="1" end="1"/>
-                                            </p:txEl>
-                                          </p:spTgt>
-                                        </p:tgtEl>
-                                        <p:attrNameLst>
-                                          <p:attrName>style.visibility</p:attrName>
-                                        </p:attrNameLst>
-                                      </p:cBhvr>
-                                      <p:to>
-                                        <p:strVal val="visible"/>
-                                      </p:to>
-                                    </p:set>
-                                    <p:anim calcmode="lin" valueType="num">
-                                      <p:cBhvr additive="base">
-                                        <p:cTn id="13" dur="500" fill="hold"/>
-                                        <p:tgtEl>
-                                          <p:spTgt spid="3">
-                                            <p:txEl>
-                                              <p:pRg st="1" end="1"/>
-                                            </p:txEl>
-                                          </p:spTgt>
-                                        </p:tgtEl>
-                                        <p:attrNameLst>
-                                          <p:attrName>ppt_x</p:attrName>
-                                        </p:attrNameLst>
-                                      </p:cBhvr>
-                                      <p:tavLst>
-                                        <p:tav tm="0">
-                                          <p:val>
-                                            <p:strVal val="#ppt_x"/>
-                                          </p:val>
-                                        </p:tav>
-                                        <p:tav tm="100000">
-                                          <p:val>
-                                            <p:strVal val="#ppt_x"/>
-                                          </p:val>
-                                        </p:tav>
-                                      </p:tavLst>
-                                    </p:anim>
-                                    <p:anim calcmode="lin" valueType="num">
-                                      <p:cBhvr additive="base">
-                                        <p:cTn id="14" dur="500" fill="hold"/>
-                                        <p:tgtEl>
-                                          <p:spTgt spid="3">
-                                            <p:txEl>
-                                              <p:pRg st="1" end="1"/>
-                                            </p:txEl>
-                                          </p:spTgt>
-                                        </p:tgtEl>
-                                        <p:attrNameLst>
-                                          <p:attrName>ppt_y</p:attrName>
-                                        </p:attrNameLst>
-                                      </p:cBhvr>
-                                      <p:tavLst>
-                                        <p:tav tm="0">
-                                          <p:val>
-                                            <p:strVal val="1+#ppt_h/2"/>
-                                          </p:val>
-                                        </p:tav>
-                                        <p:tav tm="100000">
-                                          <p:val>
-                                            <p:strVal val="#ppt_y"/>
-                                          </p:val>
-                                        </p:tav>
-                                      </p:tavLst>
-                                    </p:anim>
-                                  </p:childTnLst>
-                                </p:cTn>
-                              </p:par>
-                              <p:par>
-                                <p:cTn id="15" presetID="2" presetClass="entr" presetSubtype="4" fill="hold" nodeType="withEffect">
-                                  <p:stCondLst>
-                                    <p:cond delay="0"/>
-                                  </p:stCondLst>
-                                  <p:childTnLst>
-                                    <p:set>
-                                      <p:cBhvr>
-                                        <p:cTn id="16" dur="1" fill="hold">
-                                          <p:stCondLst>
-                                            <p:cond delay="0"/>
-                                          </p:stCondLst>
-                                        </p:cTn>
-                                        <p:tgtEl>
-                                          <p:spTgt spid="3">
-                                            <p:txEl>
-                                              <p:pRg st="3" end="3"/>
-                                            </p:txEl>
-                                          </p:spTgt>
-                                        </p:tgtEl>
-                                        <p:attrNameLst>
-                                          <p:attrName>style.visibility</p:attrName>
-                                        </p:attrNameLst>
-                                      </p:cBhvr>
-                                      <p:to>
-                                        <p:strVal val="visible"/>
-                                      </p:to>
-                                    </p:set>
-                                    <p:anim calcmode="lin" valueType="num">
-                                      <p:cBhvr additive="base">
-                                        <p:cTn id="17" dur="500" fill="hold"/>
-                                        <p:tgtEl>
-                                          <p:spTgt spid="3">
-                                            <p:txEl>
-                                              <p:pRg st="3" end="3"/>
-                                            </p:txEl>
-                                          </p:spTgt>
-                                        </p:tgtEl>
-                                        <p:attrNameLst>
-                                          <p:attrName>ppt_x</p:attrName>
-                                        </p:attrNameLst>
-                                      </p:cBhvr>
-                                      <p:tavLst>
-                                        <p:tav tm="0">
-                                          <p:val>
-                                            <p:strVal val="#ppt_x"/>
-                                          </p:val>
-                                        </p:tav>
-                                        <p:tav tm="100000">
-                                          <p:val>
-                                            <p:strVal val="#ppt_x"/>
-                                          </p:val>
-                                        </p:tav>
-                                      </p:tavLst>
-                                    </p:anim>
-                                    <p:anim calcmode="lin" valueType="num">
-                                      <p:cBhvr additive="base">
-                                        <p:cTn id="18" dur="500" fill="hold"/>
-                                        <p:tgtEl>
-                                          <p:spTgt spid="3">
-                                            <p:txEl>
-                                              <p:pRg st="3" end="3"/>
-                                            </p:txEl>
-                                          </p:spTgt>
-                                        </p:tgtEl>
-                                        <p:attrNameLst>
-                                          <p:attrName>ppt_y</p:attrName>
-                                        </p:attrNameLst>
-                                      </p:cBhvr>
-                                      <p:tavLst>
-                                        <p:tav tm="0">
-                                          <p:val>
-                                            <p:strVal val="1+#ppt_h/2"/>
-                                          </p:val>
-                                        </p:tav>
-                                        <p:tav tm="100000">
-                                          <p:val>
-                                            <p:strVal val="#ppt_y"/>
-                                          </p:val>
-                                        </p:tav>
-                                      </p:tavLst>
-                                    </p:anim>
-                                  </p:childTnLst>
-                                </p:cTn>
-                              </p:par>
-                              <p:par>
-                                <p:cTn id="19" presetID="2" presetClass="entr" presetSubtype="4" fill="hold" nodeType="withEffect">
-                                  <p:stCondLst>
-                                    <p:cond delay="0"/>
-                                  </p:stCondLst>
-                                  <p:childTnLst>
-                                    <p:set>
-                                      <p:cBhvr>
-                                        <p:cTn id="20" dur="1" fill="hold">
-                                          <p:stCondLst>
-                                            <p:cond delay="0"/>
-                                          </p:stCondLst>
-                                        </p:cTn>
-                                        <p:tgtEl>
-                                          <p:spTgt spid="3">
-                                            <p:txEl>
-                                              <p:pRg st="5" end="5"/>
-                                            </p:txEl>
-                                          </p:spTgt>
-                                        </p:tgtEl>
-                                        <p:attrNameLst>
-                                          <p:attrName>style.visibility</p:attrName>
-                                        </p:attrNameLst>
-                                      </p:cBhvr>
-                                      <p:to>
-                                        <p:strVal val="visible"/>
-                                      </p:to>
-                                    </p:set>
-                                    <p:anim calcmode="lin" valueType="num">
-                                      <p:cBhvr additive="base">
-                                        <p:cTn id="21" dur="500" fill="hold"/>
-                                        <p:tgtEl>
-                                          <p:spTgt spid="3">
-                                            <p:txEl>
-                                              <p:pRg st="5" end="5"/>
-                                            </p:txEl>
-                                          </p:spTgt>
-                                        </p:tgtEl>
-                                        <p:attrNameLst>
-                                          <p:attrName>ppt_x</p:attrName>
-                                        </p:attrNameLst>
-                                      </p:cBhvr>
-                                      <p:tavLst>
-                                        <p:tav tm="0">
-                                          <p:val>
-                                            <p:strVal val="#ppt_x"/>
-                                          </p:val>
-                                        </p:tav>
-                                        <p:tav tm="100000">
-                                          <p:val>
-                                            <p:strVal val="#ppt_x"/>
-                                          </p:val>
-                                        </p:tav>
-                                      </p:tavLst>
-                                    </p:anim>
-                                    <p:anim calcmode="lin" valueType="num">
-                                      <p:cBhvr additive="base">
-                                        <p:cTn id="22" dur="500" fill="hold"/>
-                                        <p:tgtEl>
-                                          <p:spTgt spid="3">
-                                            <p:txEl>
-                                              <p:pRg st="5" end="5"/>
-                                            </p:txEl>
-                                          </p:spTgt>
-                                        </p:tgtEl>
-                                        <p:attrNameLst>
-                                          <p:attrName>ppt_y</p:attrName>
-                                        </p:attrNameLst>
-                                      </p:cBhvr>
-                                      <p:tavLst>
-                                        <p:tav tm="0">
-                                          <p:val>
-                                            <p:strVal val="1+#ppt_h/2"/>
-                                          </p:val>
-                                        </p:tav>
-                                        <p:tav tm="100000">
-                                          <p:val>
-                                            <p:strVal val="#ppt_y"/>
-                                          </p:val>
-                                        </p:tav>
-                                      </p:tavLst>
-                                    </p:anim>
-                                  </p:childTnLst>
-                                </p:cTn>
-                              </p:par>
-                              <p:par>
-                                <p:cTn id="23" presetID="2" presetClass="entr" presetSubtype="4" fill="hold" nodeType="withEffect">
-                                  <p:stCondLst>
-                                    <p:cond delay="0"/>
-                                  </p:stCondLst>
-                                  <p:childTnLst>
-                                    <p:set>
-                                      <p:cBhvr>
-                                        <p:cTn id="24" dur="1" fill="hold">
-                                          <p:stCondLst>
-                                            <p:cond delay="0"/>
-                                          </p:stCondLst>
-                                        </p:cTn>
-                                        <p:tgtEl>
-                                          <p:spTgt spid="3">
-                                            <p:txEl>
-                                              <p:pRg st="6" end="6"/>
-                                            </p:txEl>
-                                          </p:spTgt>
-                                        </p:tgtEl>
-                                        <p:attrNameLst>
-                                          <p:attrName>style.visibility</p:attrName>
-                                        </p:attrNameLst>
-                                      </p:cBhvr>
-                                      <p:to>
-                                        <p:strVal val="visible"/>
-                                      </p:to>
-                                    </p:set>
-                                    <p:anim calcmode="lin" valueType="num">
-                                      <p:cBhvr additive="base">
-                                        <p:cTn id="25" dur="500" fill="hold"/>
-                                        <p:tgtEl>
-                                          <p:spTgt spid="3">
-                                            <p:txEl>
-                                              <p:pRg st="6" end="6"/>
-                                            </p:txEl>
-                                          </p:spTgt>
-                                        </p:tgtEl>
-                                        <p:attrNameLst>
-                                          <p:attrName>ppt_x</p:attrName>
-                                        </p:attrNameLst>
-                                      </p:cBhvr>
-                                      <p:tavLst>
-                                        <p:tav tm="0">
-                                          <p:val>
-                                            <p:strVal val="#ppt_x"/>
-                                          </p:val>
-                                        </p:tav>
-                                        <p:tav tm="100000">
-                                          <p:val>
-                                            <p:strVal val="#ppt_x"/>
-                                          </p:val>
-                                        </p:tav>
-                                      </p:tavLst>
-                                    </p:anim>
-                                    <p:anim calcmode="lin" valueType="num">
-                                      <p:cBhvr additive="base">
-                                        <p:cTn id="26" dur="500" fill="hold"/>
-                                        <p:tgtEl>
-                                          <p:spTgt spid="3">
-                                            <p:txEl>
-                                              <p:pRg st="6" end="6"/>
-                                            </p:txEl>
-                                          </p:spTgt>
-                                        </p:tgtEl>
-                                        <p:attrNameLst>
-                                          <p:attrName>ppt_y</p:attrName>
-                                        </p:attrNameLst>
-                                      </p:cBhvr>
-                                      <p:tavLst>
-                                        <p:tav tm="0">
-                                          <p:val>
-                                            <p:strVal val="1+#ppt_h/2"/>
-                                          </p:val>
-                                        </p:tav>
-                                        <p:tav tm="100000">
-                                          <p:val>
-                                            <p:strVal val="#ppt_y"/>
-                                          </p:val>
-                                        </p:tav>
-                                      </p:tavLst>
-                                    </p:anim>
-                                  </p:childTnLst>
-                                </p:cTn>
-                              </p:par>
-                              <p:par>
-                                <p:cTn id="27" presetID="2" presetClass="entr" presetSubtype="4" fill="hold" nodeType="withEffect">
-                                  <p:stCondLst>
-                                    <p:cond delay="0"/>
-                                  </p:stCondLst>
-                                  <p:childTnLst>
-                                    <p:set>
-                                      <p:cBhvr>
-                                        <p:cTn id="28" dur="1" fill="hold">
-                                          <p:stCondLst>
-                                            <p:cond delay="0"/>
-                                          </p:stCondLst>
-                                        </p:cTn>
-                                        <p:tgtEl>
-                                          <p:spTgt spid="3">
-                                            <p:txEl>
-                                              <p:pRg st="7" end="7"/>
-                                            </p:txEl>
-                                          </p:spTgt>
-                                        </p:tgtEl>
-                                        <p:attrNameLst>
-                                          <p:attrName>style.visibility</p:attrName>
-                                        </p:attrNameLst>
-                                      </p:cBhvr>
-                                      <p:to>
-                                        <p:strVal val="visible"/>
-                                      </p:to>
-                                    </p:set>
-                                    <p:anim calcmode="lin" valueType="num">
-                                      <p:cBhvr additive="base">
-                                        <p:cTn id="29" dur="500" fill="hold"/>
-                                        <p:tgtEl>
-                                          <p:spTgt spid="3">
-                                            <p:txEl>
-                                              <p:pRg st="7" end="7"/>
-                                            </p:txEl>
-                                          </p:spTgt>
-                                        </p:tgtEl>
-                                        <p:attrNameLst>
-                                          <p:attrName>ppt_x</p:attrName>
-                                        </p:attrNameLst>
-                                      </p:cBhvr>
-                                      <p:tavLst>
-                                        <p:tav tm="0">
-                                          <p:val>
-                                            <p:strVal val="#ppt_x"/>
-                                          </p:val>
-                                        </p:tav>
-                                        <p:tav tm="100000">
-                                          <p:val>
-                                            <p:strVal val="#ppt_x"/>
-                                          </p:val>
-                                        </p:tav>
-                                      </p:tavLst>
-                                    </p:anim>
-                                    <p:anim calcmode="lin" valueType="num">
-                                      <p:cBhvr additive="base">
-                                        <p:cTn id="30" dur="500" fill="hold"/>
-                                        <p:tgtEl>
-                                          <p:spTgt spid="3">
-                                            <p:txEl>
-                                              <p:pRg st="7" end="7"/>
-                                            </p:txEl>
-                                          </p:spTgt>
-                                        </p:tgtEl>
-                                        <p:attrNameLst>
-                                          <p:attrName>ppt_y</p:attrName>
-                                        </p:attrNameLst>
-                                      </p:cBhvr>
-                                      <p:tavLst>
-                                        <p:tav tm="0">
-                                          <p:val>
-                                            <p:strVal val="1+#ppt_h/2"/>
-                                          </p:val>
-                                        </p:tav>
-                                        <p:tav tm="100000">
-                                          <p:val>
-                                            <p:strVal val="#ppt_y"/>
-                                          </p:val>
-                                        </p:tav>
-                                      </p:tavLst>
-                                    </p:anim>
-                                  </p:childTnLst>
-                                </p:cTn>
-                              </p:par>
-                              <p:par>
-                                <p:cTn id="31" presetID="2" presetClass="entr" presetSubtype="4" fill="hold" nodeType="withEffect">
-                                  <p:stCondLst>
-                                    <p:cond delay="0"/>
-                                  </p:stCondLst>
-                                  <p:childTnLst>
-                                    <p:set>
-                                      <p:cBhvr>
-                                        <p:cTn id="32" dur="1" fill="hold">
-                                          <p:stCondLst>
-                                            <p:cond delay="0"/>
-                                          </p:stCondLst>
-                                        </p:cTn>
-                                        <p:tgtEl>
-                                          <p:spTgt spid="3">
-                                            <p:txEl>
-                                              <p:pRg st="8" end="8"/>
-                                            </p:txEl>
-                                          </p:spTgt>
-                                        </p:tgtEl>
-                                        <p:attrNameLst>
-                                          <p:attrName>style.visibility</p:attrName>
-                                        </p:attrNameLst>
-                                      </p:cBhvr>
-                                      <p:to>
-                                        <p:strVal val="visible"/>
-                                      </p:to>
-                                    </p:set>
-                                    <p:anim calcmode="lin" valueType="num">
-                                      <p:cBhvr additive="base">
-                                        <p:cTn id="33" dur="500" fill="hold"/>
-                                        <p:tgtEl>
-                                          <p:spTgt spid="3">
-                                            <p:txEl>
-                                              <p:pRg st="8" end="8"/>
-                                            </p:txEl>
-                                          </p:spTgt>
-                                        </p:tgtEl>
-                                        <p:attrNameLst>
-                                          <p:attrName>ppt_x</p:attrName>
-                                        </p:attrNameLst>
-                                      </p:cBhvr>
-                                      <p:tavLst>
-                                        <p:tav tm="0">
-                                          <p:val>
-                                            <p:strVal val="#ppt_x"/>
-                                          </p:val>
-                                        </p:tav>
-                                        <p:tav tm="100000">
-                                          <p:val>
-                                            <p:strVal val="#ppt_x"/>
-                                          </p:val>
-                                        </p:tav>
-                                      </p:tavLst>
-                                    </p:anim>
-                                    <p:anim calcmode="lin" valueType="num">
-                                      <p:cBhvr additive="base">
-                                        <p:cTn id="34" dur="500" fill="hold"/>
-                                        <p:tgtEl>
-                                          <p:spTgt spid="3">
-                                            <p:txEl>
-                                              <p:pRg st="8" end="8"/>
-                                            </p:txEl>
-                                          </p:spTgt>
-                                        </p:tgtEl>
-                                        <p:attrNameLst>
-                                          <p:attrName>ppt_y</p:attrName>
-                                        </p:attrNameLst>
-                                      </p:cBhvr>
-                                      <p:tavLst>
-                                        <p:tav tm="0">
-                                          <p:val>
-                                            <p:strVal val="1+#ppt_h/2"/>
-                                          </p:val>
-                                        </p:tav>
-                                        <p:tav tm="100000">
-                                          <p:val>
-                                            <p:strVal val="#ppt_y"/>
-                                          </p:val>
-                                        </p:tav>
-                                      </p:tavLst>
-                                    </p:anim>
-                                  </p:childTnLst>
-                                </p:cTn>
-                              </p:par>
-                              <p:par>
-                                <p:cTn id="35" presetID="2" presetClass="entr" presetSubtype="4" fill="hold" nodeType="withEffect">
-                                  <p:stCondLst>
-                                    <p:cond delay="0"/>
-                                  </p:stCondLst>
-                                  <p:childTnLst>
-                                    <p:set>
-                                      <p:cBhvr>
-                                        <p:cTn id="36" dur="1" fill="hold">
-                                          <p:stCondLst>
-                                            <p:cond delay="0"/>
-                                          </p:stCondLst>
-                                        </p:cTn>
-                                        <p:tgtEl>
-                                          <p:spTgt spid="3">
-                                            <p:txEl>
-                                              <p:pRg st="9" end="9"/>
-                                            </p:txEl>
-                                          </p:spTgt>
-                                        </p:tgtEl>
-                                        <p:attrNameLst>
-                                          <p:attrName>style.visibility</p:attrName>
-                                        </p:attrNameLst>
-                                      </p:cBhvr>
-                                      <p:to>
-                                        <p:strVal val="visible"/>
-                                      </p:to>
-                                    </p:set>
-                                    <p:anim calcmode="lin" valueType="num">
-                                      <p:cBhvr additive="base">
-                                        <p:cTn id="37" dur="500" fill="hold"/>
-                                        <p:tgtEl>
-                                          <p:spTgt spid="3">
-                                            <p:txEl>
-                                              <p:pRg st="9" end="9"/>
-                                            </p:txEl>
-                                          </p:spTgt>
-                                        </p:tgtEl>
-                                        <p:attrNameLst>
-                                          <p:attrName>ppt_x</p:attrName>
-                                        </p:attrNameLst>
-                                      </p:cBhvr>
-                                      <p:tavLst>
-                                        <p:tav tm="0">
-                                          <p:val>
-                                            <p:strVal val="#ppt_x"/>
-                                          </p:val>
-                                        </p:tav>
-                                        <p:tav tm="100000">
-                                          <p:val>
-                                            <p:strVal val="#ppt_x"/>
-                                          </p:val>
-                                        </p:tav>
-                                      </p:tavLst>
-                                    </p:anim>
-                                    <p:anim calcmode="lin" valueType="num">
-                                      <p:cBhvr additive="base">
-                                        <p:cTn id="38" dur="500" fill="hold"/>
-                                        <p:tgtEl>
-                                          <p:spTgt spid="3">
-                                            <p:txEl>
-                                              <p:pRg st="9" end="9"/>
-                                            </p:txEl>
-                                          </p:spTgt>
-                                        </p:tgtEl>
-                                        <p:attrNameLst>
-                                          <p:attrName>ppt_y</p:attrName>
-                                        </p:attrNameLst>
-                                      </p:cBhvr>
-                                      <p:tavLst>
-                                        <p:tav tm="0">
-                                          <p:val>
-                                            <p:strVal val="1+#ppt_h/2"/>
-                                          </p:val>
-                                        </p:tav>
-                                        <p:tav tm="100000">
-                                          <p:val>
-                                            <p:strVal val="#ppt_y"/>
-                                          </p:val>
-                                        </p:tav>
-                                      </p:tavLst>
-                                    </p:anim>
-                                  </p:childTnLst>
-                                </p:cTn>
-                              </p:par>
-                              <p:par>
-                                <p:cTn id="39" presetID="2" presetClass="entr" presetSubtype="4" fill="hold" nodeType="withEffect">
-                                  <p:stCondLst>
-                                    <p:cond delay="0"/>
-                                  </p:stCondLst>
-                                  <p:childTnLst>
-                                    <p:set>
-                                      <p:cBhvr>
-                                        <p:cTn id="40" dur="1" fill="hold">
-                                          <p:stCondLst>
-                                            <p:cond delay="0"/>
-                                          </p:stCondLst>
-                                        </p:cTn>
-                                        <p:tgtEl>
-                                          <p:spTgt spid="3">
-                                            <p:txEl>
-                                              <p:pRg st="10" end="10"/>
-                                            </p:txEl>
-                                          </p:spTgt>
-                                        </p:tgtEl>
-                                        <p:attrNameLst>
-                                          <p:attrName>style.visibility</p:attrName>
-                                        </p:attrNameLst>
-                                      </p:cBhvr>
-                                      <p:to>
-                                        <p:strVal val="visible"/>
-                                      </p:to>
-                                    </p:set>
-                                    <p:anim calcmode="lin" valueType="num">
-                                      <p:cBhvr additive="base">
-                                        <p:cTn id="41" dur="500" fill="hold"/>
-                                        <p:tgtEl>
-                                          <p:spTgt spid="3">
-                                            <p:txEl>
-                                              <p:pRg st="10" end="10"/>
-                                            </p:txEl>
-                                          </p:spTgt>
-                                        </p:tgtEl>
-                                        <p:attrNameLst>
-                                          <p:attrName>ppt_x</p:attrName>
-                                        </p:attrNameLst>
-                                      </p:cBhvr>
-                                      <p:tavLst>
-                                        <p:tav tm="0">
-                                          <p:val>
-                                            <p:strVal val="#ppt_x"/>
-                                          </p:val>
-                                        </p:tav>
-                                        <p:tav tm="100000">
-                                          <p:val>
-                                            <p:strVal val="#ppt_x"/>
-                                          </p:val>
-                                        </p:tav>
-                                      </p:tavLst>
-                                    </p:anim>
-                                    <p:anim calcmode="lin" valueType="num">
-                                      <p:cBhvr additive="base">
-                                        <p:cTn id="42" dur="500" fill="hold"/>
-                                        <p:tgtEl>
-                                          <p:spTgt spid="3">
-                                            <p:txEl>
-                                              <p:pRg st="10" end="10"/>
-                                            </p:txEl>
-                                          </p:spTgt>
-                                        </p:tgtEl>
-                                        <p:attrNameLst>
-                                          <p:attrName>ppt_y</p:attrName>
-                                        </p:attrNameLst>
-                                      </p:cBhvr>
-                                      <p:tavLst>
-                                        <p:tav tm="0">
-                                          <p:val>
-                                            <p:strVal val="1+#ppt_h/2"/>
-                                          </p:val>
-                                        </p:tav>
-                                        <p:tav tm="100000">
-                                          <p:val>
-                                            <p:strVal val="#ppt_y"/>
-                                          </p:val>
-                                        </p:tav>
-                                      </p:tavLst>
-                                    </p:anim>
-                                  </p:childTnLst>
-                                </p:cTn>
-                              </p:par>
-                            </p:childTnLst>
-                          </p:cTn>
-                        </p:par>
-                      </p:childTnLst>
-                    </p:cTn>
-                  </p:par>
-                  <p:par>
-                    <p:cTn id="43" fill="hold">
-                      <p:stCondLst>
-                        <p:cond delay="indefinite"/>
-                      </p:stCondLst>
-                      <p:childTnLst>
-                        <p:par>
-                          <p:cTn id="44" fill="hold">
-                            <p:stCondLst>
-                              <p:cond delay="0"/>
-                            </p:stCondLst>
-                            <p:childTnLst>
-                              <p:par>
-                                <p:cTn id="45" presetID="2" presetClass="entr" presetSubtype="4" fill="hold" grpId="0" nodeType="clickEffect">
-                                  <p:stCondLst>
-                                    <p:cond delay="0"/>
-                                  </p:stCondLst>
-                                  <p:childTnLst>
-                                    <p:set>
-                                      <p:cBhvr>
-                                        <p:cTn id="46" dur="1" fill="hold">
-                                          <p:stCondLst>
-                                            <p:cond delay="0"/>
-                                          </p:stCondLst>
-                                        </p:cTn>
-                                        <p:tgtEl>
-                                          <p:spTgt spid="15"/>
-                                        </p:tgtEl>
-                                        <p:attrNameLst>
-                                          <p:attrName>style.visibility</p:attrName>
-                                        </p:attrNameLst>
-                                      </p:cBhvr>
-                                      <p:to>
-                                        <p:strVal val="visible"/>
-                                      </p:to>
-                                    </p:set>
-                                    <p:anim calcmode="lin" valueType="num">
-                                      <p:cBhvr additive="base">
-                                        <p:cTn id="47" dur="500" fill="hold"/>
-                                        <p:tgtEl>
-                                          <p:spTgt spid="15"/>
-                                        </p:tgtEl>
-                                        <p:attrNameLst>
-                                          <p:attrName>ppt_x</p:attrName>
-                                        </p:attrNameLst>
-                                      </p:cBhvr>
-                                      <p:tavLst>
-                                        <p:tav tm="0">
-                                          <p:val>
-                                            <p:strVal val="#ppt_x"/>
-                                          </p:val>
-                                        </p:tav>
-                                        <p:tav tm="100000">
-                                          <p:val>
-                                            <p:strVal val="#ppt_x"/>
-                                          </p:val>
-                                        </p:tav>
-                                      </p:tavLst>
-                                    </p:anim>
-                                    <p:anim calcmode="lin" valueType="num">
-                                      <p:cBhvr additive="base">
-                                        <p:cTn id="48" dur="500" fill="hold"/>
-                                        <p:tgtEl>
-                                          <p:spTgt spid="15"/>
-                                        </p:tgtEl>
-                                        <p:attrNameLst>
-                                          <p:attrName>ppt_y</p:attrName>
-                                        </p:attrNameLst>
-                                      </p:cBhvr>
-                                      <p:tavLst>
-                                        <p:tav tm="0">
-                                          <p:val>
-                                            <p:strVal val="1+#ppt_h/2"/>
-                                          </p:val>
-                                        </p:tav>
-                                        <p:tav tm="100000">
-                                          <p:val>
-                                            <p:strVal val="#ppt_y"/>
-                                          </p:val>
-                                        </p:tav>
-                                      </p:tavLst>
-                                    </p:anim>
-                                  </p:childTnLst>
-                                </p:cTn>
-                              </p:par>
-                            </p:childTnLst>
-                          </p:cTn>
-                        </p:par>
-                      </p:childTnLst>
-                    </p:cTn>
-                  </p:par>
-                  <p:par>
-                    <p:cTn id="49" fill="hold">
-                      <p:stCondLst>
-                        <p:cond delay="indefinite"/>
-                      </p:stCondLst>
-                      <p:childTnLst>
-                        <p:par>
-                          <p:cTn id="50" fill="hold">
-                            <p:stCondLst>
-                              <p:cond delay="0"/>
-                            </p:stCondLst>
-                            <p:childTnLst>
-                              <p:par>
-                                <p:cTn id="51" presetID="2" presetClass="entr" presetSubtype="4" fill="hold" grpId="0" nodeType="clickEffect">
-                                  <p:stCondLst>
-                                    <p:cond delay="0"/>
-                                  </p:stCondLst>
-                                  <p:childTnLst>
-                                    <p:set>
-                                      <p:cBhvr>
-                                        <p:cTn id="52" dur="1" fill="hold">
-                                          <p:stCondLst>
-                                            <p:cond delay="0"/>
-                                          </p:stCondLst>
-                                        </p:cTn>
-                                        <p:tgtEl>
-                                          <p:spTgt spid="4"/>
-                                        </p:tgtEl>
-                                        <p:attrNameLst>
-                                          <p:attrName>style.visibility</p:attrName>
-                                        </p:attrNameLst>
-                                      </p:cBhvr>
-                                      <p:to>
-                                        <p:strVal val="visible"/>
-                                      </p:to>
-                                    </p:set>
-                                    <p:anim calcmode="lin" valueType="num">
-                                      <p:cBhvr additive="base">
-                                        <p:cTn id="53" dur="500" fill="hold"/>
-                                        <p:tgtEl>
-                                          <p:spTgt spid="4"/>
-                                        </p:tgtEl>
-                                        <p:attrNameLst>
-                                          <p:attrName>ppt_x</p:attrName>
-                                        </p:attrNameLst>
-                                      </p:cBhvr>
-                                      <p:tavLst>
-                                        <p:tav tm="0">
-                                          <p:val>
-                                            <p:strVal val="#ppt_x"/>
-                                          </p:val>
-                                        </p:tav>
-                                        <p:tav tm="100000">
-                                          <p:val>
-                                            <p:strVal val="#ppt_x"/>
-                                          </p:val>
-                                        </p:tav>
-                                      </p:tavLst>
-                                    </p:anim>
-                                    <p:anim calcmode="lin" valueType="num">
-                                      <p:cBhvr additive="base">
-                                        <p:cTn id="54" dur="500" fill="hold"/>
-                                        <p:tgtEl>
-                                          <p:spTgt spid="4"/>
-                                        </p:tgtEl>
-                                        <p:attrNameLst>
-                                          <p:attrName>ppt_y</p:attrName>
-                                        </p:attrNameLst>
-                                      </p:cBhvr>
-                                      <p:tavLst>
-                                        <p:tav tm="0">
-                                          <p:val>
-                                            <p:strVal val="1+#ppt_h/2"/>
-                                          </p:val>
-                                        </p:tav>
-                                        <p:tav tm="100000">
-                                          <p:val>
-                                            <p:strVal val="#ppt_y"/>
-                                          </p:val>
-                                        </p:tav>
-                                      </p:tavLst>
-                                    </p:anim>
-                                  </p:childTnLst>
-                                </p:cTn>
-                              </p:par>
-                            </p:childTnLst>
-                          </p:cTn>
-                        </p:par>
-                      </p:childTnLst>
-                    </p:cTn>
-                  </p:par>
-                  <p:par>
-                    <p:cTn id="55" fill="hold">
-                      <p:stCondLst>
-                        <p:cond delay="indefinite"/>
-                      </p:stCondLst>
-                      <p:childTnLst>
-                        <p:par>
-                          <p:cTn id="56" fill="hold">
-                            <p:stCondLst>
-                              <p:cond delay="0"/>
-                            </p:stCondLst>
-                            <p:childTnLst>
-                              <p:par>
-                                <p:cTn id="57" presetID="2" presetClass="entr" presetSubtype="4" fill="hold" grpId="0" nodeType="clickEffect">
-                                  <p:stCondLst>
-                                    <p:cond delay="0"/>
-                                  </p:stCondLst>
-                                  <p:childTnLst>
-                                    <p:set>
-                                      <p:cBhvr>
-                                        <p:cTn id="58" dur="1" fill="hold">
-                                          <p:stCondLst>
-                                            <p:cond delay="0"/>
-                                          </p:stCondLst>
-                                        </p:cTn>
-                                        <p:tgtEl>
-                                          <p:spTgt spid="6"/>
-                                        </p:tgtEl>
-                                        <p:attrNameLst>
-                                          <p:attrName>style.visibility</p:attrName>
-                                        </p:attrNameLst>
-                                      </p:cBhvr>
-                                      <p:to>
-                                        <p:strVal val="visible"/>
-                                      </p:to>
-                                    </p:set>
-                                    <p:anim calcmode="lin" valueType="num">
-                                      <p:cBhvr additive="base">
-                                        <p:cTn id="59" dur="500" fill="hold"/>
-                                        <p:tgtEl>
-                                          <p:spTgt spid="6"/>
-                                        </p:tgtEl>
-                                        <p:attrNameLst>
-                                          <p:attrName>ppt_x</p:attrName>
-                                        </p:attrNameLst>
-                                      </p:cBhvr>
-                                      <p:tavLst>
-                                        <p:tav tm="0">
-                                          <p:val>
-                                            <p:strVal val="#ppt_x"/>
-                                          </p:val>
-                                        </p:tav>
-                                        <p:tav tm="100000">
-                                          <p:val>
-                                            <p:strVal val="#ppt_x"/>
-                                          </p:val>
-                                        </p:tav>
-                                      </p:tavLst>
-                                    </p:anim>
-                                    <p:anim calcmode="lin" valueType="num">
-                                      <p:cBhvr additive="base">
-                                        <p:cTn id="60" dur="500" fill="hold"/>
-                                        <p:tgtEl>
-                                          <p:spTgt spid="6"/>
-                                        </p:tgtEl>
-                                        <p:attrNameLst>
-                                          <p:attrName>ppt_y</p:attrName>
-                                        </p:attrNameLst>
-                                      </p:cBhvr>
-                                      <p:tavLst>
-                                        <p:tav tm="0">
-                                          <p:val>
-                                            <p:strVal val="1+#ppt_h/2"/>
-                                          </p:val>
-                                        </p:tav>
-                                        <p:tav tm="100000">
-                                          <p:val>
-                                            <p:strVal val="#ppt_y"/>
-                                          </p:val>
-                                        </p:tav>
-                                      </p:tavLst>
-                                    </p:anim>
-                                  </p:childTnLst>
-                                </p:cTn>
-                              </p:par>
-                            </p:childTnLst>
-                          </p:cTn>
-                        </p:par>
-                      </p:childTnLst>
-                    </p:cTn>
-                  </p:par>
-                  <p:par>
-                    <p:cTn id="61" fill="hold">
-                      <p:stCondLst>
-                        <p:cond delay="indefinite"/>
-                      </p:stCondLst>
-                      <p:childTnLst>
-                        <p:par>
-                          <p:cTn id="62" fill="hold">
-                            <p:stCondLst>
-                              <p:cond delay="0"/>
-                            </p:stCondLst>
-                            <p:childTnLst>
-                              <p:par>
-                                <p:cTn id="63" presetID="2" presetClass="entr" presetSubtype="4" fill="hold" grpId="0" nodeType="clickEffect">
-                                  <p:stCondLst>
-                                    <p:cond delay="0"/>
-                                  </p:stCondLst>
-                                  <p:childTnLst>
-                                    <p:set>
-                                      <p:cBhvr>
-                                        <p:cTn id="64" dur="1" fill="hold">
-                                          <p:stCondLst>
-                                            <p:cond delay="0"/>
-                                          </p:stCondLst>
-                                        </p:cTn>
-                                        <p:tgtEl>
-                                          <p:spTgt spid="7"/>
-                                        </p:tgtEl>
-                                        <p:attrNameLst>
-                                          <p:attrName>style.visibility</p:attrName>
-                                        </p:attrNameLst>
-                                      </p:cBhvr>
-                                      <p:to>
-                                        <p:strVal val="visible"/>
-                                      </p:to>
-                                    </p:set>
-                                    <p:anim calcmode="lin" valueType="num">
-                                      <p:cBhvr additive="base">
-                                        <p:cTn id="65" dur="500" fill="hold"/>
-                                        <p:tgtEl>
-                                          <p:spTgt spid="7"/>
-                                        </p:tgtEl>
-                                        <p:attrNameLst>
-                                          <p:attrName>ppt_x</p:attrName>
-                                        </p:attrNameLst>
-                                      </p:cBhvr>
-                                      <p:tavLst>
-                                        <p:tav tm="0">
-                                          <p:val>
-                                            <p:strVal val="#ppt_x"/>
-                                          </p:val>
-                                        </p:tav>
-                                        <p:tav tm="100000">
-                                          <p:val>
-                                            <p:strVal val="#ppt_x"/>
-                                          </p:val>
-                                        </p:tav>
-                                      </p:tavLst>
-                                    </p:anim>
-                                    <p:anim calcmode="lin" valueType="num">
-                                      <p:cBhvr additive="base">
-                                        <p:cTn id="66" dur="500" fill="hold"/>
-                                        <p:tgtEl>
-                                          <p:spTgt spid="7"/>
-                                        </p:tgtEl>
-                                        <p:attrNameLst>
-                                          <p:attrName>ppt_y</p:attrName>
-                                        </p:attrNameLst>
-                                      </p:cBhvr>
-                                      <p:tavLst>
-                                        <p:tav tm="0">
-                                          <p:val>
-                                            <p:strVal val="1+#ppt_h/2"/>
-                                          </p:val>
-                                        </p:tav>
-                                        <p:tav tm="100000">
-                                          <p:val>
-                                            <p:strVal val="#ppt_y"/>
-                                          </p:val>
-                                        </p:tav>
-                                      </p:tavLst>
-                                    </p:anim>
-                                  </p:childTnLst>
-                                </p:cTn>
-                              </p:par>
-                            </p:childTnLst>
-                          </p:cTn>
-                        </p:par>
-                      </p:childTnLst>
-                    </p:cTn>
-                  </p:par>
-                  <p:par>
-                    <p:cTn id="67" fill="hold">
-                      <p:stCondLst>
-                        <p:cond delay="indefinite"/>
-                      </p:stCondLst>
-                      <p:childTnLst>
-                        <p:par>
-                          <p:cTn id="68" fill="hold">
-                            <p:stCondLst>
-                              <p:cond delay="0"/>
-                            </p:stCondLst>
-                            <p:childTnLst>
-                              <p:par>
-                                <p:cTn id="69" presetID="2" presetClass="entr" presetSubtype="4" fill="hold" grpId="0" nodeType="clickEffect">
-                                  <p:stCondLst>
-                                    <p:cond delay="0"/>
-                                  </p:stCondLst>
-                                  <p:childTnLst>
-                                    <p:set>
-                                      <p:cBhvr>
-                                        <p:cTn id="70" dur="1" fill="hold">
-                                          <p:stCondLst>
-                                            <p:cond delay="0"/>
-                                          </p:stCondLst>
-                                        </p:cTn>
-                                        <p:tgtEl>
-                                          <p:spTgt spid="8"/>
-                                        </p:tgtEl>
-                                        <p:attrNameLst>
-                                          <p:attrName>style.visibility</p:attrName>
-                                        </p:attrNameLst>
-                                      </p:cBhvr>
-                                      <p:to>
-                                        <p:strVal val="visible"/>
-                                      </p:to>
-                                    </p:set>
-                                    <p:anim calcmode="lin" valueType="num">
-                                      <p:cBhvr additive="base">
-                                        <p:cTn id="71" dur="500" fill="hold"/>
-                                        <p:tgtEl>
-                                          <p:spTgt spid="8"/>
-                                        </p:tgtEl>
-                                        <p:attrNameLst>
-                                          <p:attrName>ppt_x</p:attrName>
-                                        </p:attrNameLst>
-                                      </p:cBhvr>
-                                      <p:tavLst>
-                                        <p:tav tm="0">
-                                          <p:val>
-                                            <p:strVal val="#ppt_x"/>
-                                          </p:val>
-                                        </p:tav>
-                                        <p:tav tm="100000">
-                                          <p:val>
-                                            <p:strVal val="#ppt_x"/>
-                                          </p:val>
-                                        </p:tav>
-                                      </p:tavLst>
-                                    </p:anim>
-                                    <p:anim calcmode="lin" valueType="num">
-                                      <p:cBhvr additive="base">
-                                        <p:cTn id="72" dur="500" fill="hold"/>
-                                        <p:tgtEl>
-                                          <p:spTgt spid="8"/>
-                                        </p:tgtEl>
-                                        <p:attrNameLst>
-                                          <p:attrName>ppt_y</p:attrName>
-                                        </p:attrNameLst>
-                                      </p:cBhvr>
-                                      <p:tavLst>
-                                        <p:tav tm="0">
-                                          <p:val>
-                                            <p:strVal val="1+#ppt_h/2"/>
-                                          </p:val>
-                                        </p:tav>
-                                        <p:tav tm="100000">
-                                          <p:val>
-                                            <p:strVal val="#ppt_y"/>
-                                          </p:val>
-                                        </p:tav>
-                                      </p:tavLst>
-                                    </p:anim>
-                                  </p:childTnLst>
-                                </p:cTn>
-                              </p:par>
-                            </p:childTnLst>
-                          </p:cTn>
-                        </p:par>
-                      </p:childTnLst>
-                    </p:cTn>
-                  </p:par>
-                  <p:par>
-                    <p:cTn id="73" fill="hold">
-                      <p:stCondLst>
-                        <p:cond delay="indefinite"/>
-                      </p:stCondLst>
-                      <p:childTnLst>
-                        <p:par>
-                          <p:cTn id="74" fill="hold">
-                            <p:stCondLst>
-                              <p:cond delay="0"/>
-                            </p:stCondLst>
-                            <p:childTnLst>
-                              <p:par>
-                                <p:cTn id="75" presetID="2" presetClass="entr" presetSubtype="4" fill="hold" grpId="0" nodeType="clickEffect">
-                                  <p:stCondLst>
-                                    <p:cond delay="0"/>
-                                  </p:stCondLst>
-                                  <p:childTnLst>
-                                    <p:set>
-                                      <p:cBhvr>
-                                        <p:cTn id="76" dur="1" fill="hold">
-                                          <p:stCondLst>
-                                            <p:cond delay="0"/>
-                                          </p:stCondLst>
-                                        </p:cTn>
-                                        <p:tgtEl>
-                                          <p:spTgt spid="9"/>
-                                        </p:tgtEl>
-                                        <p:attrNameLst>
-                                          <p:attrName>style.visibility</p:attrName>
-                                        </p:attrNameLst>
-                                      </p:cBhvr>
-                                      <p:to>
-                                        <p:strVal val="visible"/>
-                                      </p:to>
-                                    </p:set>
-                                    <p:anim calcmode="lin" valueType="num">
-                                      <p:cBhvr additive="base">
-                                        <p:cTn id="77" dur="500" fill="hold"/>
-                                        <p:tgtEl>
-                                          <p:spTgt spid="9"/>
-                                        </p:tgtEl>
-                                        <p:attrNameLst>
-                                          <p:attrName>ppt_x</p:attrName>
-                                        </p:attrNameLst>
-                                      </p:cBhvr>
-                                      <p:tavLst>
-                                        <p:tav tm="0">
-                                          <p:val>
-                                            <p:strVal val="#ppt_x"/>
-                                          </p:val>
-                                        </p:tav>
-                                        <p:tav tm="100000">
-                                          <p:val>
-                                            <p:strVal val="#ppt_x"/>
-                                          </p:val>
-                                        </p:tav>
-                                      </p:tavLst>
-                                    </p:anim>
-                                    <p:anim calcmode="lin" valueType="num">
-                                      <p:cBhvr additive="base">
-                                        <p:cTn id="78" dur="500" fill="hold"/>
-                                        <p:tgtEl>
-                                          <p:spTgt spid="9"/>
-                                        </p:tgtEl>
-                                        <p:attrNameLst>
-                                          <p:attrName>ppt_y</p:attrName>
-                                        </p:attrNameLst>
-                                      </p:cBhvr>
-                                      <p:tavLst>
-                                        <p:tav tm="0">
-                                          <p:val>
-                                            <p:strVal val="1+#ppt_h/2"/>
-                                          </p:val>
-                                        </p:tav>
-                                        <p:tav tm="100000">
-                                          <p:val>
-                                            <p:strVal val="#ppt_y"/>
-                                          </p:val>
-                                        </p:tav>
-                                      </p:tavLst>
-                                    </p:anim>
-                                  </p:childTnLst>
-                                </p:cTn>
-                              </p:par>
-                            </p:childTnLst>
-                          </p:cTn>
-                        </p:par>
-                      </p:childTnLst>
-                    </p:cTn>
-                  </p:par>
-                  <p:par>
-                    <p:cTn id="79" fill="hold">
-                      <p:stCondLst>
-                        <p:cond delay="indefinite"/>
-                      </p:stCondLst>
-                      <p:childTnLst>
-                        <p:par>
-                          <p:cTn id="80" fill="hold">
-                            <p:stCondLst>
-                              <p:cond delay="0"/>
-                            </p:stCondLst>
-                            <p:childTnLst>
-                              <p:par>
-                                <p:cTn id="81" presetID="2" presetClass="entr" presetSubtype="4" fill="hold" grpId="0" nodeType="clickEffect">
-                                  <p:stCondLst>
-                                    <p:cond delay="0"/>
-                                  </p:stCondLst>
-                                  <p:childTnLst>
-                                    <p:set>
-                                      <p:cBhvr>
-                                        <p:cTn id="82" dur="1" fill="hold">
-                                          <p:stCondLst>
-                                            <p:cond delay="0"/>
-                                          </p:stCondLst>
-                                        </p:cTn>
-                                        <p:tgtEl>
-                                          <p:spTgt spid="10"/>
-                                        </p:tgtEl>
-                                        <p:attrNameLst>
-                                          <p:attrName>style.visibility</p:attrName>
-                                        </p:attrNameLst>
-                                      </p:cBhvr>
-                                      <p:to>
-                                        <p:strVal val="visible"/>
-                                      </p:to>
-                                    </p:set>
-                                    <p:anim calcmode="lin" valueType="num">
-                                      <p:cBhvr additive="base">
-                                        <p:cTn id="83" dur="500" fill="hold"/>
-                                        <p:tgtEl>
-                                          <p:spTgt spid="10"/>
-                                        </p:tgtEl>
-                                        <p:attrNameLst>
-                                          <p:attrName>ppt_x</p:attrName>
-                                        </p:attrNameLst>
-                                      </p:cBhvr>
-                                      <p:tavLst>
-                                        <p:tav tm="0">
-                                          <p:val>
-                                            <p:strVal val="#ppt_x"/>
-                                          </p:val>
-                                        </p:tav>
-                                        <p:tav tm="100000">
-                                          <p:val>
-                                            <p:strVal val="#ppt_x"/>
-                                          </p:val>
-                                        </p:tav>
-                                      </p:tavLst>
-                                    </p:anim>
-                                    <p:anim calcmode="lin" valueType="num">
-                                      <p:cBhvr additive="base">
-                                        <p:cTn id="84" dur="500" fill="hold"/>
-                                        <p:tgtEl>
-                                          <p:spTgt spid="10"/>
-                                        </p:tgtEl>
-                                        <p:attrNameLst>
-                                          <p:attrName>ppt_y</p:attrName>
-                                        </p:attrNameLst>
-                                      </p:cBhvr>
-                                      <p:tavLst>
-                                        <p:tav tm="0">
-                                          <p:val>
-                                            <p:strVal val="1+#ppt_h/2"/>
-                                          </p:val>
-                                        </p:tav>
-                                        <p:tav tm="100000">
-                                          <p:val>
-                                            <p:strVal val="#ppt_y"/>
-                                          </p:val>
-                                        </p:tav>
-                                      </p:tavLst>
-                                    </p:anim>
-                                  </p:childTnLst>
-                                </p:cTn>
-                              </p:par>
-                            </p:childTnLst>
-                          </p:cTn>
-                        </p:par>
-                      </p:childTnLst>
-                    </p:cTn>
-                  </p:par>
-                  <p:par>
-                    <p:cTn id="85" fill="hold">
-                      <p:stCondLst>
-                        <p:cond delay="indefinite"/>
-                      </p:stCondLst>
-                      <p:childTnLst>
-                        <p:par>
-                          <p:cTn id="86" fill="hold">
-                            <p:stCondLst>
-                              <p:cond delay="0"/>
-                            </p:stCondLst>
-                            <p:childTnLst>
-                              <p:par>
-                                <p:cTn id="87" presetID="2" presetClass="entr" presetSubtype="4" fill="hold" grpId="0" nodeType="clickEffect">
-                                  <p:stCondLst>
-                                    <p:cond delay="0"/>
-                                  </p:stCondLst>
-                                  <p:childTnLst>
-                                    <p:set>
-                                      <p:cBhvr>
-                                        <p:cTn id="88" dur="1" fill="hold">
-                                          <p:stCondLst>
-                                            <p:cond delay="0"/>
-                                          </p:stCondLst>
-                                        </p:cTn>
-                                        <p:tgtEl>
-                                          <p:spTgt spid="11"/>
-                                        </p:tgtEl>
-                                        <p:attrNameLst>
-                                          <p:attrName>style.visibility</p:attrName>
-                                        </p:attrNameLst>
-                                      </p:cBhvr>
-                                      <p:to>
-                                        <p:strVal val="visible"/>
-                                      </p:to>
-                                    </p:set>
-                                    <p:anim calcmode="lin" valueType="num">
-                                      <p:cBhvr additive="base">
-                                        <p:cTn id="89" dur="500" fill="hold"/>
-                                        <p:tgtEl>
-                                          <p:spTgt spid="11"/>
-                                        </p:tgtEl>
-                                        <p:attrNameLst>
-                                          <p:attrName>ppt_x</p:attrName>
-                                        </p:attrNameLst>
-                                      </p:cBhvr>
-                                      <p:tavLst>
-                                        <p:tav tm="0">
-                                          <p:val>
-                                            <p:strVal val="#ppt_x"/>
-                                          </p:val>
-                                        </p:tav>
-                                        <p:tav tm="100000">
-                                          <p:val>
-                                            <p:strVal val="#ppt_x"/>
-                                          </p:val>
-                                        </p:tav>
-                                      </p:tavLst>
-                                    </p:anim>
-                                    <p:anim calcmode="lin" valueType="num">
-                                      <p:cBhvr additive="base">
-                                        <p:cTn id="90" dur="500" fill="hold"/>
-                                        <p:tgtEl>
-                                          <p:spTgt spid="11"/>
-                                        </p:tgtEl>
-                                        <p:attrNameLst>
-                                          <p:attrName>ppt_y</p:attrName>
-                                        </p:attrNameLst>
-                                      </p:cBhvr>
-                                      <p:tavLst>
-                                        <p:tav tm="0">
-                                          <p:val>
-                                            <p:strVal val="1+#ppt_h/2"/>
-                                          </p:val>
-                                        </p:tav>
-                                        <p:tav tm="100000">
-                                          <p:val>
-                                            <p:strVal val="#ppt_y"/>
-                                          </p:val>
-                                        </p:tav>
-                                      </p:tavLst>
-                                    </p:anim>
-                                  </p:childTnLst>
-                                </p:cTn>
-                              </p:par>
-                            </p:childTnLst>
-                          </p:cTn>
-                        </p:par>
-                      </p:childTnLst>
-                    </p:cTn>
-                  </p:par>
-                  <p:par>
-                    <p:cTn id="91" fill="hold">
-                      <p:stCondLst>
-                        <p:cond delay="indefinite"/>
-                      </p:stCondLst>
-                      <p:childTnLst>
-                        <p:par>
-                          <p:cTn id="92" fill="hold">
-                            <p:stCondLst>
-                              <p:cond delay="0"/>
-                            </p:stCondLst>
-                            <p:childTnLst>
-                              <p:par>
-                                <p:cTn id="93" presetID="2" presetClass="entr" presetSubtype="4" fill="hold" grpId="0" nodeType="clickEffect">
-                                  <p:stCondLst>
-                                    <p:cond delay="0"/>
-                                  </p:stCondLst>
-                                  <p:childTnLst>
-                                    <p:set>
-                                      <p:cBhvr>
-                                        <p:cTn id="94" dur="1" fill="hold">
-                                          <p:stCondLst>
-                                            <p:cond delay="0"/>
-                                          </p:stCondLst>
-                                        </p:cTn>
-                                        <p:tgtEl>
-                                          <p:spTgt spid="12"/>
-                                        </p:tgtEl>
-                                        <p:attrNameLst>
-                                          <p:attrName>style.visibility</p:attrName>
-                                        </p:attrNameLst>
-                                      </p:cBhvr>
-                                      <p:to>
-                                        <p:strVal val="visible"/>
-                                      </p:to>
-                                    </p:set>
-                                    <p:anim calcmode="lin" valueType="num">
-                                      <p:cBhvr additive="base">
-                                        <p:cTn id="95" dur="500" fill="hold"/>
-                                        <p:tgtEl>
-                                          <p:spTgt spid="12"/>
-                                        </p:tgtEl>
-                                        <p:attrNameLst>
-                                          <p:attrName>ppt_x</p:attrName>
-                                        </p:attrNameLst>
-                                      </p:cBhvr>
-                                      <p:tavLst>
-                                        <p:tav tm="0">
-                                          <p:val>
-                                            <p:strVal val="#ppt_x"/>
-                                          </p:val>
-                                        </p:tav>
-                                        <p:tav tm="100000">
-                                          <p:val>
-                                            <p:strVal val="#ppt_x"/>
-                                          </p:val>
-                                        </p:tav>
-                                      </p:tavLst>
-                                    </p:anim>
-                                    <p:anim calcmode="lin" valueType="num">
-                                      <p:cBhvr additive="base">
-                                        <p:cTn id="96" dur="500" fill="hold"/>
-                                        <p:tgtEl>
-                                          <p:spTgt spid="12"/>
-                                        </p:tgtEl>
-                                        <p:attrNameLst>
-                                          <p:attrName>ppt_y</p:attrName>
-                                        </p:attrNameLst>
-                                      </p:cBhvr>
-                                      <p:tavLst>
-                                        <p:tav tm="0">
-                                          <p:val>
-                                            <p:strVal val="1+#ppt_h/2"/>
-                                          </p:val>
-                                        </p:tav>
-                                        <p:tav tm="100000">
-                                          <p:val>
-                                            <p:strVal val="#ppt_y"/>
-                                          </p:val>
-                                        </p:tav>
-                                      </p:tavLst>
-                                    </p:anim>
-                                  </p:childTnLst>
-                                </p:cTn>
-                              </p:par>
-                            </p:childTnLst>
-                          </p:cTn>
-                        </p:par>
-                      </p:childTnLst>
-                    </p:cTn>
-                  </p:par>
-                  <p:par>
-                    <p:cTn id="97" fill="hold">
-                      <p:stCondLst>
-                        <p:cond delay="indefinite"/>
-                      </p:stCondLst>
-                      <p:childTnLst>
-                        <p:par>
-                          <p:cTn id="98" fill="hold">
-                            <p:stCondLst>
-                              <p:cond delay="0"/>
-                            </p:stCondLst>
-                            <p:childTnLst>
-                              <p:par>
-                                <p:cTn id="99" presetID="2" presetClass="entr" presetSubtype="4" fill="hold" grpId="0" nodeType="clickEffect">
-                                  <p:stCondLst>
-                                    <p:cond delay="0"/>
-                                  </p:stCondLst>
-                                  <p:childTnLst>
-                                    <p:set>
-                                      <p:cBhvr>
-                                        <p:cTn id="100" dur="1" fill="hold">
-                                          <p:stCondLst>
-                                            <p:cond delay="0"/>
-                                          </p:stCondLst>
-                                        </p:cTn>
-                                        <p:tgtEl>
-                                          <p:spTgt spid="13"/>
-                                        </p:tgtEl>
-                                        <p:attrNameLst>
-                                          <p:attrName>style.visibility</p:attrName>
-                                        </p:attrNameLst>
-                                      </p:cBhvr>
-                                      <p:to>
-                                        <p:strVal val="visible"/>
-                                      </p:to>
-                                    </p:set>
-                                    <p:anim calcmode="lin" valueType="num">
-                                      <p:cBhvr additive="base">
-                                        <p:cTn id="101" dur="500" fill="hold"/>
-                                        <p:tgtEl>
-                                          <p:spTgt spid="13"/>
-                                        </p:tgtEl>
-                                        <p:attrNameLst>
-                                          <p:attrName>ppt_x</p:attrName>
-                                        </p:attrNameLst>
-                                      </p:cBhvr>
-                                      <p:tavLst>
-                                        <p:tav tm="0">
-                                          <p:val>
-                                            <p:strVal val="#ppt_x"/>
-                                          </p:val>
-                                        </p:tav>
-                                        <p:tav tm="100000">
-                                          <p:val>
-                                            <p:strVal val="#ppt_x"/>
-                                          </p:val>
-                                        </p:tav>
-                                      </p:tavLst>
-                                    </p:anim>
-                                    <p:anim calcmode="lin" valueType="num">
-                                      <p:cBhvr additive="base">
-                                        <p:cTn id="102" dur="500" fill="hold"/>
-                                        <p:tgtEl>
-                                          <p:spTgt spid="13"/>
-                                        </p:tgtEl>
-                                        <p:attrNameLst>
-                                          <p:attrName>ppt_y</p:attrName>
-                                        </p:attrNameLst>
-                                      </p:cBhvr>
-                                      <p:tavLst>
-                                        <p:tav tm="0">
-                                          <p:val>
-                                            <p:strVal val="1+#ppt_h/2"/>
-                                          </p:val>
-                                        </p:tav>
-                                        <p:tav tm="100000">
-                                          <p:val>
-                                            <p:strVal val="#ppt_y"/>
-                                          </p:val>
-                                        </p:tav>
-                                      </p:tavLst>
-                                    </p:anim>
-                                  </p:childTnLst>
-                                </p:cTn>
-                              </p:par>
-                            </p:childTnLst>
-                          </p:cTn>
-                        </p:par>
-                      </p:childTnLst>
-                    </p:cTn>
-                  </p:par>
-                  <p:par>
-                    <p:cTn id="103" fill="hold">
-                      <p:stCondLst>
-                        <p:cond delay="indefinite"/>
-                      </p:stCondLst>
-                      <p:childTnLst>
-                        <p:par>
-                          <p:cTn id="104" fill="hold">
-                            <p:stCondLst>
-                              <p:cond delay="0"/>
-                            </p:stCondLst>
-                            <p:childTnLst>
-                              <p:par>
-                                <p:cTn id="105" presetID="2" presetClass="entr" presetSubtype="4" fill="hold" grpId="0" nodeType="clickEffect">
-                                  <p:stCondLst>
-                                    <p:cond delay="0"/>
-                                  </p:stCondLst>
-                                  <p:childTnLst>
-                                    <p:set>
-                                      <p:cBhvr>
-                                        <p:cTn id="106" dur="1" fill="hold">
-                                          <p:stCondLst>
-                                            <p:cond delay="0"/>
-                                          </p:stCondLst>
-                                        </p:cTn>
-                                        <p:tgtEl>
-                                          <p:spTgt spid="14"/>
-                                        </p:tgtEl>
-                                        <p:attrNameLst>
-                                          <p:attrName>style.visibility</p:attrName>
-                                        </p:attrNameLst>
-                                      </p:cBhvr>
-                                      <p:to>
-                                        <p:strVal val="visible"/>
-                                      </p:to>
-                                    </p:set>
-                                    <p:anim calcmode="lin" valueType="num">
-                                      <p:cBhvr additive="base">
-                                        <p:cTn id="107" dur="500" fill="hold"/>
-                                        <p:tgtEl>
-                                          <p:spTgt spid="14"/>
-                                        </p:tgtEl>
-                                        <p:attrNameLst>
-                                          <p:attrName>ppt_x</p:attrName>
-                                        </p:attrNameLst>
-                                      </p:cBhvr>
-                                      <p:tavLst>
-                                        <p:tav tm="0">
-                                          <p:val>
-                                            <p:strVal val="#ppt_x"/>
-                                          </p:val>
-                                        </p:tav>
-                                        <p:tav tm="100000">
-                                          <p:val>
-                                            <p:strVal val="#ppt_x"/>
-                                          </p:val>
-                                        </p:tav>
-                                      </p:tavLst>
-                                    </p:anim>
-                                    <p:anim calcmode="lin" valueType="num">
-                                      <p:cBhvr additive="base">
-                                        <p:cTn id="108" dur="500" fill="hold"/>
-                                        <p:tgtEl>
-                                          <p:spTgt spid="14"/>
-                                        </p:tgtEl>
-                                        <p:attrNameLst>
-                                          <p:attrName>ppt_y</p:attrName>
-                                        </p:attrNameLst>
-                                      </p:cBhvr>
-                                      <p:tavLst>
-                                        <p:tav tm="0">
-                                          <p:val>
-                                            <p:strVal val="1+#ppt_h/2"/>
-                                          </p:val>
-                                        </p:tav>
-                                        <p:tav tm="100000">
-                                          <p:val>
-                                            <p:strVal val="#ppt_y"/>
-                                          </p:val>
-                                        </p:tav>
-                                      </p:tavLst>
-                                    </p:anim>
-                                  </p:childTnLst>
-                                </p:cTn>
-                              </p:par>
-                            </p:childTnLst>
-                          </p:cTn>
-                        </p:par>
-                      </p:childTnLst>
-                    </p:cTn>
-                  </p:par>
-                </p:childTnLst>
-              </p:cTn>
-              <p:prevCondLst>
-                <p:cond evt="onPrev" delay="0">
-                  <p:tgtEl>
-                    <p:sldTgt/>
-                  </p:tgtEl>
-                </p:cond>
-              </p:prevCondLst>
-              <p:nextCondLst>
-                <p:cond evt="onNext" delay="0">
-                  <p:tgtEl>
-                    <p:sldTgt/>
-                  </p:tgtEl>
-                </p:cond>
-              </p:nextCondLst>
-            </p:seq>
-          </p:childTnLst>
-        </p:cTn>
-      </p:par>
-    </p:tnLst>
-    <p:bldLst>
-      <p:bldP spid="4" grpId="0" animBg="1"/>
-      <p:bldP spid="6" grpId="0" animBg="1"/>
-      <p:bldP spid="7" grpId="0" animBg="1"/>
-      <p:bldP spid="8" grpId="0" animBg="1"/>
-      <p:bldP spid="9" grpId="0" animBg="1"/>
-      <p:bldP spid="10" grpId="0" animBg="1"/>
-      <p:bldP spid="11" grpId="0" animBg="1"/>
-      <p:bldP spid="12" grpId="0" animBg="1"/>
-      <p:bldP spid="13" grpId="0" animBg="1"/>
-      <p:bldP spid="14" grpId="0" animBg="1"/>
-      <p:bldP spid="15" grpId="0" animBg="1"/>
-    </p:bldLst>
-  </p:timing>
-</p:sld>
-</file>
-
 <file path=ppt/slides/slide9.xml><?xml version="1.0" encoding="utf-8"?>
 <p:sld xmlns:a="http://schemas.openxmlformats.org/drawingml/2006/main" xmlns:r="http://schemas.openxmlformats.org/officeDocument/2006/relationships" xmlns:p="http://schemas.openxmlformats.org/presentationml/2006/main">
   <p:cSld>
@@ -22868,10 +23950,10 @@
       </p:grpSpPr>
       <p:sp>
         <p:nvSpPr>
-          <p:cNvPr id="2" name="Title 1">
+          <p:cNvPr id="3" name="Content Placeholder 2">
             <a:extLst>
               <a:ext uri="{FF2B5EF4-FFF2-40B4-BE49-F238E27FC236}">
-                <a16:creationId xmlns:a16="http://schemas.microsoft.com/office/drawing/2014/main" id="{27E44846-EE23-4B7D-B117-6BD3695FB65C}"/>
+                <a16:creationId xmlns:a16="http://schemas.microsoft.com/office/drawing/2014/main" id="{6C7F13ED-B066-4225-805E-0889FD78E024}"/>
               </a:ext>
             </a:extLst>
           </p:cNvPr>
@@ -22879,526 +23961,40 @@
             <a:spLocks noGrp="1"/>
           </p:cNvSpPr>
           <p:nvPr>
-            <p:ph type="title"/>
+            <p:ph idx="1"/>
           </p:nvPr>
         </p:nvSpPr>
         <p:spPr/>
         <p:txBody>
-          <a:bodyPr/>
+          <a:bodyPr>
+            <a:normAutofit/>
+          </a:bodyPr>
           <a:lstStyle/>
           <a:p>
-            <a:r>
-              <a:rPr lang="en-GB" dirty="0"/>
-              <a:t>Data Types in Object Oriented Programming</a:t>
+            <a:pPr algn="ctr"/>
+            <a:endParaRPr lang="en-GB" sz="4800" dirty="0"/>
+          </a:p>
+          <a:p>
+            <a:pPr marL="0" indent="0" algn="ctr">
+              <a:buNone/>
+            </a:pPr>
+            <a:endParaRPr lang="en-GB" sz="4800" dirty="0"/>
+          </a:p>
+          <a:p>
+            <a:pPr marL="0" indent="0" algn="ctr">
+              <a:buNone/>
+            </a:pPr>
+            <a:r>
+              <a:rPr lang="en-GB" sz="4800" dirty="0"/>
+              <a:t>Any Questions?</a:t>
             </a:r>
           </a:p>
         </p:txBody>
       </p:sp>
-      <p:grpSp>
-        <p:nvGrpSpPr>
-          <p:cNvPr id="23" name="Group 22">
-            <a:extLst>
-              <a:ext uri="{FF2B5EF4-FFF2-40B4-BE49-F238E27FC236}">
-                <a16:creationId xmlns:a16="http://schemas.microsoft.com/office/drawing/2014/main" id="{71C6DC02-35AA-4746-B820-FB7F2469C0C3}"/>
-              </a:ext>
-            </a:extLst>
-          </p:cNvPr>
-          <p:cNvGrpSpPr/>
-          <p:nvPr/>
-        </p:nvGrpSpPr>
-        <p:grpSpPr>
-          <a:xfrm>
-            <a:off x="647007" y="1856509"/>
-            <a:ext cx="7849985" cy="4149436"/>
-            <a:chOff x="647007" y="1856509"/>
-            <a:chExt cx="7849985" cy="4149436"/>
-          </a:xfrm>
-        </p:grpSpPr>
-        <p:sp>
-          <p:nvSpPr>
-            <p:cNvPr id="4" name="Rectangle 3">
-              <a:extLst>
-                <a:ext uri="{FF2B5EF4-FFF2-40B4-BE49-F238E27FC236}">
-                  <a16:creationId xmlns:a16="http://schemas.microsoft.com/office/drawing/2014/main" id="{D0948296-EEB5-486C-8E6A-5BF0ADABC116}"/>
-                </a:ext>
-              </a:extLst>
-            </p:cNvPr>
-            <p:cNvSpPr/>
-            <p:nvPr/>
-          </p:nvSpPr>
-          <p:spPr>
-            <a:xfrm>
-              <a:off x="3329478" y="1856509"/>
-              <a:ext cx="2318327" cy="914400"/>
-            </a:xfrm>
-            <a:prstGeom prst="rect">
-              <a:avLst/>
-            </a:prstGeom>
-          </p:spPr>
-          <p:style>
-            <a:lnRef idx="1">
-              <a:schemeClr val="accent3"/>
-            </a:lnRef>
-            <a:fillRef idx="2">
-              <a:schemeClr val="accent3"/>
-            </a:fillRef>
-            <a:effectRef idx="1">
-              <a:schemeClr val="accent3"/>
-            </a:effectRef>
-            <a:fontRef idx="minor">
-              <a:schemeClr val="dk1"/>
-            </a:fontRef>
-          </p:style>
-          <p:txBody>
-            <a:bodyPr rtlCol="0" anchor="ctr"/>
-            <a:lstStyle/>
-            <a:p>
-              <a:pPr algn="ctr"/>
-              <a:r>
-                <a:rPr lang="en-GB" sz="3200" dirty="0"/>
-                <a:t>Data Types</a:t>
-              </a:r>
-            </a:p>
-          </p:txBody>
-        </p:sp>
-        <p:sp>
-          <p:nvSpPr>
-            <p:cNvPr id="5" name="Rectangle 4">
-              <a:extLst>
-                <a:ext uri="{FF2B5EF4-FFF2-40B4-BE49-F238E27FC236}">
-                  <a16:creationId xmlns:a16="http://schemas.microsoft.com/office/drawing/2014/main" id="{8E988071-9D4D-4197-99AE-F32D9F2BE458}"/>
-                </a:ext>
-              </a:extLst>
-            </p:cNvPr>
-            <p:cNvSpPr/>
-            <p:nvPr/>
-          </p:nvSpPr>
-          <p:spPr>
-            <a:xfrm>
-              <a:off x="647007" y="3352800"/>
-              <a:ext cx="2253211" cy="2576945"/>
-            </a:xfrm>
-            <a:prstGeom prst="rect">
-              <a:avLst/>
-            </a:prstGeom>
-            <a:effectLst>
-              <a:glow rad="139700">
-                <a:schemeClr val="accent4">
-                  <a:satMod val="175000"/>
-                  <a:alpha val="40000"/>
-                </a:schemeClr>
-              </a:glow>
-            </a:effectLst>
-          </p:spPr>
-          <p:style>
-            <a:lnRef idx="1">
-              <a:schemeClr val="accent6"/>
-            </a:lnRef>
-            <a:fillRef idx="2">
-              <a:schemeClr val="accent6"/>
-            </a:fillRef>
-            <a:effectRef idx="1">
-              <a:schemeClr val="accent6"/>
-            </a:effectRef>
-            <a:fontRef idx="minor">
-              <a:schemeClr val="dk1"/>
-            </a:fontRef>
-          </p:style>
-          <p:txBody>
-            <a:bodyPr rtlCol="0" anchor="t"/>
-            <a:lstStyle/>
-            <a:p>
-              <a:pPr algn="ctr"/>
-              <a:r>
-                <a:rPr lang="en-GB" u="sng" dirty="0"/>
-                <a:t>Primitive</a:t>
-              </a:r>
-            </a:p>
-            <a:p>
-              <a:r>
-                <a:rPr lang="en-GB" dirty="0"/>
-                <a:t>Integer</a:t>
-              </a:r>
-            </a:p>
-            <a:p>
-              <a:r>
-                <a:rPr lang="en-GB" dirty="0"/>
-                <a:t>Character</a:t>
-              </a:r>
-            </a:p>
-            <a:p>
-              <a:r>
-                <a:rPr lang="en-GB" dirty="0"/>
-                <a:t>Boolean</a:t>
-              </a:r>
-            </a:p>
-            <a:p>
-              <a:r>
-                <a:rPr lang="en-GB" dirty="0"/>
-                <a:t>Floating point</a:t>
-              </a:r>
-            </a:p>
-            <a:p>
-              <a:r>
-                <a:rPr lang="en-GB" dirty="0"/>
-                <a:t>Double floating point</a:t>
-              </a:r>
-            </a:p>
-            <a:p>
-              <a:r>
-                <a:rPr lang="en-GB" dirty="0"/>
-                <a:t>Void</a:t>
-              </a:r>
-            </a:p>
-            <a:p>
-              <a:r>
-                <a:rPr lang="en-GB" strike="sngStrike" dirty="0">
-                  <a:solidFill>
-                    <a:srgbClr val="FF0000"/>
-                  </a:solidFill>
-                </a:rPr>
-                <a:t>Wide Character</a:t>
-              </a:r>
-            </a:p>
-          </p:txBody>
-        </p:sp>
-        <p:sp>
-          <p:nvSpPr>
-            <p:cNvPr id="6" name="Rectangle 5">
-              <a:extLst>
-                <a:ext uri="{FF2B5EF4-FFF2-40B4-BE49-F238E27FC236}">
-                  <a16:creationId xmlns:a16="http://schemas.microsoft.com/office/drawing/2014/main" id="{F792EB32-8B62-4B22-9063-4BE5E2E5C032}"/>
-                </a:ext>
-              </a:extLst>
-            </p:cNvPr>
-            <p:cNvSpPr/>
-            <p:nvPr/>
-          </p:nvSpPr>
-          <p:spPr>
-            <a:xfrm>
-              <a:off x="3541914" y="3429000"/>
-              <a:ext cx="2105891" cy="2576945"/>
-            </a:xfrm>
-            <a:prstGeom prst="rect">
-              <a:avLst/>
-            </a:prstGeom>
-            <a:effectLst>
-              <a:glow rad="228600">
-                <a:schemeClr val="accent3">
-                  <a:satMod val="175000"/>
-                  <a:alpha val="40000"/>
-                </a:schemeClr>
-              </a:glow>
-            </a:effectLst>
-          </p:spPr>
-          <p:style>
-            <a:lnRef idx="1">
-              <a:schemeClr val="accent5"/>
-            </a:lnRef>
-            <a:fillRef idx="2">
-              <a:schemeClr val="accent5"/>
-            </a:fillRef>
-            <a:effectRef idx="1">
-              <a:schemeClr val="accent5"/>
-            </a:effectRef>
-            <a:fontRef idx="minor">
-              <a:schemeClr val="dk1"/>
-            </a:fontRef>
-          </p:style>
-          <p:txBody>
-            <a:bodyPr rtlCol="0" anchor="t"/>
-            <a:lstStyle/>
-            <a:p>
-              <a:pPr algn="ctr"/>
-              <a:r>
-                <a:rPr lang="en-GB" u="sng" dirty="0"/>
-                <a:t>Derived</a:t>
-              </a:r>
-            </a:p>
-            <a:p>
-              <a:r>
-                <a:rPr lang="en-GB" dirty="0"/>
-                <a:t>Array</a:t>
-              </a:r>
-            </a:p>
-            <a:p>
-              <a:r>
-                <a:rPr lang="en-GB" strike="sngStrike" dirty="0">
-                  <a:solidFill>
-                    <a:srgbClr val="FF0000"/>
-                  </a:solidFill>
-                </a:rPr>
-                <a:t>Pointer</a:t>
-              </a:r>
-            </a:p>
-            <a:p>
-              <a:r>
-                <a:rPr lang="en-GB" strike="sngStrike" dirty="0">
-                  <a:solidFill>
-                    <a:srgbClr val="FF0000"/>
-                  </a:solidFill>
-                </a:rPr>
-                <a:t>Reference</a:t>
-              </a:r>
-            </a:p>
-          </p:txBody>
-        </p:sp>
-        <p:sp>
-          <p:nvSpPr>
-            <p:cNvPr id="7" name="Rectangle 6">
-              <a:extLst>
-                <a:ext uri="{FF2B5EF4-FFF2-40B4-BE49-F238E27FC236}">
-                  <a16:creationId xmlns:a16="http://schemas.microsoft.com/office/drawing/2014/main" id="{63E155E3-8592-4CDE-B55B-B627E700AC3A}"/>
-                </a:ext>
-              </a:extLst>
-            </p:cNvPr>
-            <p:cNvSpPr/>
-            <p:nvPr/>
-          </p:nvSpPr>
-          <p:spPr>
-            <a:xfrm>
-              <a:off x="6391101" y="3429000"/>
-              <a:ext cx="2105891" cy="2576945"/>
-            </a:xfrm>
-            <a:prstGeom prst="rect">
-              <a:avLst/>
-            </a:prstGeom>
-            <a:effectLst>
-              <a:glow rad="101600">
-                <a:schemeClr val="accent6">
-                  <a:satMod val="175000"/>
-                  <a:alpha val="40000"/>
-                </a:schemeClr>
-              </a:glow>
-            </a:effectLst>
-          </p:spPr>
-          <p:style>
-            <a:lnRef idx="1">
-              <a:schemeClr val="accent4"/>
-            </a:lnRef>
-            <a:fillRef idx="2">
-              <a:schemeClr val="accent4"/>
-            </a:fillRef>
-            <a:effectRef idx="1">
-              <a:schemeClr val="accent4"/>
-            </a:effectRef>
-            <a:fontRef idx="minor">
-              <a:schemeClr val="dk1"/>
-            </a:fontRef>
-          </p:style>
-          <p:txBody>
-            <a:bodyPr rtlCol="0" anchor="t"/>
-            <a:lstStyle/>
-            <a:p>
-              <a:pPr algn="ctr"/>
-              <a:r>
-                <a:rPr lang="en-GB" u="sng" dirty="0"/>
-                <a:t>User Defined</a:t>
-              </a:r>
-            </a:p>
-            <a:p>
-              <a:r>
-                <a:rPr lang="en-GB" dirty="0"/>
-                <a:t>Class</a:t>
-              </a:r>
-            </a:p>
-            <a:p>
-              <a:r>
-                <a:rPr lang="en-US" dirty="0"/>
-                <a:t>Object</a:t>
-              </a:r>
-              <a:endParaRPr lang="en-GB" dirty="0"/>
-            </a:p>
-            <a:p>
-              <a:r>
-                <a:rPr lang="en-GB" strike="sngStrike" dirty="0">
-                  <a:solidFill>
-                    <a:srgbClr val="FF0000"/>
-                  </a:solidFill>
-                </a:rPr>
-                <a:t>Structure</a:t>
-              </a:r>
-            </a:p>
-            <a:p>
-              <a:r>
-                <a:rPr lang="en-GB" strike="sngStrike" dirty="0">
-                  <a:solidFill>
-                    <a:srgbClr val="FF0000"/>
-                  </a:solidFill>
-                </a:rPr>
-                <a:t>Union</a:t>
-              </a:r>
-            </a:p>
-            <a:p>
-              <a:r>
-                <a:rPr lang="en-GB" strike="sngStrike" dirty="0" err="1">
-                  <a:solidFill>
-                    <a:srgbClr val="FF0000"/>
-                  </a:solidFill>
-                </a:rPr>
-                <a:t>Enum</a:t>
-              </a:r>
-              <a:endParaRPr lang="en-GB" strike="sngStrike" dirty="0">
-                <a:solidFill>
-                  <a:srgbClr val="FF0000"/>
-                </a:solidFill>
-              </a:endParaRPr>
-            </a:p>
-            <a:p>
-              <a:r>
-                <a:rPr lang="en-GB" strike="sngStrike" dirty="0" err="1">
-                  <a:solidFill>
-                    <a:srgbClr val="FF0000"/>
-                  </a:solidFill>
-                </a:rPr>
-                <a:t>Typedef</a:t>
-              </a:r>
-              <a:endParaRPr lang="en-GB" strike="sngStrike" dirty="0">
-                <a:solidFill>
-                  <a:srgbClr val="FF0000"/>
-                </a:solidFill>
-              </a:endParaRPr>
-            </a:p>
-            <a:p>
-              <a:r>
-                <a:rPr lang="en-GB" dirty="0"/>
-                <a:t>Function</a:t>
-              </a:r>
-            </a:p>
-          </p:txBody>
-        </p:sp>
-        <p:cxnSp>
-          <p:nvCxnSpPr>
-            <p:cNvPr id="9" name="Connector: Elbow 8">
-              <a:extLst>
-                <a:ext uri="{FF2B5EF4-FFF2-40B4-BE49-F238E27FC236}">
-                  <a16:creationId xmlns:a16="http://schemas.microsoft.com/office/drawing/2014/main" id="{148AE585-AAFE-41C4-BD05-5D87CEF76F7E}"/>
-                </a:ext>
-              </a:extLst>
-            </p:cNvPr>
-            <p:cNvCxnSpPr>
-              <a:cxnSpLocks/>
-              <a:stCxn id="4" idx="2"/>
-              <a:endCxn id="5" idx="0"/>
-            </p:cNvCxnSpPr>
-            <p:nvPr/>
-          </p:nvCxnSpPr>
-          <p:spPr>
-            <a:xfrm rot="5400000">
-              <a:off x="2840183" y="1704340"/>
-              <a:ext cx="581891" cy="2715029"/>
-            </a:xfrm>
-            <a:prstGeom prst="bentConnector3">
-              <a:avLst>
-                <a:gd name="adj1" fmla="val 50000"/>
-              </a:avLst>
-            </a:prstGeom>
-            <a:ln w="38100">
-              <a:tailEnd type="triangle"/>
-            </a:ln>
-          </p:spPr>
-          <p:style>
-            <a:lnRef idx="3">
-              <a:schemeClr val="accent3"/>
-            </a:lnRef>
-            <a:fillRef idx="0">
-              <a:schemeClr val="accent3"/>
-            </a:fillRef>
-            <a:effectRef idx="2">
-              <a:schemeClr val="accent3"/>
-            </a:effectRef>
-            <a:fontRef idx="minor">
-              <a:schemeClr val="tx1"/>
-            </a:fontRef>
-          </p:style>
-        </p:cxnSp>
-        <p:cxnSp>
-          <p:nvCxnSpPr>
-            <p:cNvPr id="14" name="Straight Arrow Connector 13">
-              <a:extLst>
-                <a:ext uri="{FF2B5EF4-FFF2-40B4-BE49-F238E27FC236}">
-                  <a16:creationId xmlns:a16="http://schemas.microsoft.com/office/drawing/2014/main" id="{C2C60354-B0B1-4D12-B648-B76CE015E0A1}"/>
-                </a:ext>
-              </a:extLst>
-            </p:cNvPr>
-            <p:cNvCxnSpPr>
-              <a:cxnSpLocks/>
-            </p:cNvCxnSpPr>
-            <p:nvPr/>
-          </p:nvCxnSpPr>
-          <p:spPr>
-            <a:xfrm flipH="1">
-              <a:off x="4479405" y="2770909"/>
-              <a:ext cx="1" cy="658091"/>
-            </a:xfrm>
-            <a:prstGeom prst="straightConnector1">
-              <a:avLst/>
-            </a:prstGeom>
-            <a:ln>
-              <a:tailEnd type="triangle"/>
-            </a:ln>
-          </p:spPr>
-          <p:style>
-            <a:lnRef idx="3">
-              <a:schemeClr val="accent3"/>
-            </a:lnRef>
-            <a:fillRef idx="0">
-              <a:schemeClr val="accent3"/>
-            </a:fillRef>
-            <a:effectRef idx="2">
-              <a:schemeClr val="accent3"/>
-            </a:effectRef>
-            <a:fontRef idx="minor">
-              <a:schemeClr val="tx1"/>
-            </a:fontRef>
-          </p:style>
-        </p:cxnSp>
-        <p:cxnSp>
-          <p:nvCxnSpPr>
-            <p:cNvPr id="16" name="Connector: Elbow 15">
-              <a:extLst>
-                <a:ext uri="{FF2B5EF4-FFF2-40B4-BE49-F238E27FC236}">
-                  <a16:creationId xmlns:a16="http://schemas.microsoft.com/office/drawing/2014/main" id="{8CAC068F-2642-4598-A18E-D2F15126F581}"/>
-                </a:ext>
-              </a:extLst>
-            </p:cNvPr>
-            <p:cNvCxnSpPr>
-              <a:cxnSpLocks/>
-            </p:cNvCxnSpPr>
-            <p:nvPr/>
-          </p:nvCxnSpPr>
-          <p:spPr>
-            <a:xfrm>
-              <a:off x="4479404" y="3061855"/>
-              <a:ext cx="2955407" cy="367145"/>
-            </a:xfrm>
-            <a:prstGeom prst="bentConnector2">
-              <a:avLst/>
-            </a:prstGeom>
-            <a:ln w="38100">
-              <a:tailEnd type="triangle"/>
-            </a:ln>
-          </p:spPr>
-          <p:style>
-            <a:lnRef idx="3">
-              <a:schemeClr val="accent3"/>
-            </a:lnRef>
-            <a:fillRef idx="0">
-              <a:schemeClr val="accent3"/>
-            </a:fillRef>
-            <a:effectRef idx="2">
-              <a:schemeClr val="accent3"/>
-            </a:effectRef>
-            <a:fontRef idx="minor">
-              <a:schemeClr val="tx1"/>
-            </a:fontRef>
-          </p:style>
-        </p:cxnSp>
-      </p:grpSp>
     </p:spTree>
     <p:extLst>
       <p:ext uri="{BB962C8B-B14F-4D97-AF65-F5344CB8AC3E}">
-        <p14:creationId xmlns:p14="http://schemas.microsoft.com/office/powerpoint/2010/main" val="41702972"/>
+        <p14:creationId xmlns:p14="http://schemas.microsoft.com/office/powerpoint/2010/main" val="3410255437"/>
       </p:ext>
     </p:extLst>
   </p:cSld>
@@ -23408,127 +24004,6 @@
   <p:transition spd="slow">
     <p:push dir="u"/>
   </p:transition>
-  <p:timing>
-    <p:tnLst>
-      <p:par>
-        <p:cTn id="1" dur="indefinite" restart="never" nodeType="tmRoot">
-          <p:childTnLst>
-            <p:seq concurrent="1" nextAc="seek">
-              <p:cTn id="2" dur="indefinite" nodeType="mainSeq">
-                <p:childTnLst>
-                  <p:par>
-                    <p:cTn id="3" fill="hold">
-                      <p:stCondLst>
-                        <p:cond delay="indefinite"/>
-                      </p:stCondLst>
-                      <p:childTnLst>
-                        <p:par>
-                          <p:cTn id="4" fill="hold">
-                            <p:stCondLst>
-                              <p:cond delay="0"/>
-                            </p:stCondLst>
-                            <p:childTnLst>
-                              <p:par>
-                                <p:cTn id="5" presetID="2" presetClass="entr" presetSubtype="4" fill="hold" nodeType="clickEffect">
-                                  <p:stCondLst>
-                                    <p:cond delay="0"/>
-                                  </p:stCondLst>
-                                  <p:childTnLst>
-                                    <p:set>
-                                      <p:cBhvr>
-                                        <p:cTn id="6" dur="1" fill="hold">
-                                          <p:stCondLst>
-                                            <p:cond delay="0"/>
-                                          </p:stCondLst>
-                                        </p:cTn>
-                                        <p:tgtEl>
-                                          <p:spTgt spid="23"/>
-                                        </p:tgtEl>
-                                        <p:attrNameLst>
-                                          <p:attrName>style.visibility</p:attrName>
-                                        </p:attrNameLst>
-                                      </p:cBhvr>
-                                      <p:to>
-                                        <p:strVal val="visible"/>
-                                      </p:to>
-                                    </p:set>
-                                    <p:anim calcmode="lin" valueType="num">
-                                      <p:cBhvr additive="base">
-                                        <p:cTn id="7" dur="500" fill="hold"/>
-                                        <p:tgtEl>
-                                          <p:spTgt spid="23"/>
-                                        </p:tgtEl>
-                                        <p:attrNameLst>
-                                          <p:attrName>ppt_x</p:attrName>
-                                        </p:attrNameLst>
-                                      </p:cBhvr>
-                                      <p:tavLst>
-                                        <p:tav tm="0">
-                                          <p:val>
-                                            <p:strVal val="#ppt_x"/>
-                                          </p:val>
-                                        </p:tav>
-                                        <p:tav tm="100000">
-                                          <p:val>
-                                            <p:strVal val="#ppt_x"/>
-                                          </p:val>
-                                        </p:tav>
-                                      </p:tavLst>
-                                    </p:anim>
-                                    <p:anim calcmode="lin" valueType="num">
-                                      <p:cBhvr additive="base">
-                                        <p:cTn id="8" dur="500" fill="hold"/>
-                                        <p:tgtEl>
-                                          <p:spTgt spid="23"/>
-                                        </p:tgtEl>
-                                        <p:attrNameLst>
-                                          <p:attrName>ppt_y</p:attrName>
-                                        </p:attrNameLst>
-                                      </p:cBhvr>
-                                      <p:tavLst>
-                                        <p:tav tm="0">
-                                          <p:val>
-                                            <p:strVal val="1+#ppt_h/2"/>
-                                          </p:val>
-                                        </p:tav>
-                                        <p:tav tm="100000">
-                                          <p:val>
-                                            <p:strVal val="#ppt_y"/>
-                                          </p:val>
-                                        </p:tav>
-                                      </p:tavLst>
-                                    </p:anim>
-                                  </p:childTnLst>
-                                </p:cTn>
-                              </p:par>
-                            </p:childTnLst>
-                          </p:cTn>
-                        </p:par>
-                      </p:childTnLst>
-                    </p:cTn>
-                  </p:par>
-                </p:childTnLst>
-              </p:cTn>
-              <p:prevCondLst>
-                <p:cond evt="onPrev" delay="0">
-                  <p:tgtEl>
-                    <p:sldTgt/>
-                  </p:tgtEl>
-                </p:cond>
-              </p:prevCondLst>
-              <p:nextCondLst>
-                <p:cond evt="onNext" delay="0">
-                  <p:tgtEl>
-                    <p:sldTgt/>
-                  </p:tgtEl>
-                </p:cond>
-              </p:nextCondLst>
-            </p:seq>
-          </p:childTnLst>
-        </p:cTn>
-      </p:par>
-    </p:tnLst>
-  </p:timing>
 </p:sld>
 </file>
 
